--- a/PTB_Lecture2.pptx
+++ b/PTB_Lecture2.pptx
@@ -19,13 +19,13 @@
     <p:sldId id="344" r:id="rId10"/>
     <p:sldId id="347" r:id="rId11"/>
     <p:sldId id="350" r:id="rId12"/>
-    <p:sldId id="351" r:id="rId13"/>
+    <p:sldId id="354" r:id="rId13"/>
     <p:sldId id="355" r:id="rId14"/>
-    <p:sldId id="354" r:id="rId15"/>
-    <p:sldId id="356" r:id="rId16"/>
-    <p:sldId id="348" r:id="rId17"/>
-    <p:sldId id="349" r:id="rId18"/>
-    <p:sldId id="339" r:id="rId19"/>
+    <p:sldId id="356" r:id="rId15"/>
+    <p:sldId id="357" r:id="rId16"/>
+    <p:sldId id="358" r:id="rId17"/>
+    <p:sldId id="359" r:id="rId18"/>
+    <p:sldId id="360" r:id="rId19"/>
   </p:sldIdLst>
   <p:sldSz cx="12192000" cy="6858000"/>
   <p:notesSz cx="6858000" cy="9144000"/>
@@ -146,7 +146,7 @@
 <file path=ppt/revisionInfo.xml><?xml version="1.0" encoding="utf-8"?>
 <p1510:revInfo xmlns:a="http://schemas.openxmlformats.org/drawingml/2006/main" xmlns:r="http://schemas.openxmlformats.org/officeDocument/2006/relationships" xmlns:p1510="http://schemas.microsoft.com/office/powerpoint/2015/10/main">
   <p1510:revLst>
-    <p1510:client id="{2E822B44-A701-491B-9B13-524A0D08CA88}" v="185" dt="2022-01-31T17:48:00.913"/>
+    <p1510:client id="{2E822B44-A701-491B-9B13-524A0D08CA88}" v="104" dt="2022-01-31T11:34:35.818"/>
   </p1510:revLst>
 </p1510:revInfo>
 </file>
@@ -4144,7 +4144,7 @@
   <pc:docChgLst>
     <pc:chgData name="Castegnaro, Andrea" userId="e719bb20-b48f-4237-97c2-e35c3e0dc9cd" providerId="ADAL" clId="{2E822B44-A701-491B-9B13-524A0D08CA88}"/>
     <pc:docChg chg="undo redo custSel addSld delSld modSld">
-      <pc:chgData name="Castegnaro, Andrea" userId="e719bb20-b48f-4237-97c2-e35c3e0dc9cd" providerId="ADAL" clId="{2E822B44-A701-491B-9B13-524A0D08CA88}" dt="2022-01-31T17:48:08.131" v="15726" actId="1076"/>
+      <pc:chgData name="Castegnaro, Andrea" userId="e719bb20-b48f-4237-97c2-e35c3e0dc9cd" providerId="ADAL" clId="{2E822B44-A701-491B-9B13-524A0D08CA88}" dt="2022-01-31T12:12:31.668" v="9733" actId="1076"/>
       <pc:docMkLst>
         <pc:docMk/>
       </pc:docMkLst>
@@ -4176,133 +4176,6 @@
           <pc:docMk/>
           <pc:sldMk cId="2695853462" sldId="321"/>
         </pc:sldMkLst>
-      </pc:sldChg>
-      <pc:sldChg chg="addSp delSp modSp mod setBg">
-        <pc:chgData name="Castegnaro, Andrea" userId="e719bb20-b48f-4237-97c2-e35c3e0dc9cd" providerId="ADAL" clId="{2E822B44-A701-491B-9B13-524A0D08CA88}" dt="2022-01-31T17:44:32.959" v="15684" actId="1076"/>
-        <pc:sldMkLst>
-          <pc:docMk/>
-          <pc:sldMk cId="3366187170" sldId="322"/>
-        </pc:sldMkLst>
-        <pc:spChg chg="mod">
-          <ac:chgData name="Castegnaro, Andrea" userId="e719bb20-b48f-4237-97c2-e35c3e0dc9cd" providerId="ADAL" clId="{2E822B44-A701-491B-9B13-524A0D08CA88}" dt="2022-01-31T16:04:42.419" v="12285" actId="26606"/>
-          <ac:spMkLst>
-            <pc:docMk/>
-            <pc:sldMk cId="3366187170" sldId="322"/>
-            <ac:spMk id="6" creationId="{626B5DB5-B551-48F4-9907-E9D1AB17A470}"/>
-          </ac:spMkLst>
-        </pc:spChg>
-        <pc:spChg chg="mod ord">
-          <ac:chgData name="Castegnaro, Andrea" userId="e719bb20-b48f-4237-97c2-e35c3e0dc9cd" providerId="ADAL" clId="{2E822B44-A701-491B-9B13-524A0D08CA88}" dt="2022-01-31T16:04:42.419" v="12285" actId="26606"/>
-          <ac:spMkLst>
-            <pc:docMk/>
-            <pc:sldMk cId="3366187170" sldId="322"/>
-            <ac:spMk id="7" creationId="{54CD5984-D0C0-4B4F-AC0A-2376ABCE0754}"/>
-          </ac:spMkLst>
-        </pc:spChg>
-        <pc:spChg chg="add del">
-          <ac:chgData name="Castegnaro, Andrea" userId="e719bb20-b48f-4237-97c2-e35c3e0dc9cd" providerId="ADAL" clId="{2E822B44-A701-491B-9B13-524A0D08CA88}" dt="2022-01-31T16:04:42.419" v="12285" actId="26606"/>
-          <ac:spMkLst>
-            <pc:docMk/>
-            <pc:sldMk cId="3366187170" sldId="322"/>
-            <ac:spMk id="9" creationId="{2B566528-1B12-4246-9431-5C2D7D081168}"/>
-          </ac:spMkLst>
-        </pc:spChg>
-        <pc:spChg chg="add del">
-          <ac:chgData name="Castegnaro, Andrea" userId="e719bb20-b48f-4237-97c2-e35c3e0dc9cd" providerId="ADAL" clId="{2E822B44-A701-491B-9B13-524A0D08CA88}" dt="2022-01-31T16:04:36.502" v="12283" actId="26606"/>
-          <ac:spMkLst>
-            <pc:docMk/>
-            <pc:sldMk cId="3366187170" sldId="322"/>
-            <ac:spMk id="12" creationId="{5A0118C5-4F8D-4CF4-BADD-53FEACC6C42A}"/>
-          </ac:spMkLst>
-        </pc:spChg>
-        <pc:spChg chg="add del">
-          <ac:chgData name="Castegnaro, Andrea" userId="e719bb20-b48f-4237-97c2-e35c3e0dc9cd" providerId="ADAL" clId="{2E822B44-A701-491B-9B13-524A0D08CA88}" dt="2022-01-31T16:04:36.502" v="12283" actId="26606"/>
-          <ac:spMkLst>
-            <pc:docMk/>
-            <pc:sldMk cId="3366187170" sldId="322"/>
-            <ac:spMk id="22" creationId="{EAED1919-54A1-41C9-B30B-A3FF3F58E38B}"/>
-          </ac:spMkLst>
-        </pc:spChg>
-        <pc:spChg chg="add del">
-          <ac:chgData name="Castegnaro, Andrea" userId="e719bb20-b48f-4237-97c2-e35c3e0dc9cd" providerId="ADAL" clId="{2E822B44-A701-491B-9B13-524A0D08CA88}" dt="2022-01-31T16:04:36.502" v="12283" actId="26606"/>
-          <ac:spMkLst>
-            <pc:docMk/>
-            <pc:sldMk cId="3366187170" sldId="322"/>
-            <ac:spMk id="28" creationId="{FFFEB18F-F81F-4CED-BE64-EB888A77C3B8}"/>
-          </ac:spMkLst>
-        </pc:spChg>
-        <pc:grpChg chg="add del">
-          <ac:chgData name="Castegnaro, Andrea" userId="e719bb20-b48f-4237-97c2-e35c3e0dc9cd" providerId="ADAL" clId="{2E822B44-A701-491B-9B13-524A0D08CA88}" dt="2022-01-31T16:04:42.419" v="12285" actId="26606"/>
-          <ac:grpSpMkLst>
-            <pc:docMk/>
-            <pc:sldMk cId="3366187170" sldId="322"/>
-            <ac:grpSpMk id="10" creationId="{5995D10D-E9C9-47DB-AE7E-801FEF38F5C9}"/>
-          </ac:grpSpMkLst>
-        </pc:grpChg>
-        <pc:grpChg chg="add del">
-          <ac:chgData name="Castegnaro, Andrea" userId="e719bb20-b48f-4237-97c2-e35c3e0dc9cd" providerId="ADAL" clId="{2E822B44-A701-491B-9B13-524A0D08CA88}" dt="2022-01-31T16:04:36.502" v="12283" actId="26606"/>
-          <ac:grpSpMkLst>
-            <pc:docMk/>
-            <pc:sldMk cId="3366187170" sldId="322"/>
-            <ac:grpSpMk id="14" creationId="{00C7DD97-49DC-4BFD-951D-CFF51B976DE9}"/>
-          </ac:grpSpMkLst>
-        </pc:grpChg>
-        <pc:grpChg chg="add del">
-          <ac:chgData name="Castegnaro, Andrea" userId="e719bb20-b48f-4237-97c2-e35c3e0dc9cd" providerId="ADAL" clId="{2E822B44-A701-491B-9B13-524A0D08CA88}" dt="2022-01-31T16:04:42.419" v="12285" actId="26606"/>
-          <ac:grpSpMkLst>
-            <pc:docMk/>
-            <pc:sldMk cId="3366187170" sldId="322"/>
-            <ac:grpSpMk id="17" creationId="{828A5161-06F1-46CF-8AD7-844680A59E13}"/>
-          </ac:grpSpMkLst>
-        </pc:grpChg>
-        <pc:grpChg chg="add del">
-          <ac:chgData name="Castegnaro, Andrea" userId="e719bb20-b48f-4237-97c2-e35c3e0dc9cd" providerId="ADAL" clId="{2E822B44-A701-491B-9B13-524A0D08CA88}" dt="2022-01-31T16:04:36.502" v="12283" actId="26606"/>
-          <ac:grpSpMkLst>
-            <pc:docMk/>
-            <pc:sldMk cId="3366187170" sldId="322"/>
-            <ac:grpSpMk id="18" creationId="{176786CF-68E6-476D-909E-8522718B7BE0}"/>
-          </ac:grpSpMkLst>
-        </pc:grpChg>
-        <pc:grpChg chg="add del">
-          <ac:chgData name="Castegnaro, Andrea" userId="e719bb20-b48f-4237-97c2-e35c3e0dc9cd" providerId="ADAL" clId="{2E822B44-A701-491B-9B13-524A0D08CA88}" dt="2022-01-31T16:04:36.502" v="12283" actId="26606"/>
-          <ac:grpSpMkLst>
-            <pc:docMk/>
-            <pc:sldMk cId="3366187170" sldId="322"/>
-            <ac:grpSpMk id="24" creationId="{00E015F5-1A99-4E40-BC3D-7707802996B5}"/>
-          </ac:grpSpMkLst>
-        </pc:grpChg>
-        <pc:grpChg chg="add del">
-          <ac:chgData name="Castegnaro, Andrea" userId="e719bb20-b48f-4237-97c2-e35c3e0dc9cd" providerId="ADAL" clId="{2E822B44-A701-491B-9B13-524A0D08CA88}" dt="2022-01-31T16:04:36.502" v="12283" actId="26606"/>
-          <ac:grpSpMkLst>
-            <pc:docMk/>
-            <pc:sldMk cId="3366187170" sldId="322"/>
-            <ac:grpSpMk id="30" creationId="{A04977CB-3825-471A-A590-C57F8C350306}"/>
-          </ac:grpSpMkLst>
-        </pc:grpChg>
-        <pc:picChg chg="del mod">
-          <ac:chgData name="Castegnaro, Andrea" userId="e719bb20-b48f-4237-97c2-e35c3e0dc9cd" providerId="ADAL" clId="{2E822B44-A701-491B-9B13-524A0D08CA88}" dt="2022-01-31T17:44:29.286" v="15683" actId="478"/>
-          <ac:picMkLst>
-            <pc:docMk/>
-            <pc:sldMk cId="3366187170" sldId="322"/>
-            <ac:picMk id="3" creationId="{2FACF68E-D86F-4282-B9E1-B5F86B9E8A69}"/>
-          </ac:picMkLst>
-        </pc:picChg>
-        <pc:picChg chg="add mod">
-          <ac:chgData name="Castegnaro, Andrea" userId="e719bb20-b48f-4237-97c2-e35c3e0dc9cd" providerId="ADAL" clId="{2E822B44-A701-491B-9B13-524A0D08CA88}" dt="2022-01-31T17:44:32.959" v="15684" actId="1076"/>
-          <ac:picMkLst>
-            <pc:docMk/>
-            <pc:sldMk cId="3366187170" sldId="322"/>
-            <ac:picMk id="4" creationId="{2B9FEF8A-207A-485E-9169-1A24666C9FE7}"/>
-          </ac:picMkLst>
-        </pc:picChg>
-        <pc:picChg chg="mod">
-          <ac:chgData name="Castegnaro, Andrea" userId="e719bb20-b48f-4237-97c2-e35c3e0dc9cd" providerId="ADAL" clId="{2E822B44-A701-491B-9B13-524A0D08CA88}" dt="2022-01-31T16:04:42.419" v="12285" actId="26606"/>
-          <ac:picMkLst>
-            <pc:docMk/>
-            <pc:sldMk cId="3366187170" sldId="322"/>
-            <ac:picMk id="5" creationId="{946E137A-3507-460F-92B7-F6F41D6667F3}"/>
-          </ac:picMkLst>
-        </pc:picChg>
       </pc:sldChg>
       <pc:sldChg chg="del">
         <pc:chgData name="Castegnaro, Andrea" userId="e719bb20-b48f-4237-97c2-e35c3e0dc9cd" providerId="ADAL" clId="{2E822B44-A701-491B-9B13-524A0D08CA88}" dt="2022-01-31T12:11:52.494" v="9725" actId="47"/>
@@ -4442,7 +4315,7 @@
         </pc:spChg>
       </pc:sldChg>
       <pc:sldChg chg="addSp delSp modSp add mod">
-        <pc:chgData name="Castegnaro, Andrea" userId="e719bb20-b48f-4237-97c2-e35c3e0dc9cd" providerId="ADAL" clId="{2E822B44-A701-491B-9B13-524A0D08CA88}" dt="2022-01-31T17:44:51.304" v="15687" actId="1076"/>
+        <pc:chgData name="Castegnaro, Andrea" userId="e719bb20-b48f-4237-97c2-e35c3e0dc9cd" providerId="ADAL" clId="{2E822B44-A701-491B-9B13-524A0D08CA88}" dt="2022-01-31T12:12:26.411" v="9732" actId="1076"/>
         <pc:sldMkLst>
           <pc:docMk/>
           <pc:sldMk cId="3617399448" sldId="342"/>
@@ -4631,16 +4504,8 @@
             <ac:grpSpMk id="27" creationId="{64B1F145-031F-4C49-BFE3-B104AA9904A4}"/>
           </ac:grpSpMkLst>
         </pc:grpChg>
-        <pc:picChg chg="add mod">
-          <ac:chgData name="Castegnaro, Andrea" userId="e719bb20-b48f-4237-97c2-e35c3e0dc9cd" providerId="ADAL" clId="{2E822B44-A701-491B-9B13-524A0D08CA88}" dt="2022-01-31T17:44:51.304" v="15687" actId="1076"/>
-          <ac:picMkLst>
-            <pc:docMk/>
-            <pc:sldMk cId="3617399448" sldId="342"/>
-            <ac:picMk id="4" creationId="{EDA2B51B-FB7A-4D48-8083-C2D06111FD47}"/>
-          </ac:picMkLst>
-        </pc:picChg>
-        <pc:picChg chg="del mod">
-          <ac:chgData name="Castegnaro, Andrea" userId="e719bb20-b48f-4237-97c2-e35c3e0dc9cd" providerId="ADAL" clId="{2E822B44-A701-491B-9B13-524A0D08CA88}" dt="2022-01-31T17:44:47.309" v="15686" actId="478"/>
+        <pc:picChg chg="mod">
+          <ac:chgData name="Castegnaro, Andrea" userId="e719bb20-b48f-4237-97c2-e35c3e0dc9cd" providerId="ADAL" clId="{2E822B44-A701-491B-9B13-524A0D08CA88}" dt="2022-01-31T12:12:26.411" v="9732" actId="1076"/>
           <ac:picMkLst>
             <pc:docMk/>
             <pc:sldMk cId="3617399448" sldId="342"/>
@@ -4649,7 +4514,7 @@
         </pc:picChg>
       </pc:sldChg>
       <pc:sldChg chg="addSp delSp modSp add mod">
-        <pc:chgData name="Castegnaro, Andrea" userId="e719bb20-b48f-4237-97c2-e35c3e0dc9cd" providerId="ADAL" clId="{2E822B44-A701-491B-9B13-524A0D08CA88}" dt="2022-01-31T17:43:59.122" v="15680" actId="1076"/>
+        <pc:chgData name="Castegnaro, Andrea" userId="e719bb20-b48f-4237-97c2-e35c3e0dc9cd" providerId="ADAL" clId="{2E822B44-A701-491B-9B13-524A0D08CA88}" dt="2022-01-31T10:55:06.373" v="8587" actId="20577"/>
         <pc:sldMkLst>
           <pc:docMk/>
           <pc:sldMk cId="2895304120" sldId="343"/>
@@ -4854,17 +4719,9 @@
             <ac:picMk id="7" creationId="{8AD2CFE3-3A93-422E-9B83-392926E51C1D}"/>
           </ac:picMkLst>
         </pc:picChg>
-        <pc:picChg chg="add mod">
-          <ac:chgData name="Castegnaro, Andrea" userId="e719bb20-b48f-4237-97c2-e35c3e0dc9cd" providerId="ADAL" clId="{2E822B44-A701-491B-9B13-524A0D08CA88}" dt="2022-01-31T17:43:59.122" v="15680" actId="1076"/>
-          <ac:picMkLst>
-            <pc:docMk/>
-            <pc:sldMk cId="2895304120" sldId="343"/>
-            <ac:picMk id="20" creationId="{73EC2B95-13BF-4459-BDE5-F39628782EDD}"/>
-          </ac:picMkLst>
-        </pc:picChg>
       </pc:sldChg>
       <pc:sldChg chg="addSp delSp modSp add mod">
-        <pc:chgData name="Castegnaro, Andrea" userId="e719bb20-b48f-4237-97c2-e35c3e0dc9cd" providerId="ADAL" clId="{2E822B44-A701-491B-9B13-524A0D08CA88}" dt="2022-01-31T17:44:08.017" v="15681"/>
+        <pc:chgData name="Castegnaro, Andrea" userId="e719bb20-b48f-4237-97c2-e35c3e0dc9cd" providerId="ADAL" clId="{2E822B44-A701-491B-9B13-524A0D08CA88}" dt="2022-01-31T10:55:12.337" v="8600" actId="20577"/>
         <pc:sldMkLst>
           <pc:docMk/>
           <pc:sldMk cId="2660001074" sldId="344"/>
@@ -5006,7 +4863,7 @@
           </ac:spMkLst>
         </pc:spChg>
         <pc:spChg chg="add mod">
-          <ac:chgData name="Castegnaro, Andrea" userId="e719bb20-b48f-4237-97c2-e35c3e0dc9cd" providerId="ADAL" clId="{2E822B44-A701-491B-9B13-524A0D08CA88}" dt="2022-01-31T17:31:46.967" v="15008" actId="14100"/>
+          <ac:chgData name="Castegnaro, Andrea" userId="e719bb20-b48f-4237-97c2-e35c3e0dc9cd" providerId="ADAL" clId="{2E822B44-A701-491B-9B13-524A0D08CA88}" dt="2022-01-31T10:52:00.369" v="8520" actId="1076"/>
           <ac:spMkLst>
             <pc:docMk/>
             <pc:sldMk cId="2660001074" sldId="344"/>
@@ -5157,14 +5014,6 @@
             <ac:grpSpMk id="55" creationId="{E6F8BC86-240C-4035-A6EB-4EEB2F9B91BC}"/>
           </ac:grpSpMkLst>
         </pc:grpChg>
-        <pc:picChg chg="add mod">
-          <ac:chgData name="Castegnaro, Andrea" userId="e719bb20-b48f-4237-97c2-e35c3e0dc9cd" providerId="ADAL" clId="{2E822B44-A701-491B-9B13-524A0D08CA88}" dt="2022-01-31T17:44:08.017" v="15681"/>
-          <ac:picMkLst>
-            <pc:docMk/>
-            <pc:sldMk cId="2660001074" sldId="344"/>
-            <ac:picMk id="34" creationId="{14B64E9C-E2E2-4FC7-A851-9C305B1B3F0F}"/>
-          </ac:picMkLst>
-        </pc:picChg>
         <pc:cxnChg chg="add mod">
           <ac:chgData name="Castegnaro, Andrea" userId="e719bb20-b48f-4237-97c2-e35c3e0dc9cd" providerId="ADAL" clId="{2E822B44-A701-491B-9B13-524A0D08CA88}" dt="2022-01-31T10:46:06.980" v="7952" actId="14100"/>
           <ac:cxnSpMkLst>
@@ -5215,7 +5064,7 @@
         </pc:cxnChg>
       </pc:sldChg>
       <pc:sldChg chg="addSp delSp modSp add mod">
-        <pc:chgData name="Castegnaro, Andrea" userId="e719bb20-b48f-4237-97c2-e35c3e0dc9cd" providerId="ADAL" clId="{2E822B44-A701-491B-9B13-524A0D08CA88}" dt="2022-01-31T17:43:35.036" v="15677" actId="1076"/>
+        <pc:chgData name="Castegnaro, Andrea" userId="e719bb20-b48f-4237-97c2-e35c3e0dc9cd" providerId="ADAL" clId="{2E822B44-A701-491B-9B13-524A0D08CA88}" dt="2022-01-31T10:23:13.020" v="7093" actId="478"/>
         <pc:sldMkLst>
           <pc:docMk/>
           <pc:sldMk cId="1415608395" sldId="345"/>
@@ -5428,14 +5277,6 @@
             <ac:grpSpMk id="23" creationId="{88B15598-54C6-4D95-B851-50745275CB4C}"/>
           </ac:grpSpMkLst>
         </pc:grpChg>
-        <pc:picChg chg="add mod">
-          <ac:chgData name="Castegnaro, Andrea" userId="e719bb20-b48f-4237-97c2-e35c3e0dc9cd" providerId="ADAL" clId="{2E822B44-A701-491B-9B13-524A0D08CA88}" dt="2022-01-31T17:43:35.036" v="15677" actId="1076"/>
-          <ac:picMkLst>
-            <pc:docMk/>
-            <pc:sldMk cId="1415608395" sldId="345"/>
-            <ac:picMk id="7" creationId="{4282516D-F60F-4A8B-A0AE-A2414C54C181}"/>
-          </ac:picMkLst>
-        </pc:picChg>
         <pc:picChg chg="del">
           <ac:chgData name="Castegnaro, Andrea" userId="e719bb20-b48f-4237-97c2-e35c3e0dc9cd" providerId="ADAL" clId="{2E822B44-A701-491B-9B13-524A0D08CA88}" dt="2022-01-31T10:23:13.020" v="7093" actId="478"/>
           <ac:picMkLst>
@@ -5470,7 +5311,7 @@
         </pc:cxnChg>
       </pc:sldChg>
       <pc:sldChg chg="addSp delSp modSp add mod">
-        <pc:chgData name="Castegnaro, Andrea" userId="e719bb20-b48f-4237-97c2-e35c3e0dc9cd" providerId="ADAL" clId="{2E822B44-A701-491B-9B13-524A0D08CA88}" dt="2022-01-31T17:43:37.221" v="15678"/>
+        <pc:chgData name="Castegnaro, Andrea" userId="e719bb20-b48f-4237-97c2-e35c3e0dc9cd" providerId="ADAL" clId="{2E822B44-A701-491B-9B13-524A0D08CA88}" dt="2022-01-31T10:23:10.964" v="7092" actId="478"/>
         <pc:sldMkLst>
           <pc:docMk/>
           <pc:sldMk cId="930155706" sldId="346"/>
@@ -5571,14 +5412,6 @@
             <ac:picMk id="7" creationId="{8AD2CFE3-3A93-422E-9B83-392926E51C1D}"/>
           </ac:picMkLst>
         </pc:picChg>
-        <pc:picChg chg="add mod">
-          <ac:chgData name="Castegnaro, Andrea" userId="e719bb20-b48f-4237-97c2-e35c3e0dc9cd" providerId="ADAL" clId="{2E822B44-A701-491B-9B13-524A0D08CA88}" dt="2022-01-31T17:43:37.221" v="15678"/>
-          <ac:picMkLst>
-            <pc:docMk/>
-            <pc:sldMk cId="930155706" sldId="346"/>
-            <ac:picMk id="17" creationId="{676F7BA5-ABC2-4AC0-A7FB-6B0C64B9A47D}"/>
-          </ac:picMkLst>
-        </pc:picChg>
         <pc:cxnChg chg="add mod">
           <ac:chgData name="Castegnaro, Andrea" userId="e719bb20-b48f-4237-97c2-e35c3e0dc9cd" providerId="ADAL" clId="{2E822B44-A701-491B-9B13-524A0D08CA88}" dt="2022-01-30T18:30:39.345" v="2959" actId="14100"/>
           <ac:cxnSpMkLst>
@@ -5613,7 +5446,7 @@
         </pc:cxnChg>
       </pc:sldChg>
       <pc:sldChg chg="addSp delSp modSp add mod">
-        <pc:chgData name="Castegnaro, Andrea" userId="e719bb20-b48f-4237-97c2-e35c3e0dc9cd" providerId="ADAL" clId="{2E822B44-A701-491B-9B13-524A0D08CA88}" dt="2022-01-31T17:46:00.599" v="15697" actId="1076"/>
+        <pc:chgData name="Castegnaro, Andrea" userId="e719bb20-b48f-4237-97c2-e35c3e0dc9cd" providerId="ADAL" clId="{2E822B44-A701-491B-9B13-524A0D08CA88}" dt="2022-01-31T11:34:08.009" v="9209" actId="20577"/>
         <pc:sldMkLst>
           <pc:docMk/>
           <pc:sldMk cId="2754144696" sldId="347"/>
@@ -5659,7 +5492,7 @@
           </ac:spMkLst>
         </pc:spChg>
         <pc:spChg chg="mod">
-          <ac:chgData name="Castegnaro, Andrea" userId="e719bb20-b48f-4237-97c2-e35c3e0dc9cd" providerId="ADAL" clId="{2E822B44-A701-491B-9B13-524A0D08CA88}" dt="2022-01-31T16:53:04.285" v="13465" actId="20577"/>
+          <ac:chgData name="Castegnaro, Andrea" userId="e719bb20-b48f-4237-97c2-e35c3e0dc9cd" providerId="ADAL" clId="{2E822B44-A701-491B-9B13-524A0D08CA88}" dt="2022-01-31T11:13:58.886" v="8772" actId="208"/>
           <ac:spMkLst>
             <pc:docMk/>
             <pc:sldMk cId="2754144696" sldId="347"/>
@@ -5754,17 +5587,9 @@
             <ac:grpSpMk id="12" creationId="{52B930B8-7BEA-4FEA-8223-C37EDB1D068F}"/>
           </ac:grpSpMkLst>
         </pc:grpChg>
-        <pc:picChg chg="add mod">
-          <ac:chgData name="Castegnaro, Andrea" userId="e719bb20-b48f-4237-97c2-e35c3e0dc9cd" providerId="ADAL" clId="{2E822B44-A701-491B-9B13-524A0D08CA88}" dt="2022-01-31T17:46:00.599" v="15697" actId="1076"/>
-          <ac:picMkLst>
-            <pc:docMk/>
-            <pc:sldMk cId="2754144696" sldId="347"/>
-            <ac:picMk id="12" creationId="{EB29CCA8-B1B5-45BC-BC74-2B8294743F31}"/>
-          </ac:picMkLst>
-        </pc:picChg>
       </pc:sldChg>
-      <pc:sldChg chg="addSp modSp add mod">
-        <pc:chgData name="Castegnaro, Andrea" userId="e719bb20-b48f-4237-97c2-e35c3e0dc9cd" providerId="ADAL" clId="{2E822B44-A701-491B-9B13-524A0D08CA88}" dt="2022-01-31T17:47:37.310" v="15722" actId="1076"/>
+      <pc:sldChg chg="modSp add mod">
+        <pc:chgData name="Castegnaro, Andrea" userId="e719bb20-b48f-4237-97c2-e35c3e0dc9cd" providerId="ADAL" clId="{2E822B44-A701-491B-9B13-524A0D08CA88}" dt="2022-01-30T14:53:20.408" v="379" actId="20577"/>
         <pc:sldMkLst>
           <pc:docMk/>
           <pc:sldMk cId="3883069017" sldId="348"/>
@@ -5777,288 +5602,24 @@
             <ac:spMk id="2" creationId="{32DCA100-7D85-4A3C-9993-92EC37D3F8E2}"/>
           </ac:spMkLst>
         </pc:spChg>
-        <pc:spChg chg="mod">
-          <ac:chgData name="Castegnaro, Andrea" userId="e719bb20-b48f-4237-97c2-e35c3e0dc9cd" providerId="ADAL" clId="{2E822B44-A701-491B-9B13-524A0D08CA88}" dt="2022-01-31T16:36:37.801" v="12640"/>
-          <ac:spMkLst>
-            <pc:docMk/>
-            <pc:sldMk cId="3883069017" sldId="348"/>
-            <ac:spMk id="5" creationId="{C84B6E98-CA60-4538-A911-49D89AED1531}"/>
-          </ac:spMkLst>
-        </pc:spChg>
-        <pc:spChg chg="mod">
-          <ac:chgData name="Castegnaro, Andrea" userId="e719bb20-b48f-4237-97c2-e35c3e0dc9cd" providerId="ADAL" clId="{2E822B44-A701-491B-9B13-524A0D08CA88}" dt="2022-01-31T16:36:37.801" v="12640"/>
-          <ac:spMkLst>
-            <pc:docMk/>
-            <pc:sldMk cId="3883069017" sldId="348"/>
-            <ac:spMk id="6" creationId="{02B12DE6-95EC-40DC-B808-901A2BAF1514}"/>
-          </ac:spMkLst>
-        </pc:spChg>
-        <pc:spChg chg="mod">
-          <ac:chgData name="Castegnaro, Andrea" userId="e719bb20-b48f-4237-97c2-e35c3e0dc9cd" providerId="ADAL" clId="{2E822B44-A701-491B-9B13-524A0D08CA88}" dt="2022-01-31T16:36:37.801" v="12640"/>
-          <ac:spMkLst>
-            <pc:docMk/>
-            <pc:sldMk cId="3883069017" sldId="348"/>
-            <ac:spMk id="7" creationId="{F6921C63-79F5-4EEA-AEF6-3C387467341B}"/>
-          </ac:spMkLst>
-        </pc:spChg>
-        <pc:spChg chg="mod">
-          <ac:chgData name="Castegnaro, Andrea" userId="e719bb20-b48f-4237-97c2-e35c3e0dc9cd" providerId="ADAL" clId="{2E822B44-A701-491B-9B13-524A0D08CA88}" dt="2022-01-31T16:36:37.801" v="12640"/>
-          <ac:spMkLst>
-            <pc:docMk/>
-            <pc:sldMk cId="3883069017" sldId="348"/>
-            <ac:spMk id="8" creationId="{28C7671E-E63A-47FD-9730-997FAD701831}"/>
-          </ac:spMkLst>
-        </pc:spChg>
-        <pc:spChg chg="mod">
-          <ac:chgData name="Castegnaro, Andrea" userId="e719bb20-b48f-4237-97c2-e35c3e0dc9cd" providerId="ADAL" clId="{2E822B44-A701-491B-9B13-524A0D08CA88}" dt="2022-01-31T16:52:33.994" v="13447" actId="20577"/>
-          <ac:spMkLst>
-            <pc:docMk/>
-            <pc:sldMk cId="3883069017" sldId="348"/>
-            <ac:spMk id="9" creationId="{34CF7B82-6FE5-4C23-82C0-C7B731331340}"/>
-          </ac:spMkLst>
-        </pc:spChg>
-        <pc:spChg chg="mod">
-          <ac:chgData name="Castegnaro, Andrea" userId="e719bb20-b48f-4237-97c2-e35c3e0dc9cd" providerId="ADAL" clId="{2E822B44-A701-491B-9B13-524A0D08CA88}" dt="2022-01-31T16:36:37.801" v="12640"/>
-          <ac:spMkLst>
-            <pc:docMk/>
-            <pc:sldMk cId="3883069017" sldId="348"/>
-            <ac:spMk id="10" creationId="{829D48CD-B4E9-4540-98E0-1052A7ED7143}"/>
-          </ac:spMkLst>
-        </pc:spChg>
-        <pc:spChg chg="mod">
-          <ac:chgData name="Castegnaro, Andrea" userId="e719bb20-b48f-4237-97c2-e35c3e0dc9cd" providerId="ADAL" clId="{2E822B44-A701-491B-9B13-524A0D08CA88}" dt="2022-01-31T16:37:15.768" v="12648"/>
-          <ac:spMkLst>
-            <pc:docMk/>
-            <pc:sldMk cId="3883069017" sldId="348"/>
-            <ac:spMk id="12" creationId="{A643052B-D2D7-4F8E-BC7D-9475A2E27B24}"/>
-          </ac:spMkLst>
-        </pc:spChg>
-        <pc:spChg chg="mod">
-          <ac:chgData name="Castegnaro, Andrea" userId="e719bb20-b48f-4237-97c2-e35c3e0dc9cd" providerId="ADAL" clId="{2E822B44-A701-491B-9B13-524A0D08CA88}" dt="2022-01-31T16:37:15.768" v="12648"/>
-          <ac:spMkLst>
-            <pc:docMk/>
-            <pc:sldMk cId="3883069017" sldId="348"/>
-            <ac:spMk id="13" creationId="{8F2FB72C-95AD-47C4-BD90-A2725944E2C8}"/>
-          </ac:spMkLst>
-        </pc:spChg>
-        <pc:spChg chg="add mod">
-          <ac:chgData name="Castegnaro, Andrea" userId="e719bb20-b48f-4237-97c2-e35c3e0dc9cd" providerId="ADAL" clId="{2E822B44-A701-491B-9B13-524A0D08CA88}" dt="2022-01-31T17:27:25.383" v="14656" actId="6549"/>
-          <ac:spMkLst>
-            <pc:docMk/>
-            <pc:sldMk cId="3883069017" sldId="348"/>
-            <ac:spMk id="14" creationId="{B5A5C79F-5A72-4A7E-B1C7-5B18A5F68B8D}"/>
-          </ac:spMkLst>
-        </pc:spChg>
-        <pc:grpChg chg="add mod">
-          <ac:chgData name="Castegnaro, Andrea" userId="e719bb20-b48f-4237-97c2-e35c3e0dc9cd" providerId="ADAL" clId="{2E822B44-A701-491B-9B13-524A0D08CA88}" dt="2022-01-31T16:36:37.801" v="12640"/>
-          <ac:grpSpMkLst>
-            <pc:docMk/>
-            <pc:sldMk cId="3883069017" sldId="348"/>
-            <ac:grpSpMk id="3" creationId="{7D8950B1-64A8-42C4-8C5E-5220F4D3CE75}"/>
-          </ac:grpSpMkLst>
-        </pc:grpChg>
-        <pc:grpChg chg="mod">
-          <ac:chgData name="Castegnaro, Andrea" userId="e719bb20-b48f-4237-97c2-e35c3e0dc9cd" providerId="ADAL" clId="{2E822B44-A701-491B-9B13-524A0D08CA88}" dt="2022-01-31T16:36:37.801" v="12640"/>
-          <ac:grpSpMkLst>
-            <pc:docMk/>
-            <pc:sldMk cId="3883069017" sldId="348"/>
-            <ac:grpSpMk id="4" creationId="{C13B29D6-889E-48CB-B1F4-B5E08CFDDC93}"/>
-          </ac:grpSpMkLst>
-        </pc:grpChg>
-        <pc:grpChg chg="add mod">
-          <ac:chgData name="Castegnaro, Andrea" userId="e719bb20-b48f-4237-97c2-e35c3e0dc9cd" providerId="ADAL" clId="{2E822B44-A701-491B-9B13-524A0D08CA88}" dt="2022-01-31T16:37:15.768" v="12648"/>
-          <ac:grpSpMkLst>
-            <pc:docMk/>
-            <pc:sldMk cId="3883069017" sldId="348"/>
-            <ac:grpSpMk id="11" creationId="{383D636C-ABC9-43CD-9664-71D9C8BF37CC}"/>
-          </ac:grpSpMkLst>
-        </pc:grpChg>
-        <pc:picChg chg="add mod">
-          <ac:chgData name="Castegnaro, Andrea" userId="e719bb20-b48f-4237-97c2-e35c3e0dc9cd" providerId="ADAL" clId="{2E822B44-A701-491B-9B13-524A0D08CA88}" dt="2022-01-31T17:47:37.310" v="15722" actId="1076"/>
-          <ac:picMkLst>
-            <pc:docMk/>
-            <pc:sldMk cId="3883069017" sldId="348"/>
-            <ac:picMk id="15" creationId="{B045CEFA-F27C-49E1-9D96-19B65D70E948}"/>
-          </ac:picMkLst>
-        </pc:picChg>
       </pc:sldChg>
-      <pc:sldChg chg="addSp delSp modSp add mod">
-        <pc:chgData name="Castegnaro, Andrea" userId="e719bb20-b48f-4237-97c2-e35c3e0dc9cd" providerId="ADAL" clId="{2E822B44-A701-491B-9B13-524A0D08CA88}" dt="2022-01-31T17:48:08.131" v="15726" actId="1076"/>
+      <pc:sldChg chg="modSp add mod">
+        <pc:chgData name="Castegnaro, Andrea" userId="e719bb20-b48f-4237-97c2-e35c3e0dc9cd" providerId="ADAL" clId="{2E822B44-A701-491B-9B13-524A0D08CA88}" dt="2022-01-30T14:54:54.702" v="579" actId="313"/>
         <pc:sldMkLst>
           <pc:docMk/>
           <pc:sldMk cId="1252444184" sldId="349"/>
         </pc:sldMkLst>
         <pc:spChg chg="mod">
-          <ac:chgData name="Castegnaro, Andrea" userId="e719bb20-b48f-4237-97c2-e35c3e0dc9cd" providerId="ADAL" clId="{2E822B44-A701-491B-9B13-524A0D08CA88}" dt="2022-01-31T17:36:38.491" v="15371" actId="20577"/>
+          <ac:chgData name="Castegnaro, Andrea" userId="e719bb20-b48f-4237-97c2-e35c3e0dc9cd" providerId="ADAL" clId="{2E822B44-A701-491B-9B13-524A0D08CA88}" dt="2022-01-30T14:54:54.702" v="579" actId="313"/>
           <ac:spMkLst>
             <pc:docMk/>
             <pc:sldMk cId="1252444184" sldId="349"/>
             <ac:spMk id="2" creationId="{32DCA100-7D85-4A3C-9993-92EC37D3F8E2}"/>
           </ac:spMkLst>
         </pc:spChg>
-        <pc:spChg chg="add mod">
-          <ac:chgData name="Castegnaro, Andrea" userId="e719bb20-b48f-4237-97c2-e35c3e0dc9cd" providerId="ADAL" clId="{2E822B44-A701-491B-9B13-524A0D08CA88}" dt="2022-01-31T17:30:38.856" v="14997" actId="20577"/>
-          <ac:spMkLst>
-            <pc:docMk/>
-            <pc:sldMk cId="1252444184" sldId="349"/>
-            <ac:spMk id="3" creationId="{780435C9-5DBC-4F47-AF8A-976FB0A75DE2}"/>
-          </ac:spMkLst>
-        </pc:spChg>
-        <pc:spChg chg="add del mod">
-          <ac:chgData name="Castegnaro, Andrea" userId="e719bb20-b48f-4237-97c2-e35c3e0dc9cd" providerId="ADAL" clId="{2E822B44-A701-491B-9B13-524A0D08CA88}" dt="2022-01-31T17:32:07.677" v="15015" actId="478"/>
-          <ac:spMkLst>
-            <pc:docMk/>
-            <pc:sldMk cId="1252444184" sldId="349"/>
-            <ac:spMk id="5" creationId="{D104B451-141A-401E-890E-417C49BCEED7}"/>
-          </ac:spMkLst>
-        </pc:spChg>
-        <pc:spChg chg="mod">
-          <ac:chgData name="Castegnaro, Andrea" userId="e719bb20-b48f-4237-97c2-e35c3e0dc9cd" providerId="ADAL" clId="{2E822B44-A701-491B-9B13-524A0D08CA88}" dt="2022-01-31T17:31:34.775" v="15004"/>
-          <ac:spMkLst>
-            <pc:docMk/>
-            <pc:sldMk cId="1252444184" sldId="349"/>
-            <ac:spMk id="7" creationId="{4781B723-5677-4B92-AB70-978F631A262D}"/>
-          </ac:spMkLst>
-        </pc:spChg>
-        <pc:spChg chg="mod">
-          <ac:chgData name="Castegnaro, Andrea" userId="e719bb20-b48f-4237-97c2-e35c3e0dc9cd" providerId="ADAL" clId="{2E822B44-A701-491B-9B13-524A0D08CA88}" dt="2022-01-31T17:31:34.775" v="15004"/>
-          <ac:spMkLst>
-            <pc:docMk/>
-            <pc:sldMk cId="1252444184" sldId="349"/>
-            <ac:spMk id="8" creationId="{E468DA1B-E67A-42CA-9EEA-BE5038179355}"/>
-          </ac:spMkLst>
-        </pc:spChg>
-        <pc:spChg chg="mod">
-          <ac:chgData name="Castegnaro, Andrea" userId="e719bb20-b48f-4237-97c2-e35c3e0dc9cd" providerId="ADAL" clId="{2E822B44-A701-491B-9B13-524A0D08CA88}" dt="2022-01-31T17:32:01.556" v="15012"/>
-          <ac:spMkLst>
-            <pc:docMk/>
-            <pc:sldMk cId="1252444184" sldId="349"/>
-            <ac:spMk id="10" creationId="{3892495C-C60E-4695-BB6C-91A9233283AF}"/>
-          </ac:spMkLst>
-        </pc:spChg>
-        <pc:spChg chg="mod">
-          <ac:chgData name="Castegnaro, Andrea" userId="e719bb20-b48f-4237-97c2-e35c3e0dc9cd" providerId="ADAL" clId="{2E822B44-A701-491B-9B13-524A0D08CA88}" dt="2022-01-31T17:31:53.619" v="15009"/>
-          <ac:spMkLst>
-            <pc:docMk/>
-            <pc:sldMk cId="1252444184" sldId="349"/>
-            <ac:spMk id="11" creationId="{191CFD19-E77A-4699-BC85-8BBA49AAA121}"/>
-          </ac:spMkLst>
-        </pc:spChg>
-        <pc:spChg chg="add mod">
-          <ac:chgData name="Castegnaro, Andrea" userId="e719bb20-b48f-4237-97c2-e35c3e0dc9cd" providerId="ADAL" clId="{2E822B44-A701-491B-9B13-524A0D08CA88}" dt="2022-01-31T17:40:49.770" v="15655" actId="1076"/>
-          <ac:spMkLst>
-            <pc:docMk/>
-            <pc:sldMk cId="1252444184" sldId="349"/>
-            <ac:spMk id="28" creationId="{178A5322-6472-4351-86AE-1D5F1289C9BB}"/>
-          </ac:spMkLst>
-        </pc:spChg>
-        <pc:spChg chg="add mod">
-          <ac:chgData name="Castegnaro, Andrea" userId="e719bb20-b48f-4237-97c2-e35c3e0dc9cd" providerId="ADAL" clId="{2E822B44-A701-491B-9B13-524A0D08CA88}" dt="2022-01-31T17:40:53.905" v="15657" actId="1076"/>
-          <ac:spMkLst>
-            <pc:docMk/>
-            <pc:sldMk cId="1252444184" sldId="349"/>
-            <ac:spMk id="29" creationId="{7EB9AEBC-EF72-442A-8518-8ACCBAF56B07}"/>
-          </ac:spMkLst>
-        </pc:spChg>
-        <pc:spChg chg="add mod">
-          <ac:chgData name="Castegnaro, Andrea" userId="e719bb20-b48f-4237-97c2-e35c3e0dc9cd" providerId="ADAL" clId="{2E822B44-A701-491B-9B13-524A0D08CA88}" dt="2022-01-31T17:40:58.569" v="15658" actId="1076"/>
-          <ac:spMkLst>
-            <pc:docMk/>
-            <pc:sldMk cId="1252444184" sldId="349"/>
-            <ac:spMk id="31" creationId="{75C935CC-BC46-43A5-ACD7-3BCD6084597C}"/>
-          </ac:spMkLst>
-        </pc:spChg>
-        <pc:spChg chg="add mod">
-          <ac:chgData name="Castegnaro, Andrea" userId="e719bb20-b48f-4237-97c2-e35c3e0dc9cd" providerId="ADAL" clId="{2E822B44-A701-491B-9B13-524A0D08CA88}" dt="2022-01-31T17:40:43.052" v="15652" actId="1076"/>
-          <ac:spMkLst>
-            <pc:docMk/>
-            <pc:sldMk cId="1252444184" sldId="349"/>
-            <ac:spMk id="35" creationId="{CC0A4CA9-2D18-49E4-A17D-9432CF3661C6}"/>
-          </ac:spMkLst>
-        </pc:spChg>
-        <pc:spChg chg="add mod">
-          <ac:chgData name="Castegnaro, Andrea" userId="e719bb20-b48f-4237-97c2-e35c3e0dc9cd" providerId="ADAL" clId="{2E822B44-A701-491B-9B13-524A0D08CA88}" dt="2022-01-31T17:40:38.731" v="15649" actId="1076"/>
-          <ac:spMkLst>
-            <pc:docMk/>
-            <pc:sldMk cId="1252444184" sldId="349"/>
-            <ac:spMk id="38" creationId="{7F0C18EC-CEDC-44FC-8C6A-C3E54D26B1B8}"/>
-          </ac:spMkLst>
-        </pc:spChg>
-        <pc:grpChg chg="add del mod">
-          <ac:chgData name="Castegnaro, Andrea" userId="e719bb20-b48f-4237-97c2-e35c3e0dc9cd" providerId="ADAL" clId="{2E822B44-A701-491B-9B13-524A0D08CA88}" dt="2022-01-31T17:31:43.371" v="15007"/>
-          <ac:grpSpMkLst>
-            <pc:docMk/>
-            <pc:sldMk cId="1252444184" sldId="349"/>
-            <ac:grpSpMk id="6" creationId="{15384AC3-1D2F-43E7-A2F1-206B1D831A0B}"/>
-          </ac:grpSpMkLst>
-        </pc:grpChg>
-        <pc:grpChg chg="add mod">
-          <ac:chgData name="Castegnaro, Andrea" userId="e719bb20-b48f-4237-97c2-e35c3e0dc9cd" providerId="ADAL" clId="{2E822B44-A701-491B-9B13-524A0D08CA88}" dt="2022-01-31T17:34:02.285" v="15053" actId="1076"/>
-          <ac:grpSpMkLst>
-            <pc:docMk/>
-            <pc:sldMk cId="1252444184" sldId="349"/>
-            <ac:grpSpMk id="9" creationId="{3597F9B4-38E6-43F6-A84A-FE0ADE6E0FA8}"/>
-          </ac:grpSpMkLst>
-        </pc:grpChg>
-        <pc:picChg chg="add mod">
-          <ac:chgData name="Castegnaro, Andrea" userId="e719bb20-b48f-4237-97c2-e35c3e0dc9cd" providerId="ADAL" clId="{2E822B44-A701-491B-9B13-524A0D08CA88}" dt="2022-01-31T17:41:43.868" v="15666" actId="1076"/>
-          <ac:picMkLst>
-            <pc:docMk/>
-            <pc:sldMk cId="1252444184" sldId="349"/>
-            <ac:picMk id="47" creationId="{F71EC9DD-86C7-467E-A297-35AEF77779B4}"/>
-          </ac:picMkLst>
-        </pc:picChg>
-        <pc:picChg chg="add mod">
-          <ac:chgData name="Castegnaro, Andrea" userId="e719bb20-b48f-4237-97c2-e35c3e0dc9cd" providerId="ADAL" clId="{2E822B44-A701-491B-9B13-524A0D08CA88}" dt="2022-01-31T17:48:08.131" v="15726" actId="1076"/>
-          <ac:picMkLst>
-            <pc:docMk/>
-            <pc:sldMk cId="1252444184" sldId="349"/>
-            <ac:picMk id="49" creationId="{63F4F5D9-5742-48A2-A217-ECE67D37DE89}"/>
-          </ac:picMkLst>
-        </pc:picChg>
-        <pc:cxnChg chg="add mod">
-          <ac:chgData name="Castegnaro, Andrea" userId="e719bb20-b48f-4237-97c2-e35c3e0dc9cd" providerId="ADAL" clId="{2E822B44-A701-491B-9B13-524A0D08CA88}" dt="2022-01-31T17:41:09.975" v="15662" actId="1076"/>
-          <ac:cxnSpMkLst>
-            <pc:docMk/>
-            <pc:sldMk cId="1252444184" sldId="349"/>
-            <ac:cxnSpMk id="12" creationId="{69454F0E-F02B-4156-9D2F-8A6358BB90D5}"/>
-          </ac:cxnSpMkLst>
-        </pc:cxnChg>
-        <pc:cxnChg chg="add mod">
-          <ac:chgData name="Castegnaro, Andrea" userId="e719bb20-b48f-4237-97c2-e35c3e0dc9cd" providerId="ADAL" clId="{2E822B44-A701-491B-9B13-524A0D08CA88}" dt="2022-01-31T17:40:47.290" v="15654" actId="14100"/>
-          <ac:cxnSpMkLst>
-            <pc:docMk/>
-            <pc:sldMk cId="1252444184" sldId="349"/>
-            <ac:cxnSpMk id="14" creationId="{BBE1E19F-437C-4678-92F6-34C0ACA5189C}"/>
-          </ac:cxnSpMkLst>
-        </pc:cxnChg>
-        <pc:cxnChg chg="add mod">
-          <ac:chgData name="Castegnaro, Andrea" userId="e719bb20-b48f-4237-97c2-e35c3e0dc9cd" providerId="ADAL" clId="{2E822B44-A701-491B-9B13-524A0D08CA88}" dt="2022-01-31T17:40:51.962" v="15656" actId="14100"/>
-          <ac:cxnSpMkLst>
-            <pc:docMk/>
-            <pc:sldMk cId="1252444184" sldId="349"/>
-            <ac:cxnSpMk id="16" creationId="{52DE95F4-D325-4C77-883C-FF59B561E876}"/>
-          </ac:cxnSpMkLst>
-        </pc:cxnChg>
-        <pc:cxnChg chg="add mod">
-          <ac:chgData name="Castegnaro, Andrea" userId="e719bb20-b48f-4237-97c2-e35c3e0dc9cd" providerId="ADAL" clId="{2E822B44-A701-491B-9B13-524A0D08CA88}" dt="2022-01-31T17:41:04.560" v="15660" actId="14100"/>
-          <ac:cxnSpMkLst>
-            <pc:docMk/>
-            <pc:sldMk cId="1252444184" sldId="349"/>
-            <ac:cxnSpMk id="19" creationId="{762325B7-B925-4428-8377-59DAD7738D11}"/>
-          </ac:cxnSpMkLst>
-        </pc:cxnChg>
-        <pc:cxnChg chg="add mod">
-          <ac:chgData name="Castegnaro, Andrea" userId="e719bb20-b48f-4237-97c2-e35c3e0dc9cd" providerId="ADAL" clId="{2E822B44-A701-491B-9B13-524A0D08CA88}" dt="2022-01-31T17:40:41.571" v="15651" actId="14100"/>
-          <ac:cxnSpMkLst>
-            <pc:docMk/>
-            <pc:sldMk cId="1252444184" sldId="349"/>
-            <ac:cxnSpMk id="27" creationId="{84370CA1-9905-47C0-A1FE-D14EC0512EBD}"/>
-          </ac:cxnSpMkLst>
-        </pc:cxnChg>
       </pc:sldChg>
       <pc:sldChg chg="addSp delSp modSp add mod">
-        <pc:chgData name="Castegnaro, Andrea" userId="e719bb20-b48f-4237-97c2-e35c3e0dc9cd" providerId="ADAL" clId="{2E822B44-A701-491B-9B13-524A0D08CA88}" dt="2022-01-31T17:46:08.278" v="15699" actId="1076"/>
+        <pc:chgData name="Castegnaro, Andrea" userId="e719bb20-b48f-4237-97c2-e35c3e0dc9cd" providerId="ADAL" clId="{2E822B44-A701-491B-9B13-524A0D08CA88}" dt="2022-01-31T11:46:15.122" v="9723" actId="20577"/>
         <pc:sldMkLst>
           <pc:docMk/>
           <pc:sldMk cId="1455733789" sldId="350"/>
@@ -6152,7 +5713,7 @@
           </ac:spMkLst>
         </pc:spChg>
         <pc:spChg chg="mod">
-          <ac:chgData name="Castegnaro, Andrea" userId="e719bb20-b48f-4237-97c2-e35c3e0dc9cd" providerId="ADAL" clId="{2E822B44-A701-491B-9B13-524A0D08CA88}" dt="2022-01-31T16:52:59.694" v="13462" actId="20577"/>
+          <ac:chgData name="Castegnaro, Andrea" userId="e719bb20-b48f-4237-97c2-e35c3e0dc9cd" providerId="ADAL" clId="{2E822B44-A701-491B-9B13-524A0D08CA88}" dt="2022-01-31T11:14:36.803" v="8781"/>
           <ac:spMkLst>
             <pc:docMk/>
             <pc:sldMk cId="1455733789" sldId="350"/>
@@ -6184,7 +5745,7 @@
           </ac:spMkLst>
         </pc:spChg>
         <pc:spChg chg="add mod">
-          <ac:chgData name="Castegnaro, Andrea" userId="e719bb20-b48f-4237-97c2-e35c3e0dc9cd" providerId="ADAL" clId="{2E822B44-A701-491B-9B13-524A0D08CA88}" dt="2022-01-31T17:17:18.816" v="14299" actId="123"/>
+          <ac:chgData name="Castegnaro, Andrea" userId="e719bb20-b48f-4237-97c2-e35c3e0dc9cd" providerId="ADAL" clId="{2E822B44-A701-491B-9B13-524A0D08CA88}" dt="2022-01-31T11:46:15.122" v="9723" actId="20577"/>
           <ac:spMkLst>
             <pc:docMk/>
             <pc:sldMk cId="1455733789" sldId="350"/>
@@ -6231,23 +5792,15 @@
             <ac:grpSpMk id="19" creationId="{277BAEF7-4694-4018-9DD4-B250B191A94D}"/>
           </ac:grpSpMkLst>
         </pc:grpChg>
-        <pc:picChg chg="add mod">
-          <ac:chgData name="Castegnaro, Andrea" userId="e719bb20-b48f-4237-97c2-e35c3e0dc9cd" providerId="ADAL" clId="{2E822B44-A701-491B-9B13-524A0D08CA88}" dt="2022-01-31T17:46:08.278" v="15699" actId="1076"/>
-          <ac:picMkLst>
-            <pc:docMk/>
-            <pc:sldMk cId="1455733789" sldId="350"/>
-            <ac:picMk id="22" creationId="{31A2C1B8-4017-4415-8A1D-F7CE552C342F}"/>
-          </ac:picMkLst>
-        </pc:picChg>
       </pc:sldChg>
-      <pc:sldChg chg="addSp delSp modSp add mod">
-        <pc:chgData name="Castegnaro, Andrea" userId="e719bb20-b48f-4237-97c2-e35c3e0dc9cd" providerId="ADAL" clId="{2E822B44-A701-491B-9B13-524A0D08CA88}" dt="2022-01-31T17:46:15.860" v="15702" actId="1076"/>
+      <pc:sldChg chg="addSp modSp add mod">
+        <pc:chgData name="Castegnaro, Andrea" userId="e719bb20-b48f-4237-97c2-e35c3e0dc9cd" providerId="ADAL" clId="{2E822B44-A701-491B-9B13-524A0D08CA88}" dt="2022-01-31T11:34:35.818" v="9210"/>
         <pc:sldMkLst>
           <pc:docMk/>
           <pc:sldMk cId="3402505057" sldId="351"/>
         </pc:sldMkLst>
         <pc:spChg chg="mod">
-          <ac:chgData name="Castegnaro, Andrea" userId="e719bb20-b48f-4237-97c2-e35c3e0dc9cd" providerId="ADAL" clId="{2E822B44-A701-491B-9B13-524A0D08CA88}" dt="2022-01-31T12:53:09.848" v="9914" actId="20577"/>
+          <ac:chgData name="Castegnaro, Andrea" userId="e719bb20-b48f-4237-97c2-e35c3e0dc9cd" providerId="ADAL" clId="{2E822B44-A701-491B-9B13-524A0D08CA88}" dt="2022-01-31T10:23:39.142" v="7096" actId="20577"/>
           <ac:spMkLst>
             <pc:docMk/>
             <pc:sldMk cId="3402505057" sldId="351"/>
@@ -6255,7 +5808,7 @@
           </ac:spMkLst>
         </pc:spChg>
         <pc:spChg chg="mod">
-          <ac:chgData name="Castegnaro, Andrea" userId="e719bb20-b48f-4237-97c2-e35c3e0dc9cd" providerId="ADAL" clId="{2E822B44-A701-491B-9B13-524A0D08CA88}" dt="2022-01-31T12:41:50.521" v="9738" actId="207"/>
+          <ac:chgData name="Castegnaro, Andrea" userId="e719bb20-b48f-4237-97c2-e35c3e0dc9cd" providerId="ADAL" clId="{2E822B44-A701-491B-9B13-524A0D08CA88}" dt="2022-01-31T11:34:35.818" v="9210"/>
           <ac:spMkLst>
             <pc:docMk/>
             <pc:sldMk cId="3402505057" sldId="351"/>
@@ -6271,7 +5824,7 @@
           </ac:spMkLst>
         </pc:spChg>
         <pc:spChg chg="mod">
-          <ac:chgData name="Castegnaro, Andrea" userId="e719bb20-b48f-4237-97c2-e35c3e0dc9cd" providerId="ADAL" clId="{2E822B44-A701-491B-9B13-524A0D08CA88}" dt="2022-01-31T12:41:40.901" v="9736" actId="207"/>
+          <ac:chgData name="Castegnaro, Andrea" userId="e719bb20-b48f-4237-97c2-e35c3e0dc9cd" providerId="ADAL" clId="{2E822B44-A701-491B-9B13-524A0D08CA88}" dt="2022-01-31T11:34:35.818" v="9210"/>
           <ac:spMkLst>
             <pc:docMk/>
             <pc:sldMk cId="3402505057" sldId="351"/>
@@ -6287,7 +5840,7 @@
           </ac:spMkLst>
         </pc:spChg>
         <pc:spChg chg="mod">
-          <ac:chgData name="Castegnaro, Andrea" userId="e719bb20-b48f-4237-97c2-e35c3e0dc9cd" providerId="ADAL" clId="{2E822B44-A701-491B-9B13-524A0D08CA88}" dt="2022-01-31T16:52:54.232" v="13459" actId="20577"/>
+          <ac:chgData name="Castegnaro, Andrea" userId="e719bb20-b48f-4237-97c2-e35c3e0dc9cd" providerId="ADAL" clId="{2E822B44-A701-491B-9B13-524A0D08CA88}" dt="2022-01-31T11:34:35.818" v="9210"/>
           <ac:spMkLst>
             <pc:docMk/>
             <pc:sldMk cId="3402505057" sldId="351"/>
@@ -6300,46 +5853,6 @@
             <pc:docMk/>
             <pc:sldMk cId="3402505057" sldId="351"/>
             <ac:spMk id="10" creationId="{03DD30DF-E1B7-44BB-BDA4-28A0625BEF78}"/>
-          </ac:spMkLst>
-        </pc:spChg>
-        <pc:spChg chg="mod">
-          <ac:chgData name="Castegnaro, Andrea" userId="e719bb20-b48f-4237-97c2-e35c3e0dc9cd" providerId="ADAL" clId="{2E822B44-A701-491B-9B13-524A0D08CA88}" dt="2022-01-31T12:41:18.108" v="9734"/>
-          <ac:spMkLst>
-            <pc:docMk/>
-            <pc:sldMk cId="3402505057" sldId="351"/>
-            <ac:spMk id="12" creationId="{B10BFEB1-DD7D-4904-AD49-2ACAF9812E11}"/>
-          </ac:spMkLst>
-        </pc:spChg>
-        <pc:spChg chg="mod">
-          <ac:chgData name="Castegnaro, Andrea" userId="e719bb20-b48f-4237-97c2-e35c3e0dc9cd" providerId="ADAL" clId="{2E822B44-A701-491B-9B13-524A0D08CA88}" dt="2022-01-31T12:41:18.108" v="9734"/>
-          <ac:spMkLst>
-            <pc:docMk/>
-            <pc:sldMk cId="3402505057" sldId="351"/>
-            <ac:spMk id="13" creationId="{2210417A-B4F3-407E-A428-7CE60BCFAB48}"/>
-          </ac:spMkLst>
-        </pc:spChg>
-        <pc:spChg chg="add mod">
-          <ac:chgData name="Castegnaro, Andrea" userId="e719bb20-b48f-4237-97c2-e35c3e0dc9cd" providerId="ADAL" clId="{2E822B44-A701-491B-9B13-524A0D08CA88}" dt="2022-01-31T17:17:10.618" v="14298" actId="123"/>
-          <ac:spMkLst>
-            <pc:docMk/>
-            <pc:sldMk cId="3402505057" sldId="351"/>
-            <ac:spMk id="14" creationId="{87F5AB40-035D-483B-BDD4-85D7600BF6C7}"/>
-          </ac:spMkLst>
-        </pc:spChg>
-        <pc:spChg chg="add del mod">
-          <ac:chgData name="Castegnaro, Andrea" userId="e719bb20-b48f-4237-97c2-e35c3e0dc9cd" providerId="ADAL" clId="{2E822B44-A701-491B-9B13-524A0D08CA88}" dt="2022-01-31T14:45:49.356" v="10516"/>
-          <ac:spMkLst>
-            <pc:docMk/>
-            <pc:sldMk cId="3402505057" sldId="351"/>
-            <ac:spMk id="18" creationId="{401B0EE6-7F9A-4FA7-94AA-0AB54021A497}"/>
-          </ac:spMkLst>
-        </pc:spChg>
-        <pc:spChg chg="add mod">
-          <ac:chgData name="Castegnaro, Andrea" userId="e719bb20-b48f-4237-97c2-e35c3e0dc9cd" providerId="ADAL" clId="{2E822B44-A701-491B-9B13-524A0D08CA88}" dt="2022-01-31T15:00:16.270" v="11046" actId="1076"/>
-          <ac:spMkLst>
-            <pc:docMk/>
-            <pc:sldMk cId="3402505057" sldId="351"/>
-            <ac:spMk id="21" creationId="{19E13695-8724-492F-9C7C-7517531D368C}"/>
           </ac:spMkLst>
         </pc:spChg>
         <pc:grpChg chg="add mod">
@@ -6358,73 +5871,9 @@
             <ac:grpSpMk id="4" creationId="{6236B95C-8371-453F-905E-E9B456EB5F8B}"/>
           </ac:grpSpMkLst>
         </pc:grpChg>
-        <pc:grpChg chg="add mod">
-          <ac:chgData name="Castegnaro, Andrea" userId="e719bb20-b48f-4237-97c2-e35c3e0dc9cd" providerId="ADAL" clId="{2E822B44-A701-491B-9B13-524A0D08CA88}" dt="2022-01-31T12:41:18.108" v="9734"/>
-          <ac:grpSpMkLst>
-            <pc:docMk/>
-            <pc:sldMk cId="3402505057" sldId="351"/>
-            <ac:grpSpMk id="11" creationId="{AE1CCEFB-323F-4E53-A0A5-3F7E7BF982E7}"/>
-          </ac:grpSpMkLst>
-        </pc:grpChg>
-        <pc:grpChg chg="add mod">
-          <ac:chgData name="Castegnaro, Andrea" userId="e719bb20-b48f-4237-97c2-e35c3e0dc9cd" providerId="ADAL" clId="{2E822B44-A701-491B-9B13-524A0D08CA88}" dt="2022-01-31T15:00:16.270" v="11046" actId="1076"/>
-          <ac:grpSpMkLst>
-            <pc:docMk/>
-            <pc:sldMk cId="3402505057" sldId="351"/>
-            <ac:grpSpMk id="23" creationId="{E702B19E-DC45-4FD0-93CE-5B9A2E6835A4}"/>
-          </ac:grpSpMkLst>
-        </pc:grpChg>
-        <pc:picChg chg="add mod">
-          <ac:chgData name="Castegnaro, Andrea" userId="e719bb20-b48f-4237-97c2-e35c3e0dc9cd" providerId="ADAL" clId="{2E822B44-A701-491B-9B13-524A0D08CA88}" dt="2022-01-31T14:59:57.092" v="11043" actId="1076"/>
-          <ac:picMkLst>
-            <pc:docMk/>
-            <pc:sldMk cId="3402505057" sldId="351"/>
-            <ac:picMk id="15" creationId="{DD21BE64-942C-4671-B240-A0C5F6D12BAC}"/>
-          </ac:picMkLst>
-        </pc:picChg>
-        <pc:picChg chg="add mod">
-          <ac:chgData name="Castegnaro, Andrea" userId="e719bb20-b48f-4237-97c2-e35c3e0dc9cd" providerId="ADAL" clId="{2E822B44-A701-491B-9B13-524A0D08CA88}" dt="2022-01-31T14:59:57.092" v="11043" actId="1076"/>
-          <ac:picMkLst>
-            <pc:docMk/>
-            <pc:sldMk cId="3402505057" sldId="351"/>
-            <ac:picMk id="16" creationId="{F28D5FB1-54F9-40B5-8E19-93DC5BA2604D}"/>
-          </ac:picMkLst>
-        </pc:picChg>
-        <pc:picChg chg="add mod">
-          <ac:chgData name="Castegnaro, Andrea" userId="e719bb20-b48f-4237-97c2-e35c3e0dc9cd" providerId="ADAL" clId="{2E822B44-A701-491B-9B13-524A0D08CA88}" dt="2022-01-31T15:00:16.270" v="11046" actId="1076"/>
-          <ac:picMkLst>
-            <pc:docMk/>
-            <pc:sldMk cId="3402505057" sldId="351"/>
-            <ac:picMk id="19" creationId="{E9931121-CF6E-43C8-B613-1B68D2BF0C76}"/>
-          </ac:picMkLst>
-        </pc:picChg>
-        <pc:picChg chg="add mod">
-          <ac:chgData name="Castegnaro, Andrea" userId="e719bb20-b48f-4237-97c2-e35c3e0dc9cd" providerId="ADAL" clId="{2E822B44-A701-491B-9B13-524A0D08CA88}" dt="2022-01-31T15:00:16.270" v="11046" actId="1076"/>
-          <ac:picMkLst>
-            <pc:docMk/>
-            <pc:sldMk cId="3402505057" sldId="351"/>
-            <ac:picMk id="20" creationId="{4CFDB8E3-9BDA-4256-8BDE-A4742784BE75}"/>
-          </ac:picMkLst>
-        </pc:picChg>
-        <pc:picChg chg="add mod">
-          <ac:chgData name="Castegnaro, Andrea" userId="e719bb20-b48f-4237-97c2-e35c3e0dc9cd" providerId="ADAL" clId="{2E822B44-A701-491B-9B13-524A0D08CA88}" dt="2022-01-31T15:00:16.270" v="11046" actId="1076"/>
-          <ac:picMkLst>
-            <pc:docMk/>
-            <pc:sldMk cId="3402505057" sldId="351"/>
-            <ac:picMk id="22" creationId="{2AC1CD32-87E9-4D04-B1F3-2E8747EA87C0}"/>
-          </ac:picMkLst>
-        </pc:picChg>
-        <pc:picChg chg="add mod">
-          <ac:chgData name="Castegnaro, Andrea" userId="e719bb20-b48f-4237-97c2-e35c3e0dc9cd" providerId="ADAL" clId="{2E822B44-A701-491B-9B13-524A0D08CA88}" dt="2022-01-31T17:46:15.860" v="15702" actId="1076"/>
-          <ac:picMkLst>
-            <pc:docMk/>
-            <pc:sldMk cId="3402505057" sldId="351"/>
-            <ac:picMk id="24" creationId="{91CC1627-9115-4C03-9C75-8C095A9E3F8F}"/>
-          </ac:picMkLst>
-        </pc:picChg>
       </pc:sldChg>
       <pc:sldChg chg="addSp delSp modSp add mod">
-        <pc:chgData name="Castegnaro, Andrea" userId="e719bb20-b48f-4237-97c2-e35c3e0dc9cd" providerId="ADAL" clId="{2E822B44-A701-491B-9B13-524A0D08CA88}" dt="2022-01-31T17:45:00.681" v="15690" actId="1076"/>
+        <pc:chgData name="Castegnaro, Andrea" userId="e719bb20-b48f-4237-97c2-e35c3e0dc9cd" providerId="ADAL" clId="{2E822B44-A701-491B-9B13-524A0D08CA88}" dt="2022-01-31T12:12:31.668" v="9733" actId="1076"/>
         <pc:sldMkLst>
           <pc:docMk/>
           <pc:sldMk cId="377400704" sldId="352"/>
@@ -6573,20 +6022,12 @@
             <ac:grpSpMk id="40" creationId="{6A3964DB-7A1A-44E7-8D11-13B5D961D589}"/>
           </ac:grpSpMkLst>
         </pc:grpChg>
-        <pc:picChg chg="del mod">
-          <ac:chgData name="Castegnaro, Andrea" userId="e719bb20-b48f-4237-97c2-e35c3e0dc9cd" providerId="ADAL" clId="{2E822B44-A701-491B-9B13-524A0D08CA88}" dt="2022-01-31T17:44:54.963" v="15688" actId="478"/>
+        <pc:picChg chg="mod">
+          <ac:chgData name="Castegnaro, Andrea" userId="e719bb20-b48f-4237-97c2-e35c3e0dc9cd" providerId="ADAL" clId="{2E822B44-A701-491B-9B13-524A0D08CA88}" dt="2022-01-31T12:12:31.668" v="9733" actId="1076"/>
           <ac:picMkLst>
             <pc:docMk/>
             <pc:sldMk cId="377400704" sldId="352"/>
             <ac:picMk id="7" creationId="{8AD2CFE3-3A93-422E-9B83-392926E51C1D}"/>
-          </ac:picMkLst>
-        </pc:picChg>
-        <pc:picChg chg="add mod">
-          <ac:chgData name="Castegnaro, Andrea" userId="e719bb20-b48f-4237-97c2-e35c3e0dc9cd" providerId="ADAL" clId="{2E822B44-A701-491B-9B13-524A0D08CA88}" dt="2022-01-31T17:45:00.681" v="15690" actId="1076"/>
-          <ac:picMkLst>
-            <pc:docMk/>
-            <pc:sldMk cId="377400704" sldId="352"/>
-            <ac:picMk id="22" creationId="{176A24DE-C79E-4977-9605-C81932F7EF78}"/>
           </ac:picMkLst>
         </pc:picChg>
         <pc:cxnChg chg="add mod">
@@ -6631,7 +6072,7 @@
         </pc:cxnChg>
       </pc:sldChg>
       <pc:sldChg chg="addSp delSp modSp add mod">
-        <pc:chgData name="Castegnaro, Andrea" userId="e719bb20-b48f-4237-97c2-e35c3e0dc9cd" providerId="ADAL" clId="{2E822B44-A701-491B-9B13-524A0D08CA88}" dt="2022-01-31T17:45:20.306" v="15695" actId="1076"/>
+        <pc:chgData name="Castegnaro, Andrea" userId="e719bb20-b48f-4237-97c2-e35c3e0dc9cd" providerId="ADAL" clId="{2E822B44-A701-491B-9B13-524A0D08CA88}" dt="2022-01-30T23:02:52.570" v="5991" actId="20577"/>
         <pc:sldMkLst>
           <pc:docMk/>
           <pc:sldMk cId="1945739754" sldId="353"/>
@@ -6860,36 +6301,12 @@
             <ac:grpSpMk id="42" creationId="{A636CD88-46D5-46B9-902F-A41787002AB1}"/>
           </ac:grpSpMkLst>
         </pc:grpChg>
-        <pc:picChg chg="add del mod">
-          <ac:chgData name="Castegnaro, Andrea" userId="e719bb20-b48f-4237-97c2-e35c3e0dc9cd" providerId="ADAL" clId="{2E822B44-A701-491B-9B13-524A0D08CA88}" dt="2022-01-31T17:42:33.029" v="15669" actId="478"/>
-          <ac:picMkLst>
-            <pc:docMk/>
-            <pc:sldMk cId="1945739754" sldId="353"/>
-            <ac:picMk id="4" creationId="{2DC56FCE-021A-4B1A-AAC0-16C843C30D2A}"/>
-          </ac:picMkLst>
-        </pc:picChg>
-        <pc:picChg chg="add del mod">
-          <ac:chgData name="Castegnaro, Andrea" userId="e719bb20-b48f-4237-97c2-e35c3e0dc9cd" providerId="ADAL" clId="{2E822B44-A701-491B-9B13-524A0D08CA88}" dt="2022-01-31T17:45:03.708" v="15691" actId="478"/>
-          <ac:picMkLst>
-            <pc:docMk/>
-            <pc:sldMk cId="1945739754" sldId="353"/>
-            <ac:picMk id="6" creationId="{EBF7544F-93BC-44D7-BC6B-CFF660C8DECE}"/>
-          </ac:picMkLst>
-        </pc:picChg>
         <pc:picChg chg="del">
           <ac:chgData name="Castegnaro, Andrea" userId="e719bb20-b48f-4237-97c2-e35c3e0dc9cd" providerId="ADAL" clId="{2E822B44-A701-491B-9B13-524A0D08CA88}" dt="2022-01-30T22:13:05.101" v="4817" actId="478"/>
           <ac:picMkLst>
             <pc:docMk/>
             <pc:sldMk cId="1945739754" sldId="353"/>
             <ac:picMk id="7" creationId="{8AD2CFE3-3A93-422E-9B83-392926E51C1D}"/>
-          </ac:picMkLst>
-        </pc:picChg>
-        <pc:picChg chg="add mod">
-          <ac:chgData name="Castegnaro, Andrea" userId="e719bb20-b48f-4237-97c2-e35c3e0dc9cd" providerId="ADAL" clId="{2E822B44-A701-491B-9B13-524A0D08CA88}" dt="2022-01-31T17:45:20.306" v="15695" actId="1076"/>
-          <ac:picMkLst>
-            <pc:docMk/>
-            <pc:sldMk cId="1945739754" sldId="353"/>
-            <ac:picMk id="8" creationId="{25ADD46F-92F6-4A68-843E-3E43FF6BC4A2}"/>
           </ac:picMkLst>
         </pc:picChg>
         <pc:cxnChg chg="del">
@@ -6932,322 +6349,6 @@
             <ac:cxnSpMk id="36" creationId="{17F923A5-11F1-47C5-A86D-E4BD0E7FB4B0}"/>
           </ac:cxnSpMkLst>
         </pc:cxnChg>
-      </pc:sldChg>
-      <pc:sldChg chg="addSp delSp modSp add mod">
-        <pc:chgData name="Castegnaro, Andrea" userId="e719bb20-b48f-4237-97c2-e35c3e0dc9cd" providerId="ADAL" clId="{2E822B44-A701-491B-9B13-524A0D08CA88}" dt="2022-01-31T17:46:36.327" v="15706" actId="1076"/>
-        <pc:sldMkLst>
-          <pc:docMk/>
-          <pc:sldMk cId="615399269" sldId="354"/>
-        </pc:sldMkLst>
-        <pc:spChg chg="mod">
-          <ac:chgData name="Castegnaro, Andrea" userId="e719bb20-b48f-4237-97c2-e35c3e0dc9cd" providerId="ADAL" clId="{2E822B44-A701-491B-9B13-524A0D08CA88}" dt="2022-01-31T16:18:27.443" v="12581" actId="20577"/>
-          <ac:spMkLst>
-            <pc:docMk/>
-            <pc:sldMk cId="615399269" sldId="354"/>
-            <ac:spMk id="2" creationId="{32DCA100-7D85-4A3C-9993-92EC37D3F8E2}"/>
-          </ac:spMkLst>
-        </pc:spChg>
-        <pc:spChg chg="mod">
-          <ac:chgData name="Castegnaro, Andrea" userId="e719bb20-b48f-4237-97c2-e35c3e0dc9cd" providerId="ADAL" clId="{2E822B44-A701-491B-9B13-524A0D08CA88}" dt="2022-01-31T14:50:34.447" v="10679" actId="207"/>
-          <ac:spMkLst>
-            <pc:docMk/>
-            <pc:sldMk cId="615399269" sldId="354"/>
-            <ac:spMk id="5" creationId="{B1340206-B47F-46C9-ACD9-C75AD5AFFF06}"/>
-          </ac:spMkLst>
-        </pc:spChg>
-        <pc:spChg chg="mod">
-          <ac:chgData name="Castegnaro, Andrea" userId="e719bb20-b48f-4237-97c2-e35c3e0dc9cd" providerId="ADAL" clId="{2E822B44-A701-491B-9B13-524A0D08CA88}" dt="2022-01-31T16:52:44.977" v="13453" actId="20577"/>
-          <ac:spMkLst>
-            <pc:docMk/>
-            <pc:sldMk cId="615399269" sldId="354"/>
-            <ac:spMk id="9" creationId="{245BF079-ACF0-4788-8D7F-20C2669C522A}"/>
-          </ac:spMkLst>
-        </pc:spChg>
-        <pc:spChg chg="mod">
-          <ac:chgData name="Castegnaro, Andrea" userId="e719bb20-b48f-4237-97c2-e35c3e0dc9cd" providerId="ADAL" clId="{2E822B44-A701-491B-9B13-524A0D08CA88}" dt="2022-01-31T17:16:39.273" v="14287" actId="123"/>
-          <ac:spMkLst>
-            <pc:docMk/>
-            <pc:sldMk cId="615399269" sldId="354"/>
-            <ac:spMk id="14" creationId="{87F5AB40-035D-483B-BDD4-85D7600BF6C7}"/>
-          </ac:spMkLst>
-        </pc:spChg>
-        <pc:picChg chg="del">
-          <ac:chgData name="Castegnaro, Andrea" userId="e719bb20-b48f-4237-97c2-e35c3e0dc9cd" providerId="ADAL" clId="{2E822B44-A701-491B-9B13-524A0D08CA88}" dt="2022-01-31T14:50:10.589" v="10659" actId="478"/>
-          <ac:picMkLst>
-            <pc:docMk/>
-            <pc:sldMk cId="615399269" sldId="354"/>
-            <ac:picMk id="15" creationId="{DD21BE64-942C-4671-B240-A0C5F6D12BAC}"/>
-          </ac:picMkLst>
-        </pc:picChg>
-        <pc:picChg chg="del">
-          <ac:chgData name="Castegnaro, Andrea" userId="e719bb20-b48f-4237-97c2-e35c3e0dc9cd" providerId="ADAL" clId="{2E822B44-A701-491B-9B13-524A0D08CA88}" dt="2022-01-31T14:50:12.330" v="10660" actId="478"/>
-          <ac:picMkLst>
-            <pc:docMk/>
-            <pc:sldMk cId="615399269" sldId="354"/>
-            <ac:picMk id="16" creationId="{F28D5FB1-54F9-40B5-8E19-93DC5BA2604D}"/>
-          </ac:picMkLst>
-        </pc:picChg>
-        <pc:picChg chg="add mod">
-          <ac:chgData name="Castegnaro, Andrea" userId="e719bb20-b48f-4237-97c2-e35c3e0dc9cd" providerId="ADAL" clId="{2E822B44-A701-491B-9B13-524A0D08CA88}" dt="2022-01-31T17:46:36.327" v="15706" actId="1076"/>
-          <ac:picMkLst>
-            <pc:docMk/>
-            <pc:sldMk cId="615399269" sldId="354"/>
-            <ac:picMk id="17" creationId="{40EB180A-76CE-49E2-8FA7-3500CBA73D10}"/>
-          </ac:picMkLst>
-        </pc:picChg>
-      </pc:sldChg>
-      <pc:sldChg chg="addSp delSp modSp add mod">
-        <pc:chgData name="Castegnaro, Andrea" userId="e719bb20-b48f-4237-97c2-e35c3e0dc9cd" providerId="ADAL" clId="{2E822B44-A701-491B-9B13-524A0D08CA88}" dt="2022-01-31T17:46:26.510" v="15704" actId="1076"/>
-        <pc:sldMkLst>
-          <pc:docMk/>
-          <pc:sldMk cId="1658413233" sldId="355"/>
-        </pc:sldMkLst>
-        <pc:spChg chg="mod">
-          <ac:chgData name="Castegnaro, Andrea" userId="e719bb20-b48f-4237-97c2-e35c3e0dc9cd" providerId="ADAL" clId="{2E822B44-A701-491B-9B13-524A0D08CA88}" dt="2022-01-31T14:46:22.158" v="10573" actId="20577"/>
-          <ac:spMkLst>
-            <pc:docMk/>
-            <pc:sldMk cId="1658413233" sldId="355"/>
-            <ac:spMk id="2" creationId="{32DCA100-7D85-4A3C-9993-92EC37D3F8E2}"/>
-          </ac:spMkLst>
-        </pc:spChg>
-        <pc:spChg chg="mod">
-          <ac:chgData name="Castegnaro, Andrea" userId="e719bb20-b48f-4237-97c2-e35c3e0dc9cd" providerId="ADAL" clId="{2E822B44-A701-491B-9B13-524A0D08CA88}" dt="2022-01-31T14:46:28.235" v="10574" actId="207"/>
-          <ac:spMkLst>
-            <pc:docMk/>
-            <pc:sldMk cId="1658413233" sldId="355"/>
-            <ac:spMk id="5" creationId="{B1340206-B47F-46C9-ACD9-C75AD5AFFF06}"/>
-          </ac:spMkLst>
-        </pc:spChg>
-        <pc:spChg chg="mod">
-          <ac:chgData name="Castegnaro, Andrea" userId="e719bb20-b48f-4237-97c2-e35c3e0dc9cd" providerId="ADAL" clId="{2E822B44-A701-491B-9B13-524A0D08CA88}" dt="2022-01-31T14:46:35.500" v="10575" actId="207"/>
-          <ac:spMkLst>
-            <pc:docMk/>
-            <pc:sldMk cId="1658413233" sldId="355"/>
-            <ac:spMk id="8" creationId="{78504F32-50A5-4067-89C1-568BE772BF89}"/>
-          </ac:spMkLst>
-        </pc:spChg>
-        <pc:spChg chg="mod">
-          <ac:chgData name="Castegnaro, Andrea" userId="e719bb20-b48f-4237-97c2-e35c3e0dc9cd" providerId="ADAL" clId="{2E822B44-A701-491B-9B13-524A0D08CA88}" dt="2022-01-31T16:52:49.660" v="13456" actId="20577"/>
-          <ac:spMkLst>
-            <pc:docMk/>
-            <pc:sldMk cId="1658413233" sldId="355"/>
-            <ac:spMk id="9" creationId="{245BF079-ACF0-4788-8D7F-20C2669C522A}"/>
-          </ac:spMkLst>
-        </pc:spChg>
-        <pc:spChg chg="mod">
-          <ac:chgData name="Castegnaro, Andrea" userId="e719bb20-b48f-4237-97c2-e35c3e0dc9cd" providerId="ADAL" clId="{2E822B44-A701-491B-9B13-524A0D08CA88}" dt="2022-01-31T14:46:35.500" v="10575" actId="207"/>
-          <ac:spMkLst>
-            <pc:docMk/>
-            <pc:sldMk cId="1658413233" sldId="355"/>
-            <ac:spMk id="10" creationId="{03DD30DF-E1B7-44BB-BDA4-28A0625BEF78}"/>
-          </ac:spMkLst>
-        </pc:spChg>
-        <pc:spChg chg="mod">
-          <ac:chgData name="Castegnaro, Andrea" userId="e719bb20-b48f-4237-97c2-e35c3e0dc9cd" providerId="ADAL" clId="{2E822B44-A701-491B-9B13-524A0D08CA88}" dt="2022-01-31T14:46:45.358" v="10577" actId="6549"/>
-          <ac:spMkLst>
-            <pc:docMk/>
-            <pc:sldMk cId="1658413233" sldId="355"/>
-            <ac:spMk id="14" creationId="{87F5AB40-035D-483B-BDD4-85D7600BF6C7}"/>
-          </ac:spMkLst>
-        </pc:spChg>
-        <pc:spChg chg="add del">
-          <ac:chgData name="Castegnaro, Andrea" userId="e719bb20-b48f-4237-97c2-e35c3e0dc9cd" providerId="ADAL" clId="{2E822B44-A701-491B-9B13-524A0D08CA88}" dt="2022-01-31T14:48:10.714" v="10590" actId="478"/>
-          <ac:spMkLst>
-            <pc:docMk/>
-            <pc:sldMk cId="1658413233" sldId="355"/>
-            <ac:spMk id="18" creationId="{411CBA9A-43CA-490E-920C-EEE3CB10E131}"/>
-          </ac:spMkLst>
-        </pc:spChg>
-        <pc:spChg chg="add del mod">
-          <ac:chgData name="Castegnaro, Andrea" userId="e719bb20-b48f-4237-97c2-e35c3e0dc9cd" providerId="ADAL" clId="{2E822B44-A701-491B-9B13-524A0D08CA88}" dt="2022-01-31T14:48:29.988" v="10596" actId="478"/>
-          <ac:spMkLst>
-            <pc:docMk/>
-            <pc:sldMk cId="1658413233" sldId="355"/>
-            <ac:spMk id="20" creationId="{E8AD1E80-D564-460A-875F-9F33ED2B225D}"/>
-          </ac:spMkLst>
-        </pc:spChg>
-        <pc:spChg chg="add mod">
-          <ac:chgData name="Castegnaro, Andrea" userId="e719bb20-b48f-4237-97c2-e35c3e0dc9cd" providerId="ADAL" clId="{2E822B44-A701-491B-9B13-524A0D08CA88}" dt="2022-01-31T17:17:06.062" v="14297" actId="123"/>
-          <ac:spMkLst>
-            <pc:docMk/>
-            <pc:sldMk cId="1658413233" sldId="355"/>
-            <ac:spMk id="21" creationId="{F66C6189-452B-47D4-9DE5-A9B8AAAFA65B}"/>
-          </ac:spMkLst>
-        </pc:spChg>
-        <pc:picChg chg="del">
-          <ac:chgData name="Castegnaro, Andrea" userId="e719bb20-b48f-4237-97c2-e35c3e0dc9cd" providerId="ADAL" clId="{2E822B44-A701-491B-9B13-524A0D08CA88}" dt="2022-01-31T14:46:39.601" v="10576" actId="478"/>
-          <ac:picMkLst>
-            <pc:docMk/>
-            <pc:sldMk cId="1658413233" sldId="355"/>
-            <ac:picMk id="15" creationId="{DD21BE64-942C-4671-B240-A0C5F6D12BAC}"/>
-          </ac:picMkLst>
-        </pc:picChg>
-        <pc:picChg chg="del">
-          <ac:chgData name="Castegnaro, Andrea" userId="e719bb20-b48f-4237-97c2-e35c3e0dc9cd" providerId="ADAL" clId="{2E822B44-A701-491B-9B13-524A0D08CA88}" dt="2022-01-31T14:46:39.601" v="10576" actId="478"/>
-          <ac:picMkLst>
-            <pc:docMk/>
-            <pc:sldMk cId="1658413233" sldId="355"/>
-            <ac:picMk id="16" creationId="{F28D5FB1-54F9-40B5-8E19-93DC5BA2604D}"/>
-          </ac:picMkLst>
-        </pc:picChg>
-        <pc:picChg chg="add mod">
-          <ac:chgData name="Castegnaro, Andrea" userId="e719bb20-b48f-4237-97c2-e35c3e0dc9cd" providerId="ADAL" clId="{2E822B44-A701-491B-9B13-524A0D08CA88}" dt="2022-01-31T17:46:26.510" v="15704" actId="1076"/>
-          <ac:picMkLst>
-            <pc:docMk/>
-            <pc:sldMk cId="1658413233" sldId="355"/>
-            <ac:picMk id="22" creationId="{B4325703-1398-4A4A-A063-21B6A71510EC}"/>
-          </ac:picMkLst>
-        </pc:picChg>
-      </pc:sldChg>
-      <pc:sldChg chg="addSp delSp modSp add mod modAnim">
-        <pc:chgData name="Castegnaro, Andrea" userId="e719bb20-b48f-4237-97c2-e35c3e0dc9cd" providerId="ADAL" clId="{2E822B44-A701-491B-9B13-524A0D08CA88}" dt="2022-01-31T17:47:30.584" v="15720" actId="1076"/>
-        <pc:sldMkLst>
-          <pc:docMk/>
-          <pc:sldMk cId="607700460" sldId="356"/>
-        </pc:sldMkLst>
-        <pc:spChg chg="mod">
-          <ac:chgData name="Castegnaro, Andrea" userId="e719bb20-b48f-4237-97c2-e35c3e0dc9cd" providerId="ADAL" clId="{2E822B44-A701-491B-9B13-524A0D08CA88}" dt="2022-01-31T16:18:31.217" v="12583" actId="20577"/>
-          <ac:spMkLst>
-            <pc:docMk/>
-            <pc:sldMk cId="607700460" sldId="356"/>
-            <ac:spMk id="2" creationId="{32DCA100-7D85-4A3C-9993-92EC37D3F8E2}"/>
-          </ac:spMkLst>
-        </pc:spChg>
-        <pc:spChg chg="mod">
-          <ac:chgData name="Castegnaro, Andrea" userId="e719bb20-b48f-4237-97c2-e35c3e0dc9cd" providerId="ADAL" clId="{2E822B44-A701-491B-9B13-524A0D08CA88}" dt="2022-01-31T16:52:39.107" v="13450" actId="20577"/>
-          <ac:spMkLst>
-            <pc:docMk/>
-            <pc:sldMk cId="607700460" sldId="356"/>
-            <ac:spMk id="9" creationId="{245BF079-ACF0-4788-8D7F-20C2669C522A}"/>
-          </ac:spMkLst>
-        </pc:spChg>
-        <pc:spChg chg="mod">
-          <ac:chgData name="Castegnaro, Andrea" userId="e719bb20-b48f-4237-97c2-e35c3e0dc9cd" providerId="ADAL" clId="{2E822B44-A701-491B-9B13-524A0D08CA88}" dt="2022-01-31T17:47:13.294" v="15717" actId="20577"/>
-          <ac:spMkLst>
-            <pc:docMk/>
-            <pc:sldMk cId="607700460" sldId="356"/>
-            <ac:spMk id="14" creationId="{87F5AB40-035D-483B-BDD4-85D7600BF6C7}"/>
-          </ac:spMkLst>
-        </pc:spChg>
-        <pc:spChg chg="add mod">
-          <ac:chgData name="Castegnaro, Andrea" userId="e719bb20-b48f-4237-97c2-e35c3e0dc9cd" providerId="ADAL" clId="{2E822B44-A701-491B-9B13-524A0D08CA88}" dt="2022-01-31T15:59:09.560" v="11989" actId="13822"/>
-          <ac:spMkLst>
-            <pc:docMk/>
-            <pc:sldMk cId="607700460" sldId="356"/>
-            <ac:spMk id="15" creationId="{4615577A-29B8-4008-8101-50307AB66739}"/>
-          </ac:spMkLst>
-        </pc:spChg>
-        <pc:spChg chg="add mod">
-          <ac:chgData name="Castegnaro, Andrea" userId="e719bb20-b48f-4237-97c2-e35c3e0dc9cd" providerId="ADAL" clId="{2E822B44-A701-491B-9B13-524A0D08CA88}" dt="2022-01-31T15:59:11.934" v="11990" actId="13822"/>
-          <ac:spMkLst>
-            <pc:docMk/>
-            <pc:sldMk cId="607700460" sldId="356"/>
-            <ac:spMk id="16" creationId="{348AB141-E33E-4B2C-9A10-5ADD9A3332CD}"/>
-          </ac:spMkLst>
-        </pc:spChg>
-        <pc:spChg chg="add mod">
-          <ac:chgData name="Castegnaro, Andrea" userId="e719bb20-b48f-4237-97c2-e35c3e0dc9cd" providerId="ADAL" clId="{2E822B44-A701-491B-9B13-524A0D08CA88}" dt="2022-01-31T15:59:14.324" v="11991" actId="13822"/>
-          <ac:spMkLst>
-            <pc:docMk/>
-            <pc:sldMk cId="607700460" sldId="356"/>
-            <ac:spMk id="17" creationId="{E3299F38-B8D5-4ED7-A65D-EF6E07835505}"/>
-          </ac:spMkLst>
-        </pc:spChg>
-        <pc:spChg chg="add del mod">
-          <ac:chgData name="Castegnaro, Andrea" userId="e719bb20-b48f-4237-97c2-e35c3e0dc9cd" providerId="ADAL" clId="{2E822B44-A701-491B-9B13-524A0D08CA88}" dt="2022-01-31T15:59:02.717" v="11988" actId="478"/>
-          <ac:spMkLst>
-            <pc:docMk/>
-            <pc:sldMk cId="607700460" sldId="356"/>
-            <ac:spMk id="20" creationId="{ACA2EBC8-6CF9-4726-AEDE-75C649F4B426}"/>
-          </ac:spMkLst>
-        </pc:spChg>
-        <pc:spChg chg="add del mod">
-          <ac:chgData name="Castegnaro, Andrea" userId="e719bb20-b48f-4237-97c2-e35c3e0dc9cd" providerId="ADAL" clId="{2E822B44-A701-491B-9B13-524A0D08CA88}" dt="2022-01-31T15:59:01.122" v="11987" actId="478"/>
-          <ac:spMkLst>
-            <pc:docMk/>
-            <pc:sldMk cId="607700460" sldId="356"/>
-            <ac:spMk id="21" creationId="{C30681E5-2125-4BC7-97C1-A3C197DDD3E3}"/>
-          </ac:spMkLst>
-        </pc:spChg>
-        <pc:spChg chg="add del mod">
-          <ac:chgData name="Castegnaro, Andrea" userId="e719bb20-b48f-4237-97c2-e35c3e0dc9cd" providerId="ADAL" clId="{2E822B44-A701-491B-9B13-524A0D08CA88}" dt="2022-01-31T15:58:58.924" v="11986" actId="478"/>
-          <ac:spMkLst>
-            <pc:docMk/>
-            <pc:sldMk cId="607700460" sldId="356"/>
-            <ac:spMk id="22" creationId="{75E12988-A14C-4560-A722-CEE9602344F0}"/>
-          </ac:spMkLst>
-        </pc:spChg>
-        <pc:spChg chg="add mod">
-          <ac:chgData name="Castegnaro, Andrea" userId="e719bb20-b48f-4237-97c2-e35c3e0dc9cd" providerId="ADAL" clId="{2E822B44-A701-491B-9B13-524A0D08CA88}" dt="2022-01-31T15:58:56.928" v="11985" actId="6549"/>
-          <ac:spMkLst>
-            <pc:docMk/>
-            <pc:sldMk cId="607700460" sldId="356"/>
-            <ac:spMk id="23" creationId="{47B16F90-4FAA-4C5B-AC0C-BA078AF8822C}"/>
-          </ac:spMkLst>
-        </pc:spChg>
-        <pc:grpChg chg="add mod">
-          <ac:chgData name="Castegnaro, Andrea" userId="e719bb20-b48f-4237-97c2-e35c3e0dc9cd" providerId="ADAL" clId="{2E822B44-A701-491B-9B13-524A0D08CA88}" dt="2022-01-31T15:59:50.656" v="12022" actId="164"/>
-          <ac:grpSpMkLst>
-            <pc:docMk/>
-            <pc:sldMk cId="607700460" sldId="356"/>
-            <ac:grpSpMk id="25" creationId="{7C6A2976-69D0-47DA-BCB8-7B3EDF9CAD30}"/>
-          </ac:grpSpMkLst>
-        </pc:grpChg>
-        <pc:grpChg chg="add mod">
-          <ac:chgData name="Castegnaro, Andrea" userId="e719bb20-b48f-4237-97c2-e35c3e0dc9cd" providerId="ADAL" clId="{2E822B44-A701-491B-9B13-524A0D08CA88}" dt="2022-01-31T17:47:30.584" v="15720" actId="1076"/>
-          <ac:grpSpMkLst>
-            <pc:docMk/>
-            <pc:sldMk cId="607700460" sldId="356"/>
-            <ac:grpSpMk id="28" creationId="{7224241D-A96D-4BE8-9108-8182629E671E}"/>
-          </ac:grpSpMkLst>
-        </pc:grpChg>
-        <pc:picChg chg="add del mod">
-          <ac:chgData name="Castegnaro, Andrea" userId="e719bb20-b48f-4237-97c2-e35c3e0dc9cd" providerId="ADAL" clId="{2E822B44-A701-491B-9B13-524A0D08CA88}" dt="2022-01-31T15:59:16.786" v="11992" actId="478"/>
-          <ac:picMkLst>
-            <pc:docMk/>
-            <pc:sldMk cId="607700460" sldId="356"/>
-            <ac:picMk id="24" creationId="{6BF68FC1-9C78-4B00-9E36-D345F63F536B}"/>
-          </ac:picMkLst>
-        </pc:picChg>
-        <pc:picChg chg="add mod">
-          <ac:chgData name="Castegnaro, Andrea" userId="e719bb20-b48f-4237-97c2-e35c3e0dc9cd" providerId="ADAL" clId="{2E822B44-A701-491B-9B13-524A0D08CA88}" dt="2022-01-31T15:59:50.656" v="12022" actId="164"/>
-          <ac:picMkLst>
-            <pc:docMk/>
-            <pc:sldMk cId="607700460" sldId="356"/>
-            <ac:picMk id="27" creationId="{27E61C6C-A584-4E8B-9314-3BC42B21F5BF}"/>
-          </ac:picMkLst>
-        </pc:picChg>
-        <pc:picChg chg="add mod">
-          <ac:chgData name="Castegnaro, Andrea" userId="e719bb20-b48f-4237-97c2-e35c3e0dc9cd" providerId="ADAL" clId="{2E822B44-A701-491B-9B13-524A0D08CA88}" dt="2022-01-31T17:46:40.988" v="15708" actId="1076"/>
-          <ac:picMkLst>
-            <pc:docMk/>
-            <pc:sldMk cId="607700460" sldId="356"/>
-            <ac:picMk id="29" creationId="{3FD7A4B7-088B-44A2-8F60-819E6173BB10}"/>
-          </ac:picMkLst>
-        </pc:picChg>
-        <pc:cxnChg chg="add mod">
-          <ac:chgData name="Castegnaro, Andrea" userId="e719bb20-b48f-4237-97c2-e35c3e0dc9cd" providerId="ADAL" clId="{2E822B44-A701-491B-9B13-524A0D08CA88}" dt="2022-01-31T15:58:56.928" v="11985" actId="6549"/>
-          <ac:cxnSpMkLst>
-            <pc:docMk/>
-            <pc:sldMk cId="607700460" sldId="356"/>
-            <ac:cxnSpMk id="18" creationId="{6930B0CB-1E14-47B7-86AE-FF88779FACE1}"/>
-          </ac:cxnSpMkLst>
-        </pc:cxnChg>
-        <pc:cxnChg chg="add mod">
-          <ac:chgData name="Castegnaro, Andrea" userId="e719bb20-b48f-4237-97c2-e35c3e0dc9cd" providerId="ADAL" clId="{2E822B44-A701-491B-9B13-524A0D08CA88}" dt="2022-01-31T15:58:56.928" v="11985" actId="6549"/>
-          <ac:cxnSpMkLst>
-            <pc:docMk/>
-            <pc:sldMk cId="607700460" sldId="356"/>
-            <ac:cxnSpMk id="19" creationId="{AF0975D3-07E6-4C8F-9946-4B3B840AAB27}"/>
-          </ac:cxnSpMkLst>
-        </pc:cxnChg>
-      </pc:sldChg>
-      <pc:sldChg chg="new del">
-        <pc:chgData name="Castegnaro, Andrea" userId="e719bb20-b48f-4237-97c2-e35c3e0dc9cd" providerId="ADAL" clId="{2E822B44-A701-491B-9B13-524A0D08CA88}" dt="2022-01-31T17:27:14.338" v="14650" actId="680"/>
-        <pc:sldMkLst>
-          <pc:docMk/>
-          <pc:sldMk cId="262554683" sldId="357"/>
-        </pc:sldMkLst>
       </pc:sldChg>
     </pc:docChg>
   </pc:docChgLst>
@@ -11559,6 +10660,10 @@
               </a:rPr>
               <a:t>uceeaca@ucl.ac.uk</a:t>
             </a:r>
+            <a:r>
+              <a:rPr lang="en-GB" sz="1800" dirty="0"/>
+              <a:t/>
+            </a:r>
             <a:br>
               <a:rPr lang="en-GB" sz="1800" dirty="0"/>
             </a:br>
@@ -11569,8 +10674,8 @@
               <a:buNone/>
             </a:pPr>
             <a:r>
-              <a:rPr lang="en-GB" sz="2000" i="1" dirty="0"/>
-              <a:t>25 January 2022</a:t>
+              <a:rPr lang="en-GB" sz="2000" i="1" dirty="0" smtClean="0"/>
+              <a:t>1 February 2022</a:t>
             </a:r>
             <a:endParaRPr lang="en-GB" i="1" dirty="0"/>
           </a:p>
@@ -11929,9 +11034,10 @@
                   <a:defRPr/>
                 </a:pPr>
                 <a:r>
-                  <a:rPr lang="en-GB" sz="2400" dirty="0"/>
-                  <a:t>PTB opening</a:t>
+                  <a:rPr lang="en-GB" sz="2400" dirty="0" smtClean="0"/>
+                  <a:t>Open PTB</a:t>
                 </a:r>
+                <a:endParaRPr lang="en-GB" sz="2400" dirty="0"/>
               </a:p>
             </p:txBody>
           </p:sp>
@@ -12049,8 +11155,13 @@
                 </a:pPr>
                 <a:r>
                   <a:rPr lang="en-GB" sz="1600" dirty="0"/>
-                  <a:t>	- get responses</a:t>
+                  <a:t>	- get </a:t>
                 </a:r>
+                <a:r>
+                  <a:rPr lang="en-GB" sz="1600" dirty="0" smtClean="0"/>
+                  <a:t>responses</a:t>
+                </a:r>
+                <a:endParaRPr lang="en-GB" sz="1600" dirty="0"/>
               </a:p>
               <a:p>
                 <a:pPr lvl="1">
@@ -12126,9 +11237,10 @@
                   <a:defRPr/>
                 </a:pPr>
                 <a:r>
-                  <a:rPr lang="en-GB" sz="2400" dirty="0"/>
-                  <a:t>PTB closing</a:t>
+                  <a:rPr lang="en-GB" sz="2400" dirty="0" smtClean="0"/>
+                  <a:t>Close PTB</a:t>
                 </a:r>
+                <a:endParaRPr lang="en-GB" sz="2400" dirty="0"/>
               </a:p>
             </p:txBody>
           </p:sp>
@@ -12194,8 +11306,12 @@
                 <a:defRPr/>
               </a:pPr>
               <a:r>
+                <a:rPr lang="en-GB" dirty="0" smtClean="0"/>
+                <a:t>Initialize PTB + </a:t>
+              </a:r>
+              <a:r>
                 <a:rPr lang="en-GB" dirty="0"/>
-                <a:t>PTB initialization + ext. devices</a:t>
+                <a:t>ext. devices</a:t>
               </a:r>
               <a:endParaRPr lang="en-GB" sz="2800" dirty="0"/>
             </a:p>
@@ -12204,7 +11320,7 @@
       </p:grpSp>
       <p:pic>
         <p:nvPicPr>
-          <p:cNvPr id="12" name="Graphic 11" descr="Workflow with solid fill">
+          <p:cNvPr id="11" name="Graphic 11" descr="Workflow with solid fill">
             <a:extLst>
               <a:ext uri="{FF2B5EF4-FFF2-40B4-BE49-F238E27FC236}">
                 <a16:creationId xmlns:a16="http://schemas.microsoft.com/office/drawing/2014/main" id="{EB29CCA8-B1B5-45BC-BC74-2B8294743F31}"/>
@@ -12217,13 +11333,13 @@
           <p:nvPr/>
         </p:nvPicPr>
         <p:blipFill>
-          <a:blip r:embed="rId2">
+          <a:blip r:embed="rId2" cstate="hqprint">
             <a:extLst>
               <a:ext uri="{28A0092B-C50C-407E-A947-70E740481C1C}">
                 <a14:useLocalDpi xmlns:a14="http://schemas.microsoft.com/office/drawing/2010/main" val="0"/>
               </a:ext>
               <a:ext uri="{96DAC541-7B7A-43D3-8B79-37D633B846F1}">
-                <asvg:svgBlip xmlns:asvg="http://schemas.microsoft.com/office/drawing/2016/SVG/main" r:embed="rId3"/>
+                <asvg:svgBlip xmlns:asvg="http://schemas.microsoft.com/office/drawing/2016/SVG/main" xmlns="" r:embed="rId3"/>
               </a:ext>
             </a:extLst>
           </a:blip>
@@ -12546,9 +11662,10 @@
                   <a:defRPr/>
                 </a:pPr>
                 <a:r>
-                  <a:rPr lang="en-GB" sz="2400" dirty="0"/>
-                  <a:t>PTB opening </a:t>
+                  <a:rPr lang="en-GB" sz="2400" dirty="0" smtClean="0"/>
+                  <a:t>Open PTB</a:t>
                 </a:r>
+                <a:endParaRPr lang="en-GB" sz="2400" dirty="0"/>
               </a:p>
             </p:txBody>
           </p:sp>
@@ -12666,8 +11783,13 @@
                 </a:pPr>
                 <a:r>
                   <a:rPr lang="en-GB" sz="1600" dirty="0"/>
-                  <a:t>	- get responses</a:t>
+                  <a:t>	- get </a:t>
                 </a:r>
+                <a:r>
+                  <a:rPr lang="en-GB" sz="1600" dirty="0" smtClean="0"/>
+                  <a:t>responses</a:t>
+                </a:r>
+                <a:endParaRPr lang="en-GB" sz="1600" dirty="0"/>
               </a:p>
               <a:p>
                 <a:pPr lvl="1">
@@ -12743,9 +11865,10 @@
                   <a:defRPr/>
                 </a:pPr>
                 <a:r>
-                  <a:rPr lang="en-GB" sz="2400" dirty="0"/>
-                  <a:t>PTB closing</a:t>
+                  <a:rPr lang="en-GB" sz="2400" dirty="0" smtClean="0"/>
+                  <a:t>Close PTB</a:t>
                 </a:r>
+                <a:endParaRPr lang="en-GB" sz="2400" dirty="0"/>
               </a:p>
             </p:txBody>
           </p:sp>
@@ -12812,9 +11935,9 @@
               </a:pPr>
               <a:r>
                 <a:rPr lang="en-GB" dirty="0"/>
-                <a:t>PTB initialization + ext. devices</a:t>
+                <a:t>Initialize PTB + ext. devices</a:t>
               </a:r>
-              <a:endParaRPr lang="en-GB" sz="2400" dirty="0"/>
+              <a:endParaRPr lang="en-GB" sz="2800" dirty="0"/>
             </a:p>
           </p:txBody>
         </p:sp>
@@ -12957,24 +12080,48 @@
           </a:bodyPr>
           <a:lstStyle/>
           <a:p>
-            <a:pPr algn="just" eaLnBrk="1" hangingPunct="1">
+            <a:pPr eaLnBrk="1" hangingPunct="1">
               <a:buFontTx/>
               <a:buNone/>
             </a:pPr>
             <a:r>
               <a:rPr lang="en-GB" altLang="en-US" sz="1400" dirty="0"/>
-              <a:t>Make a brief comment (% for comments). Sometimes also a bullet points for your design flow can be useful</a:t>
-            </a:r>
-          </a:p>
-          <a:p>
-            <a:pPr algn="just" eaLnBrk="1" hangingPunct="1">
+              <a:t>Make </a:t>
+            </a:r>
+            <a:r>
+              <a:rPr lang="en-GB" altLang="en-US" sz="1400" dirty="0" smtClean="0"/>
+              <a:t>brief comments </a:t>
+            </a:r>
+            <a:r>
+              <a:rPr lang="en-GB" altLang="en-US" sz="1400" dirty="0"/>
+              <a:t>(% for comments). Sometimes </a:t>
+            </a:r>
+            <a:r>
+              <a:rPr lang="en-GB" altLang="en-US" sz="1400" dirty="0" smtClean="0"/>
+              <a:t>using </a:t>
+            </a:r>
+            <a:r>
+              <a:rPr lang="en-GB" altLang="en-US" sz="1400" dirty="0"/>
+              <a:t>bullet points for your design flow can </a:t>
+            </a:r>
+            <a:r>
+              <a:rPr lang="en-GB" altLang="en-US" sz="1400" dirty="0" smtClean="0"/>
+              <a:t>also be </a:t>
+            </a:r>
+            <a:r>
+              <a:rPr lang="en-GB" altLang="en-US" sz="1400" dirty="0"/>
+              <a:t>useful</a:t>
+            </a:r>
+          </a:p>
+          <a:p>
+            <a:pPr eaLnBrk="1" hangingPunct="1">
               <a:buFontTx/>
               <a:buNone/>
             </a:pPr>
             <a:endParaRPr lang="en-GB" altLang="en-US" sz="1400" dirty="0"/>
           </a:p>
           <a:p>
-            <a:pPr algn="just" eaLnBrk="1" hangingPunct="1">
+            <a:pPr eaLnBrk="1" hangingPunct="1">
               <a:buFontTx/>
               <a:buNone/>
             </a:pPr>
@@ -12984,221 +12131,142 @@
             </a:r>
           </a:p>
           <a:p>
-            <a:pPr algn="just" eaLnBrk="1" hangingPunct="1">
+            <a:pPr eaLnBrk="1" hangingPunct="1">
               <a:buFontTx/>
               <a:buNone/>
             </a:pPr>
             <a:endParaRPr lang="en-GB" altLang="en-US" sz="1400" dirty="0"/>
           </a:p>
           <a:p>
-            <a:pPr algn="just" eaLnBrk="1" hangingPunct="1">
+            <a:pPr eaLnBrk="1" hangingPunct="1">
               <a:buFontTx/>
               <a:buNone/>
             </a:pPr>
             <a:r>
+              <a:rPr lang="en-GB" altLang="en-US" sz="1400" dirty="0" smtClean="0"/>
+              <a:t>Create </a:t>
+            </a:r>
+            <a:r>
               <a:rPr lang="en-GB" altLang="en-US" sz="1400" dirty="0"/>
-              <a:t>Creating empty variables and structures that you are going to call later on in the script so that you avoid hard coded values e.g. </a:t>
-            </a:r>
-          </a:p>
-          <a:p>
-            <a:pPr algn="just" eaLnBrk="1" hangingPunct="1">
+              <a:t>empty variables and structures that you are going to call later on in the script so that you avoid hard coded values e.g</a:t>
+            </a:r>
+            <a:r>
+              <a:rPr lang="en-GB" altLang="en-US" sz="1400" dirty="0" smtClean="0"/>
+              <a:t>.:</a:t>
+            </a:r>
+            <a:endParaRPr lang="en-GB" altLang="en-US" sz="1400" dirty="0"/>
+          </a:p>
+          <a:p>
+            <a:pPr eaLnBrk="1" hangingPunct="1">
               <a:buFontTx/>
               <a:buNone/>
             </a:pPr>
             <a:endParaRPr lang="en-GB" altLang="en-US" sz="1600" dirty="0"/>
           </a:p>
           <a:p>
-            <a:pPr algn="just"/>
-            <a:r>
-              <a:rPr lang="en-GB" sz="1400" b="0" i="0" dirty="0" err="1">
-                <a:effectLst/>
-                <a:latin typeface="Menlo"/>
-              </a:rPr>
+            <a:pPr eaLnBrk="1" hangingPunct="1">
+              <a:buFontTx/>
+              <a:buNone/>
+            </a:pPr>
+            <a:r>
+              <a:rPr lang="en-GB" altLang="en-US" sz="1400" dirty="0" err="1"/>
               <a:t>expInfo.numtrials</a:t>
             </a:r>
             <a:r>
-              <a:rPr lang="en-GB" sz="1400" b="0" i="0" dirty="0">
-                <a:effectLst/>
-                <a:latin typeface="Menlo"/>
-              </a:rPr>
+              <a:rPr lang="en-GB" altLang="en-US" sz="1400" dirty="0"/>
               <a:t> = 50</a:t>
             </a:r>
           </a:p>
           <a:p>
-            <a:pPr algn="just"/>
-            <a:r>
-              <a:rPr lang="en-GB" sz="1400" b="0" i="0" dirty="0" err="1">
-                <a:effectLst/>
-                <a:latin typeface="Menlo"/>
-              </a:rPr>
+            <a:pPr eaLnBrk="1" hangingPunct="1">
+              <a:buFontTx/>
+              <a:buNone/>
+            </a:pPr>
+            <a:r>
+              <a:rPr lang="en-GB" altLang="en-US" sz="1400" dirty="0" err="1"/>
               <a:t>expInfo.times.stimDuration</a:t>
             </a:r>
             <a:r>
-              <a:rPr lang="en-GB" sz="1400" b="0" i="0" dirty="0">
-                <a:effectLst/>
-                <a:latin typeface="Menlo"/>
-              </a:rPr>
+              <a:rPr lang="en-GB" altLang="en-US" sz="1400" dirty="0"/>
               <a:t> = 5;</a:t>
             </a:r>
           </a:p>
           <a:p>
-            <a:pPr algn="just"/>
-            <a:r>
-              <a:rPr lang="en-GB" sz="1400" b="0" i="0" dirty="0" err="1">
-                <a:effectLst/>
-                <a:latin typeface="Menlo"/>
-              </a:rPr>
+            <a:pPr eaLnBrk="1" hangingPunct="1">
+              <a:buFontTx/>
+              <a:buNone/>
+            </a:pPr>
+            <a:r>
+              <a:rPr lang="en-GB" altLang="en-US" sz="1400" dirty="0" err="1"/>
               <a:t>expInfo.times.fixationDuration</a:t>
             </a:r>
             <a:r>
-              <a:rPr lang="en-GB" sz="1400" b="0" i="0" dirty="0">
-                <a:effectLst/>
-                <a:latin typeface="Menlo"/>
-              </a:rPr>
+              <a:rPr lang="en-GB" altLang="en-US" sz="1400" dirty="0"/>
               <a:t> = 3;</a:t>
             </a:r>
           </a:p>
           <a:p>
-            <a:pPr algn="just"/>
-            <a:r>
-              <a:rPr lang="en-GB" sz="1400" b="0" i="0" dirty="0" err="1">
-                <a:effectLst/>
-                <a:latin typeface="Menlo"/>
-              </a:rPr>
+            <a:pPr eaLnBrk="1" hangingPunct="1">
+              <a:buFontTx/>
+              <a:buNone/>
+            </a:pPr>
+            <a:r>
+              <a:rPr lang="en-GB" altLang="en-US" sz="1400" dirty="0" err="1"/>
               <a:t>expInfo.times.blankDuration</a:t>
             </a:r>
             <a:r>
-              <a:rPr lang="en-GB" sz="1400" b="0" i="0" dirty="0">
-                <a:effectLst/>
-                <a:latin typeface="Menlo"/>
-              </a:rPr>
+              <a:rPr lang="en-GB" altLang="en-US" sz="1400" dirty="0"/>
               <a:t> = 2;</a:t>
             </a:r>
           </a:p>
           <a:p>
-            <a:pPr algn="just"/>
-            <a:r>
-              <a:rPr lang="en-GB" sz="1400" b="0" i="0" dirty="0" err="1">
-                <a:effectLst/>
-                <a:latin typeface="Menlo"/>
-              </a:rPr>
-              <a:t>expInfo</a:t>
-            </a:r>
-            <a:r>
-              <a:rPr lang="en-GB" sz="1400" b="0" i="0" dirty="0">
-                <a:effectLst/>
-                <a:latin typeface="Menlo"/>
-              </a:rPr>
-              <a:t> .</a:t>
-            </a:r>
-            <a:r>
-              <a:rPr lang="en-GB" sz="1400" b="0" i="0" dirty="0" err="1">
-                <a:effectLst/>
-                <a:latin typeface="Menlo"/>
-              </a:rPr>
-              <a:t>stim.images</a:t>
-            </a:r>
-            <a:r>
-              <a:rPr lang="en-GB" sz="1400" b="0" i="0" dirty="0">
-                <a:effectLst/>
-                <a:latin typeface="Menlo"/>
-              </a:rPr>
-              <a:t> = {</a:t>
-            </a:r>
-            <a:r>
-              <a:rPr lang="en-GB" sz="1400" b="0" i="0" dirty="0">
-                <a:solidFill>
-                  <a:srgbClr val="FF0000"/>
-                </a:solidFill>
-                <a:effectLst/>
-                <a:latin typeface="Menlo"/>
-              </a:rPr>
-              <a:t>‘</a:t>
-            </a:r>
-            <a:r>
-              <a:rPr lang="en-GB" sz="1400" b="0" i="0" dirty="0">
-                <a:effectLst/>
-                <a:latin typeface="Menlo"/>
-              </a:rPr>
-              <a:t>image1.png</a:t>
-            </a:r>
-            <a:r>
-              <a:rPr lang="en-GB" sz="1400" b="0" i="0" dirty="0">
-                <a:solidFill>
-                  <a:srgbClr val="FF0000"/>
-                </a:solidFill>
-                <a:effectLst/>
-                <a:latin typeface="Menlo"/>
-              </a:rPr>
-              <a:t>’,</a:t>
-            </a:r>
-            <a:r>
-              <a:rPr lang="en-GB" sz="1400" b="0" i="0" dirty="0">
-                <a:effectLst/>
-                <a:latin typeface="Menlo"/>
-              </a:rPr>
+            <a:pPr eaLnBrk="1" hangingPunct="1">
+              <a:buFontTx/>
+              <a:buNone/>
+            </a:pPr>
+            <a:r>
+              <a:rPr lang="en-GB" altLang="en-US" sz="1400" dirty="0" err="1" smtClean="0"/>
+              <a:t>expInfo.stim.images</a:t>
+            </a:r>
+            <a:r>
+              <a:rPr lang="en-GB" altLang="en-US" sz="1400" dirty="0" smtClean="0"/>
               <a:t> </a:t>
             </a:r>
             <a:r>
-              <a:rPr lang="en-GB" sz="1400" dirty="0">
-                <a:solidFill>
-                  <a:srgbClr val="FF0000"/>
-                </a:solidFill>
-                <a:latin typeface="Menlo"/>
-              </a:rPr>
-              <a:t>‘</a:t>
-            </a:r>
-            <a:r>
-              <a:rPr lang="en-GB" sz="1400" b="0" i="0" dirty="0">
-                <a:effectLst/>
-                <a:latin typeface="Menlo"/>
-              </a:rPr>
-              <a:t>image2.png</a:t>
-            </a:r>
-            <a:r>
-              <a:rPr lang="en-GB" sz="1400" b="0" i="0" dirty="0">
-                <a:solidFill>
-                  <a:srgbClr val="FF0000"/>
-                </a:solidFill>
-                <a:effectLst/>
-                <a:latin typeface="Menlo"/>
-              </a:rPr>
-              <a:t>’</a:t>
-            </a:r>
-            <a:r>
-              <a:rPr lang="en-GB" sz="1400" b="0" i="0" dirty="0">
-                <a:effectLst/>
-                <a:latin typeface="Menlo"/>
-              </a:rPr>
-              <a:t>};</a:t>
-            </a:r>
-          </a:p>
-          <a:p>
-            <a:pPr algn="just"/>
-            <a:r>
-              <a:rPr lang="en-GB" sz="1400" b="0" i="0" dirty="0">
-                <a:effectLst/>
-                <a:latin typeface="Menlo"/>
-              </a:rPr>
+              <a:rPr lang="en-GB" altLang="en-US" sz="1400" dirty="0"/>
+              <a:t>= {‘image1.png’, ‘image2.png’};</a:t>
+            </a:r>
+          </a:p>
+          <a:p>
+            <a:pPr eaLnBrk="1" hangingPunct="1">
+              <a:buFontTx/>
+              <a:buNone/>
+            </a:pPr>
+            <a:r>
+              <a:rPr lang="en-GB" altLang="en-US" sz="1400" dirty="0"/>
               <a:t>etc.</a:t>
             </a:r>
           </a:p>
           <a:p>
-            <a:pPr algn="just" eaLnBrk="1" hangingPunct="1">
+            <a:pPr eaLnBrk="1" hangingPunct="1">
               <a:buFontTx/>
               <a:buNone/>
             </a:pPr>
             <a:endParaRPr lang="en-GB" altLang="en-US" sz="1400" dirty="0"/>
           </a:p>
           <a:p>
-            <a:pPr algn="just"/>
             <a:r>
               <a:rPr lang="en-GB" altLang="en-US" sz="1400" dirty="0"/>
-              <a:t>Optionally: create empty variables or zero variables to store the data you would like to collect later </a:t>
-            </a:r>
-          </a:p>
-          <a:p>
-            <a:pPr algn="just" eaLnBrk="1" hangingPunct="1">
+              <a:t>Optionally: create empty variables or zero variables to store the data you would like to collect </a:t>
+            </a:r>
+            <a:r>
+              <a:rPr lang="en-GB" altLang="en-US" sz="1400" dirty="0" smtClean="0"/>
+              <a:t>later</a:t>
+            </a:r>
+            <a:endParaRPr lang="en-GB" altLang="en-US" sz="1400" dirty="0"/>
+          </a:p>
+          <a:p>
+            <a:pPr eaLnBrk="1" hangingPunct="1">
               <a:buFontTx/>
               <a:buNone/>
             </a:pPr>
@@ -13221,13 +12289,13 @@
           <p:nvPr/>
         </p:nvPicPr>
         <p:blipFill>
-          <a:blip r:embed="rId2">
+          <a:blip r:embed="rId2" cstate="hqprint">
             <a:extLst>
               <a:ext uri="{28A0092B-C50C-407E-A947-70E740481C1C}">
                 <a14:useLocalDpi xmlns:a14="http://schemas.microsoft.com/office/drawing/2010/main" val="0"/>
               </a:ext>
               <a:ext uri="{96DAC541-7B7A-43D3-8B79-37D633B846F1}">
-                <asvg:svgBlip xmlns:asvg="http://schemas.microsoft.com/office/drawing/2016/SVG/main" r:embed="rId3"/>
+                <asvg:svgBlip xmlns:asvg="http://schemas.microsoft.com/office/drawing/2016/SVG/main" xmlns="" r:embed="rId3"/>
               </a:ext>
             </a:extLst>
           </a:blip>
@@ -13287,271 +12355,6 @@
           <a:chExt cx="0" cy="0"/>
         </a:xfrm>
       </p:grpSpPr>
-      <p:grpSp>
-        <p:nvGrpSpPr>
-          <p:cNvPr id="23" name="Group 22">
-            <a:extLst>
-              <a:ext uri="{FF2B5EF4-FFF2-40B4-BE49-F238E27FC236}">
-                <a16:creationId xmlns:a16="http://schemas.microsoft.com/office/drawing/2014/main" id="{E702B19E-DC45-4FD0-93CE-5B9A2E6835A4}"/>
-              </a:ext>
-            </a:extLst>
-          </p:cNvPr>
-          <p:cNvGrpSpPr/>
-          <p:nvPr/>
-        </p:nvGrpSpPr>
-        <p:grpSpPr>
-          <a:xfrm>
-            <a:off x="9033022" y="845389"/>
-            <a:ext cx="2167016" cy="874112"/>
-            <a:chOff x="8367304" y="5326457"/>
-            <a:chExt cx="3386783" cy="1591189"/>
-          </a:xfrm>
-        </p:grpSpPr>
-        <p:pic>
-          <p:nvPicPr>
-            <p:cNvPr id="19" name="Picture 18">
-              <a:extLst>
-                <a:ext uri="{FF2B5EF4-FFF2-40B4-BE49-F238E27FC236}">
-                  <a16:creationId xmlns:a16="http://schemas.microsoft.com/office/drawing/2014/main" id="{E9931121-CF6E-43C8-B613-1B68D2BF0C76}"/>
-                </a:ext>
-              </a:extLst>
-            </p:cNvPr>
-            <p:cNvPicPr>
-              <a:picLocks noChangeAspect="1"/>
-            </p:cNvPicPr>
-            <p:nvPr/>
-          </p:nvPicPr>
-          <p:blipFill>
-            <a:blip r:embed="rId2">
-              <a:extLst>
-                <a:ext uri="{28A0092B-C50C-407E-A947-70E740481C1C}">
-                  <a14:useLocalDpi xmlns:a14="http://schemas.microsoft.com/office/drawing/2010/main" val="0"/>
-                </a:ext>
-              </a:extLst>
-            </a:blip>
-            <a:stretch>
-              <a:fillRect/>
-            </a:stretch>
-          </p:blipFill>
-          <p:spPr>
-            <a:xfrm rot="6536865">
-              <a:off x="10341022" y="5592620"/>
-              <a:ext cx="1591189" cy="1058864"/>
-            </a:xfrm>
-            <a:prstGeom prst="rect">
-              <a:avLst/>
-            </a:prstGeom>
-          </p:spPr>
-        </p:pic>
-        <p:pic>
-          <p:nvPicPr>
-            <p:cNvPr id="20" name="Picture 19">
-              <a:extLst>
-                <a:ext uri="{FF2B5EF4-FFF2-40B4-BE49-F238E27FC236}">
-                  <a16:creationId xmlns:a16="http://schemas.microsoft.com/office/drawing/2014/main" id="{4CFDB8E3-9BDA-4256-8BDE-A4742784BE75}"/>
-                </a:ext>
-              </a:extLst>
-            </p:cNvPr>
-            <p:cNvPicPr>
-              <a:picLocks noChangeAspect="1"/>
-            </p:cNvPicPr>
-            <p:nvPr/>
-          </p:nvPicPr>
-          <p:blipFill>
-            <a:blip r:embed="rId3">
-              <a:extLst>
-                <a:ext uri="{28A0092B-C50C-407E-A947-70E740481C1C}">
-                  <a14:useLocalDpi xmlns:a14="http://schemas.microsoft.com/office/drawing/2010/main" val="0"/>
-                </a:ext>
-              </a:extLst>
-            </a:blip>
-            <a:stretch>
-              <a:fillRect/>
-            </a:stretch>
-          </p:blipFill>
-          <p:spPr>
-            <a:xfrm>
-              <a:off x="8367304" y="5412313"/>
-              <a:ext cx="1336108" cy="1336108"/>
-            </a:xfrm>
-            <a:prstGeom prst="rect">
-              <a:avLst/>
-            </a:prstGeom>
-          </p:spPr>
-        </p:pic>
-        <p:sp>
-          <p:nvSpPr>
-            <p:cNvPr id="21" name="Freeform 6">
-              <a:extLst>
-                <a:ext uri="{FF2B5EF4-FFF2-40B4-BE49-F238E27FC236}">
-                  <a16:creationId xmlns:a16="http://schemas.microsoft.com/office/drawing/2014/main" id="{19E13695-8724-492F-9C7C-7517531D368C}"/>
-                </a:ext>
-              </a:extLst>
-            </p:cNvPr>
-            <p:cNvSpPr/>
-            <p:nvPr/>
-          </p:nvSpPr>
-          <p:spPr>
-            <a:xfrm>
-              <a:off x="9476024" y="5780224"/>
-              <a:ext cx="1698171" cy="494275"/>
-            </a:xfrm>
-            <a:custGeom>
-              <a:avLst/>
-              <a:gdLst>
-                <a:gd name="connsiteX0" fmla="*/ 0 w 1698171"/>
-                <a:gd name="connsiteY0" fmla="*/ 111793 h 494275"/>
-                <a:gd name="connsiteX1" fmla="*/ 221064 w 1698171"/>
-                <a:gd name="connsiteY1" fmla="*/ 51503 h 494275"/>
-                <a:gd name="connsiteX2" fmla="*/ 321547 w 1698171"/>
-                <a:gd name="connsiteY2" fmla="*/ 342905 h 494275"/>
-                <a:gd name="connsiteX3" fmla="*/ 803868 w 1698171"/>
-                <a:gd name="connsiteY3" fmla="*/ 1261 h 494275"/>
-                <a:gd name="connsiteX4" fmla="*/ 934497 w 1698171"/>
-                <a:gd name="connsiteY4" fmla="*/ 493630 h 494275"/>
-                <a:gd name="connsiteX5" fmla="*/ 1396721 w 1698171"/>
-                <a:gd name="connsiteY5" fmla="*/ 111793 h 494275"/>
-                <a:gd name="connsiteX6" fmla="*/ 1698171 w 1698171"/>
-                <a:gd name="connsiteY6" fmla="*/ 383098 h 494275"/>
-              </a:gdLst>
-              <a:ahLst/>
-              <a:cxnLst>
-                <a:cxn ang="0">
-                  <a:pos x="connsiteX0" y="connsiteY0"/>
-                </a:cxn>
-                <a:cxn ang="0">
-                  <a:pos x="connsiteX1" y="connsiteY1"/>
-                </a:cxn>
-                <a:cxn ang="0">
-                  <a:pos x="connsiteX2" y="connsiteY2"/>
-                </a:cxn>
-                <a:cxn ang="0">
-                  <a:pos x="connsiteX3" y="connsiteY3"/>
-                </a:cxn>
-                <a:cxn ang="0">
-                  <a:pos x="connsiteX4" y="connsiteY4"/>
-                </a:cxn>
-                <a:cxn ang="0">
-                  <a:pos x="connsiteX5" y="connsiteY5"/>
-                </a:cxn>
-                <a:cxn ang="0">
-                  <a:pos x="connsiteX6" y="connsiteY6"/>
-                </a:cxn>
-              </a:cxnLst>
-              <a:rect l="l" t="t" r="r" b="b"/>
-              <a:pathLst>
-                <a:path w="1698171" h="494275">
-                  <a:moveTo>
-                    <a:pt x="0" y="111793"/>
-                  </a:moveTo>
-                  <a:cubicBezTo>
-                    <a:pt x="83736" y="62388"/>
-                    <a:pt x="167473" y="12984"/>
-                    <a:pt x="221064" y="51503"/>
-                  </a:cubicBezTo>
-                  <a:cubicBezTo>
-                    <a:pt x="274655" y="90022"/>
-                    <a:pt x="224413" y="351279"/>
-                    <a:pt x="321547" y="342905"/>
-                  </a:cubicBezTo>
-                  <a:cubicBezTo>
-                    <a:pt x="418681" y="334531"/>
-                    <a:pt x="701710" y="-23860"/>
-                    <a:pt x="803868" y="1261"/>
-                  </a:cubicBezTo>
-                  <a:cubicBezTo>
-                    <a:pt x="906026" y="26382"/>
-                    <a:pt x="835688" y="475208"/>
-                    <a:pt x="934497" y="493630"/>
-                  </a:cubicBezTo>
-                  <a:cubicBezTo>
-                    <a:pt x="1033306" y="512052"/>
-                    <a:pt x="1269442" y="130215"/>
-                    <a:pt x="1396721" y="111793"/>
-                  </a:cubicBezTo>
-                  <a:cubicBezTo>
-                    <a:pt x="1524000" y="93371"/>
-                    <a:pt x="1611085" y="238234"/>
-                    <a:pt x="1698171" y="383098"/>
-                  </a:cubicBezTo>
-                </a:path>
-              </a:pathLst>
-            </a:custGeom>
-            <a:noFill/>
-          </p:spPr>
-          <p:style>
-            <a:lnRef idx="2">
-              <a:schemeClr val="accent1">
-                <a:shade val="50000"/>
-              </a:schemeClr>
-            </a:lnRef>
-            <a:fillRef idx="1">
-              <a:schemeClr val="accent1"/>
-            </a:fillRef>
-            <a:effectRef idx="0">
-              <a:schemeClr val="accent1"/>
-            </a:effectRef>
-            <a:fontRef idx="minor">
-              <a:schemeClr val="lt1"/>
-            </a:fontRef>
-          </p:style>
-          <p:txBody>
-            <a:bodyPr rtlCol="0" anchor="ctr"/>
-            <a:lstStyle/>
-            <a:p>
-              <a:pPr algn="ctr"/>
-              <a:endParaRPr lang="en-GB"/>
-            </a:p>
-          </p:txBody>
-        </p:sp>
-        <p:pic>
-          <p:nvPicPr>
-            <p:cNvPr id="22" name="Picture 2" descr="C:\Users\rlawson\AppData\Local\Microsoft\Windows\Temporary Internet Files\Content.IE5\TZOUUN1B\MC900441735[1].png">
-              <a:extLst>
-                <a:ext uri="{FF2B5EF4-FFF2-40B4-BE49-F238E27FC236}">
-                  <a16:creationId xmlns:a16="http://schemas.microsoft.com/office/drawing/2014/main" id="{2AC1CD32-87E9-4D04-B1F3-2E8747EA87C0}"/>
-                </a:ext>
-              </a:extLst>
-            </p:cNvPr>
-            <p:cNvPicPr>
-              <a:picLocks noChangeAspect="1" noChangeArrowheads="1"/>
-            </p:cNvPicPr>
-            <p:nvPr/>
-          </p:nvPicPr>
-          <p:blipFill>
-            <a:blip r:embed="rId4" cstate="print">
-              <a:extLst>
-                <a:ext uri="{28A0092B-C50C-407E-A947-70E740481C1C}">
-                  <a14:useLocalDpi xmlns:a14="http://schemas.microsoft.com/office/drawing/2010/main" val="0"/>
-                </a:ext>
-              </a:extLst>
-            </a:blip>
-            <a:srcRect/>
-            <a:stretch>
-              <a:fillRect/>
-            </a:stretch>
-          </p:blipFill>
-          <p:spPr bwMode="auto">
-            <a:xfrm>
-              <a:off x="11174575" y="5618764"/>
-              <a:ext cx="579512" cy="579512"/>
-            </a:xfrm>
-            <a:prstGeom prst="rect">
-              <a:avLst/>
-            </a:prstGeom>
-            <a:noFill/>
-            <a:extLst>
-              <a:ext uri="{909E8E84-426E-40DD-AFC4-6F175D3DCCD1}">
-                <a14:hiddenFill xmlns:a14="http://schemas.microsoft.com/office/drawing/2010/main">
-                  <a:solidFill>
-                    <a:srgbClr val="FFFFFF"/>
-                  </a:solidFill>
-                </a14:hiddenFill>
-              </a:ext>
-            </a:extLst>
-          </p:spPr>
-        </p:pic>
-      </p:grpSp>
       <p:sp>
         <p:nvSpPr>
           <p:cNvPr id="2" name="Title 1">
@@ -13816,8 +12619,9 @@
                 </a:pPr>
                 <a:r>
                   <a:rPr lang="en-GB" sz="2400" dirty="0"/>
-                  <a:t>PTB opening </a:t>
+                  <a:t>Open PTB</a:t>
                 </a:r>
+                <a:endParaRPr lang="en-GB" sz="2400" dirty="0"/>
               </a:p>
             </p:txBody>
           </p:sp>
@@ -14012,9 +12816,10 @@
                   <a:defRPr/>
                 </a:pPr>
                 <a:r>
-                  <a:rPr lang="en-GB" sz="2400" dirty="0"/>
-                  <a:t>PTB closing</a:t>
+                  <a:rPr lang="en-GB" sz="2400" dirty="0" smtClean="0"/>
+                  <a:t>Close PTB</a:t>
                 </a:r>
+                <a:endParaRPr lang="en-GB" sz="2400" dirty="0"/>
               </a:p>
             </p:txBody>
           </p:sp>
@@ -14081,9 +12886,9 @@
               </a:pPr>
               <a:r>
                 <a:rPr lang="en-GB" dirty="0"/>
-                <a:t>PTB initialization + ext. devices</a:t>
+                <a:t>Initialize PTB + ext. devices</a:t>
               </a:r>
-              <a:endParaRPr lang="en-GB" sz="2400" dirty="0"/>
+              <a:endParaRPr lang="en-GB" sz="2800" dirty="0"/>
             </a:p>
           </p:txBody>
         </p:sp>
@@ -14213,7 +13018,7 @@
         <p:spPr>
           <a:xfrm>
             <a:off x="6669328" y="1871412"/>
-            <a:ext cx="4732070" cy="4401205"/>
+            <a:ext cx="4732070" cy="4832092"/>
           </a:xfrm>
           <a:prstGeom prst="rect">
             <a:avLst/>
@@ -14254,26 +13059,28 @@
             </a:pPr>
             <a:r>
               <a:rPr lang="en-GB" altLang="en-US" sz="1400" dirty="0"/>
-              <a:t>Sometimes your experiment will require to deal with addition triggers. </a:t>
-            </a:r>
+              <a:t>Sometimes your experiment will </a:t>
+            </a:r>
+            <a:r>
+              <a:rPr lang="en-GB" altLang="en-US" sz="1400" dirty="0" smtClean="0"/>
+              <a:t>need </a:t>
+            </a:r>
+            <a:r>
+              <a:rPr lang="en-GB" altLang="en-US" sz="1400" dirty="0"/>
+              <a:t>to deal with </a:t>
+            </a:r>
+            <a:r>
+              <a:rPr lang="en-GB" altLang="en-US" sz="1400" dirty="0" smtClean="0"/>
+              <a:t>additional triggers:</a:t>
+            </a:r>
+            <a:endParaRPr lang="en-GB" altLang="en-US" sz="1400" dirty="0"/>
           </a:p>
           <a:p>
             <a:pPr algn="just" eaLnBrk="1" hangingPunct="1">
               <a:buFontTx/>
               <a:buNone/>
             </a:pPr>
-            <a:r>
-              <a:rPr lang="en-GB" altLang="en-US" sz="1400" dirty="0"/>
-              <a:t>Receive triggers from </a:t>
-            </a:r>
-            <a:r>
-              <a:rPr lang="en-GB" altLang="en-US" sz="1400" dirty="0" err="1"/>
-              <a:t>eyetracker</a:t>
-            </a:r>
-            <a:r>
-              <a:rPr lang="en-GB" altLang="en-US" sz="1400" dirty="0"/>
-              <a:t>, MRI scanner, etc</a:t>
-            </a:r>
+            <a:endParaRPr lang="en-GB" altLang="en-US" sz="1400" dirty="0" smtClean="0"/>
           </a:p>
           <a:p>
             <a:pPr algn="just" eaLnBrk="1" hangingPunct="1">
@@ -14281,9 +13088,57 @@
               <a:buNone/>
             </a:pPr>
             <a:r>
+              <a:rPr lang="en-GB" altLang="en-US" sz="1400" dirty="0" smtClean="0"/>
+              <a:t>Receiving </a:t>
+            </a:r>
+            <a:r>
               <a:rPr lang="en-GB" altLang="en-US" sz="1400" dirty="0"/>
-              <a:t>Sending triggers to EEG, Electric Shock Box</a:t>
-            </a:r>
+              <a:t>triggers from </a:t>
+            </a:r>
+            <a:r>
+              <a:rPr lang="en-GB" altLang="en-US" sz="1400" dirty="0" smtClean="0"/>
+              <a:t>an eye tracker</a:t>
+            </a:r>
+            <a:r>
+              <a:rPr lang="en-GB" altLang="en-US" sz="1400" dirty="0"/>
+              <a:t>, MRI </a:t>
+            </a:r>
+            <a:r>
+              <a:rPr lang="en-GB" altLang="en-US" sz="1400" dirty="0" smtClean="0"/>
+              <a:t>scanner etc.</a:t>
+            </a:r>
+            <a:endParaRPr lang="en-GB" altLang="en-US" sz="1400" dirty="0"/>
+          </a:p>
+          <a:p>
+            <a:pPr algn="just" eaLnBrk="1" hangingPunct="1">
+              <a:buFontTx/>
+              <a:buNone/>
+            </a:pPr>
+            <a:r>
+              <a:rPr lang="en-GB" altLang="en-US" sz="1400" dirty="0"/>
+              <a:t>Sending triggers to </a:t>
+            </a:r>
+            <a:r>
+              <a:rPr lang="en-GB" altLang="en-US" sz="1400" dirty="0" smtClean="0"/>
+              <a:t>EEG syste</a:t>
+            </a:r>
+            <a:r>
+              <a:rPr lang="en-GB" altLang="en-US" sz="1400" dirty="0"/>
+              <a:t>m</a:t>
+            </a:r>
+            <a:r>
+              <a:rPr lang="en-GB" altLang="en-US" sz="1400" dirty="0" smtClean="0"/>
+              <a:t>, electric shock </a:t>
+            </a:r>
+            <a:r>
+              <a:rPr lang="en-GB" altLang="en-US" sz="1400" dirty="0" smtClean="0"/>
+              <a:t>b</a:t>
+            </a:r>
+            <a:r>
+              <a:rPr lang="en-GB" altLang="en-US" sz="1400" dirty="0" smtClean="0"/>
+              <a:t>ox etc.</a:t>
+            </a:r>
+            <a:endParaRPr lang="en-GB" altLang="en-US" sz="1400" dirty="0"/>
           </a:p>
           <a:p>
             <a:pPr algn="just" eaLnBrk="1" hangingPunct="1">
@@ -14299,7 +13154,23 @@
             </a:pPr>
             <a:r>
               <a:rPr lang="en-GB" altLang="en-US" sz="1400" dirty="0"/>
-              <a:t>You can do this by opening a communication with the external devices via serial or parallel port</a:t>
+              <a:t>You can do this by opening </a:t>
+            </a:r>
+            <a:r>
+              <a:rPr lang="en-GB" altLang="en-US" sz="1400" dirty="0" smtClean="0"/>
+              <a:t>communication </a:t>
+            </a:r>
+            <a:r>
+              <a:rPr lang="en-GB" altLang="en-US" sz="1400" dirty="0"/>
+              <a:t>with the external devices via </a:t>
+            </a:r>
+            <a:r>
+              <a:rPr lang="en-GB" altLang="en-US" sz="1400" dirty="0" smtClean="0"/>
+              <a:t>a serial </a:t>
+            </a:r>
+            <a:r>
+              <a:rPr lang="en-GB" altLang="en-US" sz="1400" dirty="0"/>
+              <a:t>or parallel port</a:t>
             </a:r>
           </a:p>
           <a:p>
@@ -14324,7 +13195,23 @@
             </a:r>
             <a:r>
               <a:rPr lang="en-GB" altLang="en-US" sz="1400" dirty="0"/>
-              <a:t> can be used to handle the communication</a:t>
+              <a:t> </a:t>
+            </a:r>
+            <a:r>
+              <a:rPr lang="en-GB" altLang="en-US" sz="1400" dirty="0" smtClean="0"/>
+              <a:t>is used </a:t>
+            </a:r>
+            <a:r>
+              <a:rPr lang="en-GB" altLang="en-US" sz="1400" dirty="0"/>
+              <a:t>to handle </a:t>
+            </a:r>
+            <a:r>
+              <a:rPr lang="en-GB" altLang="en-US" sz="1400" dirty="0" smtClean="0"/>
+              <a:t>this </a:t>
+            </a:r>
+            <a:r>
+              <a:rPr lang="en-GB" altLang="en-US" sz="1400" dirty="0"/>
+              <a:t>communication</a:t>
             </a:r>
           </a:p>
           <a:p>
@@ -14426,7 +13313,7 @@
           <a:p>
             <a:pPr algn="just"/>
             <a:r>
-              <a:rPr lang="en-GB" sz="1400" b="0" i="0" dirty="0">
+              <a:rPr lang="en-GB" sz="1400" b="0" i="0" dirty="0" smtClean="0">
                 <a:effectLst/>
                 <a:latin typeface="Menlo"/>
               </a:rPr>
@@ -14458,7 +13345,27 @@
                 <a:effectLst/>
                 <a:latin typeface="Menlo"/>
               </a:rPr>
-              <a:t>] = </a:t>
+              <a:t>] </a:t>
+            </a:r>
+            <a:endParaRPr lang="en-GB" sz="1400" b="0" i="0" dirty="0" smtClean="0">
+              <a:effectLst/>
+              <a:latin typeface="Menlo"/>
+            </a:endParaRPr>
+          </a:p>
+          <a:p>
+            <a:pPr algn="just"/>
+            <a:r>
+              <a:rPr lang="en-GB" sz="1400" dirty="0">
+                <a:latin typeface="Menlo"/>
+              </a:rPr>
+              <a:t>	</a:t>
+            </a:r>
+            <a:r>
+              <a:rPr lang="en-GB" sz="1400" b="0" i="0" dirty="0" smtClean="0">
+                <a:effectLst/>
+                <a:latin typeface="Menlo"/>
+              </a:rPr>
+              <a:t>= </a:t>
             </a:r>
             <a:r>
               <a:rPr lang="en-GB" sz="1400" b="0" i="0" dirty="0" err="1">
@@ -14555,7 +13462,27 @@
                 <a:effectLst/>
                 <a:latin typeface="Menlo"/>
               </a:rPr>
-              <a:t>] = </a:t>
+              <a:t>] </a:t>
+            </a:r>
+            <a:endParaRPr lang="en-GB" sz="1400" b="0" i="0" dirty="0" smtClean="0">
+              <a:effectLst/>
+              <a:latin typeface="Menlo"/>
+            </a:endParaRPr>
+          </a:p>
+          <a:p>
+            <a:pPr algn="just"/>
+            <a:r>
+              <a:rPr lang="en-GB" sz="1400" dirty="0">
+                <a:latin typeface="Menlo"/>
+              </a:rPr>
+              <a:t>	</a:t>
+            </a:r>
+            <a:r>
+              <a:rPr lang="en-GB" sz="1400" b="0" i="0" dirty="0" smtClean="0">
+                <a:effectLst/>
+                <a:latin typeface="Menlo"/>
+              </a:rPr>
+              <a:t>= </a:t>
             </a:r>
             <a:r>
               <a:rPr lang="en-GB" sz="1400" b="0" i="0" dirty="0" err="1">
@@ -14659,126 +13586,406 @@
           </a:p>
         </p:txBody>
       </p:sp>
-      <p:pic>
-        <p:nvPicPr>
-          <p:cNvPr id="15" name="Content Placeholder 3">
+      <p:grpSp>
+        <p:nvGrpSpPr>
+          <p:cNvPr id="17" name="Group 16"/>
+          <p:cNvGrpSpPr/>
+          <p:nvPr/>
+        </p:nvGrpSpPr>
+        <p:grpSpPr>
+          <a:xfrm>
+            <a:off x="6715257" y="845389"/>
+            <a:ext cx="4711357" cy="874112"/>
+            <a:chOff x="6488681" y="845389"/>
+            <a:chExt cx="4711357" cy="874112"/>
+          </a:xfrm>
+        </p:grpSpPr>
+        <p:grpSp>
+          <p:nvGrpSpPr>
+            <p:cNvPr id="23" name="Group 22">
+              <a:extLst>
+                <a:ext uri="{FF2B5EF4-FFF2-40B4-BE49-F238E27FC236}">
+                  <a16:creationId xmlns:a16="http://schemas.microsoft.com/office/drawing/2014/main" id="{E702B19E-DC45-4FD0-93CE-5B9A2E6835A4}"/>
+                </a:ext>
+              </a:extLst>
+            </p:cNvPr>
+            <p:cNvGrpSpPr/>
+            <p:nvPr/>
+          </p:nvGrpSpPr>
+          <p:grpSpPr>
+            <a:xfrm>
+              <a:off x="9033022" y="845389"/>
+              <a:ext cx="2167016" cy="874112"/>
+              <a:chOff x="8367304" y="5326457"/>
+              <a:chExt cx="3386783" cy="1591189"/>
+            </a:xfrm>
+          </p:grpSpPr>
+          <p:pic>
+            <p:nvPicPr>
+              <p:cNvPr id="19" name="Picture 18">
+                <a:extLst>
+                  <a:ext uri="{FF2B5EF4-FFF2-40B4-BE49-F238E27FC236}">
+                    <a16:creationId xmlns:a16="http://schemas.microsoft.com/office/drawing/2014/main" id="{E9931121-CF6E-43C8-B613-1B68D2BF0C76}"/>
+                  </a:ext>
+                </a:extLst>
+              </p:cNvPr>
+              <p:cNvPicPr>
+                <a:picLocks noChangeAspect="1"/>
+              </p:cNvPicPr>
+              <p:nvPr/>
+            </p:nvPicPr>
+            <p:blipFill>
+              <a:blip r:embed="rId2">
+                <a:extLst>
+                  <a:ext uri="{28A0092B-C50C-407E-A947-70E740481C1C}">
+                    <a14:useLocalDpi xmlns:a14="http://schemas.microsoft.com/office/drawing/2010/main" val="0"/>
+                  </a:ext>
+                </a:extLst>
+              </a:blip>
+              <a:stretch>
+                <a:fillRect/>
+              </a:stretch>
+            </p:blipFill>
+            <p:spPr>
+              <a:xfrm rot="6536865">
+                <a:off x="10341022" y="5592620"/>
+                <a:ext cx="1591189" cy="1058864"/>
+              </a:xfrm>
+              <a:prstGeom prst="rect">
+                <a:avLst/>
+              </a:prstGeom>
+            </p:spPr>
+          </p:pic>
+          <p:pic>
+            <p:nvPicPr>
+              <p:cNvPr id="20" name="Picture 19">
+                <a:extLst>
+                  <a:ext uri="{FF2B5EF4-FFF2-40B4-BE49-F238E27FC236}">
+                    <a16:creationId xmlns:a16="http://schemas.microsoft.com/office/drawing/2014/main" id="{4CFDB8E3-9BDA-4256-8BDE-A4742784BE75}"/>
+                  </a:ext>
+                </a:extLst>
+              </p:cNvPr>
+              <p:cNvPicPr>
+                <a:picLocks noChangeAspect="1"/>
+              </p:cNvPicPr>
+              <p:nvPr/>
+            </p:nvPicPr>
+            <p:blipFill>
+              <a:blip r:embed="rId3">
+                <a:extLst>
+                  <a:ext uri="{28A0092B-C50C-407E-A947-70E740481C1C}">
+                    <a14:useLocalDpi xmlns:a14="http://schemas.microsoft.com/office/drawing/2010/main" val="0"/>
+                  </a:ext>
+                </a:extLst>
+              </a:blip>
+              <a:stretch>
+                <a:fillRect/>
+              </a:stretch>
+            </p:blipFill>
+            <p:spPr>
+              <a:xfrm>
+                <a:off x="8367304" y="5412313"/>
+                <a:ext cx="1336108" cy="1336108"/>
+              </a:xfrm>
+              <a:prstGeom prst="rect">
+                <a:avLst/>
+              </a:prstGeom>
+            </p:spPr>
+          </p:pic>
+          <p:sp>
+            <p:nvSpPr>
+              <p:cNvPr id="21" name="Freeform 6">
+                <a:extLst>
+                  <a:ext uri="{FF2B5EF4-FFF2-40B4-BE49-F238E27FC236}">
+                    <a16:creationId xmlns:a16="http://schemas.microsoft.com/office/drawing/2014/main" id="{19E13695-8724-492F-9C7C-7517531D368C}"/>
+                  </a:ext>
+                </a:extLst>
+              </p:cNvPr>
+              <p:cNvSpPr/>
+              <p:nvPr/>
+            </p:nvSpPr>
+            <p:spPr>
+              <a:xfrm>
+                <a:off x="9476024" y="5780224"/>
+                <a:ext cx="1698171" cy="494275"/>
+              </a:xfrm>
+              <a:custGeom>
+                <a:avLst/>
+                <a:gdLst>
+                  <a:gd name="connsiteX0" fmla="*/ 0 w 1698171"/>
+                  <a:gd name="connsiteY0" fmla="*/ 111793 h 494275"/>
+                  <a:gd name="connsiteX1" fmla="*/ 221064 w 1698171"/>
+                  <a:gd name="connsiteY1" fmla="*/ 51503 h 494275"/>
+                  <a:gd name="connsiteX2" fmla="*/ 321547 w 1698171"/>
+                  <a:gd name="connsiteY2" fmla="*/ 342905 h 494275"/>
+                  <a:gd name="connsiteX3" fmla="*/ 803868 w 1698171"/>
+                  <a:gd name="connsiteY3" fmla="*/ 1261 h 494275"/>
+                  <a:gd name="connsiteX4" fmla="*/ 934497 w 1698171"/>
+                  <a:gd name="connsiteY4" fmla="*/ 493630 h 494275"/>
+                  <a:gd name="connsiteX5" fmla="*/ 1396721 w 1698171"/>
+                  <a:gd name="connsiteY5" fmla="*/ 111793 h 494275"/>
+                  <a:gd name="connsiteX6" fmla="*/ 1698171 w 1698171"/>
+                  <a:gd name="connsiteY6" fmla="*/ 383098 h 494275"/>
+                </a:gdLst>
+                <a:ahLst/>
+                <a:cxnLst>
+                  <a:cxn ang="0">
+                    <a:pos x="connsiteX0" y="connsiteY0"/>
+                  </a:cxn>
+                  <a:cxn ang="0">
+                    <a:pos x="connsiteX1" y="connsiteY1"/>
+                  </a:cxn>
+                  <a:cxn ang="0">
+                    <a:pos x="connsiteX2" y="connsiteY2"/>
+                  </a:cxn>
+                  <a:cxn ang="0">
+                    <a:pos x="connsiteX3" y="connsiteY3"/>
+                  </a:cxn>
+                  <a:cxn ang="0">
+                    <a:pos x="connsiteX4" y="connsiteY4"/>
+                  </a:cxn>
+                  <a:cxn ang="0">
+                    <a:pos x="connsiteX5" y="connsiteY5"/>
+                  </a:cxn>
+                  <a:cxn ang="0">
+                    <a:pos x="connsiteX6" y="connsiteY6"/>
+                  </a:cxn>
+                </a:cxnLst>
+                <a:rect l="l" t="t" r="r" b="b"/>
+                <a:pathLst>
+                  <a:path w="1698171" h="494275">
+                    <a:moveTo>
+                      <a:pt x="0" y="111793"/>
+                    </a:moveTo>
+                    <a:cubicBezTo>
+                      <a:pt x="83736" y="62388"/>
+                      <a:pt x="167473" y="12984"/>
+                      <a:pt x="221064" y="51503"/>
+                    </a:cubicBezTo>
+                    <a:cubicBezTo>
+                      <a:pt x="274655" y="90022"/>
+                      <a:pt x="224413" y="351279"/>
+                      <a:pt x="321547" y="342905"/>
+                    </a:cubicBezTo>
+                    <a:cubicBezTo>
+                      <a:pt x="418681" y="334531"/>
+                      <a:pt x="701710" y="-23860"/>
+                      <a:pt x="803868" y="1261"/>
+                    </a:cubicBezTo>
+                    <a:cubicBezTo>
+                      <a:pt x="906026" y="26382"/>
+                      <a:pt x="835688" y="475208"/>
+                      <a:pt x="934497" y="493630"/>
+                    </a:cubicBezTo>
+                    <a:cubicBezTo>
+                      <a:pt x="1033306" y="512052"/>
+                      <a:pt x="1269442" y="130215"/>
+                      <a:pt x="1396721" y="111793"/>
+                    </a:cubicBezTo>
+                    <a:cubicBezTo>
+                      <a:pt x="1524000" y="93371"/>
+                      <a:pt x="1611085" y="238234"/>
+                      <a:pt x="1698171" y="383098"/>
+                    </a:cubicBezTo>
+                  </a:path>
+                </a:pathLst>
+              </a:custGeom>
+              <a:noFill/>
+            </p:spPr>
+            <p:style>
+              <a:lnRef idx="2">
+                <a:schemeClr val="accent1">
+                  <a:shade val="50000"/>
+                </a:schemeClr>
+              </a:lnRef>
+              <a:fillRef idx="1">
+                <a:schemeClr val="accent1"/>
+              </a:fillRef>
+              <a:effectRef idx="0">
+                <a:schemeClr val="accent1"/>
+              </a:effectRef>
+              <a:fontRef idx="minor">
+                <a:schemeClr val="lt1"/>
+              </a:fontRef>
+            </p:style>
+            <p:txBody>
+              <a:bodyPr rtlCol="0" anchor="ctr"/>
+              <a:lstStyle/>
+              <a:p>
+                <a:pPr algn="ctr"/>
+                <a:endParaRPr lang="en-GB"/>
+              </a:p>
+            </p:txBody>
+          </p:sp>
+          <p:pic>
+            <p:nvPicPr>
+              <p:cNvPr id="22" name="Picture 2" descr="C:\Users\rlawson\AppData\Local\Microsoft\Windows\Temporary Internet Files\Content.IE5\TZOUUN1B\MC900441735[1].png">
+                <a:extLst>
+                  <a:ext uri="{FF2B5EF4-FFF2-40B4-BE49-F238E27FC236}">
+                    <a16:creationId xmlns:a16="http://schemas.microsoft.com/office/drawing/2014/main" id="{2AC1CD32-87E9-4D04-B1F3-2E8747EA87C0}"/>
+                  </a:ext>
+                </a:extLst>
+              </p:cNvPr>
+              <p:cNvPicPr>
+                <a:picLocks noChangeAspect="1" noChangeArrowheads="1"/>
+              </p:cNvPicPr>
+              <p:nvPr/>
+            </p:nvPicPr>
+            <p:blipFill>
+              <a:blip r:embed="rId4" cstate="hqprint">
+                <a:extLst>
+                  <a:ext uri="{28A0092B-C50C-407E-A947-70E740481C1C}">
+                    <a14:useLocalDpi xmlns:a14="http://schemas.microsoft.com/office/drawing/2010/main" val="0"/>
+                  </a:ext>
+                </a:extLst>
+              </a:blip>
+              <a:srcRect/>
+              <a:stretch>
+                <a:fillRect/>
+              </a:stretch>
+            </p:blipFill>
+            <p:spPr bwMode="auto">
+              <a:xfrm>
+                <a:off x="11174575" y="5618764"/>
+                <a:ext cx="579512" cy="579512"/>
+              </a:xfrm>
+              <a:prstGeom prst="rect">
+                <a:avLst/>
+              </a:prstGeom>
+              <a:noFill/>
+              <a:extLst>
+                <a:ext uri="{909E8E84-426E-40DD-AFC4-6F175D3DCCD1}">
+                  <a14:hiddenFill xmlns:a14="http://schemas.microsoft.com/office/drawing/2010/main">
+                    <a:solidFill>
+                      <a:srgbClr val="FFFFFF"/>
+                    </a:solidFill>
+                  </a14:hiddenFill>
+                </a:ext>
+              </a:extLst>
+            </p:spPr>
+          </p:pic>
+        </p:grpSp>
+        <p:pic>
+          <p:nvPicPr>
+            <p:cNvPr id="15" name="Content Placeholder 3">
+              <a:extLst>
+                <a:ext uri="{FF2B5EF4-FFF2-40B4-BE49-F238E27FC236}">
+                  <a16:creationId xmlns:a16="http://schemas.microsoft.com/office/drawing/2014/main" id="{DD21BE64-942C-4671-B240-A0C5F6D12BAC}"/>
+                </a:ext>
+              </a:extLst>
+            </p:cNvPr>
+            <p:cNvPicPr>
+              <a:picLocks noChangeAspect="1" noChangeArrowheads="1"/>
+            </p:cNvPicPr>
+            <p:nvPr/>
+          </p:nvPicPr>
+          <p:blipFill>
+            <a:blip r:embed="rId5" cstate="hqprint">
+              <a:extLst>
+                <a:ext uri="{28A0092B-C50C-407E-A947-70E740481C1C}">
+                  <a14:useLocalDpi xmlns:a14="http://schemas.microsoft.com/office/drawing/2010/main" val="0"/>
+                </a:ext>
+              </a:extLst>
+            </a:blip>
+            <a:srcRect/>
+            <a:stretch>
+              <a:fillRect/>
+            </a:stretch>
+          </p:blipFill>
+          <p:spPr bwMode="auto">
+            <a:xfrm>
+              <a:off x="6488681" y="909822"/>
+              <a:ext cx="1027643" cy="771448"/>
+            </a:xfrm>
+            <a:prstGeom prst="rect">
+              <a:avLst/>
+            </a:prstGeom>
+            <a:noFill/>
+            <a:ln>
+              <a:noFill/>
+            </a:ln>
             <a:extLst>
-              <a:ext uri="{FF2B5EF4-FFF2-40B4-BE49-F238E27FC236}">
-                <a16:creationId xmlns:a16="http://schemas.microsoft.com/office/drawing/2014/main" id="{DD21BE64-942C-4671-B240-A0C5F6D12BAC}"/>
+              <a:ext uri="{909E8E84-426E-40DD-AFC4-6F175D3DCCD1}">
+                <a14:hiddenFill xmlns:a14="http://schemas.microsoft.com/office/drawing/2010/main">
+                  <a:solidFill>
+                    <a:srgbClr val="FFFFFF"/>
+                  </a:solidFill>
+                </a14:hiddenFill>
+              </a:ext>
+              <a:ext uri="{91240B29-F687-4F45-9708-019B960494DF}">
+                <a14:hiddenLine xmlns:a14="http://schemas.microsoft.com/office/drawing/2010/main" w="9525">
+                  <a:solidFill>
+                    <a:srgbClr val="000000"/>
+                  </a:solidFill>
+                  <a:round/>
+                  <a:headEnd/>
+                  <a:tailEnd/>
+                </a14:hiddenLine>
               </a:ext>
             </a:extLst>
-          </p:cNvPr>
-          <p:cNvPicPr>
-            <a:picLocks noChangeAspect="1" noChangeArrowheads="1"/>
-          </p:cNvPicPr>
-          <p:nvPr/>
-        </p:nvPicPr>
-        <p:blipFill>
-          <a:blip r:embed="rId5">
+          </p:spPr>
+        </p:pic>
+        <p:pic>
+          <p:nvPicPr>
+            <p:cNvPr id="16" name="Picture 15">
+              <a:extLst>
+                <a:ext uri="{FF2B5EF4-FFF2-40B4-BE49-F238E27FC236}">
+                  <a16:creationId xmlns:a16="http://schemas.microsoft.com/office/drawing/2014/main" id="{F28D5FB1-54F9-40B5-8E19-93DC5BA2604D}"/>
+                </a:ext>
+              </a:extLst>
+            </p:cNvPr>
+            <p:cNvPicPr>
+              <a:picLocks noChangeAspect="1" noChangeArrowheads="1"/>
+            </p:cNvPicPr>
+            <p:nvPr/>
+          </p:nvPicPr>
+          <p:blipFill>
+            <a:blip r:embed="rId6" cstate="hqprint">
+              <a:extLst>
+                <a:ext uri="{28A0092B-C50C-407E-A947-70E740481C1C}">
+                  <a14:useLocalDpi xmlns:a14="http://schemas.microsoft.com/office/drawing/2010/main" val="0"/>
+                </a:ext>
+              </a:extLst>
+            </a:blip>
+            <a:srcRect/>
+            <a:stretch>
+              <a:fillRect/>
+            </a:stretch>
+          </p:blipFill>
+          <p:spPr bwMode="auto">
+            <a:xfrm>
+              <a:off x="7669041" y="926892"/>
+              <a:ext cx="1028597" cy="771448"/>
+            </a:xfrm>
+            <a:prstGeom prst="rect">
+              <a:avLst/>
+            </a:prstGeom>
+            <a:noFill/>
+            <a:ln>
+              <a:noFill/>
+            </a:ln>
             <a:extLst>
-              <a:ext uri="{28A0092B-C50C-407E-A947-70E740481C1C}">
-                <a14:useLocalDpi xmlns:a14="http://schemas.microsoft.com/office/drawing/2010/main" val="0"/>
+              <a:ext uri="{909E8E84-426E-40DD-AFC4-6F175D3DCCD1}">
+                <a14:hiddenFill xmlns:a14="http://schemas.microsoft.com/office/drawing/2010/main">
+                  <a:solidFill>
+                    <a:srgbClr val="FFFFFF"/>
+                  </a:solidFill>
+                </a14:hiddenFill>
+              </a:ext>
+              <a:ext uri="{91240B29-F687-4F45-9708-019B960494DF}">
+                <a14:hiddenLine xmlns:a14="http://schemas.microsoft.com/office/drawing/2010/main" w="9525">
+                  <a:solidFill>
+                    <a:srgbClr val="000000"/>
+                  </a:solidFill>
+                  <a:round/>
+                  <a:headEnd/>
+                  <a:tailEnd/>
+                </a14:hiddenLine>
               </a:ext>
             </a:extLst>
-          </a:blip>
-          <a:srcRect/>
-          <a:stretch>
-            <a:fillRect/>
-          </a:stretch>
-        </p:blipFill>
-        <p:spPr bwMode="auto">
-          <a:xfrm>
-            <a:off x="6488681" y="909822"/>
-            <a:ext cx="1027643" cy="771448"/>
-          </a:xfrm>
-          <a:prstGeom prst="rect">
-            <a:avLst/>
-          </a:prstGeom>
-          <a:noFill/>
-          <a:ln>
-            <a:noFill/>
-          </a:ln>
-          <a:extLst>
-            <a:ext uri="{909E8E84-426E-40DD-AFC4-6F175D3DCCD1}">
-              <a14:hiddenFill xmlns:a14="http://schemas.microsoft.com/office/drawing/2010/main">
-                <a:solidFill>
-                  <a:srgbClr val="FFFFFF"/>
-                </a:solidFill>
-              </a14:hiddenFill>
-            </a:ext>
-            <a:ext uri="{91240B29-F687-4F45-9708-019B960494DF}">
-              <a14:hiddenLine xmlns:a14="http://schemas.microsoft.com/office/drawing/2010/main" w="9525">
-                <a:solidFill>
-                  <a:srgbClr val="000000"/>
-                </a:solidFill>
-                <a:round/>
-                <a:headEnd/>
-                <a:tailEnd/>
-              </a14:hiddenLine>
-            </a:ext>
-          </a:extLst>
-        </p:spPr>
-      </p:pic>
-      <p:pic>
-        <p:nvPicPr>
-          <p:cNvPr id="16" name="Picture 15">
-            <a:extLst>
-              <a:ext uri="{FF2B5EF4-FFF2-40B4-BE49-F238E27FC236}">
-                <a16:creationId xmlns:a16="http://schemas.microsoft.com/office/drawing/2014/main" id="{F28D5FB1-54F9-40B5-8E19-93DC5BA2604D}"/>
-              </a:ext>
-            </a:extLst>
-          </p:cNvPr>
-          <p:cNvPicPr>
-            <a:picLocks noChangeAspect="1" noChangeArrowheads="1"/>
-          </p:cNvPicPr>
-          <p:nvPr/>
-        </p:nvPicPr>
-        <p:blipFill>
-          <a:blip r:embed="rId6">
-            <a:extLst>
-              <a:ext uri="{28A0092B-C50C-407E-A947-70E740481C1C}">
-                <a14:useLocalDpi xmlns:a14="http://schemas.microsoft.com/office/drawing/2010/main" val="0"/>
-              </a:ext>
-            </a:extLst>
-          </a:blip>
-          <a:srcRect/>
-          <a:stretch>
-            <a:fillRect/>
-          </a:stretch>
-        </p:blipFill>
-        <p:spPr bwMode="auto">
-          <a:xfrm>
-            <a:off x="7669041" y="926892"/>
-            <a:ext cx="1028597" cy="771448"/>
-          </a:xfrm>
-          <a:prstGeom prst="rect">
-            <a:avLst/>
-          </a:prstGeom>
-          <a:noFill/>
-          <a:ln>
-            <a:noFill/>
-          </a:ln>
-          <a:extLst>
-            <a:ext uri="{909E8E84-426E-40DD-AFC4-6F175D3DCCD1}">
-              <a14:hiddenFill xmlns:a14="http://schemas.microsoft.com/office/drawing/2010/main">
-                <a:solidFill>
-                  <a:srgbClr val="FFFFFF"/>
-                </a:solidFill>
-              </a14:hiddenFill>
-            </a:ext>
-            <a:ext uri="{91240B29-F687-4F45-9708-019B960494DF}">
-              <a14:hiddenLine xmlns:a14="http://schemas.microsoft.com/office/drawing/2010/main" w="9525">
-                <a:solidFill>
-                  <a:srgbClr val="000000"/>
-                </a:solidFill>
-                <a:round/>
-                <a:headEnd/>
-                <a:tailEnd/>
-              </a14:hiddenLine>
-            </a:ext>
-          </a:extLst>
-        </p:spPr>
-      </p:pic>
+          </p:spPr>
+        </p:pic>
+      </p:grpSp>
       <p:pic>
         <p:nvPicPr>
           <p:cNvPr id="24" name="Graphic 23" descr="Workflow with solid fill">
@@ -14794,13 +14001,13 @@
           <p:nvPr/>
         </p:nvPicPr>
         <p:blipFill>
-          <a:blip r:embed="rId7">
+          <a:blip r:embed="rId7" cstate="hqprint">
             <a:extLst>
               <a:ext uri="{28A0092B-C50C-407E-A947-70E740481C1C}">
                 <a14:useLocalDpi xmlns:a14="http://schemas.microsoft.com/office/drawing/2010/main" val="0"/>
               </a:ext>
               <a:ext uri="{96DAC541-7B7A-43D3-8B79-37D633B846F1}">
-                <asvg:svgBlip xmlns:asvg="http://schemas.microsoft.com/office/drawing/2016/SVG/main" r:embed="rId8"/>
+                <asvg:svgBlip xmlns:asvg="http://schemas.microsoft.com/office/drawing/2016/SVG/main" xmlns="" r:embed="rId8"/>
               </a:ext>
             </a:extLst>
           </a:blip>
@@ -14821,7 +14028,7 @@
     </p:spTree>
     <p:extLst>
       <p:ext uri="{BB962C8B-B14F-4D97-AF65-F5344CB8AC3E}">
-        <p14:creationId xmlns:p14="http://schemas.microsoft.com/office/powerpoint/2010/main" val="3402505057"/>
+        <p14:creationId xmlns:p14="http://schemas.microsoft.com/office/powerpoint/2010/main" val="3405773115"/>
       </p:ext>
     </p:extLst>
   </p:cSld>
@@ -15124,8 +14331,9 @@
                 </a:pPr>
                 <a:r>
                   <a:rPr lang="en-GB" sz="2400" dirty="0"/>
-                  <a:t>PTB opening </a:t>
+                  <a:t>Open PTB</a:t>
                 </a:r>
+                <a:endParaRPr lang="en-GB" sz="2400" dirty="0"/>
               </a:p>
             </p:txBody>
           </p:sp>
@@ -15321,8 +14529,9 @@
                 </a:pPr>
                 <a:r>
                   <a:rPr lang="en-GB" sz="2400" dirty="0"/>
-                  <a:t>PTB closing</a:t>
+                  <a:t>Close PTB</a:t>
                 </a:r>
+                <a:endParaRPr lang="en-GB" sz="2400" dirty="0"/>
               </a:p>
             </p:txBody>
           </p:sp>
@@ -15389,9 +14598,9 @@
               </a:pPr>
               <a:r>
                 <a:rPr lang="en-GB" dirty="0"/>
-                <a:t>PTB initialization + ext. devices</a:t>
+                <a:t>Initialize PTB + ext. devices</a:t>
               </a:r>
-              <a:endParaRPr lang="en-GB" sz="2400" dirty="0"/>
+              <a:endParaRPr lang="en-GB" sz="2800" dirty="0"/>
             </a:p>
           </p:txBody>
         </p:sp>
@@ -15563,8 +14772,8 @@
         </p:nvSpPr>
         <p:spPr>
           <a:xfrm>
-            <a:off x="6669328" y="1871412"/>
-            <a:ext cx="4732070" cy="4678204"/>
+            <a:off x="6669328" y="3101396"/>
+            <a:ext cx="4732070" cy="2031325"/>
           </a:xfrm>
           <a:prstGeom prst="rect">
             <a:avLst/>
@@ -15582,15 +14791,15 @@
                 <a:effectLst/>
                 <a:latin typeface="Menlo"/>
               </a:rPr>
-              <a:t>A recap on how to handle the PTB window</a:t>
-            </a:r>
-          </a:p>
-          <a:p>
-            <a:endParaRPr lang="en-GB" dirty="0">
-              <a:latin typeface="Menlo"/>
-            </a:endParaRPr>
-          </a:p>
-          <a:p>
+              <a:t>A recap on how to handle the PTB </a:t>
+            </a:r>
+            <a:r>
+              <a:rPr lang="en-GB" b="0" i="0" dirty="0" smtClean="0">
+                <a:effectLst/>
+                <a:latin typeface="Menlo"/>
+              </a:rPr>
+              <a:t>window:</a:t>
+            </a:r>
             <a:endParaRPr lang="en-GB" b="0" i="0" dirty="0">
               <a:effectLst/>
               <a:latin typeface="Menlo"/>
@@ -15603,11 +14812,18 @@
           </a:p>
           <a:p>
             <a:r>
+              <a:rPr lang="en-GB" b="0" i="0" dirty="0" smtClean="0">
+                <a:effectLst/>
+                <a:latin typeface="Menlo"/>
+              </a:rPr>
+              <a:t>[</a:t>
+            </a:r>
+            <a:r>
               <a:rPr lang="en-GB" b="0" i="0" dirty="0">
                 <a:effectLst/>
                 <a:latin typeface="Menlo"/>
               </a:rPr>
-              <a:t>[window, </a:t>
+              <a:t>window, </a:t>
             </a:r>
             <a:r>
               <a:rPr lang="en-GB" b="0" i="0" dirty="0" err="1">
@@ -15624,7 +14840,14 @@
               <a:t>] = </a:t>
             </a:r>
             <a:r>
-              <a:rPr lang="en-GB" b="0" i="0" dirty="0" err="1">
+              <a:rPr lang="en-GB" b="0" i="0" dirty="0" smtClean="0">
+                <a:effectLst/>
+                <a:latin typeface="Menlo"/>
+              </a:rPr>
+              <a:t>		</a:t>
+            </a:r>
+            <a:r>
+              <a:rPr lang="en-GB" b="0" i="0" dirty="0" err="1" smtClean="0">
                 <a:effectLst/>
                 <a:latin typeface="Menlo"/>
               </a:rPr>
@@ -15675,7 +14898,14 @@
               <a:t>, </a:t>
             </a:r>
             <a:r>
-              <a:rPr lang="en-GB" b="0" i="0" dirty="0" err="1">
+              <a:rPr lang="en-GB" b="0" i="0" dirty="0" smtClean="0">
+                <a:effectLst/>
+                <a:latin typeface="Menlo"/>
+              </a:rPr>
+              <a:t>	</a:t>
+            </a:r>
+            <a:r>
+              <a:rPr lang="en-GB" b="0" i="0" dirty="0" err="1" smtClean="0">
                 <a:effectLst/>
                 <a:latin typeface="Menlo"/>
               </a:rPr>
@@ -15746,36 +14976,6 @@
             </a:endParaRPr>
           </a:p>
           <a:p>
-            <a:endParaRPr lang="en-GB" dirty="0">
-              <a:latin typeface="Menlo"/>
-            </a:endParaRPr>
-          </a:p>
-          <a:p>
-            <a:endParaRPr lang="en-GB" dirty="0">
-              <a:latin typeface="Menlo"/>
-            </a:endParaRPr>
-          </a:p>
-          <a:p>
-            <a:endParaRPr lang="en-GB" dirty="0">
-              <a:latin typeface="Menlo"/>
-            </a:endParaRPr>
-          </a:p>
-          <a:p>
-            <a:endParaRPr lang="en-GB" dirty="0">
-              <a:latin typeface="Menlo"/>
-            </a:endParaRPr>
-          </a:p>
-          <a:p>
-            <a:endParaRPr lang="en-GB" dirty="0">
-              <a:latin typeface="Menlo"/>
-            </a:endParaRPr>
-          </a:p>
-          <a:p>
-            <a:endParaRPr lang="en-GB" dirty="0">
-              <a:latin typeface="Menlo"/>
-            </a:endParaRPr>
-          </a:p>
-          <a:p>
             <a:r>
               <a:rPr lang="en-GB" b="0" i="0" dirty="0" err="1">
                 <a:effectLst/>
@@ -15811,7 +15011,7 @@
               <a:t>CloseAll</a:t>
             </a:r>
             <a:r>
-              <a:rPr lang="en-GB" b="0" i="0" dirty="0">
+              <a:rPr lang="en-GB" b="0" i="0" dirty="0" smtClean="0">
                 <a:solidFill>
                   <a:srgbClr val="228B22"/>
                 </a:solidFill>
@@ -15824,20 +15024,6 @@
               <a:effectLst/>
               <a:latin typeface="Menlo"/>
             </a:endParaRPr>
-          </a:p>
-          <a:p>
-            <a:pPr eaLnBrk="1" hangingPunct="1">
-              <a:buFontTx/>
-              <a:buNone/>
-            </a:pPr>
-            <a:endParaRPr lang="en-GB" altLang="en-US" sz="1400" dirty="0"/>
-          </a:p>
-          <a:p>
-            <a:pPr eaLnBrk="1" hangingPunct="1">
-              <a:buFontTx/>
-              <a:buNone/>
-            </a:pPr>
-            <a:endParaRPr lang="en-GB" altLang="en-US" sz="1400" dirty="0"/>
           </a:p>
         </p:txBody>
       </p:sp>
@@ -15856,13 +15042,13 @@
           <p:nvPr/>
         </p:nvPicPr>
         <p:blipFill>
-          <a:blip r:embed="rId2">
+          <a:blip r:embed="rId2" cstate="hqprint">
             <a:extLst>
               <a:ext uri="{28A0092B-C50C-407E-A947-70E740481C1C}">
                 <a14:useLocalDpi xmlns:a14="http://schemas.microsoft.com/office/drawing/2010/main" val="0"/>
               </a:ext>
               <a:ext uri="{96DAC541-7B7A-43D3-8B79-37D633B846F1}">
-                <asvg:svgBlip xmlns:asvg="http://schemas.microsoft.com/office/drawing/2016/SVG/main" r:embed="rId3"/>
+                <asvg:svgBlip xmlns:asvg="http://schemas.microsoft.com/office/drawing/2016/SVG/main" xmlns="" r:embed="rId3"/>
               </a:ext>
             </a:extLst>
           </a:blip>
@@ -15883,20 +15069,20 @@
     </p:spTree>
     <p:extLst>
       <p:ext uri="{BB962C8B-B14F-4D97-AF65-F5344CB8AC3E}">
-        <p14:creationId xmlns:p14="http://schemas.microsoft.com/office/powerpoint/2010/main" val="1658413233"/>
+        <p14:creationId xmlns:p14="http://schemas.microsoft.com/office/powerpoint/2010/main" val="895912254"/>
       </p:ext>
     </p:extLst>
   </p:cSld>
   <p:clrMapOvr>
     <a:masterClrMapping/>
   </p:clrMapOvr>
-  <mc:AlternateContent xmlns:mc="http://schemas.openxmlformats.org/markup-compatibility/2006">
-    <mc:Choice xmlns:p14="http://schemas.microsoft.com/office/powerpoint/2010/main" Requires="p14">
+  <mc:AlternateContent xmlns:mc="http://schemas.openxmlformats.org/markup-compatibility/2006" xmlns:p14="http://schemas.microsoft.com/office/powerpoint/2010/main">
+    <mc:Choice Requires="p14">
       <p:transition spd="med" p14:dur="700">
         <p:fade/>
       </p:transition>
     </mc:Choice>
-    <mc:Fallback>
+    <mc:Fallback xmlns="">
       <p:transition spd="med">
         <p:fade/>
       </p:transition>
@@ -16186,8 +15372,9 @@
                 </a:pPr>
                 <a:r>
                   <a:rPr lang="en-GB" sz="2400" dirty="0"/>
-                  <a:t>PTB opening </a:t>
+                  <a:t>Open PTB</a:t>
                 </a:r>
+                <a:endParaRPr lang="en-GB" sz="2400" dirty="0"/>
               </a:p>
             </p:txBody>
           </p:sp>
@@ -16399,8 +15586,9 @@
                 </a:pPr>
                 <a:r>
                   <a:rPr lang="en-GB" sz="2400" dirty="0"/>
-                  <a:t>PTB closing</a:t>
+                  <a:t>Close PTB</a:t>
                 </a:r>
+                <a:endParaRPr lang="en-GB" sz="2400" dirty="0"/>
               </a:p>
             </p:txBody>
           </p:sp>
@@ -16467,9 +15655,9 @@
               </a:pPr>
               <a:r>
                 <a:rPr lang="en-GB" dirty="0"/>
-                <a:t>PTB initialization + ext. devices</a:t>
+                <a:t>Initialize PTB + ext. devices</a:t>
               </a:r>
-              <a:endParaRPr lang="en-GB" sz="2400" dirty="0"/>
+              <a:endParaRPr lang="en-GB" sz="2800" dirty="0"/>
             </a:p>
           </p:txBody>
         </p:sp>
@@ -16598,8 +15786,8 @@
         </p:nvSpPr>
         <p:spPr>
           <a:xfrm>
-            <a:off x="6669328" y="1871412"/>
-            <a:ext cx="4732070" cy="3323987"/>
+            <a:off x="6669328" y="2696796"/>
+            <a:ext cx="4732070" cy="2893100"/>
           </a:xfrm>
           <a:prstGeom prst="rect">
             <a:avLst/>
@@ -16618,7 +15806,55 @@
             </a:pPr>
             <a:r>
               <a:rPr lang="en-GB" altLang="en-US" sz="1400" dirty="0"/>
-              <a:t>Sometimes you may want to load the stimuli before starting the trial loop. This is for example if you have a large number of images and you would not like loading them affecting your experimental timings</a:t>
+              <a:t>Sometimes you may </a:t>
+            </a:r>
+            <a:r>
+              <a:rPr lang="en-GB" altLang="en-US" sz="1400" dirty="0" smtClean="0"/>
+              <a:t>wish </a:t>
+            </a:r>
+            <a:r>
+              <a:rPr lang="en-GB" altLang="en-US" sz="1400" dirty="0"/>
+              <a:t>to load </a:t>
+            </a:r>
+            <a:r>
+              <a:rPr lang="en-GB" altLang="en-US" sz="1400" dirty="0" smtClean="0"/>
+              <a:t>stimuli </a:t>
+            </a:r>
+            <a:r>
+              <a:rPr lang="en-GB" altLang="en-US" sz="1400" dirty="0"/>
+              <a:t>before starting the trial </a:t>
+            </a:r>
+            <a:r>
+              <a:rPr lang="en-GB" altLang="en-US" sz="1400" dirty="0" smtClean="0"/>
+              <a:t>loop - for example, </a:t>
+            </a:r>
+            <a:r>
+              <a:rPr lang="en-GB" altLang="en-US" sz="1400" dirty="0"/>
+              <a:t>if you have a large number of images and </a:t>
+            </a:r>
+            <a:r>
+              <a:rPr lang="en-GB" altLang="en-US" sz="1400" dirty="0" smtClean="0"/>
+              <a:t>loading </a:t>
+            </a:r>
+            <a:r>
+              <a:rPr lang="en-GB" altLang="en-US" sz="1400" dirty="0"/>
+              <a:t>them </a:t>
+            </a:r>
+            <a:r>
+              <a:rPr lang="en-GB" altLang="en-US" sz="1400" dirty="0" smtClean="0"/>
+              <a:t>on a trial by trial basis </a:t>
+            </a:r>
+            <a:r>
+              <a:rPr lang="en-GB" altLang="en-US" sz="1400" dirty="0" smtClean="0"/>
+              <a:t>might </a:t>
+            </a:r>
+            <a:r>
+              <a:rPr lang="en-GB" altLang="en-US" sz="1400" dirty="0" smtClean="0"/>
+              <a:t>affect </a:t>
+            </a:r>
+            <a:r>
+              <a:rPr lang="en-GB" altLang="en-US" sz="1400" dirty="0"/>
+              <a:t>your experimental timings</a:t>
             </a:r>
           </a:p>
           <a:p>
@@ -16635,7 +15871,31 @@
             </a:pPr>
             <a:r>
               <a:rPr lang="en-GB" altLang="en-US" sz="1400" dirty="0"/>
-              <a:t>That means loading the stimuli (images, audios) on the workspace, in some cases preparing the relative holders for PTB to use those stimuli (e.g. textures for the images)</a:t>
+              <a:t>That means loading </a:t>
+            </a:r>
+            <a:r>
+              <a:rPr lang="en-GB" altLang="en-US" sz="1400" dirty="0" smtClean="0"/>
+              <a:t>stimuli </a:t>
+            </a:r>
+            <a:r>
+              <a:rPr lang="en-GB" altLang="en-US" sz="1400" dirty="0"/>
+              <a:t>(images, </a:t>
+            </a:r>
+            <a:r>
+              <a:rPr lang="en-GB" altLang="en-US" sz="1400" dirty="0" smtClean="0"/>
+              <a:t>audio) into </a:t>
+            </a:r>
+            <a:r>
+              <a:rPr lang="en-GB" altLang="en-US" sz="1400" dirty="0"/>
+              <a:t>the workspace, in some cases preparing the </a:t>
+            </a:r>
+            <a:r>
+              <a:rPr lang="en-GB" altLang="en-US" sz="1400" dirty="0" smtClean="0"/>
+              <a:t>relevant buffers for </a:t>
+            </a:r>
+            <a:r>
+              <a:rPr lang="en-GB" altLang="en-US" sz="1400" dirty="0"/>
+              <a:t>PTB to use those stimuli (e.g. textures for the images)</a:t>
             </a:r>
           </a:p>
           <a:p>
@@ -16652,21 +15912,44 @@
             </a:pPr>
             <a:r>
               <a:rPr lang="en-GB" altLang="en-US" sz="1400" dirty="0"/>
-              <a:t>In some case your experiment will require to create new stimuli. You should do this at this stage and save them to your workspace for being accessed later on during the trial loop.</a:t>
-            </a:r>
-          </a:p>
-          <a:p>
-            <a:pPr algn="just" eaLnBrk="1" hangingPunct="1">
-              <a:buFontTx/>
-              <a:buNone/>
-            </a:pPr>
-            <a:endParaRPr lang="en-GB" altLang="en-US" sz="1400" dirty="0"/>
-          </a:p>
-          <a:p>
-            <a:pPr algn="just" eaLnBrk="1" hangingPunct="1">
-              <a:buFontTx/>
-              <a:buNone/>
-            </a:pPr>
+              <a:t>In some case your experiment will require </a:t>
+            </a:r>
+            <a:r>
+              <a:rPr lang="en-GB" altLang="en-US" sz="1400" dirty="0" smtClean="0"/>
+              <a:t>the creation of </a:t>
+            </a:r>
+            <a:r>
+              <a:rPr lang="en-GB" altLang="en-US" sz="1400" dirty="0"/>
+              <a:t>new stimuli. You should </a:t>
+            </a:r>
+            <a:r>
+              <a:rPr lang="en-GB" altLang="en-US" sz="1400" dirty="0" smtClean="0"/>
+              <a:t>also do </a:t>
+            </a:r>
+            <a:r>
+              <a:rPr lang="en-GB" altLang="en-US" sz="1400" dirty="0"/>
+              <a:t>this </a:t>
+            </a:r>
+            <a:r>
+              <a:rPr lang="en-GB" altLang="en-US" sz="1400" dirty="0" smtClean="0"/>
+              <a:t>before the trial loop begins and </a:t>
+            </a:r>
+            <a:r>
+              <a:rPr lang="en-GB" altLang="en-US" sz="1400" dirty="0"/>
+              <a:t>save them to your </a:t>
+            </a:r>
+            <a:r>
+              <a:rPr lang="en-GB" altLang="en-US" sz="1400" dirty="0" smtClean="0"/>
+              <a:t>workspace, to be accessed </a:t>
+            </a:r>
+            <a:r>
+              <a:rPr lang="en-GB" altLang="en-US" sz="1400" dirty="0"/>
+              <a:t>later on during the trial </a:t>
+            </a:r>
+            <a:r>
+              <a:rPr lang="en-GB" altLang="en-US" sz="1400" dirty="0" smtClean="0"/>
+              <a:t>loop</a:t>
+            </a:r>
             <a:endParaRPr lang="en-GB" altLang="en-US" sz="1400" dirty="0"/>
           </a:p>
         </p:txBody>
@@ -16686,13 +15969,13 @@
           <p:nvPr/>
         </p:nvPicPr>
         <p:blipFill>
-          <a:blip r:embed="rId2">
+          <a:blip r:embed="rId2" cstate="hqprint">
             <a:extLst>
               <a:ext uri="{28A0092B-C50C-407E-A947-70E740481C1C}">
                 <a14:useLocalDpi xmlns:a14="http://schemas.microsoft.com/office/drawing/2010/main" val="0"/>
               </a:ext>
               <a:ext uri="{96DAC541-7B7A-43D3-8B79-37D633B846F1}">
-                <asvg:svgBlip xmlns:asvg="http://schemas.microsoft.com/office/drawing/2016/SVG/main" r:embed="rId3"/>
+                <asvg:svgBlip xmlns:asvg="http://schemas.microsoft.com/office/drawing/2016/SVG/main" xmlns="" r:embed="rId3"/>
               </a:ext>
             </a:extLst>
           </a:blip>
@@ -16713,20 +15996,20 @@
     </p:spTree>
     <p:extLst>
       <p:ext uri="{BB962C8B-B14F-4D97-AF65-F5344CB8AC3E}">
-        <p14:creationId xmlns:p14="http://schemas.microsoft.com/office/powerpoint/2010/main" val="615399269"/>
+        <p14:creationId xmlns:p14="http://schemas.microsoft.com/office/powerpoint/2010/main" val="2300573594"/>
       </p:ext>
     </p:extLst>
   </p:cSld>
   <p:clrMapOvr>
     <a:masterClrMapping/>
   </p:clrMapOvr>
-  <mc:AlternateContent xmlns:mc="http://schemas.openxmlformats.org/markup-compatibility/2006">
-    <mc:Choice xmlns:p14="http://schemas.microsoft.com/office/powerpoint/2010/main" Requires="p14">
+  <mc:AlternateContent xmlns:mc="http://schemas.openxmlformats.org/markup-compatibility/2006" xmlns:p14="http://schemas.microsoft.com/office/powerpoint/2010/main">
+    <mc:Choice Requires="p14">
       <p:transition spd="med" p14:dur="700">
         <p:fade/>
       </p:transition>
     </mc:Choice>
-    <mc:Fallback>
+    <mc:Fallback xmlns="">
       <p:transition spd="med">
         <p:fade/>
       </p:transition>
@@ -17016,8 +16299,9 @@
                 </a:pPr>
                 <a:r>
                   <a:rPr lang="en-GB" sz="2400" dirty="0"/>
-                  <a:t>PTB opening </a:t>
+                  <a:t>Open PTB</a:t>
                 </a:r>
+                <a:endParaRPr lang="en-GB" sz="2400" dirty="0"/>
               </a:p>
             </p:txBody>
           </p:sp>
@@ -17247,8 +16531,9 @@
                 </a:pPr>
                 <a:r>
                   <a:rPr lang="en-GB" sz="2400" dirty="0"/>
-                  <a:t>PTB closing</a:t>
+                  <a:t>Close PTB</a:t>
                 </a:r>
+                <a:endParaRPr lang="en-GB" sz="2400" dirty="0"/>
               </a:p>
             </p:txBody>
           </p:sp>
@@ -17315,9 +16600,9 @@
               </a:pPr>
               <a:r>
                 <a:rPr lang="en-GB" dirty="0"/>
-                <a:t>PTB initialization + ext. devices</a:t>
+                <a:t>Initialize PTB + ext. devices</a:t>
               </a:r>
-              <a:endParaRPr lang="en-GB" sz="2400" dirty="0"/>
+              <a:endParaRPr lang="en-GB" sz="2800" dirty="0"/>
             </a:p>
           </p:txBody>
         </p:sp>
@@ -17446,8 +16731,8 @@
         </p:nvSpPr>
         <p:spPr>
           <a:xfrm>
-            <a:off x="6669328" y="1871412"/>
-            <a:ext cx="4732070" cy="4616648"/>
+            <a:off x="6669328" y="1887596"/>
+            <a:ext cx="4732070" cy="4439677"/>
           </a:xfrm>
           <a:prstGeom prst="rect">
             <a:avLst/>
@@ -17466,8 +16751,13 @@
             </a:pPr>
             <a:r>
               <a:rPr lang="en-GB" altLang="en-US" sz="1400" dirty="0"/>
-              <a:t>Creating a trial structure means identifying what a single trial will be.</a:t>
-            </a:r>
+              <a:t>Creating a trial structure means identifying what a single trial will </a:t>
+            </a:r>
+            <a:r>
+              <a:rPr lang="en-GB" altLang="en-US" sz="1400" dirty="0" smtClean="0"/>
+              <a:t>entail</a:t>
+            </a:r>
+            <a:endParaRPr lang="en-GB" altLang="en-US" sz="1400" dirty="0"/>
           </a:p>
           <a:p>
             <a:pPr algn="just" eaLnBrk="1" hangingPunct="1">
@@ -17497,7 +16787,23 @@
             </a:pPr>
             <a:r>
               <a:rPr lang="en-GB" altLang="en-US" sz="1400" dirty="0"/>
-              <a:t>Each of the single part of the trial can eventually be a separate function or script (e.g. a function ‘</a:t>
+              <a:t>Each </a:t>
+            </a:r>
+            <a:r>
+              <a:rPr lang="en-GB" altLang="en-US" sz="1400" dirty="0" smtClean="0"/>
+              <a:t>single </a:t>
+            </a:r>
+            <a:r>
+              <a:rPr lang="en-GB" altLang="en-US" sz="1400" dirty="0"/>
+              <a:t>part of the trial can eventually be a separate function or script (e.g. </a:t>
+            </a:r>
+            <a:r>
+              <a:rPr lang="en-GB" altLang="en-US" sz="1400" dirty="0" smtClean="0"/>
+              <a:t>a </a:t>
+            </a:r>
+            <a:r>
+              <a:rPr lang="en-GB" altLang="en-US" sz="1400" dirty="0"/>
+              <a:t>function ‘</a:t>
             </a:r>
             <a:r>
               <a:rPr lang="en-GB" altLang="en-US" sz="1400" dirty="0" err="1"/>
@@ -17505,7 +16811,11 @@
             </a:r>
             <a:r>
               <a:rPr lang="en-GB" altLang="en-US" sz="1400" dirty="0"/>
-              <a:t>()’). This helps code readability and helps in debugging simple problems when writing the code.</a:t>
+              <a:t>()’). This helps </a:t>
+            </a:r>
+            <a:r>
+              <a:rPr lang="en-GB" altLang="en-US" sz="1400" dirty="0" smtClean="0"/>
+              <a:t>your code be transparent and supports debugging </a:t>
             </a:r>
           </a:p>
           <a:p>
@@ -17513,10 +16823,7 @@
               <a:buFontTx/>
               <a:buNone/>
             </a:pPr>
-            <a:r>
-              <a:rPr lang="en-GB" altLang="en-US" sz="1400" dirty="0"/>
-              <a:t>After that we want to identify what is going to change between trials (e.g. changing the image). </a:t>
-            </a:r>
+            <a:endParaRPr lang="en-GB" altLang="en-US" sz="1000" dirty="0"/>
           </a:p>
           <a:p>
             <a:pPr algn="just" eaLnBrk="1" hangingPunct="1">
@@ -17524,9 +16831,74 @@
               <a:buNone/>
             </a:pPr>
             <a:r>
+              <a:rPr lang="en-GB" altLang="en-US" sz="1400" dirty="0" smtClean="0"/>
+              <a:t>Next, we need to </a:t>
+            </a:r>
+            <a:r>
               <a:rPr lang="en-GB" altLang="en-US" sz="1400" dirty="0"/>
-              <a:t>If we have defined our stimuli at the beginning of the script then we can loop through the images. It s important at this point however to randomise the way we access our stimuli.</a:t>
-            </a:r>
+              <a:t>identify what </a:t>
+            </a:r>
+            <a:r>
+              <a:rPr lang="en-GB" altLang="en-US" sz="1400" dirty="0" smtClean="0"/>
+              <a:t>will </a:t>
+            </a:r>
+            <a:r>
+              <a:rPr lang="en-GB" altLang="en-US" sz="1400" dirty="0"/>
+              <a:t>change between trials (e.g. </a:t>
+            </a:r>
+            <a:r>
+              <a:rPr lang="en-GB" altLang="en-US" sz="1400" dirty="0" smtClean="0"/>
+              <a:t>the image being presented )</a:t>
+            </a:r>
+            <a:endParaRPr lang="en-GB" altLang="en-US" sz="1400" dirty="0"/>
+          </a:p>
+          <a:p>
+            <a:pPr algn="just" eaLnBrk="1" hangingPunct="1">
+              <a:buFontTx/>
+              <a:buNone/>
+            </a:pPr>
+            <a:endParaRPr lang="en-GB" altLang="en-US" sz="1000" dirty="0" smtClean="0"/>
+          </a:p>
+          <a:p>
+            <a:pPr algn="just" eaLnBrk="1" hangingPunct="1">
+              <a:buFontTx/>
+              <a:buNone/>
+            </a:pPr>
+            <a:r>
+              <a:rPr lang="en-GB" altLang="en-US" sz="1400" dirty="0" smtClean="0"/>
+              <a:t>If </a:t>
+            </a:r>
+            <a:r>
+              <a:rPr lang="en-GB" altLang="en-US" sz="1400" dirty="0"/>
+              <a:t>we have defined our stimuli at the beginning of the script then we can loop through the images. </a:t>
+            </a:r>
+            <a:r>
+              <a:rPr lang="en-GB" altLang="en-US" sz="1400" dirty="0" smtClean="0"/>
+              <a:t>However, it may be </a:t>
+            </a:r>
+            <a:r>
+              <a:rPr lang="en-GB" altLang="en-US" sz="1400" dirty="0"/>
+              <a:t>important </a:t>
+            </a:r>
+            <a:r>
+              <a:rPr lang="en-GB" altLang="en-US" sz="1400" dirty="0" smtClean="0"/>
+              <a:t>to </a:t>
+            </a:r>
+            <a:r>
+              <a:rPr lang="en-GB" altLang="en-US" sz="1400" dirty="0"/>
+              <a:t>randomise the </a:t>
+            </a:r>
+            <a:r>
+              <a:rPr lang="en-GB" altLang="en-US" sz="1400" dirty="0" smtClean="0"/>
+              <a:t>order of stimuli:</a:t>
+            </a:r>
+          </a:p>
+          <a:p>
+            <a:pPr algn="just" eaLnBrk="1" hangingPunct="1">
+              <a:buFontTx/>
+              <a:buNone/>
+            </a:pPr>
+            <a:endParaRPr lang="en-GB" altLang="en-US" sz="1000" dirty="0"/>
           </a:p>
           <a:p>
             <a:pPr algn="just"/>
@@ -17542,22 +16914,47 @@
                 <a:effectLst/>
                 <a:latin typeface="Menlo"/>
               </a:rPr>
-              <a:t> = </a:t>
-            </a:r>
-            <a:r>
-              <a:rPr lang="en-GB" sz="1400" b="0" i="0" dirty="0" err="1">
+              <a:t> </a:t>
+            </a:r>
+            <a:r>
+              <a:rPr lang="en-GB" sz="1400" b="0" i="0" dirty="0" smtClean="0">
+                <a:effectLst/>
+                <a:latin typeface="Menlo"/>
+              </a:rPr>
+              <a:t>= </a:t>
+            </a:r>
+            <a:r>
+              <a:rPr lang="en-GB" sz="1400" b="0" i="0" dirty="0" err="1" smtClean="0">
                 <a:effectLst/>
                 <a:latin typeface="Menlo"/>
               </a:rPr>
               <a:t>repmat</a:t>
             </a:r>
             <a:r>
+              <a:rPr lang="en-GB" sz="1400" b="0" i="0" dirty="0" smtClean="0">
+                <a:effectLst/>
+                <a:latin typeface="Menlo"/>
+              </a:rPr>
+              <a:t>(1:size(numImages,2</a:t>
+            </a:r>
+            <a:r>
               <a:rPr lang="en-GB" sz="1400" b="0" i="0" dirty="0">
                 <a:effectLst/>
                 <a:latin typeface="Menlo"/>
               </a:rPr>
-              <a:t>(1:size(expInfo.images,2),1,expInfo.nPresentations);</a:t>
-            </a:r>
+              <a:t>),</a:t>
+            </a:r>
+            <a:r>
+              <a:rPr lang="en-GB" sz="1400" b="0" i="0" dirty="0" smtClean="0">
+                <a:effectLst/>
+                <a:latin typeface="Menlo"/>
+              </a:rPr>
+              <a:t>1,numPres);</a:t>
+            </a:r>
+            <a:endParaRPr lang="en-GB" sz="1400" b="0" i="0" dirty="0">
+              <a:effectLst/>
+              <a:latin typeface="Menlo"/>
+            </a:endParaRPr>
           </a:p>
           <a:p>
             <a:pPr algn="just"/>
@@ -17620,6 +17017,16 @@
           <a:p>
             <a:pPr algn="just"/>
             <a:r>
+              <a:rPr lang="en-GB" sz="1400" b="0" i="0" dirty="0" smtClean="0">
+                <a:solidFill>
+                  <a:srgbClr val="228B22"/>
+                </a:solidFill>
+                <a:effectLst/>
+                <a:latin typeface="Menlo"/>
+              </a:rPr>
+              <a:t>	% </a:t>
+            </a:r>
+            <a:r>
               <a:rPr lang="en-GB" sz="1400" b="0" i="0" dirty="0">
                 <a:solidFill>
                   <a:srgbClr val="228B22"/>
@@ -17627,7 +17034,7 @@
                 <a:effectLst/>
                 <a:latin typeface="Menlo"/>
               </a:rPr>
-              <a:t>% present single trial</a:t>
+              <a:t>present single trial</a:t>
             </a:r>
             <a:endParaRPr lang="en-GB" sz="1100" b="0" i="0" dirty="0">
               <a:effectLst/>
@@ -17664,7 +17071,7 @@
         </p:nvGrpSpPr>
         <p:grpSpPr>
           <a:xfrm>
-            <a:off x="7780888" y="2365310"/>
+            <a:off x="7780888" y="2413862"/>
             <a:ext cx="2510778" cy="516163"/>
             <a:chOff x="7253809" y="2671934"/>
             <a:chExt cx="3486001" cy="669922"/>
@@ -17979,7 +17386,7 @@
             <p:nvPr/>
           </p:nvPicPr>
           <p:blipFill>
-            <a:blip r:embed="rId2">
+            <a:blip r:embed="rId2" cstate="hqprint">
               <a:extLst>
                 <a:ext uri="{28A0092B-C50C-407E-A947-70E740481C1C}">
                   <a14:useLocalDpi xmlns:a14="http://schemas.microsoft.com/office/drawing/2010/main" val="0"/>
@@ -18016,13 +17423,13 @@
           <p:nvPr/>
         </p:nvPicPr>
         <p:blipFill>
-          <a:blip r:embed="rId3">
+          <a:blip r:embed="rId3" cstate="hqprint">
             <a:extLst>
               <a:ext uri="{28A0092B-C50C-407E-A947-70E740481C1C}">
                 <a14:useLocalDpi xmlns:a14="http://schemas.microsoft.com/office/drawing/2010/main" val="0"/>
               </a:ext>
               <a:ext uri="{96DAC541-7B7A-43D3-8B79-37D633B846F1}">
-                <asvg:svgBlip xmlns:asvg="http://schemas.microsoft.com/office/drawing/2016/SVG/main" r:embed="rId4"/>
+                <asvg:svgBlip xmlns:asvg="http://schemas.microsoft.com/office/drawing/2016/SVG/main" xmlns="" r:embed="rId4"/>
               </a:ext>
             </a:extLst>
           </a:blip>
@@ -18043,20 +17450,20 @@
     </p:spTree>
     <p:extLst>
       <p:ext uri="{BB962C8B-B14F-4D97-AF65-F5344CB8AC3E}">
-        <p14:creationId xmlns:p14="http://schemas.microsoft.com/office/powerpoint/2010/main" val="607700460"/>
+        <p14:creationId xmlns:p14="http://schemas.microsoft.com/office/powerpoint/2010/main" val="3447784915"/>
       </p:ext>
     </p:extLst>
   </p:cSld>
   <p:clrMapOvr>
     <a:masterClrMapping/>
   </p:clrMapOvr>
-  <mc:AlternateContent xmlns:mc="http://schemas.openxmlformats.org/markup-compatibility/2006">
-    <mc:Choice xmlns:p14="http://schemas.microsoft.com/office/powerpoint/2010/main" Requires="p14">
+  <mc:AlternateContent xmlns:mc="http://schemas.openxmlformats.org/markup-compatibility/2006" xmlns:p14="http://schemas.microsoft.com/office/powerpoint/2010/main">
+    <mc:Choice Requires="p14">
       <p:transition spd="med" p14:dur="700">
         <p:fade/>
       </p:transition>
     </mc:Choice>
-    <mc:Fallback>
+    <mc:Fallback xmlns="">
       <p:transition spd="med">
         <p:fade/>
       </p:transition>
@@ -18346,8 +17753,9 @@
                 </a:pPr>
                 <a:r>
                   <a:rPr lang="en-GB" sz="2400" dirty="0"/>
-                  <a:t>PTB opening </a:t>
+                  <a:t>Open PTB</a:t>
                 </a:r>
+                <a:endParaRPr lang="en-GB" sz="2400" dirty="0"/>
               </a:p>
             </p:txBody>
           </p:sp>
@@ -18595,8 +18003,9 @@
                 </a:pPr>
                 <a:r>
                   <a:rPr lang="en-GB" sz="2400" dirty="0"/>
-                  <a:t>PTB closing</a:t>
+                  <a:t>Close PTB</a:t>
                 </a:r>
+                <a:endParaRPr lang="en-GB" sz="2400" dirty="0"/>
               </a:p>
             </p:txBody>
           </p:sp>
@@ -18663,9 +18072,9 @@
               </a:pPr>
               <a:r>
                 <a:rPr lang="en-GB" dirty="0"/>
-                <a:t>PTB initialization + ext. devices</a:t>
+                <a:t>Initialize PTB + ext. devices</a:t>
               </a:r>
-              <a:endParaRPr lang="en-GB" sz="2400" dirty="0"/>
+              <a:endParaRPr lang="en-GB" sz="2800" dirty="0"/>
             </a:p>
           </p:txBody>
         </p:sp>
@@ -18794,8 +18203,8 @@
         </p:nvSpPr>
         <p:spPr>
           <a:xfrm>
-            <a:off x="6669328" y="1871412"/>
-            <a:ext cx="4732070" cy="4585871"/>
+            <a:off x="6669328" y="2106080"/>
+            <a:ext cx="4732070" cy="3970318"/>
           </a:xfrm>
           <a:prstGeom prst="rect">
             <a:avLst/>
@@ -18814,17 +18223,27 @@
             </a:pPr>
             <a:r>
               <a:rPr lang="en-GB" altLang="en-US" sz="1400" dirty="0"/>
-              <a:t>We need to log information about each trial (e.g. stimulus type, position) and we need log the participants responses (e.g. reaction time and accuracy). </a:t>
-            </a:r>
-          </a:p>
-          <a:p>
-            <a:pPr algn="just" eaLnBrk="1" hangingPunct="1">
-              <a:buFontTx/>
-              <a:buNone/>
-            </a:pPr>
+              <a:t>We </a:t>
+            </a:r>
+            <a:r>
+              <a:rPr lang="en-GB" altLang="en-US" sz="1400" dirty="0" smtClean="0"/>
+              <a:t>also need </a:t>
+            </a:r>
             <a:r>
               <a:rPr lang="en-GB" altLang="en-US" sz="1400" dirty="0"/>
-              <a:t>A structure example could be</a:t>
+              <a:t>to log information about each trial (e.g. stimulus type, position) and </a:t>
+            </a:r>
+            <a:r>
+              <a:rPr lang="en-GB" altLang="en-US" sz="1400" dirty="0" smtClean="0"/>
+              <a:t>the </a:t>
+            </a:r>
+            <a:r>
+              <a:rPr lang="en-GB" altLang="en-US" sz="1400" dirty="0"/>
+              <a:t>participants responses (e.g. reaction time and accuracy</a:t>
+            </a:r>
+            <a:r>
+              <a:rPr lang="en-GB" altLang="en-US" sz="1400" dirty="0" smtClean="0"/>
+              <a:t>), for example:</a:t>
             </a:r>
           </a:p>
           <a:p>
@@ -18837,11 +18256,39 @@
           <a:p>
             <a:pPr algn="just"/>
             <a:r>
+              <a:rPr lang="en-GB" sz="1400" b="0" i="0" dirty="0" err="1" smtClean="0">
+                <a:effectLst/>
+                <a:latin typeface="Menlo"/>
+              </a:rPr>
+              <a:t>results.image</a:t>
+            </a:r>
+            <a:r>
+              <a:rPr lang="en-GB" sz="1400" b="0" i="0" dirty="0" smtClean="0">
+                <a:effectLst/>
+                <a:latin typeface="Menlo"/>
+              </a:rPr>
+              <a:t>(t)    = </a:t>
+            </a:r>
+            <a:r>
               <a:rPr lang="en-GB" sz="1400" b="0" i="0" dirty="0" err="1">
                 <a:effectLst/>
                 <a:latin typeface="Menlo"/>
               </a:rPr>
-              <a:t>results.image</a:t>
+              <a:t>expInfo.image</a:t>
+            </a:r>
+            <a:r>
+              <a:rPr lang="en-GB" sz="1400" b="0" i="0" dirty="0">
+                <a:effectLst/>
+                <a:latin typeface="Menlo"/>
+              </a:rPr>
+              <a:t>{</a:t>
+            </a:r>
+            <a:r>
+              <a:rPr lang="en-GB" sz="1400" b="0" i="0" dirty="0" err="1">
+                <a:effectLst/>
+                <a:latin typeface="Menlo"/>
+              </a:rPr>
+              <a:t>trialStructure</a:t>
             </a:r>
             <a:r>
               <a:rPr lang="en-GB" sz="1400" b="0" i="0" dirty="0">
@@ -18862,80 +18309,26 @@
                 <a:effectLst/>
                 <a:latin typeface="Menlo"/>
               </a:rPr>
-              <a:t>)      = </a:t>
-            </a:r>
-            <a:r>
-              <a:rPr lang="en-GB" sz="1400" b="0" i="0" dirty="0" err="1">
-                <a:effectLst/>
-                <a:latin typeface="Menlo"/>
-              </a:rPr>
-              <a:t>expInfo.image</a:t>
-            </a:r>
-            <a:r>
-              <a:rPr lang="en-GB" sz="1400" b="0" i="0" dirty="0">
-                <a:effectLst/>
-                <a:latin typeface="Menlo"/>
-              </a:rPr>
-              <a:t>{</a:t>
-            </a:r>
-            <a:r>
-              <a:rPr lang="en-GB" sz="1400" b="0" i="0" dirty="0" err="1">
-                <a:effectLst/>
-                <a:latin typeface="Menlo"/>
-              </a:rPr>
-              <a:t>trialStructure</a:t>
-            </a:r>
-            <a:r>
-              <a:rPr lang="en-GB" sz="1400" b="0" i="0" dirty="0">
-                <a:effectLst/>
-                <a:latin typeface="Menlo"/>
-              </a:rPr>
-              <a:t>(</a:t>
-            </a:r>
-            <a:r>
-              <a:rPr lang="en-GB" sz="1400" b="0" i="0" dirty="0" err="1">
-                <a:effectLst/>
-                <a:latin typeface="Menlo"/>
-              </a:rPr>
-              <a:t>nTrial</a:t>
-            </a:r>
-            <a:r>
-              <a:rPr lang="en-GB" sz="1400" b="0" i="0" dirty="0">
-                <a:effectLst/>
-                <a:latin typeface="Menlo"/>
-              </a:rPr>
               <a:t>)}; </a:t>
             </a:r>
             <a:r>
-              <a:rPr lang="en-GB" sz="1400" b="0" i="0" dirty="0" err="1">
+              <a:rPr lang="en-GB" sz="1400" b="0" i="0" dirty="0" err="1" smtClean="0">
                 <a:effectLst/>
                 <a:latin typeface="Menlo"/>
               </a:rPr>
               <a:t>results.respons</a:t>
             </a:r>
             <a:r>
-              <a:rPr lang="en-GB" sz="1400" dirty="0" err="1">
+              <a:rPr lang="en-GB" sz="1400" dirty="0" err="1" smtClean="0">
                 <a:latin typeface="Menlo"/>
               </a:rPr>
               <a:t>e</a:t>
             </a:r>
             <a:r>
-              <a:rPr lang="en-GB" sz="1400" dirty="0">
+              <a:rPr lang="en-GB" sz="1400" dirty="0" smtClean="0">
                 <a:latin typeface="Menlo"/>
               </a:rPr>
-              <a:t>(</a:t>
-            </a:r>
-            <a:r>
-              <a:rPr lang="en-GB" sz="1400" dirty="0" err="1">
-                <a:latin typeface="Menlo"/>
-              </a:rPr>
-              <a:t>nTrial</a:t>
-            </a:r>
-            <a:r>
-              <a:rPr lang="en-GB" sz="1400" dirty="0">
-                <a:latin typeface="Menlo"/>
-              </a:rPr>
-              <a:t>) = </a:t>
+              <a:t>(t) = </a:t>
             </a:r>
             <a:r>
               <a:rPr lang="en-GB" sz="1400" dirty="0" err="1">
@@ -18951,30 +18344,18 @@
             </a:r>
           </a:p>
           <a:p>
-            <a:pPr algn="just"/>
-            <a:r>
-              <a:rPr lang="en-GB" sz="1400" dirty="0" err="1">
+            <a:pPr algn="just" defTabSz="760413"/>
+            <a:r>
+              <a:rPr lang="en-GB" sz="1400" dirty="0" err="1" smtClean="0">
                 <a:latin typeface="Menlo"/>
               </a:rPr>
               <a:t>results.rt</a:t>
             </a:r>
             <a:r>
-              <a:rPr lang="en-GB" sz="1400" dirty="0">
+              <a:rPr lang="en-GB" sz="1400" dirty="0" smtClean="0">
                 <a:latin typeface="Menlo"/>
               </a:rPr>
-              <a:t>(</a:t>
-            </a:r>
-            <a:r>
-              <a:rPr lang="en-GB" sz="1400" dirty="0" err="1">
-                <a:latin typeface="Menlo"/>
-              </a:rPr>
-              <a:t>nTrial</a:t>
-            </a:r>
-            <a:r>
-              <a:rPr lang="en-GB" sz="1400" dirty="0">
-                <a:latin typeface="Menlo"/>
-              </a:rPr>
-              <a:t>)               = </a:t>
+              <a:t>(t) 	= </a:t>
             </a:r>
             <a:r>
               <a:rPr lang="en-GB" sz="1400" dirty="0" err="1">
@@ -18994,14 +18375,60 @@
             <a:endParaRPr lang="en-GB" altLang="en-US" sz="1400" dirty="0"/>
           </a:p>
           <a:p>
-            <a:pPr algn="just" eaLnBrk="1" hangingPunct="1">
-              <a:buFontTx/>
-              <a:buNone/>
-            </a:pPr>
+            <a:pPr algn="just"/>
             <a:r>
               <a:rPr lang="en-GB" altLang="en-US" sz="1400" dirty="0"/>
-              <a:t>Data has to be saved permanently on your project folder so to accessed later on for analysis. It is a good practice to save the data every single trial, so in case of setup faults we have the data saved partially</a:t>
-            </a:r>
+              <a:t>Data has to be saved </a:t>
+            </a:r>
+            <a:r>
+              <a:rPr lang="en-GB" altLang="en-US" sz="1400" dirty="0" smtClean="0"/>
+              <a:t>into your </a:t>
+            </a:r>
+            <a:r>
+              <a:rPr lang="en-GB" altLang="en-US" sz="1400" dirty="0"/>
+              <a:t>project folder </a:t>
+            </a:r>
+            <a:r>
+              <a:rPr lang="en-GB" altLang="en-US" sz="1400" dirty="0" smtClean="0"/>
+              <a:t>to be </a:t>
+            </a:r>
+            <a:r>
+              <a:rPr lang="en-GB" altLang="en-US" sz="1400" dirty="0"/>
+              <a:t>accessed for later analysis</a:t>
+            </a:r>
+            <a:r>
+              <a:rPr lang="en-GB" altLang="en-US" sz="1400" dirty="0"/>
+              <a:t>. It is </a:t>
+            </a:r>
+            <a:r>
+              <a:rPr lang="en-GB" altLang="en-US" sz="1400" dirty="0" smtClean="0"/>
+              <a:t>good </a:t>
+            </a:r>
+            <a:r>
+              <a:rPr lang="en-GB" altLang="en-US" sz="1400" dirty="0"/>
+              <a:t>practice to save the data </a:t>
+            </a:r>
+            <a:r>
+              <a:rPr lang="en-GB" altLang="en-US" sz="1400" dirty="0" smtClean="0"/>
+              <a:t>on every trial</a:t>
+            </a:r>
+            <a:r>
+              <a:rPr lang="en-GB" altLang="en-US" sz="1400" dirty="0"/>
+              <a:t>, </a:t>
+            </a:r>
+            <a:r>
+              <a:rPr lang="en-GB" altLang="en-US" sz="1400" dirty="0" smtClean="0"/>
+              <a:t>in </a:t>
+            </a:r>
+            <a:r>
+              <a:rPr lang="en-GB" altLang="en-US" sz="1400" dirty="0"/>
+              <a:t>case of </a:t>
+            </a:r>
+            <a:r>
+              <a:rPr lang="en-GB" altLang="en-US" sz="1400" dirty="0" smtClean="0"/>
+              <a:t>any issue during later trials:</a:t>
+            </a:r>
+            <a:endParaRPr lang="en-GB" altLang="en-US" sz="1400" dirty="0"/>
           </a:p>
           <a:p>
             <a:pPr algn="just" eaLnBrk="1" hangingPunct="1">
@@ -19013,58 +18440,92 @@
           <a:p>
             <a:pPr algn="just"/>
             <a:r>
-              <a:rPr lang="en-GB" sz="1600" b="0" i="0" dirty="0">
+              <a:rPr lang="en-GB" sz="1400" b="0" i="0" dirty="0">
                 <a:effectLst/>
                 <a:latin typeface="Menlo"/>
               </a:rPr>
-              <a:t>save(filename)</a:t>
-            </a:r>
-            <a:r>
-              <a:rPr lang="en-GB" sz="1600" b="0" i="0" dirty="0">
+              <a:t>save(filename</a:t>
+            </a:r>
+            <a:r>
+              <a:rPr lang="en-GB" sz="1400" b="0" i="0" dirty="0" smtClean="0">
+                <a:effectLst/>
+                <a:latin typeface="Menlo"/>
+              </a:rPr>
+              <a:t>)   </a:t>
+            </a:r>
+            <a:r>
+              <a:rPr lang="en-GB" sz="1400" b="0" i="0" dirty="0" smtClean="0">
                 <a:solidFill>
                   <a:srgbClr val="228B22"/>
                 </a:solidFill>
                 <a:effectLst/>
                 <a:latin typeface="Menlo"/>
               </a:rPr>
-              <a:t>%Save entire workspace to a .mat file</a:t>
-            </a:r>
-            <a:endParaRPr lang="en-GB" sz="1600" b="0" i="0" dirty="0">
-              <a:effectLst/>
-              <a:latin typeface="Menlo"/>
-            </a:endParaRPr>
-          </a:p>
-          <a:p>
-            <a:pPr algn="just"/>
-            <a:r>
-              <a:rPr lang="en-GB" sz="1600" b="0" i="0" dirty="0">
-                <a:effectLst/>
-                <a:latin typeface="Menlo"/>
-              </a:rPr>
-              <a:t>save(filename, variables)</a:t>
-            </a:r>
-            <a:r>
-              <a:rPr lang="en-GB" sz="1600" b="0" i="0" dirty="0">
+              <a:t>%</a:t>
+            </a:r>
+            <a:r>
+              <a:rPr lang="en-GB" sz="1400" b="0" i="0" dirty="0">
                 <a:solidFill>
                   <a:srgbClr val="228B22"/>
                 </a:solidFill>
                 <a:effectLst/>
                 <a:latin typeface="Menlo"/>
               </a:rPr>
-              <a:t>%Save specific variables</a:t>
-            </a:r>
+              <a:t>Save entire workspace to a .mat file</a:t>
+            </a:r>
+            <a:endParaRPr lang="en-GB" sz="1400" b="0" i="0" dirty="0">
+              <a:effectLst/>
+              <a:latin typeface="Menlo"/>
+            </a:endParaRPr>
           </a:p>
           <a:p>
             <a:pPr algn="just"/>
             <a:r>
-              <a:rPr lang="en-GB" sz="1600" b="0" i="0" dirty="0">
+              <a:rPr lang="en-GB" sz="1400" b="0" i="0" dirty="0">
+                <a:effectLst/>
+                <a:latin typeface="Menlo"/>
+              </a:rPr>
+              <a:t>save(filename, variables</a:t>
+            </a:r>
+            <a:r>
+              <a:rPr lang="en-GB" sz="1400" b="0" i="0" dirty="0" smtClean="0">
+                <a:effectLst/>
+                <a:latin typeface="Menlo"/>
+              </a:rPr>
+              <a:t>)   </a:t>
+            </a:r>
+            <a:r>
+              <a:rPr lang="en-GB" sz="1400" b="0" i="0" dirty="0" smtClean="0">
+                <a:solidFill>
+                  <a:srgbClr val="228B22"/>
+                </a:solidFill>
+                <a:effectLst/>
+                <a:latin typeface="Menlo"/>
+              </a:rPr>
+              <a:t>%</a:t>
+            </a:r>
+            <a:r>
+              <a:rPr lang="en-GB" sz="1400" b="0" i="0" dirty="0">
+                <a:solidFill>
+                  <a:srgbClr val="228B22"/>
+                </a:solidFill>
+                <a:effectLst/>
+                <a:latin typeface="Menlo"/>
+              </a:rPr>
+              <a:t>Save specific variables</a:t>
+            </a:r>
+          </a:p>
+          <a:p>
+            <a:pPr algn="just"/>
+            <a:r>
+              <a:rPr lang="en-GB" sz="1400" b="0" i="0" dirty="0">
                 <a:effectLst/>
                 <a:latin typeface="Menlo"/>
               </a:rPr>
               <a:t>save(filename,</a:t>
             </a:r>
             <a:r>
-              <a:rPr lang="en-GB" sz="1600" b="0" i="0" dirty="0">
+              <a:rPr lang="en-GB" sz="1400" b="0" i="0" dirty="0">
                 <a:solidFill>
                   <a:srgbClr val="A020F0"/>
                 </a:solidFill>
@@ -19074,14 +18535,14 @@
               <a:t>'-struct'</a:t>
             </a:r>
             <a:r>
-              <a:rPr lang="en-GB" sz="1600" b="0" i="0" dirty="0">
+              <a:rPr lang="en-GB" sz="1400" b="0" i="0" dirty="0">
                 <a:effectLst/>
                 <a:latin typeface="Menlo"/>
               </a:rPr>
               <a:t>,</a:t>
             </a:r>
             <a:r>
-              <a:rPr lang="en-GB" sz="1600" b="0" i="0" dirty="0">
+              <a:rPr lang="en-GB" sz="1400" b="0" i="0" dirty="0">
                 <a:solidFill>
                   <a:srgbClr val="A020F0"/>
                 </a:solidFill>
@@ -19091,7 +18552,7 @@
               <a:t>'</a:t>
             </a:r>
             <a:r>
-              <a:rPr lang="en-GB" sz="1600" b="0" i="0" dirty="0" err="1">
+              <a:rPr lang="en-GB" sz="1400" b="0" i="0" dirty="0" err="1">
                 <a:solidFill>
                   <a:srgbClr val="A020F0"/>
                 </a:solidFill>
@@ -19101,7 +18562,7 @@
               <a:t>structName</a:t>
             </a:r>
             <a:r>
-              <a:rPr lang="en-GB" sz="1600" b="0" i="0" dirty="0">
+              <a:rPr lang="en-GB" sz="1400" b="0" i="0" dirty="0" smtClean="0">
                 <a:solidFill>
                   <a:srgbClr val="A020F0"/>
                 </a:solidFill>
@@ -19111,58 +18572,88 @@
               <a:t>'</a:t>
             </a:r>
             <a:r>
-              <a:rPr lang="en-GB" sz="1600" b="0" i="0" dirty="0">
+              <a:rPr lang="en-GB" sz="1400" b="0" i="0" dirty="0" smtClean="0">
                 <a:effectLst/>
                 <a:latin typeface="Menlo"/>
               </a:rPr>
-              <a:t>)</a:t>
-            </a:r>
-            <a:r>
-              <a:rPr lang="en-GB" sz="1600" b="0" i="0" dirty="0">
+              <a:t>)  </a:t>
+            </a:r>
+            <a:r>
+              <a:rPr lang="en-GB" sz="1400" b="0" i="0" dirty="0" smtClean="0">
                 <a:solidFill>
                   <a:srgbClr val="228B22"/>
                 </a:solidFill>
                 <a:effectLst/>
                 <a:latin typeface="Menlo"/>
               </a:rPr>
-              <a:t>%Save a specific struct but as independent variables</a:t>
+              <a:t>%</a:t>
+            </a:r>
+            <a:r>
+              <a:rPr lang="en-GB" sz="1400" b="0" i="0" dirty="0">
+                <a:solidFill>
+                  <a:srgbClr val="228B22"/>
+                </a:solidFill>
+                <a:effectLst/>
+                <a:latin typeface="Menlo"/>
+              </a:rPr>
+              <a:t>Save a specific struct but as independent variables</a:t>
             </a:r>
           </a:p>
           <a:p>
             <a:pPr algn="just"/>
             <a:r>
-              <a:rPr lang="en-GB" sz="1600" b="0" i="0" dirty="0">
+              <a:rPr lang="en-GB" sz="1400" b="0" i="0" dirty="0">
                 <a:effectLst/>
                 <a:latin typeface="Menlo"/>
               </a:rPr>
               <a:t>save(filename,variables,</a:t>
             </a:r>
             <a:r>
-              <a:rPr lang="en-GB" sz="1600" b="0" i="0" dirty="0">
+              <a:rPr lang="en-GB" sz="1400" b="0" i="0" dirty="0">
                 <a:solidFill>
                   <a:srgbClr val="A020F0"/>
                 </a:solidFill>
                 <a:effectLst/>
                 <a:latin typeface="Menlo"/>
               </a:rPr>
-              <a:t>’-append’</a:t>
-            </a:r>
-            <a:r>
-              <a:rPr lang="en-GB" sz="1600" b="0" i="0" dirty="0">
+              <a:t>’-append</a:t>
+            </a:r>
+            <a:r>
+              <a:rPr lang="en-GB" sz="1400" b="0" i="0" dirty="0" smtClean="0">
+                <a:solidFill>
+                  <a:srgbClr val="A020F0"/>
+                </a:solidFill>
                 <a:effectLst/>
                 <a:latin typeface="Menlo"/>
               </a:rPr>
-              <a:t>)</a:t>
-            </a:r>
-            <a:r>
-              <a:rPr lang="en-GB" sz="1600" b="0" i="0" dirty="0">
+              <a:t>’</a:t>
+            </a:r>
+            <a:r>
+              <a:rPr lang="en-GB" sz="1400" b="0" i="0" dirty="0" smtClean="0">
+                <a:effectLst/>
+                <a:latin typeface="Menlo"/>
+              </a:rPr>
+              <a:t>)   </a:t>
+            </a:r>
+            <a:r>
+              <a:rPr lang="en-GB" sz="1400" b="0" i="0" dirty="0" smtClean="0">
                 <a:solidFill>
                   <a:srgbClr val="228B22"/>
                 </a:solidFill>
                 <a:effectLst/>
                 <a:latin typeface="Menlo"/>
               </a:rPr>
-              <a:t>%Add variables to existing file</a:t>
+              <a:t>%</a:t>
+            </a:r>
+            <a:r>
+              <a:rPr lang="en-GB" sz="1400" b="0" i="0" dirty="0">
+                <a:solidFill>
+                  <a:srgbClr val="228B22"/>
+                </a:solidFill>
+                <a:effectLst/>
+                <a:latin typeface="Menlo"/>
+              </a:rPr>
+              <a:t>Add variables to existing file</a:t>
             </a:r>
             <a:endParaRPr lang="en-GB" altLang="en-US" sz="1400" dirty="0"/>
           </a:p>
@@ -19183,13 +18674,13 @@
           <p:nvPr/>
         </p:nvPicPr>
         <p:blipFill>
-          <a:blip r:embed="rId2">
+          <a:blip r:embed="rId2" cstate="hqprint">
             <a:extLst>
               <a:ext uri="{28A0092B-C50C-407E-A947-70E740481C1C}">
                 <a14:useLocalDpi xmlns:a14="http://schemas.microsoft.com/office/drawing/2010/main" val="0"/>
               </a:ext>
               <a:ext uri="{96DAC541-7B7A-43D3-8B79-37D633B846F1}">
-                <asvg:svgBlip xmlns:asvg="http://schemas.microsoft.com/office/drawing/2016/SVG/main" r:embed="rId3"/>
+                <asvg:svgBlip xmlns:asvg="http://schemas.microsoft.com/office/drawing/2016/SVG/main" xmlns="" r:embed="rId3"/>
               </a:ext>
             </a:extLst>
           </a:blip>
@@ -19210,7 +18701,7 @@
     </p:spTree>
     <p:extLst>
       <p:ext uri="{BB962C8B-B14F-4D97-AF65-F5344CB8AC3E}">
-        <p14:creationId xmlns:p14="http://schemas.microsoft.com/office/powerpoint/2010/main" val="3883069017"/>
+        <p14:creationId xmlns:p14="http://schemas.microsoft.com/office/powerpoint/2010/main" val="2445088666"/>
       </p:ext>
     </p:extLst>
   </p:cSld>
@@ -19316,15 +18807,59 @@
             </a:pPr>
             <a:r>
               <a:rPr lang="en-GB" sz="1800" dirty="0"/>
-              <a:t>Sometimes we are required to collect information about the participants or we would like to set some experimental variables without going to change the script code. We can do that using a </a:t>
-            </a:r>
-            <a:r>
-              <a:rPr lang="en-GB" sz="1800" dirty="0" err="1"/>
+              <a:t>Sometimes we </a:t>
+            </a:r>
+            <a:r>
+              <a:rPr lang="en-GB" sz="1800" dirty="0" smtClean="0"/>
+              <a:t>wish to </a:t>
+            </a:r>
+            <a:r>
+              <a:rPr lang="en-GB" sz="1800" dirty="0"/>
+              <a:t>collect information </a:t>
+            </a:r>
+            <a:r>
+              <a:rPr lang="en-GB" sz="1800" dirty="0" smtClean="0"/>
+              <a:t>from the </a:t>
+            </a:r>
+            <a:r>
+              <a:rPr lang="en-GB" sz="1800" dirty="0"/>
+              <a:t>participants or </a:t>
+            </a:r>
+            <a:r>
+              <a:rPr lang="en-GB" sz="1800" dirty="0" smtClean="0"/>
+              <a:t>would </a:t>
+            </a:r>
+            <a:r>
+              <a:rPr lang="en-GB" sz="1800" dirty="0"/>
+              <a:t>like to set some experimental variables </a:t>
+            </a:r>
+            <a:r>
+              <a:rPr lang="en-GB" sz="1800" dirty="0" smtClean="0"/>
+              <a:t>outside of the task code</a:t>
+            </a:r>
+            <a:r>
+              <a:rPr lang="en-GB" sz="1800" dirty="0"/>
+              <a:t>. We can do that </a:t>
+            </a:r>
+            <a:r>
+              <a:rPr lang="en-GB" sz="1800" dirty="0" smtClean="0"/>
+              <a:t>in </a:t>
+            </a:r>
+            <a:r>
+              <a:rPr lang="en-GB" sz="1800" dirty="0" err="1" smtClean="0"/>
               <a:t>Matlab</a:t>
             </a:r>
             <a:r>
+              <a:rPr lang="en-GB" sz="1800" dirty="0" smtClean="0"/>
+              <a:t> using an </a:t>
+            </a:r>
+            <a:r>
               <a:rPr lang="en-GB" sz="1800" dirty="0"/>
-              <a:t> function to create an input dialog.</a:t>
+              <a:t>input </a:t>
+            </a:r>
+            <a:r>
+              <a:rPr lang="en-GB" sz="1800" dirty="0" smtClean="0"/>
+              <a:t>dialog box:</a:t>
             </a:r>
             <a:endParaRPr lang="en-GB" sz="1800" b="0" i="0" dirty="0">
               <a:effectLst/>
@@ -19365,8 +18900,8 @@
         </p:nvGrpSpPr>
         <p:grpSpPr>
           <a:xfrm>
-            <a:off x="3680326" y="2592551"/>
-            <a:ext cx="4831345" cy="372778"/>
+            <a:off x="3453176" y="2592551"/>
+            <a:ext cx="5285649" cy="372778"/>
             <a:chOff x="1853057" y="2225615"/>
             <a:chExt cx="8485885" cy="407555"/>
           </a:xfrm>
@@ -19515,7 +19050,7 @@
         </p:nvCxnSpPr>
         <p:spPr>
           <a:xfrm flipH="1">
-            <a:off x="5059622" y="2995486"/>
+            <a:off x="5059622" y="3005723"/>
             <a:ext cx="399803" cy="301860"/>
           </a:xfrm>
           <a:prstGeom prst="straightConnector1">
@@ -19559,7 +19094,7 @@
         </p:nvCxnSpPr>
         <p:spPr>
           <a:xfrm flipH="1">
-            <a:off x="6502880" y="2988900"/>
+            <a:off x="6502880" y="3005723"/>
             <a:ext cx="1" cy="338603"/>
           </a:xfrm>
           <a:prstGeom prst="straightConnector1">
@@ -19603,7 +19138,7 @@
         </p:nvCxnSpPr>
         <p:spPr>
           <a:xfrm>
-            <a:off x="7049873" y="2968695"/>
+            <a:off x="7049873" y="3005723"/>
             <a:ext cx="935395" cy="453651"/>
           </a:xfrm>
           <a:prstGeom prst="straightConnector1">
@@ -19647,7 +19182,7 @@
         </p:nvCxnSpPr>
         <p:spPr>
           <a:xfrm>
-            <a:off x="8107115" y="2900527"/>
+            <a:off x="8107115" y="3005723"/>
             <a:ext cx="1321411" cy="96357"/>
           </a:xfrm>
           <a:prstGeom prst="straightConnector1">
@@ -19691,7 +19226,7 @@
         </p:nvCxnSpPr>
         <p:spPr>
           <a:xfrm flipH="1">
-            <a:off x="3029254" y="2869949"/>
+            <a:off x="3029254" y="3005723"/>
             <a:ext cx="929607" cy="552397"/>
           </a:xfrm>
           <a:prstGeom prst="straightConnector1">
@@ -19733,8 +19268,8 @@
         </p:nvSpPr>
         <p:spPr>
           <a:xfrm>
-            <a:off x="5769782" y="3351074"/>
-            <a:ext cx="1397251" cy="523220"/>
+            <a:off x="5606616" y="3351074"/>
+            <a:ext cx="1560418" cy="523220"/>
           </a:xfrm>
           <a:prstGeom prst="rect">
             <a:avLst/>
@@ -19750,8 +19285,13 @@
             <a:pPr algn="ctr"/>
             <a:r>
               <a:rPr lang="en-GB" sz="1400" dirty="0"/>
-              <a:t>A title for our input dialog</a:t>
-            </a:r>
+              <a:t>A title for our input </a:t>
+            </a:r>
+            <a:r>
+              <a:rPr lang="en-GB" sz="1400" dirty="0" smtClean="0"/>
+              <a:t>dialog box</a:t>
+            </a:r>
+            <a:endParaRPr lang="en-GB" sz="1400" dirty="0"/>
           </a:p>
         </p:txBody>
       </p:sp>
@@ -19783,7 +19323,7 @@
           </a:bodyPr>
           <a:lstStyle/>
           <a:p>
-            <a:pPr algn="ctr"/>
+            <a:pPr algn="r"/>
             <a:r>
               <a:rPr lang="en-GB" sz="1400" dirty="0"/>
               <a:t>Nx2 array indicating the width and height dimensions of each prompt. N is the number of different prompts we are collecting</a:t>
@@ -19819,7 +19359,7 @@
           </a:bodyPr>
           <a:lstStyle/>
           <a:p>
-            <a:pPr algn="ctr"/>
+            <a:pPr algn="r"/>
             <a:r>
               <a:rPr lang="en-GB" sz="1600" dirty="0"/>
               <a:t>A cell array indicating the default inputs for each prompt</a:t>
@@ -19855,7 +19395,6 @@
           </a:bodyPr>
           <a:lstStyle/>
           <a:p>
-            <a:pPr algn="ctr"/>
             <a:r>
               <a:rPr lang="en-GB" sz="1400" dirty="0"/>
               <a:t>Opens dialog box, with fields specified by a cell array of prompt strings</a:t>
@@ -19877,8 +19416,8 @@
         </p:nvSpPr>
         <p:spPr>
           <a:xfrm>
-            <a:off x="1465027" y="3077889"/>
-            <a:ext cx="1789636" cy="1384995"/>
+            <a:off x="1578315" y="3199269"/>
+            <a:ext cx="1789636" cy="1169551"/>
           </a:xfrm>
           <a:prstGeom prst="rect">
             <a:avLst/>
@@ -19891,11 +19430,15 @@
           </a:bodyPr>
           <a:lstStyle/>
           <a:p>
-            <a:pPr algn="ctr"/>
             <a:r>
               <a:rPr lang="en-GB" sz="1400" dirty="0"/>
-              <a:t>Cell array containing the information collected from the dialog box upon closing </a:t>
-            </a:r>
+              <a:t>Cell array containing the information collected from the dialog </a:t>
+            </a:r>
+            <a:r>
+              <a:rPr lang="en-GB" sz="1400" dirty="0" smtClean="0"/>
+              <a:t>box</a:t>
+            </a:r>
+            <a:endParaRPr lang="en-GB" sz="1400" dirty="0"/>
           </a:p>
         </p:txBody>
       </p:sp>
@@ -19944,13 +19487,13 @@
           <p:nvPr/>
         </p:nvPicPr>
         <p:blipFill>
-          <a:blip r:embed="rId3">
+          <a:blip r:embed="rId3" cstate="hqprint">
             <a:extLst>
               <a:ext uri="{28A0092B-C50C-407E-A947-70E740481C1C}">
                 <a14:useLocalDpi xmlns:a14="http://schemas.microsoft.com/office/drawing/2010/main" val="0"/>
               </a:ext>
               <a:ext uri="{96DAC541-7B7A-43D3-8B79-37D633B846F1}">
-                <asvg:svgBlip xmlns:asvg="http://schemas.microsoft.com/office/drawing/2016/SVG/main" r:embed="rId4"/>
+                <asvg:svgBlip xmlns:asvg="http://schemas.microsoft.com/office/drawing/2016/SVG/main" xmlns="" r:embed="rId4"/>
               </a:ext>
             </a:extLst>
           </a:blip>
@@ -19971,7 +19514,7 @@
     </p:spTree>
     <p:extLst>
       <p:ext uri="{BB962C8B-B14F-4D97-AF65-F5344CB8AC3E}">
-        <p14:creationId xmlns:p14="http://schemas.microsoft.com/office/powerpoint/2010/main" val="1252444184"/>
+        <p14:creationId xmlns:p14="http://schemas.microsoft.com/office/powerpoint/2010/main" val="721496837"/>
       </p:ext>
     </p:extLst>
   </p:cSld>
@@ -20197,7 +19740,7 @@
           <p:nvPr/>
         </p:nvPicPr>
         <p:blipFill>
-          <a:blip r:embed="rId3">
+          <a:blip r:embed="rId3" cstate="hqprint">
             <a:extLst>
               <a:ext uri="{28A0092B-C50C-407E-A947-70E740481C1C}">
                 <a14:useLocalDpi xmlns:a14="http://schemas.microsoft.com/office/drawing/2010/main" val="0"/>
@@ -20221,7 +19764,7 @@
     </p:spTree>
     <p:extLst>
       <p:ext uri="{BB962C8B-B14F-4D97-AF65-F5344CB8AC3E}">
-        <p14:creationId xmlns:p14="http://schemas.microsoft.com/office/powerpoint/2010/main" val="2075616132"/>
+        <p14:creationId xmlns:p14="http://schemas.microsoft.com/office/powerpoint/2010/main" val="4066632436"/>
       </p:ext>
     </p:extLst>
   </p:cSld>
@@ -20282,10 +19825,9 @@
           <a:lstStyle/>
           <a:p>
             <a:r>
-              <a:rPr lang="en-GB"/>
+              <a:rPr lang="en-GB" dirty="0"/>
               <a:t>PTB Resources</a:t>
             </a:r>
-            <a:endParaRPr lang="en-GB" dirty="0"/>
           </a:p>
         </p:txBody>
       </p:sp>
@@ -20322,16 +19864,16 @@
               <a:buChar char="•"/>
             </a:pPr>
             <a:r>
-              <a:rPr lang="en-GB"/>
+              <a:rPr lang="en-GB" dirty="0"/>
               <a:t>Main webpage: </a:t>
             </a:r>
             <a:r>
-              <a:rPr lang="en-GB">
+              <a:rPr lang="en-GB" dirty="0">
                 <a:hlinkClick r:id="rId2"/>
               </a:rPr>
               <a:t>http://psychtoolbox.org/</a:t>
             </a:r>
-            <a:endParaRPr lang="en-GB"/>
+            <a:endParaRPr lang="en-GB" dirty="0"/>
           </a:p>
           <a:p>
             <a:pPr>
@@ -20339,16 +19881,16 @@
               <a:buChar char="•"/>
             </a:pPr>
             <a:r>
-              <a:rPr lang="en-GB"/>
+              <a:rPr lang="en-GB" dirty="0"/>
               <a:t>Main documentation: </a:t>
             </a:r>
             <a:r>
-              <a:rPr lang="en-GB">
+              <a:rPr lang="en-GB" dirty="0">
                 <a:hlinkClick r:id="rId3"/>
               </a:rPr>
               <a:t>http://psychtoolbox.org/docs/PsychBasic</a:t>
             </a:r>
-            <a:endParaRPr lang="en-GB"/>
+            <a:endParaRPr lang="en-GB" dirty="0"/>
           </a:p>
           <a:p>
             <a:pPr>
@@ -20356,41 +19898,41 @@
               <a:buChar char="•"/>
             </a:pPr>
             <a:r>
-              <a:rPr lang="en-GB"/>
+              <a:rPr lang="en-GB" dirty="0"/>
               <a:t>Tutorials: </a:t>
             </a:r>
             <a:r>
-              <a:rPr lang="en-GB">
+              <a:rPr lang="en-GB" dirty="0">
                 <a:hlinkClick r:id="rId4"/>
               </a:rPr>
               <a:t>https://peterscarfe.com/ptbtutorials.html</a:t>
             </a:r>
-            <a:endParaRPr lang="en-GB"/>
+            <a:endParaRPr lang="en-GB" dirty="0"/>
           </a:p>
           <a:p>
             <a:pPr>
               <a:buFont typeface="Arial" panose="020B0604020202020204" pitchFamily="34" charset="0"/>
               <a:buChar char="•"/>
             </a:pPr>
-            <a:endParaRPr lang="en-GB"/>
+            <a:endParaRPr lang="en-GB" dirty="0"/>
           </a:p>
           <a:p>
             <a:pPr marL="0" indent="0">
               <a:buNone/>
             </a:pPr>
-            <a:endParaRPr lang="en-GB"/>
+            <a:endParaRPr lang="en-GB" dirty="0"/>
           </a:p>
           <a:p>
             <a:pPr marL="0" indent="0">
               <a:buNone/>
             </a:pPr>
-            <a:endParaRPr lang="en-GB"/>
+            <a:endParaRPr lang="en-GB" dirty="0"/>
           </a:p>
           <a:p>
             <a:pPr marL="0" indent="0">
               <a:buNone/>
             </a:pPr>
-            <a:endParaRPr lang="en-GB"/>
+            <a:endParaRPr lang="en-GB" dirty="0"/>
           </a:p>
           <a:p>
             <a:pPr>
@@ -20398,16 +19940,16 @@
               <a:buChar char="•"/>
             </a:pPr>
             <a:r>
-              <a:rPr lang="en-GB"/>
+              <a:rPr lang="en-GB" dirty="0"/>
               <a:t>Community forum: </a:t>
             </a:r>
             <a:r>
-              <a:rPr lang="en-GB">
+              <a:rPr lang="en-GB" dirty="0">
                 <a:hlinkClick r:id="rId5"/>
               </a:rPr>
               <a:t>https://psychtoolbox.discourse.group/</a:t>
             </a:r>
-            <a:endParaRPr lang="en-GB"/>
+            <a:endParaRPr lang="en-GB" dirty="0"/>
           </a:p>
           <a:p>
             <a:pPr>
@@ -20415,16 +19957,16 @@
               <a:buChar char="•"/>
             </a:pPr>
             <a:r>
-              <a:rPr lang="en-GB"/>
+              <a:rPr lang="en-GB" dirty="0"/>
               <a:t>Stack overflow: </a:t>
             </a:r>
             <a:r>
-              <a:rPr lang="en-GB">
+              <a:rPr lang="en-GB" dirty="0">
                 <a:hlinkClick r:id="rId6"/>
               </a:rPr>
               <a:t>https://stackoverflow.com/</a:t>
             </a:r>
-            <a:endParaRPr lang="en-GB"/>
+            <a:endParaRPr lang="en-GB" dirty="0"/>
           </a:p>
           <a:p>
             <a:pPr lvl="1">
@@ -20432,7 +19974,7 @@
               <a:buChar char="•"/>
             </a:pPr>
             <a:r>
-              <a:rPr lang="en-GB"/>
+              <a:rPr lang="en-GB" dirty="0"/>
               <a:t>(Tip: use square-brackets for specific tags)</a:t>
             </a:r>
           </a:p>
@@ -20441,13 +19983,13 @@
               <a:buFont typeface="Arial" panose="020B0604020202020204" pitchFamily="34" charset="0"/>
               <a:buChar char="•"/>
             </a:pPr>
-            <a:endParaRPr lang="en-GB"/>
+            <a:endParaRPr lang="en-GB" dirty="0"/>
           </a:p>
           <a:p>
             <a:pPr marL="0" indent="0">
               <a:buNone/>
             </a:pPr>
-            <a:endParaRPr lang="en-GB"/>
+            <a:endParaRPr lang="en-GB" dirty="0"/>
           </a:p>
           <a:p>
             <a:pPr>
@@ -20490,7 +20032,7 @@
       </p:pic>
       <p:pic>
         <p:nvPicPr>
-          <p:cNvPr id="4" name="Graphic 3" descr="Storytelling with solid fill">
+          <p:cNvPr id="8" name="Graphic 3" descr="Storytelling with solid fill">
             <a:extLst>
               <a:ext uri="{FF2B5EF4-FFF2-40B4-BE49-F238E27FC236}">
                 <a16:creationId xmlns:a16="http://schemas.microsoft.com/office/drawing/2014/main" id="{2B9FEF8A-207A-485E-9169-1A24666C9FE7}"/>
@@ -20503,13 +20045,13 @@
           <p:nvPr/>
         </p:nvPicPr>
         <p:blipFill>
-          <a:blip r:embed="rId8">
+          <a:blip r:embed="rId8" cstate="hqprint">
             <a:extLst>
               <a:ext uri="{28A0092B-C50C-407E-A947-70E740481C1C}">
                 <a14:useLocalDpi xmlns:a14="http://schemas.microsoft.com/office/drawing/2010/main" val="0"/>
               </a:ext>
               <a:ext uri="{96DAC541-7B7A-43D3-8B79-37D633B846F1}">
-                <asvg:svgBlip xmlns:asvg="http://schemas.microsoft.com/office/drawing/2016/SVG/main" r:embed="rId9"/>
+                <asvg:svgBlip xmlns:asvg="http://schemas.microsoft.com/office/drawing/2016/SVG/main" xmlns="" r:embed="rId9"/>
               </a:ext>
             </a:extLst>
           </a:blip>
@@ -20626,7 +20168,7 @@
         </p:spPr>
         <p:txBody>
           <a:bodyPr>
-            <a:normAutofit/>
+            <a:normAutofit lnSpcReduction="10000"/>
           </a:bodyPr>
           <a:lstStyle/>
           <a:p>
@@ -20635,7 +20177,42 @@
             </a:pPr>
             <a:r>
               <a:rPr lang="en-GB" sz="1800" dirty="0"/>
-              <a:t>Sometimes you want to query the number of USB-devices there are in your setup. PTB handles USB devices on initialization, meaning that to query the devices status you can do  </a:t>
+              <a:t>Sometimes you </a:t>
+            </a:r>
+            <a:r>
+              <a:rPr lang="en-GB" sz="1800" dirty="0" smtClean="0"/>
+              <a:t>will want </a:t>
+            </a:r>
+            <a:r>
+              <a:rPr lang="en-GB" sz="1800" dirty="0"/>
+              <a:t>to query the number of USB-devices </a:t>
+            </a:r>
+            <a:r>
+              <a:rPr lang="en-GB" sz="1800" dirty="0" smtClean="0"/>
+              <a:t>that are connected to your machine </a:t>
+            </a:r>
+          </a:p>
+          <a:p>
+            <a:pPr marL="0" indent="0">
+              <a:buNone/>
+            </a:pPr>
+            <a:endParaRPr lang="en-GB" sz="1800" dirty="0"/>
+          </a:p>
+          <a:p>
+            <a:pPr marL="0" indent="0">
+              <a:buNone/>
+            </a:pPr>
+            <a:r>
+              <a:rPr lang="en-GB" sz="1800" dirty="0" smtClean="0"/>
+              <a:t>PTB </a:t>
+            </a:r>
+            <a:r>
+              <a:rPr lang="en-GB" sz="1800" dirty="0"/>
+              <a:t>handles USB devices on initialization, meaning that to query the </a:t>
+            </a:r>
+            <a:r>
+              <a:rPr lang="en-GB" sz="1800" dirty="0" smtClean="0"/>
+              <a:t>status of those devices you enter:</a:t>
             </a:r>
             <a:endParaRPr lang="en-GB" sz="2000" dirty="0"/>
           </a:p>
@@ -20661,8 +20238,8 @@
         </p:nvGrpSpPr>
         <p:grpSpPr>
           <a:xfrm>
-            <a:off x="3140405" y="2451791"/>
-            <a:ext cx="6429108" cy="617911"/>
+            <a:off x="2584405" y="2556252"/>
+            <a:ext cx="7023191" cy="617911"/>
             <a:chOff x="1853057" y="2225615"/>
             <a:chExt cx="8485885" cy="643336"/>
           </a:xfrm>
@@ -20829,7 +20406,7 @@
         </p:nvSpPr>
         <p:spPr>
           <a:xfrm>
-            <a:off x="786442" y="3058670"/>
+            <a:off x="786442" y="3278624"/>
             <a:ext cx="10619116" cy="1069710"/>
           </a:xfrm>
           <a:prstGeom prst="rect">
@@ -20838,7 +20415,7 @@
         </p:spPr>
         <p:txBody>
           <a:bodyPr vert="horz" lIns="91440" tIns="45720" rIns="91440" bIns="45720" rtlCol="0">
-            <a:normAutofit lnSpcReduction="10000"/>
+            <a:normAutofit/>
           </a:bodyPr>
           <a:lstStyle>
             <a:lvl1pPr marL="361950" indent="-361950" algn="l" defTabSz="914400" rtl="0" eaLnBrk="1" latinLnBrk="0" hangingPunct="1">
@@ -21006,12 +20583,23 @@
           </a:lstStyle>
           <a:p>
             <a:pPr marL="0" indent="0">
-              <a:buFont typeface="Arial" panose="020B0604020202020204" pitchFamily="34" charset="0"/>
               <a:buNone/>
             </a:pPr>
             <a:r>
+              <a:rPr lang="en-GB" sz="1800" dirty="0" smtClean="0"/>
+              <a:t>This returns an </a:t>
+            </a:r>
+            <a:r>
               <a:rPr lang="en-GB" sz="1800" dirty="0"/>
-              <a:t>Returning an array of numbers indicating the indices of the external keyboards detected. </a:t>
+              <a:t>array of numbers indicating the indices of all </a:t>
+            </a:r>
+            <a:r>
+              <a:rPr lang="en-GB" sz="1800" dirty="0" smtClean="0"/>
+              <a:t>detected external </a:t>
+            </a:r>
+            <a:r>
+              <a:rPr lang="en-GB" sz="1800" dirty="0"/>
+              <a:t>keyboards</a:t>
             </a:r>
           </a:p>
           <a:p>
@@ -21026,16 +20614,17 @@
               <a:buFont typeface="Arial" panose="020B0604020202020204" pitchFamily="34" charset="0"/>
               <a:buNone/>
             </a:pPr>
-            <a:endParaRPr lang="en-GB" sz="1800" dirty="0"/>
-          </a:p>
-          <a:p>
-            <a:pPr marL="0" indent="0">
-              <a:buFont typeface="Arial" panose="020B0604020202020204" pitchFamily="34" charset="0"/>
-              <a:buNone/>
-            </a:pPr>
+            <a:r>
+              <a:rPr lang="en-GB" sz="1800" dirty="0" smtClean="0"/>
+              <a:t>The default </a:t>
+            </a:r>
             <a:r>
               <a:rPr lang="en-GB" sz="1800" dirty="0"/>
-              <a:t>Default keyboard has index 0. Using indices can instruct PTB to query that specific device.</a:t>
+              <a:t>keyboard has index 0. Using indices can instruct PTB to query that specific </a:t>
+            </a:r>
+            <a:r>
+              <a:rPr lang="en-GB" sz="1800" dirty="0" smtClean="0"/>
+              <a:t>device:</a:t>
             </a:r>
             <a:endParaRPr lang="en-GB" sz="2000" dirty="0"/>
           </a:p>
@@ -21050,263 +20639,280 @@
       </p:sp>
       <p:grpSp>
         <p:nvGrpSpPr>
-          <p:cNvPr id="24" name="Group 23">
-            <a:extLst>
-              <a:ext uri="{FF2B5EF4-FFF2-40B4-BE49-F238E27FC236}">
-                <a16:creationId xmlns:a16="http://schemas.microsoft.com/office/drawing/2014/main" id="{A6D6B19B-B7BF-48C5-BBD4-335703760BAE}"/>
-              </a:ext>
-            </a:extLst>
-          </p:cNvPr>
+          <p:cNvPr id="3" name="Group 2"/>
           <p:cNvGrpSpPr/>
           <p:nvPr/>
         </p:nvGrpSpPr>
         <p:grpSpPr>
           <a:xfrm>
-            <a:off x="4128337" y="4312685"/>
-            <a:ext cx="1240368" cy="617911"/>
-            <a:chOff x="1853057" y="2225615"/>
-            <a:chExt cx="8485885" cy="643336"/>
+            <a:off x="3782378" y="4234311"/>
+            <a:ext cx="4627244" cy="391448"/>
+            <a:chOff x="4128337" y="4312684"/>
+            <a:chExt cx="4627244" cy="391448"/>
           </a:xfrm>
         </p:grpSpPr>
-        <p:sp>
-          <p:nvSpPr>
-            <p:cNvPr id="25" name="TextBox 24">
+        <p:grpSp>
+          <p:nvGrpSpPr>
+            <p:cNvPr id="24" name="Group 23">
               <a:extLst>
                 <a:ext uri="{FF2B5EF4-FFF2-40B4-BE49-F238E27FC236}">
-                  <a16:creationId xmlns:a16="http://schemas.microsoft.com/office/drawing/2014/main" id="{6C2E2340-7DA8-4B22-BA7E-4A2EFBA7B5B3}"/>
+                  <a16:creationId xmlns:a16="http://schemas.microsoft.com/office/drawing/2014/main" id="{A6D6B19B-B7BF-48C5-BBD4-335703760BAE}"/>
                 </a:ext>
               </a:extLst>
             </p:cNvPr>
-            <p:cNvSpPr txBox="1"/>
+            <p:cNvGrpSpPr/>
             <p:nvPr/>
-          </p:nvSpPr>
-          <p:spPr>
+          </p:nvGrpSpPr>
+          <p:grpSpPr>
             <a:xfrm>
-              <a:off x="2375023" y="2260114"/>
-              <a:ext cx="7441953" cy="608837"/>
+              <a:off x="4128337" y="4312684"/>
+              <a:ext cx="1933200" cy="391448"/>
+              <a:chOff x="1853057" y="2225615"/>
+              <a:chExt cx="8485885" cy="407555"/>
             </a:xfrm>
-            <a:prstGeom prst="rect">
-              <a:avLst/>
-            </a:prstGeom>
-            <a:noFill/>
-          </p:spPr>
-          <p:txBody>
-            <a:bodyPr wrap="square">
-              <a:spAutoFit/>
-            </a:bodyPr>
-            <a:lstStyle/>
-            <a:p>
-              <a:r>
-                <a:rPr lang="en-GB" sz="1600" b="0" i="0" dirty="0" err="1">
+          </p:grpSpPr>
+          <p:sp>
+            <p:nvSpPr>
+              <p:cNvPr id="25" name="TextBox 24">
+                <a:extLst>
+                  <a:ext uri="{FF2B5EF4-FFF2-40B4-BE49-F238E27FC236}">
+                    <a16:creationId xmlns:a16="http://schemas.microsoft.com/office/drawing/2014/main" id="{6C2E2340-7DA8-4B22-BA7E-4A2EFBA7B5B3}"/>
+                  </a:ext>
+                </a:extLst>
+              </p:cNvPr>
+              <p:cNvSpPr txBox="1"/>
+              <p:nvPr/>
+            </p:nvSpPr>
+            <p:spPr>
+              <a:xfrm>
+                <a:off x="2375025" y="2260114"/>
+                <a:ext cx="7441954" cy="352484"/>
+              </a:xfrm>
+              <a:prstGeom prst="rect">
+                <a:avLst/>
+              </a:prstGeom>
+              <a:noFill/>
+            </p:spPr>
+            <p:txBody>
+              <a:bodyPr wrap="square">
+                <a:spAutoFit/>
+              </a:bodyPr>
+              <a:lstStyle/>
+              <a:p>
+                <a:pPr algn="ctr"/>
+                <a:r>
+                  <a:rPr lang="en-GB" sz="1600" b="0" i="0" dirty="0" err="1">
+                    <a:effectLst/>
+                    <a:latin typeface="Menlo"/>
+                  </a:rPr>
+                  <a:t>KbWait</a:t>
+                </a:r>
+                <a:r>
+                  <a:rPr lang="en-GB" sz="1600" dirty="0">
+                    <a:latin typeface="Menlo"/>
+                  </a:rPr>
+                  <a:t>(1)</a:t>
+                </a:r>
+                <a:r>
+                  <a:rPr lang="en-GB" sz="1600" b="0" i="0" dirty="0">
+                    <a:effectLst/>
+                    <a:latin typeface="Menlo"/>
+                  </a:rPr>
+                  <a:t>;</a:t>
+                </a:r>
+                <a:endParaRPr lang="en-GB" sz="1800" b="0" i="0" dirty="0">
                   <a:effectLst/>
                   <a:latin typeface="Menlo"/>
-                </a:rPr>
-                <a:t>KbWait</a:t>
-              </a:r>
-              <a:r>
-                <a:rPr lang="en-GB" sz="1600" dirty="0">
-                  <a:latin typeface="Menlo"/>
-                </a:rPr>
-                <a:t>(1)</a:t>
-              </a:r>
-              <a:r>
-                <a:rPr lang="en-GB" sz="1600" b="0" i="0" dirty="0">
-                  <a:effectLst/>
-                  <a:latin typeface="Menlo"/>
-                </a:rPr>
-                <a:t>;</a:t>
-              </a:r>
-              <a:endParaRPr lang="en-GB" sz="1800" b="0" i="0" dirty="0">
-                <a:effectLst/>
-                <a:latin typeface="Menlo"/>
-              </a:endParaRPr>
-            </a:p>
-          </p:txBody>
-        </p:sp>
-        <p:sp>
-          <p:nvSpPr>
-            <p:cNvPr id="26" name="Rectangle: Rounded Corners 25">
+                </a:endParaRPr>
+              </a:p>
+            </p:txBody>
+          </p:sp>
+          <p:sp>
+            <p:nvSpPr>
+              <p:cNvPr id="26" name="Rectangle: Rounded Corners 25">
+                <a:extLst>
+                  <a:ext uri="{FF2B5EF4-FFF2-40B4-BE49-F238E27FC236}">
+                    <a16:creationId xmlns:a16="http://schemas.microsoft.com/office/drawing/2014/main" id="{19DE86BC-20E8-4878-8CF4-C70303600949}"/>
+                  </a:ext>
+                </a:extLst>
+              </p:cNvPr>
+              <p:cNvSpPr/>
+              <p:nvPr/>
+            </p:nvSpPr>
+            <p:spPr>
+              <a:xfrm>
+                <a:off x="1853057" y="2225615"/>
+                <a:ext cx="8485885" cy="407555"/>
+              </a:xfrm>
+              <a:prstGeom prst="roundRect">
+                <a:avLst/>
+              </a:prstGeom>
+              <a:noFill/>
+              <a:ln w="9525" cap="flat" cmpd="sng" algn="ctr">
+                <a:solidFill>
+                  <a:schemeClr val="dk1"/>
+                </a:solidFill>
+                <a:prstDash val="solid"/>
+                <a:round/>
+                <a:headEnd type="none" w="med" len="med"/>
+                <a:tailEnd type="none" w="med" len="med"/>
+              </a:ln>
+            </p:spPr>
+            <p:style>
+              <a:lnRef idx="0">
+                <a:scrgbClr r="0" g="0" b="0"/>
+              </a:lnRef>
+              <a:fillRef idx="0">
+                <a:scrgbClr r="0" g="0" b="0"/>
+              </a:fillRef>
+              <a:effectRef idx="0">
+                <a:scrgbClr r="0" g="0" b="0"/>
+              </a:effectRef>
+              <a:fontRef idx="minor">
+                <a:schemeClr val="dk1"/>
+              </a:fontRef>
+            </p:style>
+            <p:txBody>
+              <a:bodyPr rtlCol="0" anchor="ctr"/>
+              <a:lstStyle/>
+              <a:p>
+                <a:pPr algn="ctr"/>
+                <a:endParaRPr lang="en-GB" dirty="0"/>
+              </a:p>
+            </p:txBody>
+          </p:sp>
+        </p:grpSp>
+        <p:grpSp>
+          <p:nvGrpSpPr>
+            <p:cNvPr id="27" name="Group 26">
               <a:extLst>
                 <a:ext uri="{FF2B5EF4-FFF2-40B4-BE49-F238E27FC236}">
-                  <a16:creationId xmlns:a16="http://schemas.microsoft.com/office/drawing/2014/main" id="{19DE86BC-20E8-4878-8CF4-C70303600949}"/>
+                  <a16:creationId xmlns:a16="http://schemas.microsoft.com/office/drawing/2014/main" id="{64B1F145-031F-4C49-BFE3-B104AA9904A4}"/>
                 </a:ext>
               </a:extLst>
             </p:cNvPr>
-            <p:cNvSpPr/>
+            <p:cNvGrpSpPr/>
             <p:nvPr/>
-          </p:nvSpPr>
-          <p:spPr>
+          </p:nvGrpSpPr>
+          <p:grpSpPr>
             <a:xfrm>
-              <a:off x="1853057" y="2225615"/>
-              <a:ext cx="8485885" cy="407555"/>
+              <a:off x="6823296" y="4312684"/>
+              <a:ext cx="1932285" cy="391448"/>
+              <a:chOff x="1853057" y="2225615"/>
+              <a:chExt cx="8485885" cy="407555"/>
             </a:xfrm>
-            <a:prstGeom prst="roundRect">
-              <a:avLst/>
-            </a:prstGeom>
-            <a:noFill/>
-            <a:ln w="9525" cap="flat" cmpd="sng" algn="ctr">
-              <a:solidFill>
-                <a:schemeClr val="dk1"/>
-              </a:solidFill>
-              <a:prstDash val="solid"/>
-              <a:round/>
-              <a:headEnd type="none" w="med" len="med"/>
-              <a:tailEnd type="none" w="med" len="med"/>
-            </a:ln>
-          </p:spPr>
-          <p:style>
-            <a:lnRef idx="0">
-              <a:scrgbClr r="0" g="0" b="0"/>
-            </a:lnRef>
-            <a:fillRef idx="0">
-              <a:scrgbClr r="0" g="0" b="0"/>
-            </a:fillRef>
-            <a:effectRef idx="0">
-              <a:scrgbClr r="0" g="0" b="0"/>
-            </a:effectRef>
-            <a:fontRef idx="minor">
-              <a:schemeClr val="dk1"/>
-            </a:fontRef>
-          </p:style>
-          <p:txBody>
-            <a:bodyPr rtlCol="0" anchor="ctr"/>
-            <a:lstStyle/>
-            <a:p>
-              <a:pPr algn="ctr"/>
-              <a:endParaRPr lang="en-GB" dirty="0"/>
-            </a:p>
-          </p:txBody>
-        </p:sp>
-      </p:grpSp>
-      <p:grpSp>
-        <p:nvGrpSpPr>
-          <p:cNvPr id="27" name="Group 26">
-            <a:extLst>
-              <a:ext uri="{FF2B5EF4-FFF2-40B4-BE49-F238E27FC236}">
-                <a16:creationId xmlns:a16="http://schemas.microsoft.com/office/drawing/2014/main" id="{64B1F145-031F-4C49-BFE3-B104AA9904A4}"/>
-              </a:ext>
-            </a:extLst>
-          </p:cNvPr>
-          <p:cNvGrpSpPr/>
-          <p:nvPr/>
-        </p:nvGrpSpPr>
-        <p:grpSpPr>
-          <a:xfrm>
-            <a:off x="6823297" y="4312685"/>
-            <a:ext cx="1351984" cy="617911"/>
-            <a:chOff x="1853057" y="2225615"/>
-            <a:chExt cx="8485885" cy="643336"/>
-          </a:xfrm>
-        </p:grpSpPr>
-        <p:sp>
-          <p:nvSpPr>
-            <p:cNvPr id="28" name="TextBox 27">
-              <a:extLst>
-                <a:ext uri="{FF2B5EF4-FFF2-40B4-BE49-F238E27FC236}">
-                  <a16:creationId xmlns:a16="http://schemas.microsoft.com/office/drawing/2014/main" id="{2AA9F194-D3C3-43BD-9D08-EB7E5D643990}"/>
-                </a:ext>
-              </a:extLst>
-            </p:cNvPr>
-            <p:cNvSpPr txBox="1"/>
-            <p:nvPr/>
-          </p:nvSpPr>
-          <p:spPr>
-            <a:xfrm>
-              <a:off x="2375024" y="2260114"/>
-              <a:ext cx="7441952" cy="608837"/>
-            </a:xfrm>
-            <a:prstGeom prst="rect">
-              <a:avLst/>
-            </a:prstGeom>
-            <a:noFill/>
-          </p:spPr>
-          <p:txBody>
-            <a:bodyPr wrap="square">
-              <a:spAutoFit/>
-            </a:bodyPr>
-            <a:lstStyle/>
-            <a:p>
-              <a:r>
-                <a:rPr lang="en-GB" sz="1600" b="0" i="0" dirty="0" err="1">
+          </p:grpSpPr>
+          <p:sp>
+            <p:nvSpPr>
+              <p:cNvPr id="28" name="TextBox 27">
+                <a:extLst>
+                  <a:ext uri="{FF2B5EF4-FFF2-40B4-BE49-F238E27FC236}">
+                    <a16:creationId xmlns:a16="http://schemas.microsoft.com/office/drawing/2014/main" id="{2AA9F194-D3C3-43BD-9D08-EB7E5D643990}"/>
+                  </a:ext>
+                </a:extLst>
+              </p:cNvPr>
+              <p:cNvSpPr txBox="1"/>
+              <p:nvPr/>
+            </p:nvSpPr>
+            <p:spPr>
+              <a:xfrm>
+                <a:off x="2375024" y="2260114"/>
+                <a:ext cx="7441950" cy="352484"/>
+              </a:xfrm>
+              <a:prstGeom prst="rect">
+                <a:avLst/>
+              </a:prstGeom>
+              <a:noFill/>
+            </p:spPr>
+            <p:txBody>
+              <a:bodyPr wrap="square">
+                <a:spAutoFit/>
+              </a:bodyPr>
+              <a:lstStyle/>
+              <a:p>
+                <a:pPr algn="ctr"/>
+                <a:r>
+                  <a:rPr lang="en-GB" sz="1600" b="0" i="0" dirty="0" err="1">
+                    <a:effectLst/>
+                    <a:latin typeface="Menlo"/>
+                  </a:rPr>
+                  <a:t>KbCheck</a:t>
+                </a:r>
+                <a:r>
+                  <a:rPr lang="en-GB" sz="1600" dirty="0">
+                    <a:latin typeface="Menlo"/>
+                  </a:rPr>
+                  <a:t>(1)</a:t>
+                </a:r>
+                <a:r>
+                  <a:rPr lang="en-GB" sz="1600" b="0" i="0" dirty="0">
+                    <a:effectLst/>
+                    <a:latin typeface="Menlo"/>
+                  </a:rPr>
+                  <a:t>;</a:t>
+                </a:r>
+                <a:endParaRPr lang="en-GB" sz="1800" b="0" i="0" dirty="0">
                   <a:effectLst/>
                   <a:latin typeface="Menlo"/>
-                </a:rPr>
-                <a:t>KbCheck</a:t>
-              </a:r>
-              <a:r>
-                <a:rPr lang="en-GB" sz="1600" dirty="0">
-                  <a:latin typeface="Menlo"/>
-                </a:rPr>
-                <a:t>(1)</a:t>
-              </a:r>
-              <a:r>
-                <a:rPr lang="en-GB" sz="1600" b="0" i="0" dirty="0">
-                  <a:effectLst/>
-                  <a:latin typeface="Menlo"/>
-                </a:rPr>
-                <a:t>;</a:t>
-              </a:r>
-              <a:endParaRPr lang="en-GB" sz="1800" b="0" i="0" dirty="0">
-                <a:effectLst/>
-                <a:latin typeface="Menlo"/>
-              </a:endParaRPr>
-            </a:p>
-          </p:txBody>
-        </p:sp>
-        <p:sp>
-          <p:nvSpPr>
-            <p:cNvPr id="29" name="Rectangle: Rounded Corners 28">
-              <a:extLst>
-                <a:ext uri="{FF2B5EF4-FFF2-40B4-BE49-F238E27FC236}">
-                  <a16:creationId xmlns:a16="http://schemas.microsoft.com/office/drawing/2014/main" id="{ECE6A489-00DB-422F-AF74-CAFF35E65024}"/>
-                </a:ext>
-              </a:extLst>
-            </p:cNvPr>
-            <p:cNvSpPr/>
-            <p:nvPr/>
-          </p:nvSpPr>
-          <p:spPr>
-            <a:xfrm>
-              <a:off x="1853057" y="2225615"/>
-              <a:ext cx="8485885" cy="407555"/>
-            </a:xfrm>
-            <a:prstGeom prst="roundRect">
-              <a:avLst/>
-            </a:prstGeom>
-            <a:noFill/>
-            <a:ln w="9525" cap="flat" cmpd="sng" algn="ctr">
-              <a:solidFill>
+                </a:endParaRPr>
+              </a:p>
+            </p:txBody>
+          </p:sp>
+          <p:sp>
+            <p:nvSpPr>
+              <p:cNvPr id="29" name="Rectangle: Rounded Corners 28">
+                <a:extLst>
+                  <a:ext uri="{FF2B5EF4-FFF2-40B4-BE49-F238E27FC236}">
+                    <a16:creationId xmlns:a16="http://schemas.microsoft.com/office/drawing/2014/main" id="{ECE6A489-00DB-422F-AF74-CAFF35E65024}"/>
+                  </a:ext>
+                </a:extLst>
+              </p:cNvPr>
+              <p:cNvSpPr/>
+              <p:nvPr/>
+            </p:nvSpPr>
+            <p:spPr>
+              <a:xfrm>
+                <a:off x="1853057" y="2225615"/>
+                <a:ext cx="8485885" cy="407555"/>
+              </a:xfrm>
+              <a:prstGeom prst="roundRect">
+                <a:avLst/>
+              </a:prstGeom>
+              <a:noFill/>
+              <a:ln w="9525" cap="flat" cmpd="sng" algn="ctr">
+                <a:solidFill>
+                  <a:schemeClr val="dk1"/>
+                </a:solidFill>
+                <a:prstDash val="solid"/>
+                <a:round/>
+                <a:headEnd type="none" w="med" len="med"/>
+                <a:tailEnd type="none" w="med" len="med"/>
+              </a:ln>
+            </p:spPr>
+            <p:style>
+              <a:lnRef idx="0">
+                <a:scrgbClr r="0" g="0" b="0"/>
+              </a:lnRef>
+              <a:fillRef idx="0">
+                <a:scrgbClr r="0" g="0" b="0"/>
+              </a:fillRef>
+              <a:effectRef idx="0">
+                <a:scrgbClr r="0" g="0" b="0"/>
+              </a:effectRef>
+              <a:fontRef idx="minor">
                 <a:schemeClr val="dk1"/>
-              </a:solidFill>
-              <a:prstDash val="solid"/>
-              <a:round/>
-              <a:headEnd type="none" w="med" len="med"/>
-              <a:tailEnd type="none" w="med" len="med"/>
-            </a:ln>
-          </p:spPr>
-          <p:style>
-            <a:lnRef idx="0">
-              <a:scrgbClr r="0" g="0" b="0"/>
-            </a:lnRef>
-            <a:fillRef idx="0">
-              <a:scrgbClr r="0" g="0" b="0"/>
-            </a:fillRef>
-            <a:effectRef idx="0">
-              <a:scrgbClr r="0" g="0" b="0"/>
-            </a:effectRef>
-            <a:fontRef idx="minor">
-              <a:schemeClr val="dk1"/>
-            </a:fontRef>
-          </p:style>
-          <p:txBody>
-            <a:bodyPr rtlCol="0" anchor="ctr"/>
-            <a:lstStyle/>
-            <a:p>
-              <a:pPr algn="ctr"/>
-              <a:endParaRPr lang="en-GB" dirty="0"/>
-            </a:p>
-          </p:txBody>
-        </p:sp>
+              </a:fontRef>
+            </p:style>
+            <p:txBody>
+              <a:bodyPr rtlCol="0" anchor="ctr"/>
+              <a:lstStyle/>
+              <a:p>
+                <a:pPr algn="ctr"/>
+                <a:endParaRPr lang="en-GB" dirty="0"/>
+              </a:p>
+            </p:txBody>
+          </p:sp>
+        </p:grpSp>
       </p:grpSp>
       <p:sp>
         <p:nvSpPr>
@@ -21506,9 +21112,20 @@
             </a:pPr>
             <a:r>
               <a:rPr lang="en-GB" sz="1800" dirty="0"/>
-              <a:t>If you want to check all the devices PTB recognizes you can run  </a:t>
-            </a:r>
-            <a:endParaRPr lang="en-GB" sz="2000" dirty="0"/>
+              <a:t>If you want to check all the devices </a:t>
+            </a:r>
+            <a:r>
+              <a:rPr lang="en-GB" sz="1800" dirty="0" smtClean="0"/>
+              <a:t>that PTB </a:t>
+            </a:r>
+            <a:r>
+              <a:rPr lang="en-GB" sz="1800" dirty="0"/>
+              <a:t>recognizes you can </a:t>
+            </a:r>
+            <a:r>
+              <a:rPr lang="en-GB" sz="1800" dirty="0" smtClean="0"/>
+              <a:t>enter:</a:t>
+            </a:r>
           </a:p>
           <a:p>
             <a:pPr marL="361950" lvl="1" indent="0">
@@ -21533,8 +21150,8 @@
         </p:nvGrpSpPr>
         <p:grpSpPr>
           <a:xfrm>
-            <a:off x="4551810" y="5475614"/>
-            <a:ext cx="3088379" cy="391448"/>
+            <a:off x="4297565" y="5362326"/>
+            <a:ext cx="3596870" cy="391448"/>
             <a:chOff x="1853057" y="2225615"/>
             <a:chExt cx="8485885" cy="407555"/>
           </a:xfrm>
@@ -21567,6 +21184,7 @@
             </a:bodyPr>
             <a:lstStyle/>
             <a:p>
+              <a:pPr algn="ctr"/>
               <a:r>
                 <a:rPr lang="en-GB" sz="1600" b="0" i="0" dirty="0">
                   <a:effectLst/>
@@ -21669,7 +21287,7 @@
       </p:grpSp>
       <p:pic>
         <p:nvPicPr>
-          <p:cNvPr id="4" name="Graphic 3" descr="Keyboard with solid fill">
+          <p:cNvPr id="31" name="Graphic 3" descr="Keyboard with solid fill">
             <a:extLst>
               <a:ext uri="{FF2B5EF4-FFF2-40B4-BE49-F238E27FC236}">
                 <a16:creationId xmlns:a16="http://schemas.microsoft.com/office/drawing/2014/main" id="{EDA2B51B-FB7A-4D48-8083-C2D06111FD47}"/>
@@ -21682,13 +21300,13 @@
           <p:nvPr/>
         </p:nvPicPr>
         <p:blipFill>
-          <a:blip r:embed="rId2">
+          <a:blip r:embed="rId2" cstate="hqprint">
             <a:extLst>
               <a:ext uri="{28A0092B-C50C-407E-A947-70E740481C1C}">
                 <a14:useLocalDpi xmlns:a14="http://schemas.microsoft.com/office/drawing/2010/main" val="0"/>
               </a:ext>
               <a:ext uri="{96DAC541-7B7A-43D3-8B79-37D633B846F1}">
-                <asvg:svgBlip xmlns:asvg="http://schemas.microsoft.com/office/drawing/2016/SVG/main" r:embed="rId3"/>
+                <asvg:svgBlip xmlns:asvg="http://schemas.microsoft.com/office/drawing/2016/SVG/main" xmlns="" r:embed="rId3"/>
               </a:ext>
             </a:extLst>
           </a:blip>
@@ -21776,7 +21394,15 @@
           <a:p>
             <a:r>
               <a:rPr lang="en-GB" dirty="0"/>
-              <a:t>Reading keyboard – example 1/2</a:t>
+              <a:t>Reading </a:t>
+            </a:r>
+            <a:r>
+              <a:rPr lang="en-GB" dirty="0" smtClean="0"/>
+              <a:t>the keyboard </a:t>
+            </a:r>
+            <a:r>
+              <a:rPr lang="en-GB" dirty="0"/>
+              <a:t>– example 1/2</a:t>
             </a:r>
           </a:p>
         </p:txBody>
@@ -22042,7 +21668,7 @@
         <p:spPr>
           <a:xfrm>
             <a:off x="9512739" y="2509949"/>
-            <a:ext cx="2304615" cy="830997"/>
+            <a:ext cx="2304615" cy="738664"/>
           </a:xfrm>
           <a:prstGeom prst="rect">
             <a:avLst/>
@@ -22055,10 +21681,14 @@
           </a:bodyPr>
           <a:lstStyle/>
           <a:p>
-            <a:pPr algn="ctr"/>
-            <a:r>
-              <a:rPr lang="en-GB" sz="1600" dirty="0"/>
-              <a:t>real time in seconds when you want to stop checking for an input</a:t>
+            <a:pPr algn="r"/>
+            <a:r>
+              <a:rPr lang="en-GB" sz="1400" dirty="0" smtClean="0"/>
+              <a:t>The real clock time </a:t>
+            </a:r>
+            <a:r>
+              <a:rPr lang="en-GB" sz="1400" dirty="0"/>
+              <a:t>in seconds when you want to stop checking for an input</a:t>
             </a:r>
           </a:p>
         </p:txBody>
@@ -22165,8 +21795,8 @@
         </p:nvSpPr>
         <p:spPr>
           <a:xfrm>
-            <a:off x="6201391" y="2927194"/>
-            <a:ext cx="3265221" cy="1169551"/>
+            <a:off x="6295605" y="2927194"/>
+            <a:ext cx="3171008" cy="1169551"/>
           </a:xfrm>
           <a:prstGeom prst="rect">
             <a:avLst/>
@@ -22179,18 +21809,79 @@
           </a:bodyPr>
           <a:lstStyle/>
           <a:p>
-            <a:pPr algn="ctr"/>
+            <a:pPr algn="r"/>
             <a:r>
               <a:rPr lang="en-GB" sz="1400" dirty="0"/>
-              <a:t>A number indicating what key events to wait for:</a:t>
-            </a:r>
-          </a:p>
-          <a:p>
-            <a:pPr algn="ctr"/>
+              <a:t>A number indicating what key </a:t>
+            </a:r>
+            <a:r>
+              <a:rPr lang="en-GB" sz="1400" dirty="0" smtClean="0"/>
+              <a:t>event to wait </a:t>
+            </a:r>
             <a:r>
               <a:rPr lang="en-GB" sz="1400" dirty="0"/>
-              <a:t>0 is press, 1 is release, 2 is all key released then press, 3 is all key released, press and release</a:t>
-            </a:r>
+              <a:t>for:</a:t>
+            </a:r>
+          </a:p>
+          <a:p>
+            <a:pPr algn="r"/>
+            <a:r>
+              <a:rPr lang="en-GB" sz="1400" dirty="0"/>
+              <a:t>0 is </a:t>
+            </a:r>
+            <a:r>
+              <a:rPr lang="en-GB" sz="1400" dirty="0" smtClean="0"/>
+              <a:t>press; </a:t>
+            </a:r>
+            <a:r>
+              <a:rPr lang="en-GB" sz="1400" dirty="0"/>
+              <a:t>1 is </a:t>
+            </a:r>
+            <a:r>
+              <a:rPr lang="en-GB" sz="1400" dirty="0" smtClean="0"/>
+              <a:t>release; </a:t>
+            </a:r>
+            <a:r>
+              <a:rPr lang="en-GB" sz="1400" dirty="0"/>
+              <a:t>2 is all </a:t>
+            </a:r>
+            <a:r>
+              <a:rPr lang="en-GB" sz="1400" dirty="0" smtClean="0"/>
+              <a:t>keys released </a:t>
+            </a:r>
+            <a:r>
+              <a:rPr lang="en-GB" sz="1400" dirty="0"/>
+              <a:t>then </a:t>
+            </a:r>
+            <a:r>
+              <a:rPr lang="en-GB" sz="1400" dirty="0" smtClean="0"/>
+              <a:t>pressed; </a:t>
+            </a:r>
+            <a:r>
+              <a:rPr lang="en-GB" sz="1400" dirty="0"/>
+              <a:t>3 is all </a:t>
+            </a:r>
+            <a:r>
+              <a:rPr lang="en-GB" sz="1400" dirty="0" smtClean="0"/>
+              <a:t>keys </a:t>
+            </a:r>
+            <a:r>
+              <a:rPr lang="en-GB" sz="1400" dirty="0"/>
+              <a:t>released, </a:t>
+            </a:r>
+            <a:r>
+              <a:rPr lang="en-GB" sz="1400" dirty="0" smtClean="0"/>
+              <a:t>pressed </a:t>
+            </a:r>
+            <a:r>
+              <a:rPr lang="en-GB" sz="1400" dirty="0"/>
+              <a:t>and </a:t>
+            </a:r>
+            <a:r>
+              <a:rPr lang="en-GB" sz="1400" dirty="0" smtClean="0"/>
+              <a:t>released again</a:t>
+            </a:r>
+            <a:endParaRPr lang="en-GB" sz="1400" dirty="0"/>
           </a:p>
         </p:txBody>
       </p:sp>
@@ -22209,7 +21900,7 @@
         <p:spPr>
           <a:xfrm>
             <a:off x="1859663" y="2895238"/>
-            <a:ext cx="2755079" cy="1384995"/>
+            <a:ext cx="2841810" cy="1169551"/>
           </a:xfrm>
           <a:prstGeom prst="rect">
             <a:avLst/>
@@ -22228,8 +21919,37 @@
             </a:r>
             <a:r>
               <a:rPr lang="en-GB" sz="1400" dirty="0"/>
-              <a:t> is a 256 elements number array. Each position indicates the number with a 0 or 1 the index of the key for which a status change is being detected</a:t>
-            </a:r>
+              <a:t> is a 256 </a:t>
+            </a:r>
+            <a:r>
+              <a:rPr lang="en-GB" sz="1400" dirty="0" smtClean="0"/>
+              <a:t>element numerical </a:t>
+            </a:r>
+            <a:r>
+              <a:rPr lang="en-GB" sz="1400" dirty="0"/>
+              <a:t>array. Each position </a:t>
+            </a:r>
+            <a:r>
+              <a:rPr lang="en-GB" sz="1400" dirty="0" smtClean="0"/>
+              <a:t>indicates, with </a:t>
+            </a:r>
+            <a:r>
+              <a:rPr lang="en-GB" sz="1400" dirty="0"/>
+              <a:t>a 0 or </a:t>
+            </a:r>
+            <a:r>
+              <a:rPr lang="en-GB" sz="1400" dirty="0" smtClean="0"/>
+              <a:t>1, </a:t>
+            </a:r>
+            <a:r>
+              <a:rPr lang="en-GB" sz="1400" dirty="0"/>
+              <a:t>the index of the key for which a status change </a:t>
+            </a:r>
+            <a:r>
+              <a:rPr lang="en-GB" sz="1400" dirty="0" smtClean="0"/>
+              <a:t>has been detected</a:t>
+            </a:r>
+            <a:endParaRPr lang="en-GB" sz="1400" dirty="0"/>
           </a:p>
         </p:txBody>
       </p:sp>
@@ -22628,7 +22348,6 @@
           </a:lstStyle>
           <a:p>
             <a:pPr marL="0" indent="0">
-              <a:buFont typeface="Arial" panose="020B0604020202020204" pitchFamily="34" charset="0"/>
               <a:buNone/>
             </a:pPr>
             <a:r>
@@ -22637,24 +22356,41 @@
             </a:r>
             <a:r>
               <a:rPr lang="en-GB" sz="1800" dirty="0"/>
-              <a:t> polls the keyboard status every 5ms. This operation might not be enough for some particular cases in which timing is essential. An alternative solution could be using </a:t>
-            </a:r>
-            <a:r>
-              <a:rPr lang="en-GB" sz="1800" dirty="0" err="1"/>
+              <a:t> polls the keyboard status every </a:t>
+            </a:r>
+            <a:r>
+              <a:rPr lang="en-GB" sz="1800" dirty="0" smtClean="0"/>
+              <a:t>5ms – but this </a:t>
+            </a:r>
+            <a:r>
+              <a:rPr lang="en-GB" sz="1800" dirty="0"/>
+              <a:t>operation might not be enough for some particular cases in which </a:t>
+            </a:r>
+            <a:r>
+              <a:rPr lang="en-GB" sz="1800" dirty="0" smtClean="0"/>
+              <a:t>more accurate timing </a:t>
+            </a:r>
+            <a:r>
+              <a:rPr lang="en-GB" sz="1800" dirty="0"/>
+              <a:t>is essential. An alternative solution </a:t>
+            </a:r>
+            <a:r>
+              <a:rPr lang="en-GB" sz="1800" dirty="0" smtClean="0"/>
+              <a:t>would be to use </a:t>
+            </a:r>
+            <a:r>
+              <a:rPr lang="en-GB" sz="1800" dirty="0" err="1" smtClean="0"/>
               <a:t>kbCheck</a:t>
             </a:r>
             <a:r>
               <a:rPr lang="en-GB" sz="1800" dirty="0"/>
-              <a:t> in a </a:t>
-            </a:r>
-            <a:r>
-              <a:rPr lang="en-GB" sz="1800" dirty="0" err="1"/>
-              <a:t>for..loop</a:t>
-            </a:r>
-            <a:r>
-              <a:rPr lang="en-GB" sz="1800" dirty="0"/>
-              <a:t> statement to continuously.</a:t>
-            </a:r>
+              <a:t> continuously in a </a:t>
+            </a:r>
+            <a:r>
+              <a:rPr lang="en-GB" sz="1800" dirty="0" smtClean="0"/>
+              <a:t>for or while loop:</a:t>
+            </a:r>
+            <a:endParaRPr lang="en-GB" sz="1800" dirty="0"/>
           </a:p>
         </p:txBody>
       </p:sp>
@@ -22672,8 +22408,8 @@
         </p:nvGrpSpPr>
         <p:grpSpPr>
           <a:xfrm>
-            <a:off x="3215133" y="5464158"/>
-            <a:ext cx="5761731" cy="1063102"/>
+            <a:off x="3035933" y="5464158"/>
+            <a:ext cx="6120134" cy="1063102"/>
             <a:chOff x="1240325" y="4716857"/>
             <a:chExt cx="9967865" cy="606998"/>
           </a:xfrm>
@@ -22746,7 +22482,7 @@
           </p:nvSpPr>
           <p:spPr>
             <a:xfrm>
-              <a:off x="1803122" y="4734171"/>
+              <a:off x="1803122" y="4766511"/>
               <a:ext cx="8842265" cy="544765"/>
             </a:xfrm>
             <a:prstGeom prst="rect">
@@ -22927,13 +22663,13 @@
           <p:nvPr/>
         </p:nvPicPr>
         <p:blipFill>
-          <a:blip r:embed="rId2">
+          <a:blip r:embed="rId2" cstate="hqprint">
             <a:extLst>
               <a:ext uri="{28A0092B-C50C-407E-A947-70E740481C1C}">
                 <a14:useLocalDpi xmlns:a14="http://schemas.microsoft.com/office/drawing/2010/main" val="0"/>
               </a:ext>
               <a:ext uri="{96DAC541-7B7A-43D3-8B79-37D633B846F1}">
-                <asvg:svgBlip xmlns:asvg="http://schemas.microsoft.com/office/drawing/2016/SVG/main" r:embed="rId3"/>
+                <asvg:svgBlip xmlns:asvg="http://schemas.microsoft.com/office/drawing/2016/SVG/main" xmlns="" r:embed="rId3"/>
               </a:ext>
             </a:extLst>
           </a:blip>
@@ -22943,7 +22679,7 @@
         </p:blipFill>
         <p:spPr>
           <a:xfrm>
-            <a:off x="9335267" y="728991"/>
+            <a:off x="10346767" y="728991"/>
             <a:ext cx="914400" cy="914400"/>
           </a:xfrm>
           <a:prstGeom prst="rect">
@@ -23045,12 +22781,12 @@
         <p:spPr>
           <a:xfrm>
             <a:off x="786441" y="1678444"/>
-            <a:ext cx="10619116" cy="773347"/>
+            <a:ext cx="10619116" cy="948085"/>
           </a:xfrm>
         </p:spPr>
         <p:txBody>
           <a:bodyPr>
-            <a:normAutofit lnSpcReduction="10000"/>
+            <a:normAutofit/>
           </a:bodyPr>
           <a:lstStyle/>
           <a:p>
@@ -23059,20 +22795,53 @@
             </a:pPr>
             <a:r>
               <a:rPr lang="en-GB" sz="1800" dirty="0"/>
-              <a:t>There are extra options to be taken when execution timing is really important when designing your experiment. You can set the PTB to get more resources from your operating system preventing other applications or background processes interfering with your execution processes</a:t>
-            </a:r>
-          </a:p>
-          <a:p>
-            <a:pPr marL="0" indent="0">
-              <a:buNone/>
-            </a:pPr>
-            <a:endParaRPr lang="en-GB" sz="2000" dirty="0"/>
-          </a:p>
-          <a:p>
-            <a:pPr marL="0" indent="0">
-              <a:buNone/>
-            </a:pPr>
-            <a:endParaRPr lang="en-GB" sz="2000" dirty="0"/>
+              <a:t>There are extra </a:t>
+            </a:r>
+            <a:r>
+              <a:rPr lang="en-GB" sz="1800" dirty="0" smtClean="0"/>
+              <a:t>steps to </a:t>
+            </a:r>
+            <a:r>
+              <a:rPr lang="en-GB" sz="1800" dirty="0"/>
+              <a:t>be taken when execution timing is really important </a:t>
+            </a:r>
+            <a:r>
+              <a:rPr lang="en-GB" sz="1800" dirty="0" smtClean="0"/>
+              <a:t>for your experimental design. First, you </a:t>
+            </a:r>
+            <a:r>
+              <a:rPr lang="en-GB" sz="1800" dirty="0"/>
+              <a:t>can </a:t>
+            </a:r>
+            <a:r>
+              <a:rPr lang="en-GB" sz="1800" dirty="0" smtClean="0"/>
+              <a:t>instruct </a:t>
+            </a:r>
+            <a:r>
+              <a:rPr lang="en-GB" sz="1800" dirty="0"/>
+              <a:t>PTB to </a:t>
+            </a:r>
+            <a:r>
+              <a:rPr lang="en-GB" sz="1800" dirty="0" smtClean="0"/>
+              <a:t>ask for more </a:t>
+            </a:r>
+            <a:r>
+              <a:rPr lang="en-GB" sz="1800" dirty="0"/>
+              <a:t>resources from your operating system </a:t>
+            </a:r>
+            <a:r>
+              <a:rPr lang="en-GB" sz="1800" dirty="0" smtClean="0"/>
+              <a:t>which prevents </a:t>
+            </a:r>
+            <a:r>
+              <a:rPr lang="en-GB" sz="1800" dirty="0"/>
+              <a:t>other applications or background processes interfering with your </a:t>
+            </a:r>
+            <a:r>
+              <a:rPr lang="en-GB" sz="1800" dirty="0" smtClean="0"/>
+              <a:t>task processes:</a:t>
+            </a:r>
+            <a:endParaRPr lang="en-GB" sz="1800" dirty="0"/>
           </a:p>
         </p:txBody>
       </p:sp>
@@ -23090,10 +22859,10 @@
         </p:nvGrpSpPr>
         <p:grpSpPr>
           <a:xfrm>
-            <a:off x="3930334" y="2551376"/>
-            <a:ext cx="4331329" cy="877624"/>
+            <a:off x="3703606" y="2551375"/>
+            <a:ext cx="4784788" cy="627557"/>
             <a:chOff x="1853057" y="2225614"/>
-            <a:chExt cx="8485885" cy="899690"/>
+            <a:chExt cx="8485885" cy="643336"/>
           </a:xfrm>
         </p:grpSpPr>
         <p:sp>
@@ -23110,8 +22879,8 @@
           </p:nvSpPr>
           <p:spPr>
             <a:xfrm>
-              <a:off x="2375025" y="2260114"/>
-              <a:ext cx="7851628" cy="865190"/>
+              <a:off x="2170186" y="2260114"/>
+              <a:ext cx="7851629" cy="599478"/>
             </a:xfrm>
             <a:prstGeom prst="rect">
               <a:avLst/>
@@ -23124,6 +22893,7 @@
             </a:bodyPr>
             <a:lstStyle/>
             <a:p>
+              <a:pPr algn="ctr"/>
               <a:r>
                 <a:rPr lang="en-GB" sz="1600" b="0" i="0" dirty="0" err="1">
                   <a:effectLst/>
@@ -23160,7 +22930,7 @@
                 <a:t>PTBwindow</a:t>
               </a:r>
               <a:r>
-                <a:rPr lang="en-GB" sz="1600" b="0" i="0" dirty="0">
+                <a:rPr lang="en-GB" sz="1600" b="0" i="0" dirty="0" smtClean="0">
                   <a:effectLst/>
                   <a:latin typeface="Menlo"/>
                 </a:rPr>
@@ -23168,15 +22938,16 @@
               </a:r>
             </a:p>
             <a:p>
+              <a:pPr algn="ctr"/>
               <a:r>
-                <a:rPr lang="en-GB" sz="1600" b="0" i="0" dirty="0">
+                <a:rPr lang="en-GB" sz="1600" b="0" i="0" dirty="0" smtClean="0">
                   <a:effectLst/>
                   <a:latin typeface="Menlo"/>
                 </a:rPr>
                 <a:t>Priority(</a:t>
               </a:r>
               <a:r>
-                <a:rPr lang="en-GB" sz="1600" b="0" i="0" dirty="0" err="1">
+                <a:rPr lang="en-GB" sz="1600" b="0" i="0" dirty="0" err="1" smtClean="0">
                   <a:effectLst/>
                   <a:latin typeface="Menlo"/>
                 </a:rPr>
@@ -23659,8 +23430,45 @@
             </a:pPr>
             <a:r>
               <a:rPr lang="en-GB" sz="1800" dirty="0"/>
-              <a:t>The most accurate way for displaying stimuli with a specific duration can be achieved by calculating when the nearest flip to your desired duration should happen</a:t>
-            </a:r>
+              <a:t>The most accurate way </a:t>
+            </a:r>
+            <a:r>
+              <a:rPr lang="en-GB" sz="1800" dirty="0" smtClean="0"/>
+              <a:t>to display </a:t>
+            </a:r>
+            <a:r>
+              <a:rPr lang="en-GB" sz="1800" dirty="0"/>
+              <a:t>stimuli </a:t>
+            </a:r>
+            <a:r>
+              <a:rPr lang="en-GB" sz="1800" dirty="0" smtClean="0"/>
+              <a:t>for a </a:t>
+            </a:r>
+            <a:r>
+              <a:rPr lang="en-GB" sz="1800" dirty="0"/>
+              <a:t>specific duration </a:t>
+            </a:r>
+            <a:r>
+              <a:rPr lang="en-GB" sz="1800" dirty="0" smtClean="0"/>
+              <a:t>is to calculate </a:t>
+            </a:r>
+            <a:r>
+              <a:rPr lang="en-GB" sz="1800" dirty="0"/>
+              <a:t>when the </a:t>
+            </a:r>
+            <a:r>
+              <a:rPr lang="en-GB" sz="1800" dirty="0" smtClean="0"/>
+              <a:t>nearest ‘flip’ </a:t>
+            </a:r>
+            <a:r>
+              <a:rPr lang="en-GB" sz="1800" dirty="0"/>
+              <a:t>to your desired duration </a:t>
+            </a:r>
+            <a:r>
+              <a:rPr lang="en-GB" sz="1800" dirty="0" smtClean="0"/>
+              <a:t>will occur. To do this, we first need to query the time between screen refreshes:</a:t>
+            </a:r>
+            <a:endParaRPr lang="en-GB" sz="1800" dirty="0"/>
           </a:p>
           <a:p>
             <a:pPr marL="0" indent="0">
@@ -23692,8 +23500,8 @@
         </p:nvGrpSpPr>
         <p:grpSpPr>
           <a:xfrm>
-            <a:off x="3683815" y="4022317"/>
-            <a:ext cx="4824366" cy="422934"/>
+            <a:off x="3305217" y="4022317"/>
+            <a:ext cx="5581566" cy="422934"/>
             <a:chOff x="1853057" y="2225614"/>
             <a:chExt cx="8485885" cy="643336"/>
           </a:xfrm>
@@ -23726,19 +23534,27 @@
             </a:bodyPr>
             <a:lstStyle/>
             <a:p>
+              <a:pPr algn="ctr"/>
               <a:r>
-                <a:rPr lang="en-GB" sz="1400" b="0" i="0" dirty="0" err="1">
+                <a:rPr lang="en-GB" sz="1400" b="0" i="0" dirty="0" err="1" smtClean="0">
                   <a:effectLst/>
                   <a:latin typeface="Menlo"/>
                 </a:rPr>
-                <a:t>screenRefreshRate</a:t>
+                <a:t>flipInterval</a:t>
+              </a:r>
+              <a:r>
+                <a:rPr lang="en-GB" sz="1400" b="0" i="0" dirty="0" smtClean="0">
+                  <a:effectLst/>
+                  <a:latin typeface="Menlo"/>
+                </a:rPr>
+                <a:t> </a:t>
               </a:r>
               <a:r>
                 <a:rPr lang="en-GB" sz="1400" b="0" i="0" dirty="0">
                   <a:effectLst/>
                   <a:latin typeface="Menlo"/>
                 </a:rPr>
-                <a:t> = Screen(</a:t>
+                <a:t>= Screen(</a:t>
               </a:r>
               <a:r>
                 <a:rPr lang="en-GB" sz="1400" b="0" i="0" dirty="0">
@@ -24046,9 +23862,10 @@
               <a:buNone/>
             </a:pPr>
             <a:r>
-              <a:rPr lang="en-GB" sz="1800" dirty="0"/>
-              <a:t>Return the refresh rate of the monitor where the PTB window has been opened </a:t>
-            </a:r>
+              <a:rPr lang="en-GB" sz="1800" dirty="0" smtClean="0"/>
+              <a:t>Then we can compute the total number of screen refreshes, or ‘frames’, that we wish to display for:</a:t>
+            </a:r>
+            <a:endParaRPr lang="en-GB" sz="1800" dirty="0"/>
           </a:p>
           <a:p>
             <a:pPr marL="0" indent="0">
@@ -24080,8 +23897,8 @@
         </p:nvGrpSpPr>
         <p:grpSpPr>
           <a:xfrm>
-            <a:off x="2845806" y="4925400"/>
-            <a:ext cx="6500388" cy="508711"/>
+            <a:off x="2530163" y="4925400"/>
+            <a:ext cx="7131674" cy="508711"/>
             <a:chOff x="1853057" y="2225614"/>
             <a:chExt cx="8485885" cy="643336"/>
           </a:xfrm>
@@ -24114,6 +23931,7 @@
             </a:bodyPr>
             <a:lstStyle/>
             <a:p>
+              <a:pPr algn="ctr"/>
               <a:r>
                 <a:rPr lang="en-GB" sz="1600" b="0" i="0" dirty="0" err="1">
                   <a:effectLst/>
@@ -24140,22 +23958,33 @@
                   <a:effectLst/>
                   <a:latin typeface="Menlo"/>
                 </a:rPr>
-                <a:t> / </a:t>
+                <a:t> </a:t>
               </a:r>
               <a:r>
-                <a:rPr lang="en-GB" sz="1600" b="0" i="0" dirty="0" err="1">
+                <a:rPr lang="en-GB" sz="1600" b="0" i="0" dirty="0" smtClean="0">
                   <a:effectLst/>
                   <a:latin typeface="Menlo"/>
                 </a:rPr>
-                <a:t>screenRefreshRate</a:t>
+                <a:t>/ </a:t>
               </a:r>
               <a:r>
-                <a:rPr lang="en-GB" sz="1600" b="0" i="0" dirty="0">
+                <a:rPr lang="en-GB" sz="1600" b="0" i="0" dirty="0" err="1" smtClean="0">
+                  <a:effectLst/>
+                  <a:latin typeface="Menlo"/>
+                </a:rPr>
+                <a:t>flipInterval</a:t>
+              </a:r>
+              <a:r>
+                <a:rPr lang="en-GB" sz="1600" b="0" i="0" dirty="0" smtClean="0">
                   <a:effectLst/>
                   <a:latin typeface="Menlo"/>
                 </a:rPr>
                 <a:t>);</a:t>
               </a:r>
+              <a:endParaRPr lang="en-GB" sz="1600" b="0" i="0" dirty="0">
+                <a:effectLst/>
+                <a:latin typeface="Menlo"/>
+              </a:endParaRPr>
             </a:p>
           </p:txBody>
         </p:sp>
@@ -24411,23 +24240,34 @@
               <a:buNone/>
             </a:pPr>
             <a:r>
+              <a:rPr lang="en-GB" sz="1800" dirty="0" smtClean="0"/>
+              <a:t>Then, when </a:t>
+            </a:r>
+            <a:r>
               <a:rPr lang="en-GB" sz="1800" dirty="0"/>
-              <a:t>When calling Screen Flip we can then specify when we want the flip to happen</a:t>
-            </a:r>
-          </a:p>
-          <a:p>
-            <a:pPr marL="0" indent="0">
-              <a:buFont typeface="Arial" panose="020B0604020202020204" pitchFamily="34" charset="0"/>
-              <a:buNone/>
-            </a:pPr>
-            <a:endParaRPr lang="en-GB" sz="2000" dirty="0"/>
-          </a:p>
-          <a:p>
-            <a:pPr marL="0" indent="0">
-              <a:buFont typeface="Arial" panose="020B0604020202020204" pitchFamily="34" charset="0"/>
-              <a:buNone/>
-            </a:pPr>
-            <a:endParaRPr lang="en-GB" sz="2000" dirty="0"/>
+              <a:t>calling </a:t>
+            </a:r>
+            <a:r>
+              <a:rPr lang="en-GB" sz="1800" dirty="0" smtClean="0"/>
+              <a:t>the Screen ‘Flip’ sub-function, </a:t>
+            </a:r>
+            <a:r>
+              <a:rPr lang="en-GB" sz="1800" dirty="0"/>
+              <a:t>we can </a:t>
+            </a:r>
+            <a:r>
+              <a:rPr lang="en-GB" sz="1800" dirty="0" smtClean="0"/>
+              <a:t>specify </a:t>
+            </a:r>
+            <a:r>
+              <a:rPr lang="en-GB" sz="1800" dirty="0"/>
+              <a:t>when we want the flip to </a:t>
+            </a:r>
+            <a:r>
+              <a:rPr lang="en-GB" sz="1800" dirty="0" smtClean="0"/>
+              <a:t>happen:</a:t>
+            </a:r>
+            <a:endParaRPr lang="en-GB" sz="1800" dirty="0"/>
           </a:p>
         </p:txBody>
       </p:sp>
@@ -24445,8 +24285,8 @@
         </p:nvGrpSpPr>
         <p:grpSpPr>
           <a:xfrm>
-            <a:off x="2002907" y="6061167"/>
-            <a:ext cx="8186185" cy="508711"/>
+            <a:off x="1691974" y="6061167"/>
+            <a:ext cx="8808052" cy="508711"/>
             <a:chOff x="1853057" y="2225614"/>
             <a:chExt cx="8485885" cy="643336"/>
           </a:xfrm>
@@ -24479,6 +24319,7 @@
             </a:bodyPr>
             <a:lstStyle/>
             <a:p>
+              <a:pPr algn="ctr"/>
               <a:r>
                 <a:rPr lang="en-GB" sz="1400" b="0" i="0" dirty="0" err="1">
                   <a:effectLst/>
@@ -24616,7 +24457,7 @@
       </p:grpSp>
       <p:pic>
         <p:nvPicPr>
-          <p:cNvPr id="8" name="Graphic 7" descr="Stopwatch 25% with solid fill">
+          <p:cNvPr id="20" name="Graphic 7" descr="Stopwatch 25% with solid fill">
             <a:extLst>
               <a:ext uri="{FF2B5EF4-FFF2-40B4-BE49-F238E27FC236}">
                 <a16:creationId xmlns:a16="http://schemas.microsoft.com/office/drawing/2014/main" id="{25ADD46F-92F6-4A68-843E-3E43FF6BC4A2}"/>
@@ -24629,13 +24470,13 @@
           <p:nvPr/>
         </p:nvPicPr>
         <p:blipFill>
-          <a:blip r:embed="rId2">
+          <a:blip r:embed="rId2" cstate="hqprint">
             <a:extLst>
               <a:ext uri="{28A0092B-C50C-407E-A947-70E740481C1C}">
                 <a14:useLocalDpi xmlns:a14="http://schemas.microsoft.com/office/drawing/2010/main" val="0"/>
               </a:ext>
               <a:ext uri="{96DAC541-7B7A-43D3-8B79-37D633B846F1}">
-                <asvg:svgBlip xmlns:asvg="http://schemas.microsoft.com/office/drawing/2016/SVG/main" r:embed="rId3"/>
+                <asvg:svgBlip xmlns:asvg="http://schemas.microsoft.com/office/drawing/2016/SVG/main" xmlns="" r:embed="rId3"/>
               </a:ext>
             </a:extLst>
           </a:blip>
@@ -24761,8 +24602,29 @@
             </a:pPr>
             <a:r>
               <a:rPr lang="en-GB" sz="1800" dirty="0"/>
-              <a:t>Depending on your kind of experiment you may want to hide/show the mouse when necessary</a:t>
-            </a:r>
+              <a:t>Depending on your </a:t>
+            </a:r>
+            <a:r>
+              <a:rPr lang="en-GB" sz="1800" dirty="0" smtClean="0"/>
+              <a:t>experimental </a:t>
+            </a:r>
+            <a:r>
+              <a:rPr lang="en-GB" sz="1800" dirty="0" err="1" smtClean="0"/>
+              <a:t>desin</a:t>
+            </a:r>
+            <a:r>
+              <a:rPr lang="en-GB" sz="1800" dirty="0" smtClean="0"/>
+              <a:t> </a:t>
+            </a:r>
+            <a:r>
+              <a:rPr lang="en-GB" sz="1800" dirty="0"/>
+              <a:t>you may want to hide/show the mouse </a:t>
+            </a:r>
+            <a:r>
+              <a:rPr lang="en-GB" sz="1800" dirty="0" smtClean="0"/>
+              <a:t>cursor when necessary:</a:t>
+            </a:r>
+            <a:endParaRPr lang="en-GB" sz="1800" dirty="0"/>
           </a:p>
           <a:p>
             <a:pPr marL="0" indent="0">
@@ -24780,243 +24642,260 @@
       </p:sp>
       <p:grpSp>
         <p:nvGrpSpPr>
-          <p:cNvPr id="5" name="Group 4">
-            <a:extLst>
-              <a:ext uri="{FF2B5EF4-FFF2-40B4-BE49-F238E27FC236}">
-                <a16:creationId xmlns:a16="http://schemas.microsoft.com/office/drawing/2014/main" id="{838850B5-2378-4CEB-9FDD-5DD07257DD90}"/>
-              </a:ext>
-            </a:extLst>
-          </p:cNvPr>
+          <p:cNvPr id="3" name="Group 2"/>
           <p:cNvGrpSpPr/>
           <p:nvPr/>
         </p:nvGrpSpPr>
         <p:grpSpPr>
           <a:xfrm>
-            <a:off x="4570856" y="2227991"/>
-            <a:ext cx="1313898" cy="391448"/>
-            <a:chOff x="1853057" y="2225615"/>
-            <a:chExt cx="8485885" cy="407555"/>
+            <a:off x="4515599" y="2227991"/>
+            <a:ext cx="3160803" cy="398136"/>
+            <a:chOff x="4570856" y="2227991"/>
+            <a:chExt cx="3160803" cy="398136"/>
           </a:xfrm>
         </p:grpSpPr>
-        <p:sp>
-          <p:nvSpPr>
-            <p:cNvPr id="6" name="TextBox 5">
+        <p:grpSp>
+          <p:nvGrpSpPr>
+            <p:cNvPr id="5" name="Group 4">
               <a:extLst>
                 <a:ext uri="{FF2B5EF4-FFF2-40B4-BE49-F238E27FC236}">
-                  <a16:creationId xmlns:a16="http://schemas.microsoft.com/office/drawing/2014/main" id="{01F2E13D-E9FB-4EE4-9F30-5DAC664DFD77}"/>
+                  <a16:creationId xmlns:a16="http://schemas.microsoft.com/office/drawing/2014/main" id="{838850B5-2378-4CEB-9FDD-5DD07257DD90}"/>
                 </a:ext>
               </a:extLst>
             </p:cNvPr>
-            <p:cNvSpPr txBox="1"/>
+            <p:cNvGrpSpPr/>
             <p:nvPr/>
-          </p:nvSpPr>
-          <p:spPr>
+          </p:nvGrpSpPr>
+          <p:grpSpPr>
             <a:xfrm>
-              <a:off x="2375025" y="2260114"/>
-              <a:ext cx="7441953" cy="352484"/>
+              <a:off x="4570856" y="2227991"/>
+              <a:ext cx="1440000" cy="391448"/>
+              <a:chOff x="1853057" y="2225615"/>
+              <a:chExt cx="8485885" cy="407555"/>
             </a:xfrm>
-            <a:prstGeom prst="rect">
-              <a:avLst/>
-            </a:prstGeom>
-            <a:noFill/>
-          </p:spPr>
-          <p:txBody>
-            <a:bodyPr wrap="square">
-              <a:spAutoFit/>
-            </a:bodyPr>
-            <a:lstStyle/>
-            <a:p>
-              <a:r>
-                <a:rPr lang="en-GB" sz="1600" b="0" i="0" dirty="0" err="1">
+          </p:grpSpPr>
+          <p:sp>
+            <p:nvSpPr>
+              <p:cNvPr id="6" name="TextBox 5">
+                <a:extLst>
+                  <a:ext uri="{FF2B5EF4-FFF2-40B4-BE49-F238E27FC236}">
+                    <a16:creationId xmlns:a16="http://schemas.microsoft.com/office/drawing/2014/main" id="{01F2E13D-E9FB-4EE4-9F30-5DAC664DFD77}"/>
+                  </a:ext>
+                </a:extLst>
+              </p:cNvPr>
+              <p:cNvSpPr txBox="1"/>
+              <p:nvPr/>
+            </p:nvSpPr>
+            <p:spPr>
+              <a:xfrm>
+                <a:off x="2375025" y="2260114"/>
+                <a:ext cx="7441953" cy="352484"/>
+              </a:xfrm>
+              <a:prstGeom prst="rect">
+                <a:avLst/>
+              </a:prstGeom>
+              <a:noFill/>
+            </p:spPr>
+            <p:txBody>
+              <a:bodyPr wrap="square">
+                <a:spAutoFit/>
+              </a:bodyPr>
+              <a:lstStyle/>
+              <a:p>
+                <a:pPr algn="ctr"/>
+                <a:r>
+                  <a:rPr lang="en-GB" sz="1600" b="0" i="0" dirty="0" err="1">
+                    <a:effectLst/>
+                    <a:latin typeface="Menlo"/>
+                  </a:rPr>
+                  <a:t>HideCursor</a:t>
+                </a:r>
+                <a:endParaRPr lang="en-GB" sz="1800" b="0" i="0" dirty="0">
                   <a:effectLst/>
                   <a:latin typeface="Menlo"/>
-                </a:rPr>
-                <a:t>HideCursor</a:t>
-              </a:r>
-              <a:endParaRPr lang="en-GB" sz="1800" b="0" i="0" dirty="0">
-                <a:effectLst/>
-                <a:latin typeface="Menlo"/>
-              </a:endParaRPr>
-            </a:p>
-          </p:txBody>
-        </p:sp>
-        <p:sp>
-          <p:nvSpPr>
-            <p:cNvPr id="8" name="Rectangle: Rounded Corners 7">
+                </a:endParaRPr>
+              </a:p>
+            </p:txBody>
+          </p:sp>
+          <p:sp>
+            <p:nvSpPr>
+              <p:cNvPr id="8" name="Rectangle: Rounded Corners 7">
+                <a:extLst>
+                  <a:ext uri="{FF2B5EF4-FFF2-40B4-BE49-F238E27FC236}">
+                    <a16:creationId xmlns:a16="http://schemas.microsoft.com/office/drawing/2014/main" id="{0EE304B8-4DF2-4C07-BCF8-169830FF17C6}"/>
+                  </a:ext>
+                </a:extLst>
+              </p:cNvPr>
+              <p:cNvSpPr/>
+              <p:nvPr/>
+            </p:nvSpPr>
+            <p:spPr>
+              <a:xfrm>
+                <a:off x="1853057" y="2225615"/>
+                <a:ext cx="8485885" cy="407555"/>
+              </a:xfrm>
+              <a:prstGeom prst="roundRect">
+                <a:avLst/>
+              </a:prstGeom>
+              <a:noFill/>
+              <a:ln w="9525" cap="flat" cmpd="sng" algn="ctr">
+                <a:solidFill>
+                  <a:schemeClr val="dk1"/>
+                </a:solidFill>
+                <a:prstDash val="solid"/>
+                <a:round/>
+                <a:headEnd type="none" w="med" len="med"/>
+                <a:tailEnd type="none" w="med" len="med"/>
+              </a:ln>
+            </p:spPr>
+            <p:style>
+              <a:lnRef idx="0">
+                <a:scrgbClr r="0" g="0" b="0"/>
+              </a:lnRef>
+              <a:fillRef idx="0">
+                <a:scrgbClr r="0" g="0" b="0"/>
+              </a:fillRef>
+              <a:effectRef idx="0">
+                <a:scrgbClr r="0" g="0" b="0"/>
+              </a:effectRef>
+              <a:fontRef idx="minor">
+                <a:schemeClr val="dk1"/>
+              </a:fontRef>
+            </p:style>
+            <p:txBody>
+              <a:bodyPr rtlCol="0" anchor="ctr"/>
+              <a:lstStyle/>
+              <a:p>
+                <a:pPr algn="ctr"/>
+                <a:endParaRPr lang="en-GB" dirty="0"/>
+              </a:p>
+            </p:txBody>
+          </p:sp>
+        </p:grpSp>
+        <p:grpSp>
+          <p:nvGrpSpPr>
+            <p:cNvPr id="9" name="Group 8">
               <a:extLst>
                 <a:ext uri="{FF2B5EF4-FFF2-40B4-BE49-F238E27FC236}">
-                  <a16:creationId xmlns:a16="http://schemas.microsoft.com/office/drawing/2014/main" id="{0EE304B8-4DF2-4C07-BCF8-169830FF17C6}"/>
+                  <a16:creationId xmlns:a16="http://schemas.microsoft.com/office/drawing/2014/main" id="{F2131623-06B0-43D5-86CC-DE109CEDF1E6}"/>
                 </a:ext>
               </a:extLst>
             </p:cNvPr>
-            <p:cNvSpPr/>
+            <p:cNvGrpSpPr/>
             <p:nvPr/>
-          </p:nvSpPr>
-          <p:spPr>
+          </p:nvGrpSpPr>
+          <p:grpSpPr>
             <a:xfrm>
-              <a:off x="1853057" y="2225615"/>
-              <a:ext cx="8485885" cy="407555"/>
+              <a:off x="6283104" y="2234679"/>
+              <a:ext cx="1448555" cy="391448"/>
+              <a:chOff x="1802803" y="2225615"/>
+              <a:chExt cx="8536139" cy="407555"/>
             </a:xfrm>
-            <a:prstGeom prst="roundRect">
-              <a:avLst/>
-            </a:prstGeom>
-            <a:noFill/>
-            <a:ln w="9525" cap="flat" cmpd="sng" algn="ctr">
-              <a:solidFill>
-                <a:schemeClr val="dk1"/>
-              </a:solidFill>
-              <a:prstDash val="solid"/>
-              <a:round/>
-              <a:headEnd type="none" w="med" len="med"/>
-              <a:tailEnd type="none" w="med" len="med"/>
-            </a:ln>
-          </p:spPr>
-          <p:style>
-            <a:lnRef idx="0">
-              <a:scrgbClr r="0" g="0" b="0"/>
-            </a:lnRef>
-            <a:fillRef idx="0">
-              <a:scrgbClr r="0" g="0" b="0"/>
-            </a:fillRef>
-            <a:effectRef idx="0">
-              <a:scrgbClr r="0" g="0" b="0"/>
-            </a:effectRef>
-            <a:fontRef idx="minor">
-              <a:schemeClr val="dk1"/>
-            </a:fontRef>
-          </p:style>
-          <p:txBody>
-            <a:bodyPr rtlCol="0" anchor="ctr"/>
-            <a:lstStyle/>
-            <a:p>
-              <a:pPr algn="ctr"/>
-              <a:endParaRPr lang="en-GB" dirty="0"/>
-            </a:p>
-          </p:txBody>
-        </p:sp>
-      </p:grpSp>
-      <p:grpSp>
-        <p:nvGrpSpPr>
-          <p:cNvPr id="9" name="Group 8">
-            <a:extLst>
-              <a:ext uri="{FF2B5EF4-FFF2-40B4-BE49-F238E27FC236}">
-                <a16:creationId xmlns:a16="http://schemas.microsoft.com/office/drawing/2014/main" id="{F2131623-06B0-43D5-86CC-DE109CEDF1E6}"/>
-              </a:ext>
-            </a:extLst>
-          </p:cNvPr>
-          <p:cNvGrpSpPr/>
-          <p:nvPr/>
-        </p:nvGrpSpPr>
-        <p:grpSpPr>
-          <a:xfrm>
-            <a:off x="6291632" y="2234680"/>
-            <a:ext cx="1440027" cy="617911"/>
-            <a:chOff x="1853057" y="2225615"/>
-            <a:chExt cx="8485885" cy="643336"/>
-          </a:xfrm>
-        </p:grpSpPr>
-        <p:sp>
-          <p:nvSpPr>
-            <p:cNvPr id="10" name="TextBox 9">
-              <a:extLst>
-                <a:ext uri="{FF2B5EF4-FFF2-40B4-BE49-F238E27FC236}">
-                  <a16:creationId xmlns:a16="http://schemas.microsoft.com/office/drawing/2014/main" id="{E0FE2239-CB06-4BB2-95CD-D56A2E425E8B}"/>
-                </a:ext>
-              </a:extLst>
-            </p:cNvPr>
-            <p:cNvSpPr txBox="1"/>
-            <p:nvPr/>
-          </p:nvSpPr>
-          <p:spPr>
-            <a:xfrm>
-              <a:off x="2375025" y="2260114"/>
-              <a:ext cx="7441956" cy="608837"/>
-            </a:xfrm>
-            <a:prstGeom prst="rect">
-              <a:avLst/>
-            </a:prstGeom>
-            <a:noFill/>
-          </p:spPr>
-          <p:txBody>
-            <a:bodyPr wrap="square">
-              <a:spAutoFit/>
-            </a:bodyPr>
-            <a:lstStyle/>
-            <a:p>
-              <a:r>
-                <a:rPr lang="en-GB" sz="1600" dirty="0" err="1">
-                  <a:latin typeface="Menlo"/>
-                </a:rPr>
-                <a:t>Show</a:t>
-              </a:r>
-              <a:r>
-                <a:rPr lang="en-GB" sz="1600" b="0" i="0" dirty="0" err="1">
+          </p:grpSpPr>
+          <p:sp>
+            <p:nvSpPr>
+              <p:cNvPr id="10" name="TextBox 9">
+                <a:extLst>
+                  <a:ext uri="{FF2B5EF4-FFF2-40B4-BE49-F238E27FC236}">
+                    <a16:creationId xmlns:a16="http://schemas.microsoft.com/office/drawing/2014/main" id="{E0FE2239-CB06-4BB2-95CD-D56A2E425E8B}"/>
+                  </a:ext>
+                </a:extLst>
+              </p:cNvPr>
+              <p:cNvSpPr txBox="1"/>
+              <p:nvPr/>
+            </p:nvSpPr>
+            <p:spPr>
+              <a:xfrm>
+                <a:off x="1802803" y="2260114"/>
+                <a:ext cx="8485726" cy="352484"/>
+              </a:xfrm>
+              <a:prstGeom prst="rect">
+                <a:avLst/>
+              </a:prstGeom>
+              <a:noFill/>
+            </p:spPr>
+            <p:txBody>
+              <a:bodyPr wrap="square">
+                <a:spAutoFit/>
+              </a:bodyPr>
+              <a:lstStyle/>
+              <a:p>
+                <a:pPr algn="ctr"/>
+                <a:r>
+                  <a:rPr lang="en-GB" sz="1600" dirty="0" err="1">
+                    <a:latin typeface="Menlo"/>
+                  </a:rPr>
+                  <a:t>Show</a:t>
+                </a:r>
+                <a:r>
+                  <a:rPr lang="en-GB" sz="1600" b="0" i="0" dirty="0" err="1">
+                    <a:effectLst/>
+                    <a:latin typeface="Menlo"/>
+                  </a:rPr>
+                  <a:t>Cursor</a:t>
+                </a:r>
+                <a:endParaRPr lang="en-GB" sz="1800" b="0" i="0" dirty="0">
                   <a:effectLst/>
                   <a:latin typeface="Menlo"/>
-                </a:rPr>
-                <a:t>Cursor</a:t>
-              </a:r>
-              <a:endParaRPr lang="en-GB" sz="1800" b="0" i="0" dirty="0">
-                <a:effectLst/>
-                <a:latin typeface="Menlo"/>
-              </a:endParaRPr>
-            </a:p>
-          </p:txBody>
-        </p:sp>
-        <p:sp>
-          <p:nvSpPr>
-            <p:cNvPr id="11" name="Rectangle: Rounded Corners 10">
-              <a:extLst>
-                <a:ext uri="{FF2B5EF4-FFF2-40B4-BE49-F238E27FC236}">
-                  <a16:creationId xmlns:a16="http://schemas.microsoft.com/office/drawing/2014/main" id="{7C9841C8-31B0-49D0-AFC1-C3FFF128AF1A}"/>
-                </a:ext>
-              </a:extLst>
-            </p:cNvPr>
-            <p:cNvSpPr/>
-            <p:nvPr/>
-          </p:nvSpPr>
-          <p:spPr>
-            <a:xfrm>
-              <a:off x="1853057" y="2225615"/>
-              <a:ext cx="8485885" cy="407555"/>
-            </a:xfrm>
-            <a:prstGeom prst="roundRect">
-              <a:avLst/>
-            </a:prstGeom>
-            <a:noFill/>
-            <a:ln w="9525" cap="flat" cmpd="sng" algn="ctr">
-              <a:solidFill>
+                </a:endParaRPr>
+              </a:p>
+            </p:txBody>
+          </p:sp>
+          <p:sp>
+            <p:nvSpPr>
+              <p:cNvPr id="11" name="Rectangle: Rounded Corners 10">
+                <a:extLst>
+                  <a:ext uri="{FF2B5EF4-FFF2-40B4-BE49-F238E27FC236}">
+                    <a16:creationId xmlns:a16="http://schemas.microsoft.com/office/drawing/2014/main" id="{7C9841C8-31B0-49D0-AFC1-C3FFF128AF1A}"/>
+                  </a:ext>
+                </a:extLst>
+              </p:cNvPr>
+              <p:cNvSpPr/>
+              <p:nvPr/>
+            </p:nvSpPr>
+            <p:spPr>
+              <a:xfrm>
+                <a:off x="1853057" y="2225615"/>
+                <a:ext cx="8485885" cy="407555"/>
+              </a:xfrm>
+              <a:prstGeom prst="roundRect">
+                <a:avLst/>
+              </a:prstGeom>
+              <a:noFill/>
+              <a:ln w="9525" cap="flat" cmpd="sng" algn="ctr">
+                <a:solidFill>
+                  <a:schemeClr val="dk1"/>
+                </a:solidFill>
+                <a:prstDash val="solid"/>
+                <a:round/>
+                <a:headEnd type="none" w="med" len="med"/>
+                <a:tailEnd type="none" w="med" len="med"/>
+              </a:ln>
+            </p:spPr>
+            <p:style>
+              <a:lnRef idx="0">
+                <a:scrgbClr r="0" g="0" b="0"/>
+              </a:lnRef>
+              <a:fillRef idx="0">
+                <a:scrgbClr r="0" g="0" b="0"/>
+              </a:fillRef>
+              <a:effectRef idx="0">
+                <a:scrgbClr r="0" g="0" b="0"/>
+              </a:effectRef>
+              <a:fontRef idx="minor">
                 <a:schemeClr val="dk1"/>
-              </a:solidFill>
-              <a:prstDash val="solid"/>
-              <a:round/>
-              <a:headEnd type="none" w="med" len="med"/>
-              <a:tailEnd type="none" w="med" len="med"/>
-            </a:ln>
-          </p:spPr>
-          <p:style>
-            <a:lnRef idx="0">
-              <a:scrgbClr r="0" g="0" b="0"/>
-            </a:lnRef>
-            <a:fillRef idx="0">
-              <a:scrgbClr r="0" g="0" b="0"/>
-            </a:fillRef>
-            <a:effectRef idx="0">
-              <a:scrgbClr r="0" g="0" b="0"/>
-            </a:effectRef>
-            <a:fontRef idx="minor">
-              <a:schemeClr val="dk1"/>
-            </a:fontRef>
-          </p:style>
-          <p:txBody>
-            <a:bodyPr rtlCol="0" anchor="ctr"/>
-            <a:lstStyle/>
-            <a:p>
-              <a:pPr algn="ctr"/>
-              <a:endParaRPr lang="en-GB" dirty="0"/>
-            </a:p>
-          </p:txBody>
-        </p:sp>
+              </a:fontRef>
+            </p:style>
+            <p:txBody>
+              <a:bodyPr rtlCol="0" anchor="ctr"/>
+              <a:lstStyle/>
+              <a:p>
+                <a:pPr algn="ctr"/>
+                <a:endParaRPr lang="en-GB" dirty="0"/>
+              </a:p>
+            </p:txBody>
+          </p:sp>
+        </p:grpSp>
       </p:grpSp>
       <p:sp>
         <p:nvSpPr>
@@ -25219,13 +25098,18 @@
               <a:t>You can also </a:t>
             </a:r>
             <a:r>
-              <a:rPr lang="en-GB" sz="1800" dirty="0" err="1"/>
-              <a:t>explicity</a:t>
+              <a:rPr lang="en-GB" sz="1800" dirty="0" smtClean="0"/>
+              <a:t>explicitly </a:t>
             </a:r>
             <a:r>
               <a:rPr lang="en-GB" sz="1800" dirty="0"/>
-              <a:t> set the position of the mouse by using </a:t>
-            </a:r>
+              <a:t>set the position of the mouse by </a:t>
+            </a:r>
+            <a:r>
+              <a:rPr lang="en-GB" sz="1800" dirty="0" smtClean="0"/>
+              <a:t>entering:</a:t>
+            </a:r>
+            <a:endParaRPr lang="en-GB" sz="1800" dirty="0"/>
           </a:p>
           <a:p>
             <a:pPr marL="0" indent="0">
@@ -25257,8 +25141,8 @@
         </p:nvGrpSpPr>
         <p:grpSpPr>
           <a:xfrm>
-            <a:off x="3985967" y="3323783"/>
-            <a:ext cx="4220063" cy="391448"/>
+            <a:off x="3637669" y="3323783"/>
+            <a:ext cx="4916662" cy="391448"/>
             <a:chOff x="1853057" y="2225615"/>
             <a:chExt cx="8485885" cy="407555"/>
           </a:xfrm>
@@ -25291,6 +25175,7 @@
             </a:bodyPr>
             <a:lstStyle/>
             <a:p>
+              <a:pPr algn="ctr"/>
               <a:r>
                 <a:rPr lang="en-GB" sz="1600" b="0" i="0" dirty="0" err="1">
                   <a:effectLst/>
@@ -25606,8 +25491,8 @@
               <a:buNone/>
             </a:pPr>
             <a:r>
-              <a:rPr lang="en-GB" sz="1800" dirty="0"/>
-              <a:t>Where </a:t>
+              <a:rPr lang="en-GB" sz="1800" dirty="0" smtClean="0"/>
+              <a:t>…where </a:t>
             </a:r>
             <a:r>
               <a:rPr lang="en-GB" sz="1800" dirty="0" err="1"/>
@@ -25623,8 +25508,21 @@
             </a:r>
             <a:r>
               <a:rPr lang="en-GB" sz="1800" dirty="0"/>
-              <a:t> are the pixel coordinates in the PTB window reference where we want to set our mouse position</a:t>
-            </a:r>
+              <a:t> are the pixel coordinates in the PTB window </a:t>
+            </a:r>
+            <a:r>
+              <a:rPr lang="en-GB" sz="1800" dirty="0" smtClean="0"/>
+              <a:t>where </a:t>
+            </a:r>
+            <a:r>
+              <a:rPr lang="en-GB" sz="1800" dirty="0"/>
+              <a:t>we want to set </a:t>
+            </a:r>
+            <a:r>
+              <a:rPr lang="en-GB" sz="1800" dirty="0" smtClean="0"/>
+              <a:t>the cursor position</a:t>
+            </a:r>
+            <a:endParaRPr lang="en-GB" sz="1800" dirty="0"/>
           </a:p>
           <a:p>
             <a:pPr marL="0" indent="0">
@@ -25640,8 +25538,29 @@
             </a:pPr>
             <a:r>
               <a:rPr lang="en-GB" sz="1800" dirty="0"/>
-              <a:t>In some cases you would like to restrain the mouse within the PTB window or a portion of it</a:t>
-            </a:r>
+              <a:t>In some cases you </a:t>
+            </a:r>
+            <a:r>
+              <a:rPr lang="en-GB" sz="1800" dirty="0" smtClean="0"/>
+              <a:t>may also wish to </a:t>
+            </a:r>
+            <a:r>
+              <a:rPr lang="en-GB" sz="1800" dirty="0"/>
+              <a:t>restrain the mouse within the PTB window or </a:t>
+            </a:r>
+            <a:r>
+              <a:rPr lang="en-GB" sz="1800" dirty="0" smtClean="0"/>
+              <a:t>some </a:t>
+            </a:r>
+            <a:r>
+              <a:rPr lang="en-GB" sz="1800" dirty="0"/>
+              <a:t>portion of </a:t>
+            </a:r>
+            <a:r>
+              <a:rPr lang="en-GB" sz="1800" dirty="0" smtClean="0"/>
+              <a:t>it:</a:t>
+            </a:r>
+            <a:endParaRPr lang="en-GB" sz="1800" dirty="0"/>
           </a:p>
           <a:p>
             <a:pPr marL="0" indent="0">
@@ -25673,10 +25592,10 @@
         </p:nvGrpSpPr>
         <p:grpSpPr>
           <a:xfrm>
-            <a:off x="3292493" y="5094244"/>
-            <a:ext cx="5610136" cy="617911"/>
+            <a:off x="2915348" y="5094243"/>
+            <a:ext cx="6361305" cy="391448"/>
             <a:chOff x="1853057" y="2225615"/>
-            <a:chExt cx="8485885" cy="643336"/>
+            <a:chExt cx="8485885" cy="407555"/>
           </a:xfrm>
         </p:grpSpPr>
         <p:sp>
@@ -25694,7 +25613,7 @@
           <p:spPr>
             <a:xfrm>
               <a:off x="2375024" y="2260114"/>
-              <a:ext cx="7441951" cy="608837"/>
+              <a:ext cx="7441951" cy="352484"/>
             </a:xfrm>
             <a:prstGeom prst="rect">
               <a:avLst/>
@@ -25707,6 +25626,7 @@
             </a:bodyPr>
             <a:lstStyle/>
             <a:p>
+              <a:pPr algn="ctr"/>
               <a:r>
                 <a:rPr lang="en-GB" sz="1600" b="0" i="0" dirty="0">
                   <a:effectLst/>
@@ -25857,7 +25777,7 @@
         </p:nvCxnSpPr>
         <p:spPr>
           <a:xfrm flipH="1">
-            <a:off x="6717995" y="5518827"/>
+            <a:off x="6985031" y="5518827"/>
             <a:ext cx="165238" cy="434566"/>
           </a:xfrm>
           <a:prstGeom prst="straightConnector1">
@@ -25899,8 +25819,8 @@
         </p:nvSpPr>
         <p:spPr>
           <a:xfrm>
-            <a:off x="5485170" y="6009127"/>
-            <a:ext cx="2285168" cy="584775"/>
+            <a:off x="5752206" y="6009127"/>
+            <a:ext cx="2285168" cy="523220"/>
           </a:xfrm>
           <a:prstGeom prst="rect">
             <a:avLst/>
@@ -25913,9 +25833,25 @@
           </a:bodyPr>
           <a:lstStyle/>
           <a:p>
-            <a:r>
-              <a:rPr lang="en-GB" sz="1600" dirty="0"/>
-              <a:t>1 indicates restrain, 0 unrestrained</a:t>
+            <a:pPr algn="ctr"/>
+            <a:r>
+              <a:rPr lang="en-GB" sz="1400" dirty="0"/>
+              <a:t>1 indicates </a:t>
+            </a:r>
+            <a:r>
+              <a:rPr lang="en-GB" sz="1400" dirty="0" smtClean="0"/>
+              <a:t>restrained, </a:t>
+            </a:r>
+          </a:p>
+          <a:p>
+            <a:pPr algn="ctr"/>
+            <a:r>
+              <a:rPr lang="en-GB" sz="1400" dirty="0" smtClean="0"/>
+              <a:t>0 </a:t>
+            </a:r>
+            <a:r>
+              <a:rPr lang="en-GB" sz="1400" dirty="0"/>
+              <a:t>unrestrained</a:t>
             </a:r>
           </a:p>
         </p:txBody>
@@ -25934,7 +25870,7 @@
         </p:nvSpPr>
         <p:spPr>
           <a:xfrm>
-            <a:off x="2769790" y="5708368"/>
+            <a:off x="3182482" y="5708368"/>
             <a:ext cx="2458015" cy="738664"/>
           </a:xfrm>
           <a:prstGeom prst="rect">
@@ -25948,11 +25884,15 @@
           </a:bodyPr>
           <a:lstStyle/>
           <a:p>
-            <a:pPr algn="ctr"/>
             <a:r>
               <a:rPr lang="en-GB" sz="1400" dirty="0"/>
-              <a:t>the pointer to the PTB window where we want to draw our line</a:t>
-            </a:r>
+              <a:t>the pointer to the PTB window where we want to </a:t>
+            </a:r>
+            <a:r>
+              <a:rPr lang="en-GB" sz="1400" dirty="0" smtClean="0"/>
+              <a:t>restrict our cursor</a:t>
+            </a:r>
+            <a:endParaRPr lang="en-GB" sz="1400" dirty="0"/>
           </a:p>
         </p:txBody>
       </p:sp>
@@ -25972,7 +25912,7 @@
         </p:nvCxnSpPr>
         <p:spPr>
           <a:xfrm flipH="1">
-            <a:off x="4958900" y="5541426"/>
+            <a:off x="5371592" y="5541426"/>
             <a:ext cx="537809" cy="220909"/>
           </a:xfrm>
           <a:prstGeom prst="straightConnector1">
@@ -26014,7 +25954,7 @@
         </p:nvSpPr>
         <p:spPr>
           <a:xfrm>
-            <a:off x="8747900" y="5621663"/>
+            <a:off x="8909740" y="5621663"/>
             <a:ext cx="3268301" cy="954107"/>
           </a:xfrm>
           <a:prstGeom prst="rect">
@@ -26034,15 +25974,31 @@
             </a:r>
             <a:r>
               <a:rPr lang="en-GB" sz="1400" dirty="0"/>
-              <a:t> is a rectangle indicating the portion of the PTB window where to </a:t>
-            </a:r>
-            <a:r>
-              <a:rPr lang="en-GB" sz="1400" dirty="0" err="1"/>
-              <a:t>resrtain</a:t>
+              <a:t> is a rectangle indicating the portion of the PTB window </a:t>
+            </a:r>
+            <a:r>
+              <a:rPr lang="en-GB" sz="1400" dirty="0" smtClean="0"/>
+              <a:t>in which to restrain </a:t>
             </a:r>
             <a:r>
               <a:rPr lang="en-GB" sz="1400" dirty="0"/>
-              <a:t> the mouse. Default is empty [] indicating the full size of the window</a:t>
+              <a:t>the </a:t>
+            </a:r>
+            <a:r>
+              <a:rPr lang="en-GB" sz="1400" dirty="0" smtClean="0"/>
+              <a:t>cursor. </a:t>
+            </a:r>
+            <a:r>
+              <a:rPr lang="en-GB" sz="1400" dirty="0"/>
+              <a:t>Default is empty </a:t>
+            </a:r>
+            <a:r>
+              <a:rPr lang="en-GB" sz="1400" dirty="0" smtClean="0"/>
+              <a:t>[], </a:t>
+            </a:r>
+            <a:r>
+              <a:rPr lang="en-GB" sz="1400" dirty="0"/>
+              <a:t>indicating the full size of the window</a:t>
             </a:r>
           </a:p>
         </p:txBody>
@@ -26063,7 +26019,7 @@
         </p:nvCxnSpPr>
         <p:spPr>
           <a:xfrm>
-            <a:off x="8050989" y="5555164"/>
+            <a:off x="8212829" y="5555164"/>
             <a:ext cx="644867" cy="339130"/>
           </a:xfrm>
           <a:prstGeom prst="straightConnector1">
@@ -26093,7 +26049,7 @@
       </p:cxnSp>
       <p:pic>
         <p:nvPicPr>
-          <p:cNvPr id="7" name="Graphic 6" descr="Cursor with solid fill">
+          <p:cNvPr id="27" name="Graphic 6" descr="Cursor with solid fill">
             <a:extLst>
               <a:ext uri="{FF2B5EF4-FFF2-40B4-BE49-F238E27FC236}">
                 <a16:creationId xmlns:a16="http://schemas.microsoft.com/office/drawing/2014/main" id="{4282516D-F60F-4A8B-A0AE-A2414C54C181}"/>
@@ -26106,13 +26062,13 @@
           <p:nvPr/>
         </p:nvPicPr>
         <p:blipFill>
-          <a:blip r:embed="rId2">
+          <a:blip r:embed="rId2" cstate="hqprint">
             <a:extLst>
               <a:ext uri="{28A0092B-C50C-407E-A947-70E740481C1C}">
                 <a14:useLocalDpi xmlns:a14="http://schemas.microsoft.com/office/drawing/2010/main" val="0"/>
               </a:ext>
               <a:ext uri="{96DAC541-7B7A-43D3-8B79-37D633B846F1}">
-                <asvg:svgBlip xmlns:asvg="http://schemas.microsoft.com/office/drawing/2016/SVG/main" r:embed="rId3"/>
+                <asvg:svgBlip xmlns:asvg="http://schemas.microsoft.com/office/drawing/2016/SVG/main" xmlns="" r:embed="rId3"/>
               </a:ext>
             </a:extLst>
           </a:blip>
@@ -26238,8 +26194,13 @@
             </a:pPr>
             <a:r>
               <a:rPr lang="en-GB" sz="1800" dirty="0"/>
-              <a:t>Sometimes you would like to query the status of the mouse </a:t>
-            </a:r>
+              <a:t>Sometimes you would like to query the status of the </a:t>
+            </a:r>
+            <a:r>
+              <a:rPr lang="en-GB" sz="1800" dirty="0" smtClean="0"/>
+              <a:t>mouse, which can be achieved by entering:</a:t>
+            </a:r>
+            <a:endParaRPr lang="en-GB" sz="1800" dirty="0"/>
           </a:p>
           <a:p>
             <a:pPr marL="0" indent="0">
@@ -26269,10 +26230,10 @@
         </p:nvGrpSpPr>
         <p:grpSpPr>
           <a:xfrm>
-            <a:off x="3928916" y="2422314"/>
-            <a:ext cx="4708090" cy="617911"/>
+            <a:off x="3431814" y="2422313"/>
+            <a:ext cx="5328372" cy="391448"/>
             <a:chOff x="1853057" y="2225615"/>
-            <a:chExt cx="8485885" cy="643336"/>
+            <a:chExt cx="8485885" cy="407555"/>
           </a:xfrm>
         </p:grpSpPr>
         <p:sp>
@@ -26290,7 +26251,7 @@
           <p:spPr>
             <a:xfrm>
               <a:off x="2375027" y="2260114"/>
-              <a:ext cx="7441954" cy="608837"/>
+              <a:ext cx="7441954" cy="352484"/>
             </a:xfrm>
             <a:prstGeom prst="rect">
               <a:avLst/>
@@ -26303,6 +26264,7 @@
             </a:bodyPr>
             <a:lstStyle/>
             <a:p>
+              <a:pPr algn="ctr"/>
               <a:r>
                 <a:rPr lang="en-GB" sz="1600" b="0" i="0" dirty="0">
                   <a:effectLst/>
@@ -26628,8 +26590,8 @@
         </p:nvSpPr>
         <p:spPr>
           <a:xfrm>
-            <a:off x="8947542" y="2998663"/>
-            <a:ext cx="2458015" cy="1477328"/>
+            <a:off x="8729058" y="3265699"/>
+            <a:ext cx="2261529" cy="923330"/>
           </a:xfrm>
           <a:prstGeom prst="rect">
             <a:avLst/>
@@ -26642,11 +26604,16 @@
           </a:bodyPr>
           <a:lstStyle/>
           <a:p>
-            <a:pPr algn="ctr"/>
+            <a:pPr algn="r"/>
             <a:r>
               <a:rPr lang="en-GB" dirty="0"/>
-              <a:t>the pointer to the PTB window where we want to check if the system has focus or not</a:t>
-            </a:r>
+              <a:t>the pointer to the PTB window </a:t>
+            </a:r>
+            <a:r>
+              <a:rPr lang="en-GB" dirty="0" smtClean="0"/>
+              <a:t>we wish to check</a:t>
+            </a:r>
+            <a:endParaRPr lang="en-GB" dirty="0"/>
           </a:p>
         </p:txBody>
       </p:sp>
@@ -26666,7 +26633,7 @@
         </p:nvCxnSpPr>
         <p:spPr>
           <a:xfrm>
-            <a:off x="8183204" y="2890630"/>
+            <a:off x="7972812" y="2833986"/>
             <a:ext cx="764338" cy="441350"/>
           </a:xfrm>
           <a:prstGeom prst="straightConnector1">
@@ -26708,8 +26675,8 @@
         </p:nvSpPr>
         <p:spPr>
           <a:xfrm>
-            <a:off x="531489" y="2843710"/>
-            <a:ext cx="2458015" cy="1477328"/>
+            <a:off x="369649" y="2867986"/>
+            <a:ext cx="2458015" cy="1754326"/>
           </a:xfrm>
           <a:prstGeom prst="rect">
             <a:avLst/>
@@ -26722,11 +26689,39 @@
           </a:bodyPr>
           <a:lstStyle/>
           <a:p>
-            <a:pPr algn="ctr"/>
             <a:r>
               <a:rPr lang="en-GB" dirty="0"/>
-              <a:t>x and y pixels PTB window coordinate of the mouse location at the time when function returns</a:t>
-            </a:r>
+              <a:t>x and y pixel </a:t>
+            </a:r>
+            <a:r>
+              <a:rPr lang="en-GB" dirty="0" smtClean="0"/>
+              <a:t>coordinates </a:t>
+            </a:r>
+            <a:r>
+              <a:rPr lang="en-GB" dirty="0"/>
+              <a:t>of the mouse location </a:t>
+            </a:r>
+            <a:r>
+              <a:rPr lang="en-GB" dirty="0" smtClean="0"/>
+              <a:t>in the PTB </a:t>
+            </a:r>
+            <a:r>
+              <a:rPr lang="en-GB" dirty="0"/>
+              <a:t>window </a:t>
+            </a:r>
+            <a:r>
+              <a:rPr lang="en-GB" dirty="0" smtClean="0"/>
+              <a:t>at </a:t>
+            </a:r>
+            <a:r>
+              <a:rPr lang="en-GB" dirty="0"/>
+              <a:t>the time when </a:t>
+            </a:r>
+            <a:r>
+              <a:rPr lang="en-GB" dirty="0" smtClean="0"/>
+              <a:t>the function is called</a:t>
+            </a:r>
+            <a:endParaRPr lang="en-GB" dirty="0"/>
           </a:p>
         </p:txBody>
       </p:sp>
@@ -26746,7 +26741,7 @@
         </p:nvCxnSpPr>
         <p:spPr>
           <a:xfrm flipH="1">
-            <a:off x="3053669" y="2845674"/>
+            <a:off x="2843277" y="2845674"/>
             <a:ext cx="1308508" cy="656167"/>
           </a:xfrm>
           <a:prstGeom prst="straightConnector1">
@@ -26790,7 +26785,7 @@
         </p:nvCxnSpPr>
         <p:spPr>
           <a:xfrm flipH="1">
-            <a:off x="4426342" y="2813762"/>
+            <a:off x="4215950" y="2813762"/>
             <a:ext cx="585678" cy="978131"/>
           </a:xfrm>
           <a:prstGeom prst="straightConnector1">
@@ -26832,7 +26827,7 @@
         </p:nvSpPr>
         <p:spPr>
           <a:xfrm>
-            <a:off x="3133169" y="3756715"/>
+            <a:off x="2922777" y="3780991"/>
             <a:ext cx="2458015" cy="2031325"/>
           </a:xfrm>
           <a:prstGeom prst="rect">
@@ -26846,7 +26841,6 @@
           </a:bodyPr>
           <a:lstStyle/>
           <a:p>
-            <a:pPr algn="ctr"/>
             <a:r>
               <a:rPr lang="en-GB" dirty="0"/>
               <a:t>Logical array indicating the status of all of the mouse buttons indicating whether a button is being pressed (1) or not (0)</a:t>
@@ -26870,7 +26864,7 @@
         </p:nvCxnSpPr>
         <p:spPr>
           <a:xfrm>
-            <a:off x="5842249" y="2823546"/>
+            <a:off x="5631857" y="2823546"/>
             <a:ext cx="925887" cy="848704"/>
           </a:xfrm>
           <a:prstGeom prst="straightConnector1">
@@ -26912,8 +26906,8 @@
         </p:nvSpPr>
         <p:spPr>
           <a:xfrm>
-            <a:off x="5910363" y="3774304"/>
-            <a:ext cx="2458015" cy="1200329"/>
+            <a:off x="5699971" y="3685292"/>
+            <a:ext cx="2602457" cy="1477328"/>
           </a:xfrm>
           <a:prstGeom prst="rect">
             <a:avLst/>
@@ -26926,20 +26920,36 @@
           </a:bodyPr>
           <a:lstStyle/>
           <a:p>
-            <a:pPr algn="ctr"/>
+            <a:pPr algn="r"/>
             <a:r>
               <a:rPr lang="en-GB" dirty="0"/>
-              <a:t>Logical indicating whether the PTB window is being focused (1) or not (0)</a:t>
+              <a:t>Logical </a:t>
+            </a:r>
+            <a:r>
+              <a:rPr lang="en-GB" dirty="0" smtClean="0"/>
+              <a:t>array indicating </a:t>
+            </a:r>
+            <a:r>
+              <a:rPr lang="en-GB" dirty="0"/>
+              <a:t>whether the PTB window is </a:t>
+            </a:r>
+            <a:r>
+              <a:rPr lang="en-GB" dirty="0" smtClean="0"/>
+              <a:t>in focus (i.e. contains the mouse cursor, 1</a:t>
+            </a:r>
+            <a:r>
+              <a:rPr lang="en-GB" dirty="0"/>
+              <a:t>) or not (0)</a:t>
             </a:r>
           </a:p>
         </p:txBody>
       </p:sp>
       <p:pic>
         <p:nvPicPr>
-          <p:cNvPr id="17" name="Graphic 16" descr="Cursor with solid fill">
+          <p:cNvPr id="17" name="Graphic 6" descr="Cursor with solid fill">
             <a:extLst>
               <a:ext uri="{FF2B5EF4-FFF2-40B4-BE49-F238E27FC236}">
-                <a16:creationId xmlns:a16="http://schemas.microsoft.com/office/drawing/2014/main" id="{676F7BA5-ABC2-4AC0-A7FB-6B0C64B9A47D}"/>
+                <a16:creationId xmlns:a16="http://schemas.microsoft.com/office/drawing/2014/main" id="{4282516D-F60F-4A8B-A0AE-A2414C54C181}"/>
               </a:ext>
             </a:extLst>
           </p:cNvPr>
@@ -26949,13 +26959,13 @@
           <p:nvPr/>
         </p:nvPicPr>
         <p:blipFill>
-          <a:blip r:embed="rId2">
+          <a:blip r:embed="rId2" cstate="hqprint">
             <a:extLst>
               <a:ext uri="{28A0092B-C50C-407E-A947-70E740481C1C}">
                 <a14:useLocalDpi xmlns:a14="http://schemas.microsoft.com/office/drawing/2010/main" val="0"/>
               </a:ext>
               <a:ext uri="{96DAC541-7B7A-43D3-8B79-37D633B846F1}">
-                <asvg:svgBlip xmlns:asvg="http://schemas.microsoft.com/office/drawing/2016/SVG/main" r:embed="rId3"/>
+                <asvg:svgBlip xmlns:asvg="http://schemas.microsoft.com/office/drawing/2016/SVG/main" xmlns="" r:embed="rId3"/>
               </a:ext>
             </a:extLst>
           </a:blip>
@@ -27081,7 +27091,44 @@
             </a:pPr>
             <a:r>
               <a:rPr lang="en-GB" sz="1800" dirty="0"/>
-              <a:t>Using audio in your experiments require communicating with your systems audio drivers. PTB handles the audio with a specific function</a:t>
+              <a:t>Using audio in your experiments require communicating with your </a:t>
+            </a:r>
+            <a:r>
+              <a:rPr lang="en-GB" sz="1800" dirty="0" smtClean="0"/>
+              <a:t>system </a:t>
+            </a:r>
+            <a:r>
+              <a:rPr lang="en-GB" sz="1800" dirty="0"/>
+              <a:t>audio </a:t>
+            </a:r>
+            <a:r>
+              <a:rPr lang="en-GB" sz="1800" dirty="0" smtClean="0"/>
+              <a:t>drivers</a:t>
+            </a:r>
+          </a:p>
+          <a:p>
+            <a:pPr marL="0" indent="0">
+              <a:buNone/>
+            </a:pPr>
+            <a:r>
+              <a:rPr lang="en-GB" sz="1800" dirty="0" smtClean="0"/>
+              <a:t>PTB </a:t>
+            </a:r>
+            <a:r>
+              <a:rPr lang="en-GB" sz="1800" dirty="0"/>
+              <a:t>handles </a:t>
+            </a:r>
+            <a:r>
+              <a:rPr lang="en-GB" sz="1800" dirty="0" smtClean="0"/>
+              <a:t>this with </a:t>
+            </a:r>
+            <a:r>
+              <a:rPr lang="en-GB" sz="1800" dirty="0"/>
+              <a:t>a specific </a:t>
+            </a:r>
+            <a:r>
+              <a:rPr lang="en-GB" sz="1800" dirty="0" smtClean="0"/>
+              <a:t>function:</a:t>
             </a:r>
             <a:endParaRPr lang="en-GB" sz="1800" b="0" i="0" dirty="0">
               <a:effectLst/>
@@ -27122,8 +27169,8 @@
         </p:nvGrpSpPr>
         <p:grpSpPr>
           <a:xfrm>
-            <a:off x="5242450" y="2320764"/>
-            <a:ext cx="1707099" cy="372778"/>
+            <a:off x="5040180" y="2320764"/>
+            <a:ext cx="2111640" cy="372778"/>
             <a:chOff x="1853057" y="2225615"/>
             <a:chExt cx="8485885" cy="407555"/>
           </a:xfrm>
@@ -27156,6 +27203,7 @@
             </a:bodyPr>
             <a:lstStyle/>
             <a:p>
+              <a:pPr algn="ctr"/>
               <a:r>
                 <a:rPr lang="en-GB" sz="1600" b="0" i="0" dirty="0" err="1">
                   <a:effectLst/>
@@ -27425,7 +27473,13 @@
               <a:rPr lang="en-GB" sz="1800" dirty="0">
                 <a:latin typeface="Menlo"/>
               </a:rPr>
-              <a:t>Initialization where audio drivers are loaded into PTB is performed automatically using </a:t>
+              <a:t>Initialization </a:t>
+            </a:r>
+            <a:r>
+              <a:rPr lang="en-GB" sz="1800" dirty="0" smtClean="0">
+                <a:latin typeface="Menlo"/>
+              </a:rPr>
+              <a:t>of audio drivers can then be performed using:</a:t>
             </a:r>
             <a:endParaRPr lang="en-GB" sz="2000" dirty="0"/>
           </a:p>
@@ -27445,8 +27499,8 @@
         </p:nvGrpSpPr>
         <p:grpSpPr>
           <a:xfrm>
-            <a:off x="4989459" y="3337124"/>
-            <a:ext cx="2213079" cy="372778"/>
+            <a:off x="4833701" y="3337124"/>
+            <a:ext cx="2524599" cy="372778"/>
             <a:chOff x="1853057" y="2225615"/>
             <a:chExt cx="8485885" cy="407555"/>
           </a:xfrm>
@@ -27465,7 +27519,7 @@
           </p:nvSpPr>
           <p:spPr>
             <a:xfrm>
-              <a:off x="2375025" y="2260114"/>
+              <a:off x="2375027" y="2260114"/>
               <a:ext cx="7441959" cy="370138"/>
             </a:xfrm>
             <a:prstGeom prst="rect">
@@ -27479,18 +27533,13 @@
             </a:bodyPr>
             <a:lstStyle/>
             <a:p>
+              <a:pPr algn="ctr"/>
               <a:r>
-                <a:rPr lang="en-GB" sz="1600" b="0" i="0" dirty="0" err="1">
+                <a:rPr lang="en-GB" sz="1600" b="0" i="0" dirty="0" err="1" smtClean="0">
                   <a:effectLst/>
                   <a:latin typeface="Menlo"/>
                 </a:rPr>
                 <a:t>InitializePsychSound</a:t>
-              </a:r>
-              <a:r>
-                <a:rPr lang="en-GB" sz="1600" dirty="0">
-                  <a:latin typeface="Menlo"/>
-                </a:rPr>
-                <a:t>;</a:t>
               </a:r>
               <a:endParaRPr lang="en-GB" sz="1600" b="0" i="0" dirty="0">
                 <a:effectLst/>
@@ -27568,7 +27617,7 @@
         </p:nvGrpSpPr>
         <p:grpSpPr>
           <a:xfrm>
-            <a:off x="2470087" y="4247971"/>
+            <a:off x="2470088" y="4247971"/>
             <a:ext cx="7251825" cy="372778"/>
             <a:chOff x="1853057" y="2225615"/>
             <a:chExt cx="8485885" cy="407555"/>
@@ -27602,6 +27651,7 @@
             </a:bodyPr>
             <a:lstStyle/>
             <a:p>
+              <a:pPr algn="ctr"/>
               <a:r>
                 <a:rPr lang="en-GB" sz="1600" b="0" i="0" dirty="0">
                   <a:effectLst/>
@@ -27930,7 +27980,43 @@
               <a:rPr lang="en-GB" sz="1800" dirty="0">
                 <a:latin typeface="Menlo"/>
               </a:rPr>
-              <a:t>Before loading audio files in PTB we need to load them in the </a:t>
+              <a:t>Before </a:t>
+            </a:r>
+            <a:r>
+              <a:rPr lang="en-GB" sz="1800" dirty="0" smtClean="0">
+                <a:latin typeface="Menlo"/>
+              </a:rPr>
+              <a:t>preparing </a:t>
+            </a:r>
+            <a:r>
+              <a:rPr lang="en-GB" sz="1800" dirty="0">
+                <a:latin typeface="Menlo"/>
+              </a:rPr>
+              <a:t>audio files </a:t>
+            </a:r>
+            <a:r>
+              <a:rPr lang="en-GB" sz="1800" dirty="0" smtClean="0">
+                <a:latin typeface="Menlo"/>
+              </a:rPr>
+              <a:t>for use in </a:t>
+            </a:r>
+            <a:r>
+              <a:rPr lang="en-GB" sz="1800" dirty="0">
+                <a:latin typeface="Menlo"/>
+              </a:rPr>
+              <a:t>PTB we need to load them </a:t>
+            </a:r>
+            <a:r>
+              <a:rPr lang="en-GB" sz="1800" dirty="0" smtClean="0">
+                <a:latin typeface="Menlo"/>
+              </a:rPr>
+              <a:t>into </a:t>
+            </a:r>
+            <a:r>
+              <a:rPr lang="en-GB" sz="1800" dirty="0">
+                <a:latin typeface="Menlo"/>
+              </a:rPr>
+              <a:t>the </a:t>
             </a:r>
             <a:r>
               <a:rPr lang="en-GB" sz="1800" dirty="0" err="1">
@@ -27942,47 +28028,15 @@
               <a:rPr lang="en-GB" sz="1800" dirty="0">
                 <a:latin typeface="Menlo"/>
               </a:rPr>
-              <a:t> workspace</a:t>
-            </a:r>
-          </a:p>
-          <a:p>
-            <a:pPr marL="0" indent="0">
-              <a:buFont typeface="Arial" panose="020B0604020202020204" pitchFamily="34" charset="0"/>
-              <a:buNone/>
-            </a:pPr>
-            <a:endParaRPr lang="en-GB" sz="1800" dirty="0">
-              <a:latin typeface="Menlo"/>
-            </a:endParaRPr>
-          </a:p>
-          <a:p>
-            <a:pPr marL="0" indent="0">
-              <a:buFont typeface="Arial" panose="020B0604020202020204" pitchFamily="34" charset="0"/>
-              <a:buNone/>
-            </a:pPr>
-            <a:endParaRPr lang="en-GB" sz="1800" dirty="0">
-              <a:latin typeface="Menlo"/>
-            </a:endParaRPr>
-          </a:p>
-          <a:p>
-            <a:pPr marL="0" indent="0">
-              <a:buFont typeface="Arial" panose="020B0604020202020204" pitchFamily="34" charset="0"/>
-              <a:buNone/>
-            </a:pPr>
+              <a:t> </a:t>
+            </a:r>
+            <a:r>
+              <a:rPr lang="en-GB" sz="1800" dirty="0" smtClean="0">
+                <a:latin typeface="Menlo"/>
+              </a:rPr>
+              <a:t>workspace:</a:t>
+            </a:r>
             <a:endParaRPr lang="en-GB" sz="1800" dirty="0"/>
-          </a:p>
-          <a:p>
-            <a:pPr marL="0" indent="0">
-              <a:buFont typeface="Arial" panose="020B0604020202020204" pitchFamily="34" charset="0"/>
-              <a:buNone/>
-            </a:pPr>
-            <a:endParaRPr lang="en-GB" sz="1800" dirty="0"/>
-          </a:p>
-          <a:p>
-            <a:pPr marL="361950" lvl="1" indent="0">
-              <a:buFont typeface="Arial" panose="020B0604020202020204" pitchFamily="34" charset="0"/>
-              <a:buNone/>
-            </a:pPr>
-            <a:endParaRPr lang="en-GB" sz="2000" dirty="0"/>
           </a:p>
         </p:txBody>
       </p:sp>
@@ -28011,7 +28065,7 @@
         </p:spPr>
         <p:txBody>
           <a:bodyPr vert="horz" lIns="91440" tIns="45720" rIns="91440" bIns="45720" rtlCol="0">
-            <a:normAutofit lnSpcReduction="10000"/>
+            <a:normAutofit fontScale="92500" lnSpcReduction="10000"/>
           </a:bodyPr>
           <a:lstStyle>
             <a:lvl1pPr marL="361950" indent="-361950" algn="l" defTabSz="914400" rtl="0" eaLnBrk="1" latinLnBrk="0" hangingPunct="1">
@@ -28183,11 +28237,134 @@
               <a:buNone/>
             </a:pPr>
             <a:r>
+              <a:rPr lang="en-GB" sz="1800" dirty="0" smtClean="0">
+                <a:latin typeface="Menlo"/>
+              </a:rPr>
+              <a:t>This function returns </a:t>
+            </a:r>
+            <a:r>
               <a:rPr lang="en-GB" sz="1800" dirty="0">
                 <a:latin typeface="Menlo"/>
               </a:rPr>
-              <a:t>Returns the wave information of the audio as a matrix where each column represent an audio channel and a number indicating the sampling frequency for that audio. If the audio is mono, as most of the experimental setup have two speakers we can simulate a stereo sound by duplicating the sound wave</a:t>
-            </a:r>
+              <a:t>the </a:t>
+            </a:r>
+            <a:r>
+              <a:rPr lang="en-GB" sz="1800" dirty="0" smtClean="0">
+                <a:latin typeface="Menlo"/>
+              </a:rPr>
+              <a:t>audio signal as </a:t>
+            </a:r>
+            <a:r>
+              <a:rPr lang="en-GB" sz="1800" dirty="0">
+                <a:latin typeface="Menlo"/>
+              </a:rPr>
+              <a:t>a </a:t>
+            </a:r>
+            <a:r>
+              <a:rPr lang="en-GB" sz="1800" dirty="0" smtClean="0">
+                <a:latin typeface="Menlo"/>
+              </a:rPr>
+              <a:t>matrix, </a:t>
+            </a:r>
+            <a:r>
+              <a:rPr lang="en-GB" sz="1800" dirty="0">
+                <a:latin typeface="Menlo"/>
+              </a:rPr>
+              <a:t>where each </a:t>
+            </a:r>
+            <a:r>
+              <a:rPr lang="en-GB" sz="1800" dirty="0" smtClean="0">
+                <a:latin typeface="Menlo"/>
+              </a:rPr>
+              <a:t>row represents a single </a:t>
+            </a:r>
+            <a:r>
+              <a:rPr lang="en-GB" sz="1800" dirty="0">
+                <a:latin typeface="Menlo"/>
+              </a:rPr>
+              <a:t>audio </a:t>
+            </a:r>
+            <a:r>
+              <a:rPr lang="en-GB" sz="1800" dirty="0" smtClean="0">
+                <a:latin typeface="Menlo"/>
+              </a:rPr>
+              <a:t>channel; </a:t>
+            </a:r>
+            <a:r>
+              <a:rPr lang="en-GB" sz="1800" dirty="0">
+                <a:latin typeface="Menlo"/>
+              </a:rPr>
+              <a:t>and </a:t>
+            </a:r>
+            <a:r>
+              <a:rPr lang="en-GB" sz="1800" dirty="0" smtClean="0">
+                <a:latin typeface="Menlo"/>
+              </a:rPr>
+              <a:t>the </a:t>
+            </a:r>
+            <a:r>
+              <a:rPr lang="en-GB" sz="1800" dirty="0">
+                <a:latin typeface="Menlo"/>
+              </a:rPr>
+              <a:t>sampling frequency </a:t>
+            </a:r>
+            <a:r>
+              <a:rPr lang="en-GB" sz="1800" dirty="0" smtClean="0">
+                <a:latin typeface="Menlo"/>
+              </a:rPr>
+              <a:t>of that audio signal. </a:t>
+            </a:r>
+            <a:r>
+              <a:rPr lang="en-GB" sz="1800" dirty="0">
+                <a:latin typeface="Menlo"/>
+              </a:rPr>
+              <a:t>If the audio is mono, </a:t>
+            </a:r>
+            <a:r>
+              <a:rPr lang="en-GB" sz="1800" dirty="0" smtClean="0">
+                <a:latin typeface="Menlo"/>
+              </a:rPr>
+              <a:t>but the </a:t>
+            </a:r>
+            <a:r>
+              <a:rPr lang="en-GB" sz="1800" dirty="0">
+                <a:latin typeface="Menlo"/>
+              </a:rPr>
+              <a:t>experimental setup </a:t>
+            </a:r>
+            <a:r>
+              <a:rPr lang="en-GB" sz="1800" dirty="0" smtClean="0">
+                <a:latin typeface="Menlo"/>
+              </a:rPr>
+              <a:t>uses two speakers, then </a:t>
+            </a:r>
+            <a:r>
+              <a:rPr lang="en-GB" sz="1800" dirty="0">
+                <a:latin typeface="Menlo"/>
+              </a:rPr>
+              <a:t>we can </a:t>
+            </a:r>
+            <a:r>
+              <a:rPr lang="en-GB" sz="1800" dirty="0" smtClean="0">
+                <a:latin typeface="Menlo"/>
+              </a:rPr>
+              <a:t>generate stereo </a:t>
+            </a:r>
+            <a:r>
+              <a:rPr lang="en-GB" sz="1800" dirty="0">
+                <a:latin typeface="Menlo"/>
+              </a:rPr>
+              <a:t>sound by duplicating the sound </a:t>
+            </a:r>
+            <a:r>
+              <a:rPr lang="en-GB" sz="1800" dirty="0" smtClean="0">
+                <a:latin typeface="Menlo"/>
+              </a:rPr>
+              <a:t>wave:</a:t>
+            </a:r>
+            <a:endParaRPr lang="en-GB" sz="1800" dirty="0">
+              <a:latin typeface="Menlo"/>
+            </a:endParaRPr>
           </a:p>
           <a:p>
             <a:pPr marL="0" indent="0">
@@ -28244,8 +28421,8 @@
         </p:nvGrpSpPr>
         <p:grpSpPr>
           <a:xfrm>
-            <a:off x="4913332" y="5540716"/>
-            <a:ext cx="2600726" cy="1201108"/>
+            <a:off x="4447979" y="5540716"/>
+            <a:ext cx="3356728" cy="1201108"/>
             <a:chOff x="1853057" y="2225614"/>
             <a:chExt cx="8485885" cy="1313161"/>
           </a:xfrm>
@@ -28264,8 +28441,8 @@
           </p:nvSpPr>
           <p:spPr>
             <a:xfrm>
-              <a:off x="2375025" y="2260114"/>
-              <a:ext cx="7441959" cy="1278661"/>
+              <a:off x="2947506" y="2260114"/>
+              <a:ext cx="6286455" cy="1278661"/>
             </a:xfrm>
             <a:prstGeom prst="rect">
               <a:avLst/>
@@ -28295,17 +28472,17 @@
             </a:p>
             <a:p>
               <a:r>
-                <a:rPr lang="en-GB" sz="1400" b="0" i="0" dirty="0">
+                <a:rPr lang="en-GB" sz="1400" b="0" i="0" dirty="0" smtClean="0">
                   <a:solidFill>
                     <a:srgbClr val="00FFFF"/>
                   </a:solidFill>
                   <a:effectLst/>
                   <a:latin typeface="Menlo"/>
                 </a:rPr>
-                <a:t>if</a:t>
+                <a:t>If </a:t>
               </a:r>
               <a:r>
-                <a:rPr lang="en-GB" sz="1400" b="0" i="0" dirty="0">
+                <a:rPr lang="en-GB" sz="1400" b="0" i="0" dirty="0" smtClean="0">
                   <a:effectLst/>
                   <a:latin typeface="Menlo"/>
                 </a:rPr>
@@ -28474,13 +28651,13 @@
           <p:nvPr/>
         </p:nvPicPr>
         <p:blipFill>
-          <a:blip r:embed="rId2">
+          <a:blip r:embed="rId2" cstate="hqprint">
             <a:extLst>
               <a:ext uri="{28A0092B-C50C-407E-A947-70E740481C1C}">
                 <a14:useLocalDpi xmlns:a14="http://schemas.microsoft.com/office/drawing/2010/main" val="0"/>
               </a:ext>
               <a:ext uri="{96DAC541-7B7A-43D3-8B79-37D633B846F1}">
-                <asvg:svgBlip xmlns:asvg="http://schemas.microsoft.com/office/drawing/2016/SVG/main" r:embed="rId3"/>
+                <asvg:svgBlip xmlns:asvg="http://schemas.microsoft.com/office/drawing/2016/SVG/main" xmlns="" r:embed="rId3"/>
               </a:ext>
             </a:extLst>
           </a:blip>
@@ -28606,18 +28783,33 @@
             </a:pPr>
             <a:r>
               <a:rPr lang="en-GB" sz="1800" dirty="0"/>
-              <a:t>Once PTB has loaded the audio driver we can open an audio device to prepare for communicating with it. This function may be called only once during your script.</a:t>
-            </a:r>
-            <a:endParaRPr lang="en-GB" sz="1800" b="0" i="0" dirty="0">
-              <a:effectLst/>
-              <a:latin typeface="Menlo"/>
-            </a:endParaRPr>
+              <a:t>Once PTB has loaded the audio driver we can open an audio device to </a:t>
+            </a:r>
+            <a:r>
+              <a:rPr lang="en-GB" sz="1800" dirty="0" smtClean="0"/>
+              <a:t>communicate with.</a:t>
+            </a:r>
           </a:p>
           <a:p>
             <a:pPr marL="0" indent="0">
               <a:buNone/>
             </a:pPr>
-            <a:endParaRPr lang="en-GB" sz="1800" dirty="0"/>
+            <a:r>
+              <a:rPr lang="en-GB" sz="1800" dirty="0" smtClean="0"/>
+              <a:t>This </a:t>
+            </a:r>
+            <a:r>
+              <a:rPr lang="en-GB" sz="1800" dirty="0"/>
+              <a:t>function may be called only once during your </a:t>
+            </a:r>
+            <a:r>
+              <a:rPr lang="en-GB" sz="1800" dirty="0" smtClean="0"/>
+              <a:t>script</a:t>
+            </a:r>
+            <a:r>
+              <a:rPr lang="en-GB" sz="1800" dirty="0"/>
+              <a:t>:</a:t>
+            </a:r>
           </a:p>
           <a:p>
             <a:pPr marL="0" indent="0">
@@ -28647,8 +28839,8 @@
         </p:nvGrpSpPr>
         <p:grpSpPr>
           <a:xfrm>
-            <a:off x="1479487" y="2339528"/>
-            <a:ext cx="9233025" cy="372778"/>
+            <a:off x="1132965" y="2339528"/>
+            <a:ext cx="9926070" cy="372778"/>
             <a:chOff x="1853057" y="2225615"/>
             <a:chExt cx="8485885" cy="407555"/>
           </a:xfrm>
@@ -28717,30 +28909,40 @@
                   <a:effectLst/>
                   <a:latin typeface="Menlo"/>
                 </a:rPr>
-                <a:t>'Open’</a:t>
+                <a:t>'Open</a:t>
               </a:r>
               <a:r>
-                <a:rPr lang="en-GB" sz="1600" b="0" i="0" dirty="0">
+                <a:rPr lang="en-GB" sz="1600" b="0" i="0" dirty="0" smtClean="0">
+                  <a:solidFill>
+                    <a:srgbClr val="A020F0"/>
+                  </a:solidFill>
+                  <a:effectLst/>
+                  <a:latin typeface="Menlo"/>
+                </a:rPr>
+                <a:t>’</a:t>
+              </a:r>
+              <a:r>
+                <a:rPr lang="en-GB" sz="1600" b="0" i="0" dirty="0" smtClean="0">
                   <a:effectLst/>
                   <a:latin typeface="Menlo"/>
                 </a:rPr>
                 <a:t>,</a:t>
               </a:r>
               <a:r>
-                <a:rPr lang="en-GB" sz="1600" b="0" i="0" dirty="0" err="1">
+                <a:rPr lang="en-GB" sz="1600" b="0" i="0" dirty="0" err="1" smtClean="0">
                   <a:effectLst/>
                   <a:latin typeface="Menlo"/>
                 </a:rPr>
                 <a:t>audioDevice,playType,</a:t>
               </a:r>
               <a:r>
-                <a:rPr lang="en-GB" sz="1600" dirty="0" err="1">
+                <a:rPr lang="en-GB" sz="1600" dirty="0" err="1" smtClean="0">
                   <a:latin typeface="Menlo"/>
                 </a:rPr>
                 <a:t>latency</a:t>
               </a:r>
               <a:r>
-                <a:rPr lang="en-GB" sz="1600" b="0" i="0" dirty="0" err="1">
+                <a:rPr lang="en-GB" sz="1600" b="0" i="0" dirty="0" err="1" smtClean="0">
                   <a:effectLst/>
                   <a:latin typeface="Menlo"/>
                 </a:rPr>
@@ -28825,7 +29027,7 @@
         </p:nvSpPr>
         <p:spPr>
           <a:xfrm>
-            <a:off x="10387947" y="2920129"/>
+            <a:off x="10485051" y="3067410"/>
             <a:ext cx="1477618" cy="830997"/>
           </a:xfrm>
           <a:prstGeom prst="rect">
@@ -28839,11 +29041,24 @@
           </a:bodyPr>
           <a:lstStyle/>
           <a:p>
-            <a:pPr algn="ctr"/>
+            <a:pPr algn="r"/>
             <a:r>
               <a:rPr lang="en-GB" sz="1200" dirty="0"/>
-              <a:t>Number of audio channels to use. Default is 2 (stereo mode)</a:t>
-            </a:r>
+              <a:t>Number of audio channels to use. </a:t>
+            </a:r>
+            <a:r>
+              <a:rPr lang="en-GB" sz="1200" dirty="0" smtClean="0"/>
+              <a:t>The default </a:t>
+            </a:r>
+            <a:r>
+              <a:rPr lang="en-GB" sz="1200" dirty="0"/>
+              <a:t>is 2 </a:t>
+            </a:r>
+            <a:r>
+              <a:rPr lang="en-GB" sz="1200" dirty="0" smtClean="0"/>
+              <a:t>(i.e. stereo)</a:t>
+            </a:r>
+            <a:endParaRPr lang="en-GB" sz="1200" dirty="0"/>
           </a:p>
         </p:txBody>
       </p:sp>
@@ -28863,7 +29078,7 @@
         </p:nvCxnSpPr>
         <p:spPr>
           <a:xfrm>
-            <a:off x="9694902" y="2671788"/>
+            <a:off x="9905294" y="2736524"/>
             <a:ext cx="681775" cy="308477"/>
           </a:xfrm>
           <a:prstGeom prst="straightConnector1">
@@ -28907,7 +29122,7 @@
         </p:nvCxnSpPr>
         <p:spPr>
           <a:xfrm>
-            <a:off x="8582685" y="2709637"/>
+            <a:off x="8793077" y="2733913"/>
             <a:ext cx="400866" cy="335516"/>
           </a:xfrm>
           <a:prstGeom prst="straightConnector1">
@@ -28949,8 +29164,8 @@
         </p:nvSpPr>
         <p:spPr>
           <a:xfrm>
-            <a:off x="8461995" y="3071812"/>
-            <a:ext cx="1766103" cy="830997"/>
+            <a:off x="8869234" y="3067410"/>
+            <a:ext cx="1569256" cy="830997"/>
           </a:xfrm>
           <a:prstGeom prst="rect">
             <a:avLst/>
@@ -28963,10 +29178,26 @@
           </a:bodyPr>
           <a:lstStyle/>
           <a:p>
-            <a:pPr algn="ctr"/>
+            <a:pPr algn="r"/>
             <a:r>
               <a:rPr lang="en-GB" sz="1200" dirty="0"/>
-              <a:t>Requested rate in samples per seconds (Hz) for the playback, capture</a:t>
+              <a:t>Requested rate in samples per </a:t>
+            </a:r>
+            <a:r>
+              <a:rPr lang="en-GB" sz="1200" dirty="0" smtClean="0"/>
+              <a:t>second (i.e. Hz</a:t>
+            </a:r>
+            <a:r>
+              <a:rPr lang="en-GB" sz="1200" dirty="0"/>
+              <a:t>) for </a:t>
+            </a:r>
+            <a:r>
+              <a:rPr lang="en-GB" sz="1200" dirty="0" smtClean="0"/>
+              <a:t>playback or </a:t>
+            </a:r>
+            <a:r>
+              <a:rPr lang="en-GB" sz="1200" dirty="0"/>
+              <a:t>capture</a:t>
             </a:r>
           </a:p>
         </p:txBody>
@@ -28987,7 +29218,7 @@
         </p:nvCxnSpPr>
         <p:spPr>
           <a:xfrm>
-            <a:off x="7487865" y="2723604"/>
+            <a:off x="7698257" y="2723604"/>
             <a:ext cx="4289" cy="361288"/>
           </a:xfrm>
           <a:prstGeom prst="straightConnector1">
@@ -29029,7 +29260,7 @@
         </p:nvSpPr>
         <p:spPr>
           <a:xfrm>
-            <a:off x="6183338" y="3085329"/>
+            <a:off x="6571754" y="3067410"/>
             <a:ext cx="2278657" cy="1200329"/>
           </a:xfrm>
           <a:prstGeom prst="rect">
@@ -29046,7 +29277,23 @@
             <a:pPr algn="ctr"/>
             <a:r>
               <a:rPr lang="en-GB" sz="1200" dirty="0"/>
-              <a:t>Select how to deal with latency. 0 means don’t care about timing precision, 1 lowest latency, 2 take full control of the audio device (preventing other app to use it)</a:t>
+              <a:t>Select how to deal with latency. 0 means don’t care about timing precision, 1 </a:t>
+            </a:r>
+            <a:r>
+              <a:rPr lang="en-GB" sz="1200" dirty="0" smtClean="0"/>
+              <a:t>means lowest </a:t>
+            </a:r>
+            <a:r>
+              <a:rPr lang="en-GB" sz="1200" dirty="0"/>
+              <a:t>latency, 2 take full control of the audio device (preventing other </a:t>
+            </a:r>
+            <a:r>
+              <a:rPr lang="en-GB" sz="1200" dirty="0" smtClean="0"/>
+              <a:t>apps using </a:t>
+            </a:r>
+            <a:r>
+              <a:rPr lang="en-GB" sz="1200" dirty="0"/>
+              <a:t>it)</a:t>
             </a:r>
           </a:p>
         </p:txBody>
@@ -29067,7 +29314,7 @@
         </p:nvCxnSpPr>
         <p:spPr>
           <a:xfrm flipH="1">
-            <a:off x="5986491" y="2765745"/>
+            <a:off x="6196883" y="2741469"/>
             <a:ext cx="419423" cy="316915"/>
           </a:xfrm>
           <a:prstGeom prst="straightConnector1">
@@ -29109,8 +29356,8 @@
         </p:nvSpPr>
         <p:spPr>
           <a:xfrm>
-            <a:off x="4990495" y="3129010"/>
-            <a:ext cx="1397251" cy="646331"/>
+            <a:off x="5200887" y="3067410"/>
+            <a:ext cx="1397251" cy="461665"/>
           </a:xfrm>
           <a:prstGeom prst="rect">
             <a:avLst/>
@@ -29123,11 +29370,26 @@
           </a:bodyPr>
           <a:lstStyle/>
           <a:p>
-            <a:pPr algn="ctr"/>
             <a:r>
               <a:rPr lang="en-GB" sz="1200" dirty="0"/>
-              <a:t>1 for playback, 2 for capturing audio</a:t>
-            </a:r>
+              <a:t>1 for playback, </a:t>
+            </a:r>
+            <a:endParaRPr lang="en-GB" sz="1200" dirty="0" smtClean="0"/>
+          </a:p>
+          <a:p>
+            <a:r>
+              <a:rPr lang="en-GB" sz="1200" dirty="0" smtClean="0"/>
+              <a:t>2 </a:t>
+            </a:r>
+            <a:r>
+              <a:rPr lang="en-GB" sz="1200" dirty="0"/>
+              <a:t>for </a:t>
+            </a:r>
+            <a:r>
+              <a:rPr lang="en-GB" sz="1200" dirty="0" smtClean="0"/>
+              <a:t>capture</a:t>
+            </a:r>
+            <a:endParaRPr lang="en-GB" sz="1200" dirty="0"/>
           </a:p>
         </p:txBody>
       </p:sp>
@@ -29145,7 +29407,7 @@
         </p:nvSpPr>
         <p:spPr>
           <a:xfrm>
-            <a:off x="3573649" y="3079839"/>
+            <a:off x="3784041" y="3067410"/>
             <a:ext cx="1397251" cy="646331"/>
           </a:xfrm>
           <a:prstGeom prst="rect">
@@ -29159,7 +29421,6 @@
           </a:bodyPr>
           <a:lstStyle/>
           <a:p>
-            <a:pPr algn="ctr"/>
             <a:r>
               <a:rPr lang="en-GB" sz="1200" dirty="0"/>
               <a:t>Select the audio device you want to interact with</a:t>
@@ -29183,7 +29444,7 @@
         </p:nvCxnSpPr>
         <p:spPr>
           <a:xfrm flipH="1">
-            <a:off x="4695382" y="2737615"/>
+            <a:off x="4905774" y="2737615"/>
             <a:ext cx="588911" cy="316915"/>
           </a:xfrm>
           <a:prstGeom prst="straightConnector1">
@@ -29225,8 +29486,8 @@
         </p:nvSpPr>
         <p:spPr>
           <a:xfrm>
-            <a:off x="1174527" y="3075502"/>
-            <a:ext cx="1980887" cy="830997"/>
+            <a:off x="810387" y="3067410"/>
+            <a:ext cx="2143206" cy="830997"/>
           </a:xfrm>
           <a:prstGeom prst="rect">
             <a:avLst/>
@@ -29239,11 +29500,15 @@
           </a:bodyPr>
           <a:lstStyle/>
           <a:p>
-            <a:pPr algn="ctr"/>
             <a:r>
               <a:rPr lang="en-GB" sz="1200" dirty="0"/>
-              <a:t>Returns a pointer to the audio device we just opened we are going to use for playing any audio</a:t>
-            </a:r>
+              <a:t>Returns a pointer to the audio device we just opened </a:t>
+            </a:r>
+            <a:r>
+              <a:rPr lang="en-GB" sz="1200" dirty="0" smtClean="0"/>
+              <a:t>– this will be used by any subsequent audio functions</a:t>
+            </a:r>
+            <a:endParaRPr lang="en-GB" sz="1200" dirty="0"/>
           </a:p>
         </p:txBody>
       </p:sp>
@@ -29263,7 +29528,7 @@
         </p:nvCxnSpPr>
         <p:spPr>
           <a:xfrm flipH="1">
-            <a:off x="2272089" y="2733601"/>
+            <a:off x="1907949" y="2733601"/>
             <a:ext cx="368701" cy="349058"/>
           </a:xfrm>
           <a:prstGeom prst="straightConnector1">
@@ -29305,9 +29570,9 @@
         </p:nvGrpSpPr>
         <p:grpSpPr>
           <a:xfrm>
-            <a:off x="3315202" y="4890045"/>
-            <a:ext cx="5467916" cy="372778"/>
-            <a:chOff x="1853057" y="2225615"/>
+            <a:off x="3222061" y="4614918"/>
+            <a:ext cx="5747878" cy="372778"/>
+            <a:chOff x="1853057" y="2172534"/>
             <a:chExt cx="8485885" cy="407555"/>
           </a:xfrm>
         </p:grpSpPr>
@@ -29325,7 +29590,7 @@
           </p:nvSpPr>
           <p:spPr>
             <a:xfrm>
-              <a:off x="2375026" y="2260114"/>
+              <a:off x="2375025" y="2207032"/>
               <a:ext cx="7441959" cy="370138"/>
             </a:xfrm>
             <a:prstGeom prst="rect">
@@ -29421,7 +29686,7 @@
           </p:nvSpPr>
           <p:spPr>
             <a:xfrm>
-              <a:off x="1853057" y="2225615"/>
+              <a:off x="1853057" y="2172534"/>
               <a:ext cx="8485885" cy="407555"/>
             </a:xfrm>
             <a:prstGeom prst="roundRect">
@@ -29478,7 +29743,7 @@
         </p:nvSpPr>
         <p:spPr>
           <a:xfrm>
-            <a:off x="786442" y="4303088"/>
+            <a:off x="786442" y="4262628"/>
             <a:ext cx="10619116" cy="910847"/>
           </a:xfrm>
           <a:prstGeom prst="rect">
@@ -29660,8 +29925,36 @@
             </a:pPr>
             <a:r>
               <a:rPr lang="en-GB" sz="1800" dirty="0"/>
-              <a:t>Once the audio device has been opened we can finally load the audio into an holder PTB recognizes. The holder is an audio buffer</a:t>
-            </a:r>
+              <a:t>Once the audio device has been </a:t>
+            </a:r>
+            <a:r>
+              <a:rPr lang="en-GB" sz="1800" dirty="0" smtClean="0"/>
+              <a:t>opened, </a:t>
+            </a:r>
+            <a:r>
+              <a:rPr lang="en-GB" sz="1800" dirty="0"/>
+              <a:t>we can </a:t>
+            </a:r>
+            <a:r>
+              <a:rPr lang="en-GB" sz="1800" dirty="0" smtClean="0"/>
+              <a:t>load </a:t>
+            </a:r>
+            <a:r>
+              <a:rPr lang="en-GB" sz="1800" dirty="0"/>
+              <a:t>the audio </a:t>
+            </a:r>
+            <a:r>
+              <a:rPr lang="en-GB" sz="1800" dirty="0" smtClean="0"/>
+              <a:t>data into the audio ‘buffer’:</a:t>
+            </a:r>
+            <a:endParaRPr lang="en-GB" sz="1800" dirty="0"/>
+          </a:p>
+          <a:p>
+            <a:pPr marL="361950" lvl="1" indent="0">
+              <a:buFont typeface="Arial" panose="020B0604020202020204" pitchFamily="34" charset="0"/>
+              <a:buNone/>
+            </a:pPr>
+            <a:endParaRPr lang="en-GB" sz="2000" dirty="0"/>
           </a:p>
         </p:txBody>
       </p:sp>
@@ -29681,7 +29974,7 @@
         </p:nvSpPr>
         <p:spPr>
           <a:xfrm>
-            <a:off x="786442" y="5310447"/>
+            <a:off x="786442" y="5083871"/>
             <a:ext cx="10619116" cy="910847"/>
           </a:xfrm>
           <a:prstGeom prst="rect">
@@ -29863,8 +30156,13 @@
             </a:pPr>
             <a:r>
               <a:rPr lang="en-GB" sz="1800" dirty="0"/>
-              <a:t>With the audio on the buffer we can finally</a:t>
-            </a:r>
+              <a:t>With the audio on the buffer we can </a:t>
+            </a:r>
+            <a:r>
+              <a:rPr lang="en-GB" sz="1800" dirty="0" smtClean="0"/>
+              <a:t>finally start or stop the audio output:</a:t>
+            </a:r>
+            <a:endParaRPr lang="en-GB" sz="1800" dirty="0"/>
           </a:p>
           <a:p>
             <a:pPr marL="0" indent="0">
@@ -29884,305 +30182,322 @@
       </p:sp>
       <p:grpSp>
         <p:nvGrpSpPr>
-          <p:cNvPr id="44" name="Group 43">
-            <a:extLst>
-              <a:ext uri="{FF2B5EF4-FFF2-40B4-BE49-F238E27FC236}">
-                <a16:creationId xmlns:a16="http://schemas.microsoft.com/office/drawing/2014/main" id="{37E5B3A7-6BFE-4264-9135-2C034174C67E}"/>
-              </a:ext>
-            </a:extLst>
-          </p:cNvPr>
+          <p:cNvPr id="9" name="Group 8"/>
           <p:cNvGrpSpPr/>
           <p:nvPr/>
         </p:nvGrpSpPr>
         <p:grpSpPr>
           <a:xfrm>
-            <a:off x="2047413" y="5691642"/>
-            <a:ext cx="3707113" cy="372778"/>
-            <a:chOff x="1853057" y="2225615"/>
-            <a:chExt cx="8485885" cy="407555"/>
+            <a:off x="1380472" y="5427995"/>
+            <a:ext cx="9431056" cy="377481"/>
+            <a:chOff x="1294857" y="5686939"/>
+            <a:chExt cx="9431056" cy="377481"/>
           </a:xfrm>
         </p:grpSpPr>
-        <p:sp>
-          <p:nvSpPr>
-            <p:cNvPr id="45" name="TextBox 44">
+        <p:grpSp>
+          <p:nvGrpSpPr>
+            <p:cNvPr id="44" name="Group 43">
               <a:extLst>
                 <a:ext uri="{FF2B5EF4-FFF2-40B4-BE49-F238E27FC236}">
-                  <a16:creationId xmlns:a16="http://schemas.microsoft.com/office/drawing/2014/main" id="{3B6883DB-E22E-4EF7-9FEF-64A74DE3E62D}"/>
+                  <a16:creationId xmlns:a16="http://schemas.microsoft.com/office/drawing/2014/main" id="{37E5B3A7-6BFE-4264-9135-2C034174C67E}"/>
                 </a:ext>
               </a:extLst>
             </p:cNvPr>
-            <p:cNvSpPr txBox="1"/>
+            <p:cNvGrpSpPr/>
             <p:nvPr/>
-          </p:nvSpPr>
-          <p:spPr>
+          </p:nvGrpSpPr>
+          <p:grpSpPr>
             <a:xfrm>
-              <a:off x="2375026" y="2260114"/>
-              <a:ext cx="7441959" cy="370138"/>
+              <a:off x="1294857" y="5691642"/>
+              <a:ext cx="4320000" cy="372778"/>
+              <a:chOff x="1853057" y="2225615"/>
+              <a:chExt cx="8485885" cy="407555"/>
             </a:xfrm>
-            <a:prstGeom prst="rect">
-              <a:avLst/>
-            </a:prstGeom>
-            <a:noFill/>
-          </p:spPr>
-          <p:txBody>
-            <a:bodyPr wrap="square">
-              <a:spAutoFit/>
-            </a:bodyPr>
-            <a:lstStyle/>
-            <a:p>
-              <a:r>
-                <a:rPr lang="en-GB" sz="1600" b="0" i="0" dirty="0" err="1">
-                  <a:effectLst/>
-                  <a:latin typeface="Menlo"/>
-                </a:rPr>
-                <a:t>PsychPortAudio</a:t>
-              </a:r>
-              <a:r>
-                <a:rPr lang="en-GB" sz="1600" b="0" i="0" dirty="0">
-                  <a:effectLst/>
-                  <a:latin typeface="Menlo"/>
-                </a:rPr>
-                <a:t>(</a:t>
-              </a:r>
-              <a:r>
-                <a:rPr lang="en-GB" sz="1600" b="0" i="0" dirty="0">
-                  <a:solidFill>
-                    <a:srgbClr val="A020F0"/>
-                  </a:solidFill>
-                  <a:effectLst/>
-                  <a:latin typeface="Menlo"/>
-                </a:rPr>
-                <a:t>'Start'</a:t>
-              </a:r>
-              <a:r>
-                <a:rPr lang="en-GB" sz="1600" b="0" i="0" dirty="0">
-                  <a:effectLst/>
-                  <a:latin typeface="Menlo"/>
-                </a:rPr>
-                <a:t>,</a:t>
-              </a:r>
-              <a:r>
-                <a:rPr lang="en-GB" sz="1600" b="0" i="0" dirty="0" err="1">
-                  <a:effectLst/>
-                  <a:latin typeface="Menlo"/>
-                </a:rPr>
-                <a:t>audioHandle</a:t>
-              </a:r>
-              <a:r>
-                <a:rPr lang="en-GB" sz="1600" b="0" i="0" dirty="0">
-                  <a:effectLst/>
-                  <a:latin typeface="Menlo"/>
-                </a:rPr>
-                <a:t>);</a:t>
-              </a:r>
-            </a:p>
-          </p:txBody>
-        </p:sp>
-        <p:sp>
-          <p:nvSpPr>
-            <p:cNvPr id="46" name="Rectangle: Rounded Corners 45">
+          </p:grpSpPr>
+          <p:sp>
+            <p:nvSpPr>
+              <p:cNvPr id="45" name="TextBox 44">
+                <a:extLst>
+                  <a:ext uri="{FF2B5EF4-FFF2-40B4-BE49-F238E27FC236}">
+                    <a16:creationId xmlns:a16="http://schemas.microsoft.com/office/drawing/2014/main" id="{3B6883DB-E22E-4EF7-9FEF-64A74DE3E62D}"/>
+                  </a:ext>
+                </a:extLst>
+              </p:cNvPr>
+              <p:cNvSpPr txBox="1"/>
+              <p:nvPr/>
+            </p:nvSpPr>
+            <p:spPr>
+              <a:xfrm>
+                <a:off x="2375026" y="2260114"/>
+                <a:ext cx="7441959" cy="370138"/>
+              </a:xfrm>
+              <a:prstGeom prst="rect">
+                <a:avLst/>
+              </a:prstGeom>
+              <a:noFill/>
+            </p:spPr>
+            <p:txBody>
+              <a:bodyPr wrap="square">
+                <a:spAutoFit/>
+              </a:bodyPr>
+              <a:lstStyle/>
+              <a:p>
+                <a:pPr algn="ctr"/>
+                <a:r>
+                  <a:rPr lang="en-GB" sz="1600" b="0" i="0" dirty="0" err="1">
+                    <a:effectLst/>
+                    <a:latin typeface="Menlo"/>
+                  </a:rPr>
+                  <a:t>PsychPortAudio</a:t>
+                </a:r>
+                <a:r>
+                  <a:rPr lang="en-GB" sz="1600" b="0" i="0" dirty="0">
+                    <a:effectLst/>
+                    <a:latin typeface="Menlo"/>
+                  </a:rPr>
+                  <a:t>(</a:t>
+                </a:r>
+                <a:r>
+                  <a:rPr lang="en-GB" sz="1600" b="0" i="0" dirty="0">
+                    <a:solidFill>
+                      <a:srgbClr val="A020F0"/>
+                    </a:solidFill>
+                    <a:effectLst/>
+                    <a:latin typeface="Menlo"/>
+                  </a:rPr>
+                  <a:t>'Start'</a:t>
+                </a:r>
+                <a:r>
+                  <a:rPr lang="en-GB" sz="1600" b="0" i="0" dirty="0">
+                    <a:effectLst/>
+                    <a:latin typeface="Menlo"/>
+                  </a:rPr>
+                  <a:t>,</a:t>
+                </a:r>
+                <a:r>
+                  <a:rPr lang="en-GB" sz="1600" b="0" i="0" dirty="0" err="1">
+                    <a:effectLst/>
+                    <a:latin typeface="Menlo"/>
+                  </a:rPr>
+                  <a:t>audioHandle</a:t>
+                </a:r>
+                <a:r>
+                  <a:rPr lang="en-GB" sz="1600" b="0" i="0" dirty="0">
+                    <a:effectLst/>
+                    <a:latin typeface="Menlo"/>
+                  </a:rPr>
+                  <a:t>);</a:t>
+                </a:r>
+              </a:p>
+            </p:txBody>
+          </p:sp>
+          <p:sp>
+            <p:nvSpPr>
+              <p:cNvPr id="46" name="Rectangle: Rounded Corners 45">
+                <a:extLst>
+                  <a:ext uri="{FF2B5EF4-FFF2-40B4-BE49-F238E27FC236}">
+                    <a16:creationId xmlns:a16="http://schemas.microsoft.com/office/drawing/2014/main" id="{2D33D793-70A9-492D-BED6-62C509CB9164}"/>
+                  </a:ext>
+                </a:extLst>
+              </p:cNvPr>
+              <p:cNvSpPr/>
+              <p:nvPr/>
+            </p:nvSpPr>
+            <p:spPr>
+              <a:xfrm>
+                <a:off x="1853057" y="2225615"/>
+                <a:ext cx="8485885" cy="407555"/>
+              </a:xfrm>
+              <a:prstGeom prst="roundRect">
+                <a:avLst/>
+              </a:prstGeom>
+              <a:noFill/>
+              <a:ln w="9525" cap="flat" cmpd="sng" algn="ctr">
+                <a:solidFill>
+                  <a:schemeClr val="dk1"/>
+                </a:solidFill>
+                <a:prstDash val="solid"/>
+                <a:round/>
+                <a:headEnd type="none" w="med" len="med"/>
+                <a:tailEnd type="none" w="med" len="med"/>
+              </a:ln>
+            </p:spPr>
+            <p:style>
+              <a:lnRef idx="0">
+                <a:scrgbClr r="0" g="0" b="0"/>
+              </a:lnRef>
+              <a:fillRef idx="0">
+                <a:scrgbClr r="0" g="0" b="0"/>
+              </a:fillRef>
+              <a:effectRef idx="0">
+                <a:scrgbClr r="0" g="0" b="0"/>
+              </a:effectRef>
+              <a:fontRef idx="minor">
+                <a:schemeClr val="dk1"/>
+              </a:fontRef>
+            </p:style>
+            <p:txBody>
+              <a:bodyPr rtlCol="0" anchor="ctr"/>
+              <a:lstStyle/>
+              <a:p>
+                <a:pPr algn="ctr"/>
+                <a:endParaRPr lang="en-GB" dirty="0"/>
+              </a:p>
+            </p:txBody>
+          </p:sp>
+        </p:grpSp>
+        <p:grpSp>
+          <p:nvGrpSpPr>
+            <p:cNvPr id="50" name="Group 49">
               <a:extLst>
                 <a:ext uri="{FF2B5EF4-FFF2-40B4-BE49-F238E27FC236}">
-                  <a16:creationId xmlns:a16="http://schemas.microsoft.com/office/drawing/2014/main" id="{2D33D793-70A9-492D-BED6-62C509CB9164}"/>
+                  <a16:creationId xmlns:a16="http://schemas.microsoft.com/office/drawing/2014/main" id="{AD851663-3EBB-4345-8F34-9273BF193052}"/>
                 </a:ext>
               </a:extLst>
             </p:cNvPr>
-            <p:cNvSpPr/>
+            <p:cNvGrpSpPr/>
             <p:nvPr/>
-          </p:nvSpPr>
-          <p:spPr>
+          </p:nvGrpSpPr>
+          <p:grpSpPr>
             <a:xfrm>
-              <a:off x="1853057" y="2225615"/>
-              <a:ext cx="8485885" cy="407555"/>
+              <a:off x="6405913" y="5686939"/>
+              <a:ext cx="4320000" cy="372778"/>
+              <a:chOff x="1853057" y="2225615"/>
+              <a:chExt cx="8485885" cy="407555"/>
             </a:xfrm>
-            <a:prstGeom prst="roundRect">
-              <a:avLst/>
-            </a:prstGeom>
-            <a:noFill/>
-            <a:ln w="9525" cap="flat" cmpd="sng" algn="ctr">
-              <a:solidFill>
+          </p:grpSpPr>
+          <p:sp>
+            <p:nvSpPr>
+              <p:cNvPr id="51" name="TextBox 50">
+                <a:extLst>
+                  <a:ext uri="{FF2B5EF4-FFF2-40B4-BE49-F238E27FC236}">
+                    <a16:creationId xmlns:a16="http://schemas.microsoft.com/office/drawing/2014/main" id="{F5F536B3-AABF-4C4D-BCCF-D5BCD8EAA4B1}"/>
+                  </a:ext>
+                </a:extLst>
+              </p:cNvPr>
+              <p:cNvSpPr txBox="1"/>
+              <p:nvPr/>
+            </p:nvSpPr>
+            <p:spPr>
+              <a:xfrm>
+                <a:off x="2375026" y="2260114"/>
+                <a:ext cx="7441959" cy="370138"/>
+              </a:xfrm>
+              <a:prstGeom prst="rect">
+                <a:avLst/>
+              </a:prstGeom>
+              <a:noFill/>
+            </p:spPr>
+            <p:txBody>
+              <a:bodyPr wrap="square">
+                <a:spAutoFit/>
+              </a:bodyPr>
+              <a:lstStyle/>
+              <a:p>
+                <a:pPr algn="ctr"/>
+                <a:r>
+                  <a:rPr lang="en-GB" sz="1600" b="0" i="0" dirty="0" err="1">
+                    <a:effectLst/>
+                    <a:latin typeface="Menlo"/>
+                  </a:rPr>
+                  <a:t>PsychPortAudio</a:t>
+                </a:r>
+                <a:r>
+                  <a:rPr lang="en-GB" sz="1600" b="0" i="0" dirty="0">
+                    <a:effectLst/>
+                    <a:latin typeface="Menlo"/>
+                  </a:rPr>
+                  <a:t>(</a:t>
+                </a:r>
+                <a:r>
+                  <a:rPr lang="en-GB" sz="1600" b="0" i="0" dirty="0">
+                    <a:solidFill>
+                      <a:srgbClr val="A020F0"/>
+                    </a:solidFill>
+                    <a:effectLst/>
+                    <a:latin typeface="Menlo"/>
+                  </a:rPr>
+                  <a:t>‘Stop'</a:t>
+                </a:r>
+                <a:r>
+                  <a:rPr lang="en-GB" sz="1600" b="0" i="0" dirty="0">
+                    <a:effectLst/>
+                    <a:latin typeface="Menlo"/>
+                  </a:rPr>
+                  <a:t>,</a:t>
+                </a:r>
+                <a:r>
+                  <a:rPr lang="en-GB" sz="1600" b="0" i="0" dirty="0" err="1">
+                    <a:effectLst/>
+                    <a:latin typeface="Menlo"/>
+                  </a:rPr>
+                  <a:t>audioHandle</a:t>
+                </a:r>
+                <a:r>
+                  <a:rPr lang="en-GB" sz="1600" b="0" i="0" dirty="0">
+                    <a:effectLst/>
+                    <a:latin typeface="Menlo"/>
+                  </a:rPr>
+                  <a:t>);</a:t>
+                </a:r>
+              </a:p>
+            </p:txBody>
+          </p:sp>
+          <p:sp>
+            <p:nvSpPr>
+              <p:cNvPr id="52" name="Rectangle: Rounded Corners 51">
+                <a:extLst>
+                  <a:ext uri="{FF2B5EF4-FFF2-40B4-BE49-F238E27FC236}">
+                    <a16:creationId xmlns:a16="http://schemas.microsoft.com/office/drawing/2014/main" id="{E7AD1026-D9B9-45B8-B4EF-F1F456979992}"/>
+                  </a:ext>
+                </a:extLst>
+              </p:cNvPr>
+              <p:cNvSpPr/>
+              <p:nvPr/>
+            </p:nvSpPr>
+            <p:spPr>
+              <a:xfrm>
+                <a:off x="1853057" y="2225615"/>
+                <a:ext cx="8485885" cy="407555"/>
+              </a:xfrm>
+              <a:prstGeom prst="roundRect">
+                <a:avLst/>
+              </a:prstGeom>
+              <a:noFill/>
+              <a:ln w="9525" cap="flat" cmpd="sng" algn="ctr">
+                <a:solidFill>
+                  <a:schemeClr val="dk1"/>
+                </a:solidFill>
+                <a:prstDash val="solid"/>
+                <a:round/>
+                <a:headEnd type="none" w="med" len="med"/>
+                <a:tailEnd type="none" w="med" len="med"/>
+              </a:ln>
+            </p:spPr>
+            <p:style>
+              <a:lnRef idx="0">
+                <a:scrgbClr r="0" g="0" b="0"/>
+              </a:lnRef>
+              <a:fillRef idx="0">
+                <a:scrgbClr r="0" g="0" b="0"/>
+              </a:fillRef>
+              <a:effectRef idx="0">
+                <a:scrgbClr r="0" g="0" b="0"/>
+              </a:effectRef>
+              <a:fontRef idx="minor">
                 <a:schemeClr val="dk1"/>
-              </a:solidFill>
-              <a:prstDash val="solid"/>
-              <a:round/>
-              <a:headEnd type="none" w="med" len="med"/>
-              <a:tailEnd type="none" w="med" len="med"/>
-            </a:ln>
-          </p:spPr>
-          <p:style>
-            <a:lnRef idx="0">
-              <a:scrgbClr r="0" g="0" b="0"/>
-            </a:lnRef>
-            <a:fillRef idx="0">
-              <a:scrgbClr r="0" g="0" b="0"/>
-            </a:fillRef>
-            <a:effectRef idx="0">
-              <a:scrgbClr r="0" g="0" b="0"/>
-            </a:effectRef>
-            <a:fontRef idx="minor">
-              <a:schemeClr val="dk1"/>
-            </a:fontRef>
-          </p:style>
-          <p:txBody>
-            <a:bodyPr rtlCol="0" anchor="ctr"/>
-            <a:lstStyle/>
-            <a:p>
-              <a:pPr algn="ctr"/>
-              <a:endParaRPr lang="en-GB" dirty="0"/>
-            </a:p>
-          </p:txBody>
-        </p:sp>
-      </p:grpSp>
-      <p:grpSp>
-        <p:nvGrpSpPr>
-          <p:cNvPr id="50" name="Group 49">
-            <a:extLst>
-              <a:ext uri="{FF2B5EF4-FFF2-40B4-BE49-F238E27FC236}">
-                <a16:creationId xmlns:a16="http://schemas.microsoft.com/office/drawing/2014/main" id="{AD851663-3EBB-4345-8F34-9273BF193052}"/>
-              </a:ext>
-            </a:extLst>
-          </p:cNvPr>
-          <p:cNvGrpSpPr/>
-          <p:nvPr/>
-        </p:nvGrpSpPr>
-        <p:grpSpPr>
-          <a:xfrm>
-            <a:off x="6405914" y="5686939"/>
-            <a:ext cx="3707113" cy="372778"/>
-            <a:chOff x="1853057" y="2225615"/>
-            <a:chExt cx="8485885" cy="407555"/>
-          </a:xfrm>
-        </p:grpSpPr>
-        <p:sp>
-          <p:nvSpPr>
-            <p:cNvPr id="51" name="TextBox 50">
-              <a:extLst>
-                <a:ext uri="{FF2B5EF4-FFF2-40B4-BE49-F238E27FC236}">
-                  <a16:creationId xmlns:a16="http://schemas.microsoft.com/office/drawing/2014/main" id="{F5F536B3-AABF-4C4D-BCCF-D5BCD8EAA4B1}"/>
-                </a:ext>
-              </a:extLst>
-            </p:cNvPr>
-            <p:cNvSpPr txBox="1"/>
-            <p:nvPr/>
-          </p:nvSpPr>
-          <p:spPr>
-            <a:xfrm>
-              <a:off x="2375026" y="2260114"/>
-              <a:ext cx="7441959" cy="370138"/>
-            </a:xfrm>
-            <a:prstGeom prst="rect">
-              <a:avLst/>
-            </a:prstGeom>
-            <a:noFill/>
-          </p:spPr>
-          <p:txBody>
-            <a:bodyPr wrap="square">
-              <a:spAutoFit/>
-            </a:bodyPr>
-            <a:lstStyle/>
-            <a:p>
-              <a:r>
-                <a:rPr lang="en-GB" sz="1600" b="0" i="0" dirty="0" err="1">
-                  <a:effectLst/>
-                  <a:latin typeface="Menlo"/>
-                </a:rPr>
-                <a:t>PsychPortAudio</a:t>
-              </a:r>
-              <a:r>
-                <a:rPr lang="en-GB" sz="1600" b="0" i="0" dirty="0">
-                  <a:effectLst/>
-                  <a:latin typeface="Menlo"/>
-                </a:rPr>
-                <a:t>(</a:t>
-              </a:r>
-              <a:r>
-                <a:rPr lang="en-GB" sz="1600" b="0" i="0" dirty="0">
-                  <a:solidFill>
-                    <a:srgbClr val="A020F0"/>
-                  </a:solidFill>
-                  <a:effectLst/>
-                  <a:latin typeface="Menlo"/>
-                </a:rPr>
-                <a:t>‘Stop'</a:t>
-              </a:r>
-              <a:r>
-                <a:rPr lang="en-GB" sz="1600" b="0" i="0" dirty="0">
-                  <a:effectLst/>
-                  <a:latin typeface="Menlo"/>
-                </a:rPr>
-                <a:t>,</a:t>
-              </a:r>
-              <a:r>
-                <a:rPr lang="en-GB" sz="1600" b="0" i="0" dirty="0" err="1">
-                  <a:effectLst/>
-                  <a:latin typeface="Menlo"/>
-                </a:rPr>
-                <a:t>audioHandle</a:t>
-              </a:r>
-              <a:r>
-                <a:rPr lang="en-GB" sz="1600" b="0" i="0" dirty="0">
-                  <a:effectLst/>
-                  <a:latin typeface="Menlo"/>
-                </a:rPr>
-                <a:t>);</a:t>
-              </a:r>
-            </a:p>
-          </p:txBody>
-        </p:sp>
-        <p:sp>
-          <p:nvSpPr>
-            <p:cNvPr id="52" name="Rectangle: Rounded Corners 51">
-              <a:extLst>
-                <a:ext uri="{FF2B5EF4-FFF2-40B4-BE49-F238E27FC236}">
-                  <a16:creationId xmlns:a16="http://schemas.microsoft.com/office/drawing/2014/main" id="{E7AD1026-D9B9-45B8-B4EF-F1F456979992}"/>
-                </a:ext>
-              </a:extLst>
-            </p:cNvPr>
-            <p:cNvSpPr/>
-            <p:nvPr/>
-          </p:nvSpPr>
-          <p:spPr>
-            <a:xfrm>
-              <a:off x="1853057" y="2225615"/>
-              <a:ext cx="8485885" cy="407555"/>
-            </a:xfrm>
-            <a:prstGeom prst="roundRect">
-              <a:avLst/>
-            </a:prstGeom>
-            <a:noFill/>
-            <a:ln w="9525" cap="flat" cmpd="sng" algn="ctr">
-              <a:solidFill>
-                <a:schemeClr val="dk1"/>
-              </a:solidFill>
-              <a:prstDash val="solid"/>
-              <a:round/>
-              <a:headEnd type="none" w="med" len="med"/>
-              <a:tailEnd type="none" w="med" len="med"/>
-            </a:ln>
-          </p:spPr>
-          <p:style>
-            <a:lnRef idx="0">
-              <a:scrgbClr r="0" g="0" b="0"/>
-            </a:lnRef>
-            <a:fillRef idx="0">
-              <a:scrgbClr r="0" g="0" b="0"/>
-            </a:fillRef>
-            <a:effectRef idx="0">
-              <a:scrgbClr r="0" g="0" b="0"/>
-            </a:effectRef>
-            <a:fontRef idx="minor">
-              <a:schemeClr val="dk1"/>
-            </a:fontRef>
-          </p:style>
-          <p:txBody>
-            <a:bodyPr rtlCol="0" anchor="ctr"/>
-            <a:lstStyle/>
-            <a:p>
-              <a:pPr algn="ctr"/>
-              <a:endParaRPr lang="en-GB" dirty="0"/>
-            </a:p>
-          </p:txBody>
-        </p:sp>
+              </a:fontRef>
+            </p:style>
+            <p:txBody>
+              <a:bodyPr rtlCol="0" anchor="ctr"/>
+              <a:lstStyle/>
+              <a:p>
+                <a:pPr algn="ctr"/>
+                <a:endParaRPr lang="en-GB" dirty="0"/>
+              </a:p>
+            </p:txBody>
+          </p:sp>
+        </p:grpSp>
       </p:grpSp>
       <p:sp>
         <p:nvSpPr>
@@ -30198,8 +30513,8 @@
         </p:nvSpPr>
         <p:spPr>
           <a:xfrm>
-            <a:off x="786441" y="6097936"/>
-            <a:ext cx="6102034" cy="369332"/>
+            <a:off x="786441" y="5871360"/>
+            <a:ext cx="11176228" cy="369332"/>
           </a:xfrm>
           <a:prstGeom prst="rect">
             <a:avLst/>
@@ -30217,9 +30532,18 @@
               <a:buNone/>
             </a:pPr>
             <a:r>
+              <a:rPr lang="en-GB" sz="1800" dirty="0" smtClean="0"/>
+              <a:t>Finally, to </a:t>
+            </a:r>
+            <a:r>
               <a:rPr lang="en-GB" sz="1800" dirty="0"/>
-              <a:t>To close the audio handler</a:t>
-            </a:r>
+              <a:t>close the audio </a:t>
+            </a:r>
+            <a:r>
+              <a:rPr lang="en-GB" sz="1800" dirty="0" smtClean="0"/>
+              <a:t>driver once it is no longer needed</a:t>
+            </a:r>
+            <a:endParaRPr lang="en-GB" sz="1800" dirty="0"/>
           </a:p>
         </p:txBody>
       </p:sp>
@@ -30237,8 +30561,8 @@
         </p:nvGrpSpPr>
         <p:grpSpPr>
           <a:xfrm>
-            <a:off x="4266280" y="6350369"/>
-            <a:ext cx="3834116" cy="372778"/>
+            <a:off x="3977543" y="6277541"/>
+            <a:ext cx="4287002" cy="372778"/>
             <a:chOff x="1853057" y="2225615"/>
             <a:chExt cx="8485885" cy="407555"/>
           </a:xfrm>
@@ -30257,8 +30581,8 @@
           </p:nvSpPr>
           <p:spPr>
             <a:xfrm>
-              <a:off x="2375024" y="2260114"/>
-              <a:ext cx="7441959" cy="370138"/>
+              <a:off x="2426655" y="2260114"/>
+              <a:ext cx="7441957" cy="370138"/>
             </a:xfrm>
             <a:prstGeom prst="rect">
               <a:avLst/>
@@ -30271,6 +30595,7 @@
             </a:bodyPr>
             <a:lstStyle/>
             <a:p>
+              <a:pPr algn="ctr"/>
               <a:r>
                 <a:rPr lang="en-GB" sz="1600" b="0" i="0" dirty="0" err="1">
                   <a:effectLst/>
@@ -30380,10 +30705,10 @@
       </p:grpSp>
       <p:pic>
         <p:nvPicPr>
-          <p:cNvPr id="34" name="Graphic 33" descr="Volume with solid fill">
+          <p:cNvPr id="37" name="Graphic 19" descr="Volume with solid fill">
             <a:extLst>
               <a:ext uri="{FF2B5EF4-FFF2-40B4-BE49-F238E27FC236}">
-                <a16:creationId xmlns:a16="http://schemas.microsoft.com/office/drawing/2014/main" id="{14B64E9C-E2E2-4FC7-A851-9C305B1B3F0F}"/>
+                <a16:creationId xmlns:a16="http://schemas.microsoft.com/office/drawing/2014/main" id="{73EC2B95-13BF-4459-BDE5-F39628782EDD}"/>
               </a:ext>
             </a:extLst>
           </p:cNvPr>
@@ -30393,13 +30718,13 @@
           <p:nvPr/>
         </p:nvPicPr>
         <p:blipFill>
-          <a:blip r:embed="rId2">
+          <a:blip r:embed="rId2" cstate="hqprint">
             <a:extLst>
               <a:ext uri="{28A0092B-C50C-407E-A947-70E740481C1C}">
                 <a14:useLocalDpi xmlns:a14="http://schemas.microsoft.com/office/drawing/2010/main" val="0"/>
               </a:ext>
               <a:ext uri="{96DAC541-7B7A-43D3-8B79-37D633B846F1}">
-                <asvg:svgBlip xmlns:asvg="http://schemas.microsoft.com/office/drawing/2016/SVG/main" r:embed="rId3"/>
+                <asvg:svgBlip xmlns:asvg="http://schemas.microsoft.com/office/drawing/2016/SVG/main" xmlns="" r:embed="rId3"/>
               </a:ext>
             </a:extLst>
           </a:blip>
